--- a/Documents/CollabTracker_Intro.pptx
+++ b/Documents/CollabTracker_Intro.pptx
@@ -274,7 +274,7 @@
           <a:p>
             <a:fld id="{2C09F9E3-B427-4D6B-BB15-3B05BCFAB196}" type="datetimeFigureOut">
               <a:rPr lang="en-US" smtClean="0"/>
-              <a:t>7/12/2020</a:t>
+              <a:t>7/14/2020</a:t>
             </a:fld>
             <a:endParaRPr lang="en-US"/>
           </a:p>
@@ -472,7 +472,7 @@
           <a:p>
             <a:fld id="{2C09F9E3-B427-4D6B-BB15-3B05BCFAB196}" type="datetimeFigureOut">
               <a:rPr lang="en-US" smtClean="0"/>
-              <a:t>7/12/2020</a:t>
+              <a:t>7/14/2020</a:t>
             </a:fld>
             <a:endParaRPr lang="en-US"/>
           </a:p>
@@ -680,7 +680,7 @@
           <a:p>
             <a:fld id="{2C09F9E3-B427-4D6B-BB15-3B05BCFAB196}" type="datetimeFigureOut">
               <a:rPr lang="en-US" smtClean="0"/>
-              <a:t>7/12/2020</a:t>
+              <a:t>7/14/2020</a:t>
             </a:fld>
             <a:endParaRPr lang="en-US"/>
           </a:p>
@@ -878,7 +878,7 @@
           <a:p>
             <a:fld id="{2C09F9E3-B427-4D6B-BB15-3B05BCFAB196}" type="datetimeFigureOut">
               <a:rPr lang="en-US" smtClean="0"/>
-              <a:t>7/12/2020</a:t>
+              <a:t>7/14/2020</a:t>
             </a:fld>
             <a:endParaRPr lang="en-US"/>
           </a:p>
@@ -1153,7 +1153,7 @@
           <a:p>
             <a:fld id="{2C09F9E3-B427-4D6B-BB15-3B05BCFAB196}" type="datetimeFigureOut">
               <a:rPr lang="en-US" smtClean="0"/>
-              <a:t>7/12/2020</a:t>
+              <a:t>7/14/2020</a:t>
             </a:fld>
             <a:endParaRPr lang="en-US"/>
           </a:p>
@@ -1418,7 +1418,7 @@
           <a:p>
             <a:fld id="{2C09F9E3-B427-4D6B-BB15-3B05BCFAB196}" type="datetimeFigureOut">
               <a:rPr lang="en-US" smtClean="0"/>
-              <a:t>7/12/2020</a:t>
+              <a:t>7/14/2020</a:t>
             </a:fld>
             <a:endParaRPr lang="en-US"/>
           </a:p>
@@ -1830,7 +1830,7 @@
           <a:p>
             <a:fld id="{2C09F9E3-B427-4D6B-BB15-3B05BCFAB196}" type="datetimeFigureOut">
               <a:rPr lang="en-US" smtClean="0"/>
-              <a:t>7/12/2020</a:t>
+              <a:t>7/14/2020</a:t>
             </a:fld>
             <a:endParaRPr lang="en-US"/>
           </a:p>
@@ -1971,7 +1971,7 @@
           <a:p>
             <a:fld id="{2C09F9E3-B427-4D6B-BB15-3B05BCFAB196}" type="datetimeFigureOut">
               <a:rPr lang="en-US" smtClean="0"/>
-              <a:t>7/12/2020</a:t>
+              <a:t>7/14/2020</a:t>
             </a:fld>
             <a:endParaRPr lang="en-US"/>
           </a:p>
@@ -2084,7 +2084,7 @@
           <a:p>
             <a:fld id="{2C09F9E3-B427-4D6B-BB15-3B05BCFAB196}" type="datetimeFigureOut">
               <a:rPr lang="en-US" smtClean="0"/>
-              <a:t>7/12/2020</a:t>
+              <a:t>7/14/2020</a:t>
             </a:fld>
             <a:endParaRPr lang="en-US"/>
           </a:p>
@@ -2395,7 +2395,7 @@
           <a:p>
             <a:fld id="{2C09F9E3-B427-4D6B-BB15-3B05BCFAB196}" type="datetimeFigureOut">
               <a:rPr lang="en-US" smtClean="0"/>
-              <a:t>7/12/2020</a:t>
+              <a:t>7/14/2020</a:t>
             </a:fld>
             <a:endParaRPr lang="en-US"/>
           </a:p>
@@ -2683,7 +2683,7 @@
           <a:p>
             <a:fld id="{2C09F9E3-B427-4D6B-BB15-3B05BCFAB196}" type="datetimeFigureOut">
               <a:rPr lang="en-US" smtClean="0"/>
-              <a:t>7/12/2020</a:t>
+              <a:t>7/14/2020</a:t>
             </a:fld>
             <a:endParaRPr lang="en-US"/>
           </a:p>
@@ -2929,7 +2929,7 @@
           <a:p>
             <a:fld id="{2C09F9E3-B427-4D6B-BB15-3B05BCFAB196}" type="datetimeFigureOut">
               <a:rPr lang="en-US" smtClean="0"/>
-              <a:t>7/12/2020</a:t>
+              <a:t>7/14/2020</a:t>
             </a:fld>
             <a:endParaRPr lang="en-US"/>
           </a:p>
@@ -4267,8 +4267,8 @@
         </p:nvSpPr>
         <p:spPr>
           <a:xfrm>
-            <a:off x="838200" y="1500505"/>
-            <a:ext cx="10515600" cy="4351338"/>
+            <a:off x="838200" y="1500504"/>
+            <a:ext cx="10515600" cy="5276215"/>
           </a:xfrm>
         </p:spPr>
         <p:txBody>
@@ -4279,62 +4279,100 @@
           <a:p>
             <a:pPr lvl="0"/>
             <a:r>
-              <a:rPr lang="en-US" sz="2000"/>
+              <a:rPr lang="en-US" sz="2000" dirty="0"/>
               <a:t>Choose the computers to execute catalog server and extended server orchestrators.</a:t>
             </a:r>
           </a:p>
           <a:p>
             <a:pPr lvl="0"/>
             <a:r>
-              <a:rPr lang="en-US" sz="2000"/>
+              <a:rPr lang="en-US" sz="2000" dirty="0"/>
               <a:t>Set the computers’ (user desktop, catalog server and extended orchestrator) environmental variable PATH to include java installation location.</a:t>
             </a:r>
           </a:p>
           <a:p>
             <a:pPr lvl="0"/>
             <a:r>
-              <a:rPr lang="en-US" sz="2000"/>
+              <a:rPr lang="en-US" sz="2000" dirty="0"/>
               <a:t>Set up the servers and then the desktop users using the installation package. The installation package is downloadable from GitHub </a:t>
             </a:r>
             <a:r>
-              <a:rPr lang="en-US" sz="2000" u="sng">
+              <a:rPr lang="en-US" sz="2000" u="sng" dirty="0">
                 <a:hlinkClick r:id="rId2"/>
               </a:rPr>
               <a:t>https://github.com/vibeeshK/CollabTracker</a:t>
             </a:r>
             <a:r>
-              <a:rPr lang="en-US" sz="2000"/>
+              <a:rPr lang="en-US" sz="2000" dirty="0"/>
               <a:t> file: CollabTrackerInstaller_1.x.jar. It performs the following:</a:t>
             </a:r>
           </a:p>
           <a:p>
             <a:pPr lvl="1"/>
             <a:r>
-              <a:rPr lang="en-US" sz="1800"/>
+              <a:rPr lang="en-US" sz="1800" dirty="0"/>
               <a:t>Captures the Installation folder path, Desktop User name who will be using the application and also the proxy IP and port details.</a:t>
             </a:r>
           </a:p>
           <a:p>
             <a:pPr lvl="1"/>
             <a:r>
-              <a:rPr lang="en-US" sz="1800"/>
-              <a:t>Sets the property files - Common, Client, System, Server and Extendedserver to point to the user’s choices.</a:t>
-            </a:r>
-          </a:p>
-          <a:p>
-            <a:pPr lvl="1"/>
-            <a:r>
-              <a:rPr lang="en-US" sz="1800"/>
+              <a:rPr lang="en-US" sz="1800" dirty="0"/>
+              <a:t>Sets the property files - Common, Client, System, Server and </a:t>
+            </a:r>
+            <a:r>
+              <a:rPr lang="en-US" sz="1800" dirty="0" err="1"/>
+              <a:t>Extendedserver</a:t>
+            </a:r>
+            <a:r>
+              <a:rPr lang="en-US" sz="1800" dirty="0"/>
+              <a:t> with user’s choices.</a:t>
+            </a:r>
+          </a:p>
+          <a:p>
+            <a:pPr lvl="1"/>
+            <a:r>
+              <a:rPr lang="en-US" sz="1800" dirty="0"/>
               <a:t>Stores the executables in the installation folder and maps the working folder to user specific folder (i.e. c:\users\Vibeesh).</a:t>
             </a:r>
           </a:p>
           <a:p>
             <a:pPr lvl="0"/>
             <a:r>
-              <a:rPr lang="en-US" sz="2000"/>
-              <a:t>Unless you intend to implement a new custom content type for your own users, you don’t have to set up a platform server. In that case you can suppress the periodic refresh by setting the flag suppressSysCompRefresh in commons.properties.</a:t>
-            </a:r>
-            <a:endParaRPr lang="en-US" sz="2000" dirty="0"/>
+              <a:rPr lang="en-US" sz="2000" dirty="0"/>
+              <a:t>Unless you intend to implement a new custom content type for your own users, you don’t have to set up a platform server. In that case you can suppress the periodic refresh by setting the flag </a:t>
+            </a:r>
+            <a:r>
+              <a:rPr lang="en-US" sz="2000" dirty="0" err="1"/>
+              <a:t>suppressSysCompRefresh</a:t>
+            </a:r>
+            <a:r>
+              <a:rPr lang="en-US" sz="2000" dirty="0"/>
+              <a:t> in </a:t>
+            </a:r>
+            <a:r>
+              <a:rPr lang="en-US" sz="2000" dirty="0" err="1"/>
+              <a:t>commons.properties</a:t>
+            </a:r>
+            <a:r>
+              <a:rPr lang="en-US" sz="2000" dirty="0"/>
+              <a:t>.</a:t>
+            </a:r>
+          </a:p>
+          <a:p>
+            <a:pPr lvl="0"/>
+            <a:r>
+              <a:rPr lang="en-US" sz="2000" dirty="0"/>
+              <a:t>The default installation points the demo content root </a:t>
+            </a:r>
+            <a:r>
+              <a:rPr lang="en-US" sz="2000" dirty="0" err="1"/>
+              <a:t>DemoGShContentRoot</a:t>
+            </a:r>
+            <a:r>
+              <a:rPr lang="en-US" sz="2000" dirty="0"/>
+              <a:t> at google drive. You can train yourself using this root.</a:t>
+            </a:r>
           </a:p>
         </p:txBody>
       </p:sp>

--- a/Documents/CollabTracker_Intro.pptx
+++ b/Documents/CollabTracker_Intro.pptx
@@ -11,16 +11,17 @@
     <p:sldId id="259" r:id="rId5"/>
     <p:sldId id="260" r:id="rId6"/>
     <p:sldId id="261" r:id="rId7"/>
-    <p:sldId id="262" r:id="rId8"/>
-    <p:sldId id="264" r:id="rId9"/>
-    <p:sldId id="265" r:id="rId10"/>
-    <p:sldId id="266" r:id="rId11"/>
-    <p:sldId id="267" r:id="rId12"/>
-    <p:sldId id="268" r:id="rId13"/>
-    <p:sldId id="269" r:id="rId14"/>
-    <p:sldId id="270" r:id="rId15"/>
-    <p:sldId id="271" r:id="rId16"/>
-    <p:sldId id="272" r:id="rId17"/>
+    <p:sldId id="273" r:id="rId8"/>
+    <p:sldId id="262" r:id="rId9"/>
+    <p:sldId id="264" r:id="rId10"/>
+    <p:sldId id="265" r:id="rId11"/>
+    <p:sldId id="266" r:id="rId12"/>
+    <p:sldId id="267" r:id="rId13"/>
+    <p:sldId id="268" r:id="rId14"/>
+    <p:sldId id="269" r:id="rId15"/>
+    <p:sldId id="270" r:id="rId16"/>
+    <p:sldId id="271" r:id="rId17"/>
+    <p:sldId id="272" r:id="rId18"/>
   </p:sldIdLst>
   <p:sldSz cx="12192000" cy="6858000"/>
   <p:notesSz cx="6858000" cy="9144000"/>
@@ -274,7 +275,7 @@
           <a:p>
             <a:fld id="{2C09F9E3-B427-4D6B-BB15-3B05BCFAB196}" type="datetimeFigureOut">
               <a:rPr lang="en-US" smtClean="0"/>
-              <a:t>7/14/2020</a:t>
+              <a:t>7/16/2020</a:t>
             </a:fld>
             <a:endParaRPr lang="en-US"/>
           </a:p>
@@ -472,7 +473,7 @@
           <a:p>
             <a:fld id="{2C09F9E3-B427-4D6B-BB15-3B05BCFAB196}" type="datetimeFigureOut">
               <a:rPr lang="en-US" smtClean="0"/>
-              <a:t>7/14/2020</a:t>
+              <a:t>7/16/2020</a:t>
             </a:fld>
             <a:endParaRPr lang="en-US"/>
           </a:p>
@@ -680,7 +681,7 @@
           <a:p>
             <a:fld id="{2C09F9E3-B427-4D6B-BB15-3B05BCFAB196}" type="datetimeFigureOut">
               <a:rPr lang="en-US" smtClean="0"/>
-              <a:t>7/14/2020</a:t>
+              <a:t>7/16/2020</a:t>
             </a:fld>
             <a:endParaRPr lang="en-US"/>
           </a:p>
@@ -878,7 +879,7 @@
           <a:p>
             <a:fld id="{2C09F9E3-B427-4D6B-BB15-3B05BCFAB196}" type="datetimeFigureOut">
               <a:rPr lang="en-US" smtClean="0"/>
-              <a:t>7/14/2020</a:t>
+              <a:t>7/16/2020</a:t>
             </a:fld>
             <a:endParaRPr lang="en-US"/>
           </a:p>
@@ -1153,7 +1154,7 @@
           <a:p>
             <a:fld id="{2C09F9E3-B427-4D6B-BB15-3B05BCFAB196}" type="datetimeFigureOut">
               <a:rPr lang="en-US" smtClean="0"/>
-              <a:t>7/14/2020</a:t>
+              <a:t>7/16/2020</a:t>
             </a:fld>
             <a:endParaRPr lang="en-US"/>
           </a:p>
@@ -1418,7 +1419,7 @@
           <a:p>
             <a:fld id="{2C09F9E3-B427-4D6B-BB15-3B05BCFAB196}" type="datetimeFigureOut">
               <a:rPr lang="en-US" smtClean="0"/>
-              <a:t>7/14/2020</a:t>
+              <a:t>7/16/2020</a:t>
             </a:fld>
             <a:endParaRPr lang="en-US"/>
           </a:p>
@@ -1830,7 +1831,7 @@
           <a:p>
             <a:fld id="{2C09F9E3-B427-4D6B-BB15-3B05BCFAB196}" type="datetimeFigureOut">
               <a:rPr lang="en-US" smtClean="0"/>
-              <a:t>7/14/2020</a:t>
+              <a:t>7/16/2020</a:t>
             </a:fld>
             <a:endParaRPr lang="en-US"/>
           </a:p>
@@ -1971,7 +1972,7 @@
           <a:p>
             <a:fld id="{2C09F9E3-B427-4D6B-BB15-3B05BCFAB196}" type="datetimeFigureOut">
               <a:rPr lang="en-US" smtClean="0"/>
-              <a:t>7/14/2020</a:t>
+              <a:t>7/16/2020</a:t>
             </a:fld>
             <a:endParaRPr lang="en-US"/>
           </a:p>
@@ -2084,7 +2085,7 @@
           <a:p>
             <a:fld id="{2C09F9E3-B427-4D6B-BB15-3B05BCFAB196}" type="datetimeFigureOut">
               <a:rPr lang="en-US" smtClean="0"/>
-              <a:t>7/14/2020</a:t>
+              <a:t>7/16/2020</a:t>
             </a:fld>
             <a:endParaRPr lang="en-US"/>
           </a:p>
@@ -2395,7 +2396,7 @@
           <a:p>
             <a:fld id="{2C09F9E3-B427-4D6B-BB15-3B05BCFAB196}" type="datetimeFigureOut">
               <a:rPr lang="en-US" smtClean="0"/>
-              <a:t>7/14/2020</a:t>
+              <a:t>7/16/2020</a:t>
             </a:fld>
             <a:endParaRPr lang="en-US"/>
           </a:p>
@@ -2683,7 +2684,7 @@
           <a:p>
             <a:fld id="{2C09F9E3-B427-4D6B-BB15-3B05BCFAB196}" type="datetimeFigureOut">
               <a:rPr lang="en-US" smtClean="0"/>
-              <a:t>7/14/2020</a:t>
+              <a:t>7/16/2020</a:t>
             </a:fld>
             <a:endParaRPr lang="en-US"/>
           </a:p>
@@ -2929,7 +2930,7 @@
           <a:p>
             <a:fld id="{2C09F9E3-B427-4D6B-BB15-3B05BCFAB196}" type="datetimeFigureOut">
               <a:rPr lang="en-US" smtClean="0"/>
-              <a:t>7/14/2020</a:t>
+              <a:t>7/16/2020</a:t>
             </a:fld>
             <a:endParaRPr lang="en-US"/>
           </a:p>
@@ -3415,7 +3416,7 @@
             <a:pPr algn="r"/>
             <a:r>
               <a:rPr lang="en-US" sz="2800" i="1" dirty="0"/>
-              <a:t> &amp; for tracking work progress near real time</a:t>
+              <a:t> &amp; for tracking work progress near real-time</a:t>
             </a:r>
           </a:p>
         </p:txBody>
@@ -3478,7 +3479,7 @@
           <a:p>
             <a:r>
               <a:rPr lang="en-US" dirty="0"/>
-              <a:t>Pre-loaded Content Types</a:t>
+              <a:t>Content Handlers</a:t>
             </a:r>
           </a:p>
         </p:txBody>
@@ -3507,155 +3508,68 @@
         </p:spPr>
         <p:txBody>
           <a:bodyPr>
-            <a:normAutofit fontScale="92500" lnSpcReduction="10000"/>
+            <a:normAutofit fontScale="85000" lnSpcReduction="20000"/>
           </a:bodyPr>
           <a:lstStyle/>
           <a:p>
             <a:r>
-              <a:rPr lang="en-US" sz="1600" b="1" dirty="0"/>
-              <a:t>General Request Generator</a:t>
-            </a:r>
-            <a:endParaRPr lang="en-US" sz="1600" dirty="0"/>
-          </a:p>
-          <a:p>
-            <a:pPr lvl="1"/>
-            <a:r>
-              <a:rPr lang="en-US" sz="1400" dirty="0"/>
-              <a:t>Acts as a general-purpose requests collector from users. Helps to categorize and take actions.</a:t>
-            </a:r>
-          </a:p>
-          <a:p>
-            <a:r>
-              <a:rPr lang="en-US" sz="1600" b="1" dirty="0"/>
-              <a:t>Idea Generator</a:t>
-            </a:r>
-            <a:endParaRPr lang="en-US" sz="1600" dirty="0"/>
-          </a:p>
-          <a:p>
-            <a:pPr lvl="1"/>
-            <a:r>
-              <a:rPr lang="en-US" sz="1400" dirty="0"/>
-              <a:t>Captures ideas from team members and rolls them up at relevance (i.e. team) level. Reviewers can comment and help </a:t>
-            </a:r>
-            <a:r>
-              <a:rPr lang="en-US" sz="1400" dirty="0" err="1"/>
-              <a:t>improvize</a:t>
-            </a:r>
-            <a:r>
-              <a:rPr lang="en-US" sz="1400" dirty="0"/>
-              <a:t>.</a:t>
-            </a:r>
-          </a:p>
-          <a:p>
-            <a:r>
-              <a:rPr lang="en-US" sz="1600" b="1" dirty="0"/>
-              <a:t>Timesheet Capture</a:t>
-            </a:r>
-            <a:endParaRPr lang="en-US" sz="1600" dirty="0"/>
-          </a:p>
-          <a:p>
-            <a:pPr lvl="1"/>
-            <a:r>
-              <a:rPr lang="en-US" sz="1400" dirty="0"/>
-              <a:t>Captures timecards in real time. Allows one to create a new time-capture function to track the time spent at specific interval and start tracking the time expended in real time. This module can be further evolved to interact via mobile devices.</a:t>
-            </a:r>
-          </a:p>
-          <a:p>
-            <a:r>
-              <a:rPr lang="en-US" sz="1600" b="1" dirty="0" err="1"/>
-              <a:t>ToDo</a:t>
-            </a:r>
-            <a:r>
-              <a:rPr lang="en-US" sz="1600" b="1" dirty="0"/>
-              <a:t> Generator</a:t>
-            </a:r>
-            <a:endParaRPr lang="en-US" sz="1600" dirty="0"/>
-          </a:p>
-          <a:p>
-            <a:pPr lvl="1"/>
-            <a:r>
-              <a:rPr lang="en-US" sz="1400" dirty="0"/>
-              <a:t>Team leaders can create a template and assign to team members to author artifacts. </a:t>
-            </a:r>
-            <a:r>
-              <a:rPr lang="en-US" sz="1400" dirty="0" err="1"/>
-              <a:t>Todo</a:t>
-            </a:r>
-            <a:r>
-              <a:rPr lang="en-US" sz="1400" dirty="0"/>
-              <a:t> items of a team member are rolled up into a single list for easier view.</a:t>
-            </a:r>
-          </a:p>
-          <a:p>
-            <a:r>
-              <a:rPr lang="en-US" sz="1600" b="1" dirty="0"/>
-              <a:t>Simple Tracker</a:t>
-            </a:r>
-            <a:endParaRPr lang="en-US" sz="1600" dirty="0"/>
-          </a:p>
-          <a:p>
-            <a:pPr lvl="1"/>
-            <a:r>
-              <a:rPr lang="en-US" sz="1400" dirty="0"/>
-              <a:t>Enables members of a team to maintain consistent data sheets which can be merged onto a </a:t>
-            </a:r>
-            <a:r>
-              <a:rPr lang="en-US" sz="1400" dirty="0" err="1"/>
-              <a:t>DeckerLite</a:t>
-            </a:r>
-            <a:r>
-              <a:rPr lang="en-US" sz="1400" dirty="0"/>
-              <a:t> rollup sheet.</a:t>
-            </a:r>
-          </a:p>
-          <a:p>
-            <a:r>
-              <a:rPr lang="en-US" sz="1600" b="1" dirty="0"/>
-              <a:t>Decker Lite</a:t>
-            </a:r>
-            <a:endParaRPr lang="en-US" sz="1600" dirty="0"/>
-          </a:p>
-          <a:p>
-            <a:pPr lvl="1"/>
-            <a:r>
-              <a:rPr lang="en-US" sz="1400" dirty="0"/>
-              <a:t>A simple decking process that combines the records of individual contents into a group level view. </a:t>
-            </a:r>
-          </a:p>
-          <a:p>
-            <a:r>
-              <a:rPr lang="en-US" sz="1600" b="1" dirty="0"/>
-              <a:t>Project Tracker</a:t>
-            </a:r>
-            <a:endParaRPr lang="en-US" sz="1600" dirty="0"/>
-          </a:p>
-          <a:p>
-            <a:pPr lvl="1"/>
-            <a:r>
-              <a:rPr lang="en-US" sz="1400" dirty="0"/>
-              <a:t>Provides an All-in-One Dashboard to project managers that tracks effort, defects, impediments and independent task progress in near real time. (Limitation: doesn’t auto-capture impacts from inter-dependency. Large projects may require an additional Project Planning tool since few aspects like interdependencies and holiday calendars are not covered by this handler.)</a:t>
-            </a:r>
-          </a:p>
-          <a:p>
-            <a:r>
-              <a:rPr lang="en-US" sz="1600" b="1" dirty="0"/>
-              <a:t>Decker Grouper</a:t>
-            </a:r>
-            <a:endParaRPr lang="en-US" sz="1600" dirty="0"/>
-          </a:p>
-          <a:p>
-            <a:pPr lvl="1"/>
-            <a:r>
-              <a:rPr lang="en-US" sz="1400" dirty="0"/>
-              <a:t>With this one can setup a combiner for special contents such as project trackers into a summary view to upper management.</a:t>
-            </a:r>
+              <a:rPr lang="en-US" dirty="0"/>
+              <a:t>While the processors handle generic house-keeping functions, they won’t have any clue on the specific needs of the contents. For that they trigger the corresponding </a:t>
+            </a:r>
+            <a:r>
+              <a:rPr lang="en-US" i="1" dirty="0"/>
+              <a:t>content handlers</a:t>
+            </a:r>
+            <a:r>
+              <a:rPr lang="en-US" dirty="0"/>
+              <a:t> at run time.</a:t>
+            </a:r>
+          </a:p>
+          <a:p>
+            <a:endParaRPr lang="en-US" dirty="0"/>
+          </a:p>
+          <a:p>
+            <a:r>
+              <a:rPr lang="en-US" dirty="0"/>
+              <a:t>The framework deploys a lightweight dependency injection function to load content handlers during runtime using the </a:t>
+            </a:r>
+            <a:r>
+              <a:rPr lang="en-US" i="1" dirty="0"/>
+              <a:t>dynamic class loading</a:t>
+            </a:r>
+            <a:r>
+              <a:rPr lang="en-US" dirty="0"/>
+              <a:t> feature of Java.</a:t>
+            </a:r>
+          </a:p>
+          <a:p>
+            <a:endParaRPr lang="en-US" dirty="0"/>
+          </a:p>
+          <a:p>
+            <a:r>
+              <a:rPr lang="en-US" dirty="0"/>
+              <a:t>A content can be either an individual type which is maintained as is, or a rollup type which will sit inside another rolled up content.</a:t>
+            </a:r>
+          </a:p>
+          <a:p>
+            <a:endParaRPr lang="en-US" dirty="0"/>
+          </a:p>
+          <a:p>
+            <a:r>
+              <a:rPr lang="en-US" dirty="0"/>
+              <a:t>The content handlers handle the unique requirements of contents for displaying at client side, for processing by catalog server and for any special processing by extended processor.</a:t>
+            </a:r>
+            <a:br>
+              <a:rPr lang="en-US" dirty="0"/>
+            </a:br>
+            <a:endParaRPr lang="en-US" dirty="0"/>
           </a:p>
         </p:txBody>
       </p:sp>
     </p:spTree>
     <p:extLst>
       <p:ext uri="{BB962C8B-B14F-4D97-AF65-F5344CB8AC3E}">
-        <p14:creationId xmlns:p14="http://schemas.microsoft.com/office/powerpoint/2010/main" val="3063277857"/>
+        <p14:creationId xmlns:p14="http://schemas.microsoft.com/office/powerpoint/2010/main" val="1252656569"/>
       </p:ext>
     </p:extLst>
   </p:cSld>
@@ -3698,305 +3612,196 @@
             <p:ph type="title"/>
           </p:nvPr>
         </p:nvSpPr>
-        <p:spPr/>
-        <p:txBody>
-          <a:bodyPr>
-            <a:normAutofit/>
-          </a:bodyPr>
-          <a:lstStyle/>
-          <a:p>
-            <a:r>
-              <a:rPr lang="en-US" dirty="0" err="1"/>
-              <a:t>Sourcecode</a:t>
-            </a:r>
-            <a:r>
-              <a:rPr lang="en-US" dirty="0"/>
-              <a:t> Organization</a:t>
-            </a:r>
-          </a:p>
-        </p:txBody>
-      </p:sp>
-      <p:sp>
-        <p:nvSpPr>
-          <p:cNvPr id="3" name="Content Placeholder 2">
-            <a:extLst>
-              <a:ext uri="{FF2B5EF4-FFF2-40B4-BE49-F238E27FC236}">
-                <a16:creationId xmlns:a16="http://schemas.microsoft.com/office/drawing/2014/main" id="{7A83E263-F431-42D8-9AD4-3CD630EFF0D2}"/>
-              </a:ext>
-            </a:extLst>
-          </p:cNvPr>
-          <p:cNvSpPr>
-            <a:spLocks noGrp="1"/>
-          </p:cNvSpPr>
-          <p:nvPr>
-            <p:ph sz="half" idx="1"/>
-          </p:nvPr>
-        </p:nvSpPr>
         <p:spPr>
           <a:xfrm>
-            <a:off x="838200" y="1591945"/>
-            <a:ext cx="5181600" cy="4351338"/>
+            <a:off x="838200" y="375285"/>
+            <a:ext cx="10515600" cy="1325563"/>
           </a:xfrm>
         </p:spPr>
         <p:txBody>
-          <a:bodyPr>
-            <a:noAutofit/>
-          </a:bodyPr>
-          <a:lstStyle/>
-          <a:p>
-            <a:r>
-              <a:rPr lang="en-US" sz="1400" b="1" dirty="0"/>
-              <a:t>Master Project - </a:t>
-            </a:r>
-            <a:r>
-              <a:rPr lang="en-US" sz="1400" b="1" dirty="0" err="1"/>
-              <a:t>ColbTrkerProj</a:t>
-            </a:r>
-            <a:r>
-              <a:rPr lang="en-US" sz="1400" b="1" dirty="0"/>
-              <a:t>:</a:t>
-            </a:r>
-          </a:p>
-          <a:p>
-            <a:pPr lvl="1"/>
-            <a:r>
-              <a:rPr lang="en-US" sz="1400" dirty="0"/>
-              <a:t>The source code packages are modularly organized within this Multi-module Maven project for easier maintenance and enhancements.</a:t>
-            </a:r>
-          </a:p>
-          <a:p>
-            <a:r>
-              <a:rPr lang="en-US" sz="1400" b="1" dirty="0" err="1"/>
-              <a:t>Mdule</a:t>
-            </a:r>
-            <a:r>
-              <a:rPr lang="en-US" sz="1400" b="1" dirty="0"/>
-              <a:t> - </a:t>
-            </a:r>
-            <a:r>
-              <a:rPr lang="en-US" sz="1400" b="1" dirty="0" err="1"/>
-              <a:t>ColbTrk</a:t>
-            </a:r>
-            <a:r>
-              <a:rPr lang="en-US" sz="1400" b="1" dirty="0"/>
-              <a:t> (Base Components):</a:t>
-            </a:r>
-          </a:p>
-          <a:p>
-            <a:pPr lvl="1"/>
-            <a:r>
-              <a:rPr lang="en-US" sz="1400" dirty="0"/>
-              <a:t>Contains the base components to handle the Desktop and Doc Central processes.</a:t>
-            </a:r>
-          </a:p>
-          <a:p>
-            <a:pPr lvl="1"/>
-            <a:r>
-              <a:rPr lang="en-US" sz="1400" dirty="0"/>
-              <a:t>Common routines that simplifies the work of business layer</a:t>
-            </a:r>
-          </a:p>
-          <a:p>
-            <a:pPr lvl="1"/>
-            <a:r>
-              <a:rPr lang="en-US" sz="1400" dirty="0"/>
-              <a:t>Abstracts of content handlers with generic functions</a:t>
-            </a:r>
-          </a:p>
-          <a:p>
-            <a:pPr lvl="1"/>
-            <a:r>
-              <a:rPr lang="en-US" sz="1400" dirty="0"/>
-              <a:t>Interface definitions to standardize Remote processing and OS handling</a:t>
-            </a:r>
-          </a:p>
-          <a:p>
-            <a:pPr lvl="1"/>
-            <a:r>
-              <a:rPr lang="en-US" sz="1400" dirty="0"/>
-              <a:t>Dynamic loaders of content handlers, OS handlers and Remote processors.</a:t>
-            </a:r>
-          </a:p>
-          <a:p>
-            <a:pPr lvl="1"/>
-            <a:r>
-              <a:rPr lang="en-US" sz="1400" dirty="0"/>
-              <a:t>Refreshers to synch up newer versions of content handlers without manual intervention.</a:t>
-            </a:r>
-          </a:p>
-          <a:p>
-            <a:pPr lvl="1"/>
-            <a:r>
-              <a:rPr lang="en-US" sz="1400" dirty="0" err="1"/>
-              <a:t>ReviewHandlers</a:t>
-            </a:r>
-            <a:r>
-              <a:rPr lang="en-US" sz="1400" dirty="0"/>
-              <a:t> through which the users can log remarks directly on the artifacts.</a:t>
-            </a:r>
-          </a:p>
-          <a:p>
-            <a:r>
-              <a:rPr lang="en-US" sz="1400" b="1" dirty="0"/>
-              <a:t>Module - Content Handlers:</a:t>
-            </a:r>
-          </a:p>
-          <a:p>
-            <a:pPr lvl="1"/>
-            <a:r>
-              <a:rPr lang="en-US" sz="1400" dirty="0"/>
-              <a:t>Provides the handling mechanism for each content type at client desktops and at catalog servers.</a:t>
-            </a:r>
-          </a:p>
-        </p:txBody>
-      </p:sp>
-      <p:sp>
-        <p:nvSpPr>
-          <p:cNvPr id="4" name="Content Placeholder 3">
-            <a:extLst>
-              <a:ext uri="{FF2B5EF4-FFF2-40B4-BE49-F238E27FC236}">
-                <a16:creationId xmlns:a16="http://schemas.microsoft.com/office/drawing/2014/main" id="{A3E98A54-904E-43C9-90AF-0858DCF8E197}"/>
-              </a:ext>
-            </a:extLst>
-          </p:cNvPr>
-          <p:cNvSpPr>
-            <a:spLocks noGrp="1"/>
-          </p:cNvSpPr>
-          <p:nvPr>
-            <p:ph sz="half" idx="2"/>
+          <a:bodyPr/>
+          <a:lstStyle/>
+          <a:p>
+            <a:r>
+              <a:rPr lang="en-US" dirty="0"/>
+              <a:t>Pre-loaded Content Types</a:t>
+            </a:r>
+          </a:p>
+        </p:txBody>
+      </p:sp>
+      <p:sp>
+        <p:nvSpPr>
+          <p:cNvPr id="3" name="Content Placeholder 2">
+            <a:extLst>
+              <a:ext uri="{FF2B5EF4-FFF2-40B4-BE49-F238E27FC236}">
+                <a16:creationId xmlns:a16="http://schemas.microsoft.com/office/drawing/2014/main" id="{7A83E263-F431-42D8-9AD4-3CD630EFF0D2}"/>
+              </a:ext>
+            </a:extLst>
+          </p:cNvPr>
+          <p:cNvSpPr>
+            <a:spLocks noGrp="1"/>
+          </p:cNvSpPr>
+          <p:nvPr>
+            <p:ph idx="1"/>
           </p:nvPr>
         </p:nvSpPr>
         <p:spPr>
           <a:xfrm>
-            <a:off x="6172200" y="1591945"/>
-            <a:ext cx="5181600" cy="4351338"/>
+            <a:off x="838200" y="1503680"/>
+            <a:ext cx="10515600" cy="4917123"/>
           </a:xfrm>
         </p:spPr>
         <p:txBody>
           <a:bodyPr>
-            <a:noAutofit/>
+            <a:normAutofit fontScale="92500" lnSpcReduction="10000"/>
           </a:bodyPr>
           <a:lstStyle/>
           <a:p>
             <a:r>
-              <a:rPr lang="en-US" sz="1400" b="1" dirty="0"/>
-              <a:t>Module - OS Handlers:</a:t>
-            </a:r>
+              <a:rPr lang="en-US" sz="1600" b="1" dirty="0"/>
+              <a:t>General Request Generator</a:t>
+            </a:r>
+            <a:endParaRPr lang="en-US" sz="1600" dirty="0"/>
           </a:p>
           <a:p>
             <a:pPr lvl="1"/>
             <a:r>
               <a:rPr lang="en-US" sz="1400" dirty="0"/>
-              <a:t>File viewing at user’s desktop. Readily available for Windows and can be easily extended on other systems.</a:t>
-            </a:r>
-          </a:p>
-          <a:p>
-            <a:r>
-              <a:rPr lang="en-US" sz="1400" b="1" dirty="0"/>
-              <a:t>Module - Remote Accessors:</a:t>
-            </a:r>
+              <a:t>Acts as a general-purpose requests collector from users. Helps to categorize and take actions.</a:t>
+            </a:r>
+          </a:p>
+          <a:p>
+            <a:r>
+              <a:rPr lang="en-US" sz="1600" b="1" dirty="0"/>
+              <a:t>Idea Generator</a:t>
+            </a:r>
+            <a:endParaRPr lang="en-US" sz="1600" dirty="0"/>
           </a:p>
           <a:p>
             <a:pPr lvl="1"/>
             <a:r>
               <a:rPr lang="en-US" sz="1400" dirty="0"/>
-              <a:t>Enables interactions with different document collaboration tools viz. Windows file system, Google Drives, WebDAV enabled portals in a consistent manner.</a:t>
-            </a:r>
+              <a:t>Captures ideas from team members and rolls them up at relevance (i.e. team) level. Reviewers can comment and help </a:t>
+            </a:r>
+            <a:r>
+              <a:rPr lang="en-US" sz="1400" dirty="0" err="1"/>
+              <a:t>improvize</a:t>
+            </a:r>
+            <a:r>
+              <a:rPr lang="en-US" sz="1400" dirty="0"/>
+              <a:t>.</a:t>
+            </a:r>
+          </a:p>
+          <a:p>
+            <a:r>
+              <a:rPr lang="en-US" sz="1600" b="1" dirty="0"/>
+              <a:t>Timesheet Capture</a:t>
+            </a:r>
+            <a:endParaRPr lang="en-US" sz="1600" dirty="0"/>
           </a:p>
           <a:p>
             <a:pPr lvl="1"/>
             <a:r>
               <a:rPr lang="en-US" sz="1400" dirty="0"/>
-              <a:t>Few remote accessors viz. </a:t>
+              <a:t>Captures timecards in real time. Allows one to create a new time-capture function to track the time spent at specific interval and start tracking the time expended in real time. This module can be further evolved to interact via mobile devices.</a:t>
+            </a:r>
+          </a:p>
+          <a:p>
+            <a:r>
+              <a:rPr lang="en-US" sz="1600" b="1" dirty="0" err="1"/>
+              <a:t>ToDo</a:t>
+            </a:r>
+            <a:r>
+              <a:rPr lang="en-US" sz="1600" b="1" dirty="0"/>
+              <a:t> Generator</a:t>
+            </a:r>
+            <a:endParaRPr lang="en-US" sz="1600" dirty="0"/>
+          </a:p>
+          <a:p>
+            <a:pPr lvl="1"/>
+            <a:r>
+              <a:rPr lang="en-US" sz="1400" dirty="0"/>
+              <a:t>Team leaders can create a template and assign to team members to author artifacts. </a:t>
             </a:r>
             <a:r>
               <a:rPr lang="en-US" sz="1400" dirty="0" err="1"/>
-              <a:t>GoogleDrive</a:t>
+              <a:t>Todo</a:t>
             </a:r>
             <a:r>
               <a:rPr lang="en-US" sz="1400" dirty="0"/>
-              <a:t> accessor incorporate content location caching to speed up the process.</a:t>
-            </a:r>
-          </a:p>
-          <a:p>
-            <a:r>
-              <a:rPr lang="en-US" sz="1400" b="1" dirty="0"/>
-              <a:t>Module - Extended Server Components:</a:t>
-            </a:r>
+              <a:t> items of a team member are rolled up into a single list for easier view.</a:t>
+            </a:r>
+          </a:p>
+          <a:p>
+            <a:r>
+              <a:rPr lang="en-US" sz="1600" b="1" dirty="0"/>
+              <a:t>Simple Tracker</a:t>
+            </a:r>
+            <a:endParaRPr lang="en-US" sz="1600" dirty="0"/>
           </a:p>
           <a:p>
             <a:pPr lvl="1"/>
             <a:r>
               <a:rPr lang="en-US" sz="1400" dirty="0"/>
-              <a:t>Provides the Orchestrators for Extended processing of special contents.</a:t>
-            </a:r>
-          </a:p>
-          <a:p>
-            <a:r>
-              <a:rPr lang="en-US" sz="1400" b="1" dirty="0"/>
-              <a:t>Module – Extended Handlers:</a:t>
-            </a:r>
+              <a:t>Enables members of a team to maintain consistent data sheets which can be merged onto a </a:t>
+            </a:r>
+            <a:r>
+              <a:rPr lang="en-US" sz="1400" dirty="0" err="1"/>
+              <a:t>DeckerLite</a:t>
+            </a:r>
+            <a:r>
+              <a:rPr lang="en-US" sz="1400" dirty="0"/>
+              <a:t> rollup sheet.</a:t>
+            </a:r>
+          </a:p>
+          <a:p>
+            <a:r>
+              <a:rPr lang="en-US" sz="1600" b="1" dirty="0"/>
+              <a:t>Decker Lite</a:t>
+            </a:r>
+            <a:endParaRPr lang="en-US" sz="1600" dirty="0"/>
           </a:p>
           <a:p>
             <a:pPr lvl="1"/>
             <a:r>
               <a:rPr lang="en-US" sz="1400" dirty="0"/>
-              <a:t>Implementations of the extended processing of special contents that require unique enrichments at server side.</a:t>
-            </a:r>
-          </a:p>
-          <a:p>
-            <a:r>
-              <a:rPr lang="en-US" sz="1400" b="1" dirty="0"/>
-              <a:t>Modules - </a:t>
-            </a:r>
-            <a:r>
-              <a:rPr lang="en-US" sz="1400" b="1" dirty="0" err="1"/>
-              <a:t>CommonOpenCldFns</a:t>
-            </a:r>
-            <a:r>
-              <a:rPr lang="en-US" sz="1400" b="1" dirty="0"/>
-              <a:t> and </a:t>
-            </a:r>
-            <a:r>
-              <a:rPr lang="en-US" sz="1400" b="1" dirty="0" err="1"/>
-              <a:t>XtdCommonOpenCldFns</a:t>
-            </a:r>
-            <a:endParaRPr lang="en-US" sz="1400" dirty="0"/>
+              <a:t>A simple decking process that combines the records of individual contents into a group level view. </a:t>
+            </a:r>
+          </a:p>
+          <a:p>
+            <a:r>
+              <a:rPr lang="en-US" sz="1600" b="1" dirty="0"/>
+              <a:t>Project Tracker</a:t>
+            </a:r>
+            <a:endParaRPr lang="en-US" sz="1600" dirty="0"/>
           </a:p>
           <a:p>
             <a:pPr lvl="1"/>
             <a:r>
               <a:rPr lang="en-US" sz="1400" dirty="0"/>
-              <a:t>Packages commonly used methods.</a:t>
-            </a:r>
-          </a:p>
-          <a:p>
-            <a:r>
-              <a:rPr lang="en-US" sz="1400" b="1" dirty="0"/>
-              <a:t>Project – </a:t>
-            </a:r>
-            <a:r>
-              <a:rPr lang="en-US" sz="1400" b="1" dirty="0" err="1"/>
-              <a:t>ZColbTrkInstaller</a:t>
-            </a:r>
-            <a:endParaRPr lang="en-US" sz="1400" b="1" dirty="0"/>
+              <a:t>Provides an All-in-One Dashboard to project managers that tracks effort, defects, impediments and independent task progress in near real time. (Limitation: doesn’t auto-capture impacts from inter-dependency. Large projects may require an additional Project Planning tool since few aspects like interdependencies and holiday calendars are not covered by this handler.)</a:t>
+            </a:r>
+          </a:p>
+          <a:p>
+            <a:r>
+              <a:rPr lang="en-US" sz="1600" b="1" dirty="0"/>
+              <a:t>Decker Grouper</a:t>
+            </a:r>
+            <a:endParaRPr lang="en-US" sz="1600" dirty="0"/>
           </a:p>
           <a:p>
             <a:pPr lvl="1"/>
             <a:r>
               <a:rPr lang="en-US" sz="1400" dirty="0"/>
-              <a:t>Packages installation executables.</a:t>
-            </a:r>
-          </a:p>
-          <a:p>
-            <a:endParaRPr lang="en-US" sz="1400" dirty="0"/>
+              <a:t>With this one can setup a combiner for special contents such as project trackers into a summary view to upper management.</a:t>
+            </a:r>
           </a:p>
         </p:txBody>
       </p:sp>
     </p:spTree>
     <p:extLst>
       <p:ext uri="{BB962C8B-B14F-4D97-AF65-F5344CB8AC3E}">
-        <p14:creationId xmlns:p14="http://schemas.microsoft.com/office/powerpoint/2010/main" val="3005285128"/>
+        <p14:creationId xmlns:p14="http://schemas.microsoft.com/office/powerpoint/2010/main" val="3063277857"/>
       </p:ext>
     </p:extLst>
   </p:cSld>
@@ -4047,8 +3852,12 @@
           <a:lstStyle/>
           <a:p>
             <a:r>
+              <a:rPr lang="en-US" dirty="0" err="1"/>
+              <a:t>Sourcecode</a:t>
+            </a:r>
+            <a:r>
               <a:rPr lang="en-US" dirty="0"/>
-              <a:t>Technology stack</a:t>
+              <a:t> Organization</a:t>
             </a:r>
           </a:p>
         </p:txBody>
@@ -4066,13 +3875,13 @@
             <a:spLocks noGrp="1"/>
           </p:cNvSpPr>
           <p:nvPr>
-            <p:ph idx="1"/>
+            <p:ph sz="half" idx="1"/>
           </p:nvPr>
         </p:nvSpPr>
         <p:spPr>
           <a:xfrm>
-            <a:off x="838200" y="1500505"/>
-            <a:ext cx="10515600" cy="4351338"/>
+            <a:off x="838200" y="1591945"/>
+            <a:ext cx="5181600" cy="4351338"/>
           </a:xfrm>
         </p:spPr>
         <p:txBody>
@@ -4082,116 +3891,258 @@
           <a:lstStyle/>
           <a:p>
             <a:r>
-              <a:rPr lang="en-US" sz="1800" b="1" dirty="0" err="1"/>
-              <a:t>jdk</a:t>
-            </a:r>
-            <a:r>
-              <a:rPr lang="en-US" sz="1800" b="1" dirty="0"/>
-              <a:t> 1.8		</a:t>
-            </a:r>
-            <a:r>
-              <a:rPr lang="en-US" sz="1800" dirty="0"/>
-              <a:t>Java Development Kit</a:t>
-            </a:r>
-          </a:p>
-          <a:p>
-            <a:r>
-              <a:rPr lang="en-US" sz="1800" b="1" dirty="0"/>
-              <a:t>SWT</a:t>
-            </a:r>
-            <a:r>
-              <a:rPr lang="en-US" sz="1800" dirty="0"/>
-              <a:t>		Standard Widget Toolkit, a </a:t>
-            </a:r>
-            <a:r>
-              <a:rPr lang="en-US" sz="1800" dirty="0" err="1"/>
-              <a:t>llightweight</a:t>
-            </a:r>
-            <a:r>
-              <a:rPr lang="en-US" sz="1800" dirty="0"/>
-              <a:t> framework for desktop UI</a:t>
-            </a:r>
-          </a:p>
-          <a:p>
-            <a:r>
-              <a:rPr lang="en-US" sz="1800" b="1" dirty="0"/>
-              <a:t>SQLite		</a:t>
-            </a:r>
-            <a:r>
-              <a:rPr lang="en-US" sz="1800" dirty="0"/>
-              <a:t>Serverless self-contained database engine for tracking the drafts one creates, to publish the 		available artifacts catalog to all participants, to track the subscriptions at subscribers’ 			desktops and  to hold the Content Type configurations.</a:t>
-            </a:r>
-          </a:p>
-          <a:p>
-            <a:r>
-              <a:rPr lang="en-US" sz="1800" b="1" dirty="0"/>
-              <a:t>Google APIs	</a:t>
-            </a:r>
-            <a:r>
-              <a:rPr lang="en-US" sz="1800" dirty="0"/>
-              <a:t>For accessing a Google Drive based doc central</a:t>
-            </a:r>
-          </a:p>
-          <a:p>
-            <a:r>
-              <a:rPr lang="en-US" sz="1800" b="1" dirty="0"/>
-              <a:t>Sardine	</a:t>
-            </a:r>
-            <a:r>
-              <a:rPr lang="en-US" sz="1800" dirty="0"/>
-              <a:t>For accessing WebDAV enabled doc central</a:t>
-            </a:r>
-          </a:p>
-          <a:p>
-            <a:r>
-              <a:rPr lang="en-US" sz="1800" b="1" dirty="0"/>
-              <a:t>Apache POI	</a:t>
-            </a:r>
-            <a:r>
-              <a:rPr lang="en-US" sz="1800" dirty="0"/>
-              <a:t>For rolling up excel artifacts</a:t>
-            </a:r>
-          </a:p>
-          <a:p>
-            <a:r>
-              <a:rPr lang="en-US" sz="1800" b="1" dirty="0"/>
-              <a:t>Log4J		</a:t>
-            </a:r>
-            <a:r>
-              <a:rPr lang="en-US" sz="1800" dirty="0"/>
-              <a:t>Error Logging</a:t>
-            </a:r>
-          </a:p>
-          <a:p>
-            <a:r>
-              <a:rPr lang="en-US" sz="1800" b="1" dirty="0"/>
-              <a:t>Maven		</a:t>
-            </a:r>
-            <a:r>
-              <a:rPr lang="en-US" sz="1800" dirty="0"/>
-              <a:t>For version control of external repositories.</a:t>
-            </a:r>
-          </a:p>
-          <a:p>
-            <a:r>
-              <a:rPr lang="en-US" sz="1800" b="1" dirty="0" err="1"/>
-              <a:t>Izpack</a:t>
-            </a:r>
-            <a:r>
-              <a:rPr lang="en-US" sz="1800" b="1" dirty="0"/>
-              <a:t>		</a:t>
-            </a:r>
-            <a:r>
-              <a:rPr lang="en-US" sz="1800" dirty="0"/>
-              <a:t>For packaging and installation</a:t>
-            </a:r>
+              <a:rPr lang="en-US" sz="1400" b="1" dirty="0"/>
+              <a:t>Master Project - </a:t>
+            </a:r>
+            <a:r>
+              <a:rPr lang="en-US" sz="1400" b="1" dirty="0" err="1"/>
+              <a:t>ColbTrkerProj</a:t>
+            </a:r>
+            <a:r>
+              <a:rPr lang="en-US" sz="1400" b="1" dirty="0"/>
+              <a:t>:</a:t>
+            </a:r>
+          </a:p>
+          <a:p>
+            <a:pPr lvl="1"/>
+            <a:r>
+              <a:rPr lang="en-US" sz="1400" dirty="0"/>
+              <a:t>The source code packages are modularly organized within this Multi-module Maven project for easier maintenance and enhancements.</a:t>
+            </a:r>
+          </a:p>
+          <a:p>
+            <a:r>
+              <a:rPr lang="en-US" sz="1400" b="1" dirty="0" err="1"/>
+              <a:t>Mdule</a:t>
+            </a:r>
+            <a:r>
+              <a:rPr lang="en-US" sz="1400" b="1" dirty="0"/>
+              <a:t> - </a:t>
+            </a:r>
+            <a:r>
+              <a:rPr lang="en-US" sz="1400" b="1" dirty="0" err="1"/>
+              <a:t>ColbTrk</a:t>
+            </a:r>
+            <a:r>
+              <a:rPr lang="en-US" sz="1400" b="1" dirty="0"/>
+              <a:t> (Base Components):</a:t>
+            </a:r>
+          </a:p>
+          <a:p>
+            <a:pPr lvl="1"/>
+            <a:r>
+              <a:rPr lang="en-US" sz="1400" dirty="0"/>
+              <a:t>Contains the base components to handle the Desktop and Doc Central processes.</a:t>
+            </a:r>
+          </a:p>
+          <a:p>
+            <a:pPr lvl="1"/>
+            <a:r>
+              <a:rPr lang="en-US" sz="1400" dirty="0"/>
+              <a:t>Common routines that simplifies the work of business layer</a:t>
+            </a:r>
+          </a:p>
+          <a:p>
+            <a:pPr lvl="1"/>
+            <a:r>
+              <a:rPr lang="en-US" sz="1400" dirty="0"/>
+              <a:t>Abstracts of content handlers with generic functions</a:t>
+            </a:r>
+          </a:p>
+          <a:p>
+            <a:pPr lvl="1"/>
+            <a:r>
+              <a:rPr lang="en-US" sz="1400" dirty="0"/>
+              <a:t>Interface definitions to standardize Remote processing and OS handling</a:t>
+            </a:r>
+          </a:p>
+          <a:p>
+            <a:pPr lvl="1"/>
+            <a:r>
+              <a:rPr lang="en-US" sz="1400" dirty="0"/>
+              <a:t>Dynamic loaders of content handlers, OS handlers and Remote processors.</a:t>
+            </a:r>
+          </a:p>
+          <a:p>
+            <a:pPr lvl="1"/>
+            <a:r>
+              <a:rPr lang="en-US" sz="1400" dirty="0"/>
+              <a:t>Refreshers to synch up newer versions of content handlers without manual intervention.</a:t>
+            </a:r>
+          </a:p>
+          <a:p>
+            <a:pPr lvl="1"/>
+            <a:r>
+              <a:rPr lang="en-US" sz="1400" dirty="0" err="1"/>
+              <a:t>ReviewHandlers</a:t>
+            </a:r>
+            <a:r>
+              <a:rPr lang="en-US" sz="1400" dirty="0"/>
+              <a:t> through which the users can log remarks directly on the artifacts.</a:t>
+            </a:r>
+          </a:p>
+          <a:p>
+            <a:r>
+              <a:rPr lang="en-US" sz="1400" b="1" dirty="0"/>
+              <a:t>Module - Content Handlers:</a:t>
+            </a:r>
+          </a:p>
+          <a:p>
+            <a:pPr lvl="1"/>
+            <a:r>
+              <a:rPr lang="en-US" sz="1400" dirty="0"/>
+              <a:t>Provides the handling mechanism for each content type at client desktops and at catalog servers.</a:t>
+            </a:r>
+          </a:p>
+        </p:txBody>
+      </p:sp>
+      <p:sp>
+        <p:nvSpPr>
+          <p:cNvPr id="4" name="Content Placeholder 3">
+            <a:extLst>
+              <a:ext uri="{FF2B5EF4-FFF2-40B4-BE49-F238E27FC236}">
+                <a16:creationId xmlns:a16="http://schemas.microsoft.com/office/drawing/2014/main" id="{A3E98A54-904E-43C9-90AF-0858DCF8E197}"/>
+              </a:ext>
+            </a:extLst>
+          </p:cNvPr>
+          <p:cNvSpPr>
+            <a:spLocks noGrp="1"/>
+          </p:cNvSpPr>
+          <p:nvPr>
+            <p:ph sz="half" idx="2"/>
+          </p:nvPr>
+        </p:nvSpPr>
+        <p:spPr>
+          <a:xfrm>
+            <a:off x="6172200" y="1591945"/>
+            <a:ext cx="5181600" cy="4351338"/>
+          </a:xfrm>
+        </p:spPr>
+        <p:txBody>
+          <a:bodyPr>
+            <a:noAutofit/>
+          </a:bodyPr>
+          <a:lstStyle/>
+          <a:p>
+            <a:r>
+              <a:rPr lang="en-US" sz="1400" b="1" dirty="0"/>
+              <a:t>Module - OS Handlers:</a:t>
+            </a:r>
+          </a:p>
+          <a:p>
+            <a:pPr lvl="1"/>
+            <a:r>
+              <a:rPr lang="en-US" sz="1400" dirty="0"/>
+              <a:t>File viewing at user’s desktop. Readily available for Windows and can be easily extended on other systems.</a:t>
+            </a:r>
+          </a:p>
+          <a:p>
+            <a:r>
+              <a:rPr lang="en-US" sz="1400" b="1" dirty="0"/>
+              <a:t>Module - Remote Accessors:</a:t>
+            </a:r>
+          </a:p>
+          <a:p>
+            <a:pPr lvl="1"/>
+            <a:r>
+              <a:rPr lang="en-US" sz="1400" dirty="0"/>
+              <a:t>Enables interactions with different document collaboration tools viz. Windows file system, Google Drives, WebDAV enabled portals in a consistent manner.</a:t>
+            </a:r>
+          </a:p>
+          <a:p>
+            <a:pPr lvl="1"/>
+            <a:r>
+              <a:rPr lang="en-US" sz="1400" dirty="0"/>
+              <a:t>Few remote accessors viz. </a:t>
+            </a:r>
+            <a:r>
+              <a:rPr lang="en-US" sz="1400" dirty="0" err="1"/>
+              <a:t>GoogleDrive</a:t>
+            </a:r>
+            <a:r>
+              <a:rPr lang="en-US" sz="1400" dirty="0"/>
+              <a:t> accessor incorporate content location caching to speed up the process.</a:t>
+            </a:r>
+          </a:p>
+          <a:p>
+            <a:r>
+              <a:rPr lang="en-US" sz="1400" b="1" dirty="0"/>
+              <a:t>Module - Extended Server Components:</a:t>
+            </a:r>
+          </a:p>
+          <a:p>
+            <a:pPr lvl="1"/>
+            <a:r>
+              <a:rPr lang="en-US" sz="1400" dirty="0"/>
+              <a:t>Provides the Orchestrators for Extended processing of special contents.</a:t>
+            </a:r>
+          </a:p>
+          <a:p>
+            <a:r>
+              <a:rPr lang="en-US" sz="1400" b="1" dirty="0"/>
+              <a:t>Module – Extended Handlers:</a:t>
+            </a:r>
+          </a:p>
+          <a:p>
+            <a:pPr lvl="1"/>
+            <a:r>
+              <a:rPr lang="en-US" sz="1400" dirty="0"/>
+              <a:t>Implementations of the extended processing of special contents that require unique enrichments at server side.</a:t>
+            </a:r>
+          </a:p>
+          <a:p>
+            <a:r>
+              <a:rPr lang="en-US" sz="1400" b="1" dirty="0"/>
+              <a:t>Modules - </a:t>
+            </a:r>
+            <a:r>
+              <a:rPr lang="en-US" sz="1400" b="1" dirty="0" err="1"/>
+              <a:t>CommonOpenCldFns</a:t>
+            </a:r>
+            <a:r>
+              <a:rPr lang="en-US" sz="1400" b="1" dirty="0"/>
+              <a:t> and </a:t>
+            </a:r>
+            <a:r>
+              <a:rPr lang="en-US" sz="1400" b="1" dirty="0" err="1"/>
+              <a:t>XtdCommonOpenCldFns</a:t>
+            </a:r>
+            <a:endParaRPr lang="en-US" sz="1400" dirty="0"/>
+          </a:p>
+          <a:p>
+            <a:pPr lvl="1"/>
+            <a:r>
+              <a:rPr lang="en-US" sz="1400" dirty="0"/>
+              <a:t>Packages commonly used methods.</a:t>
+            </a:r>
+          </a:p>
+          <a:p>
+            <a:r>
+              <a:rPr lang="en-US" sz="1400" b="1" dirty="0"/>
+              <a:t>Project – </a:t>
+            </a:r>
+            <a:r>
+              <a:rPr lang="en-US" sz="1400" b="1" dirty="0" err="1"/>
+              <a:t>ZColbTrkInstaller</a:t>
+            </a:r>
+            <a:endParaRPr lang="en-US" sz="1400" b="1" dirty="0"/>
+          </a:p>
+          <a:p>
+            <a:pPr lvl="1"/>
+            <a:r>
+              <a:rPr lang="en-US" sz="1400" dirty="0"/>
+              <a:t>Packages installation executables.</a:t>
+            </a:r>
+          </a:p>
+          <a:p>
+            <a:endParaRPr lang="en-US" sz="1400" dirty="0"/>
           </a:p>
         </p:txBody>
       </p:sp>
     </p:spTree>
     <p:extLst>
       <p:ext uri="{BB962C8B-B14F-4D97-AF65-F5344CB8AC3E}">
-        <p14:creationId xmlns:p14="http://schemas.microsoft.com/office/powerpoint/2010/main" val="3303239355"/>
+        <p14:creationId xmlns:p14="http://schemas.microsoft.com/office/powerpoint/2010/main" val="3005285128"/>
       </p:ext>
     </p:extLst>
   </p:cSld>
@@ -4242,10 +4193,9 @@
           <a:lstStyle/>
           <a:p>
             <a:r>
-              <a:rPr lang="en-US"/>
-              <a:t>How to install?</a:t>
-            </a:r>
-            <a:endParaRPr lang="en-US" dirty="0"/>
+              <a:rPr lang="en-US" dirty="0"/>
+              <a:t>Technology stack</a:t>
+            </a:r>
           </a:p>
         </p:txBody>
       </p:sp>
@@ -4267,8 +4217,8 @@
         </p:nvSpPr>
         <p:spPr>
           <a:xfrm>
-            <a:off x="838200" y="1500504"/>
-            <a:ext cx="10515600" cy="5276215"/>
+            <a:off x="838200" y="1500505"/>
+            <a:ext cx="10515600" cy="4351338"/>
           </a:xfrm>
         </p:spPr>
         <p:txBody>
@@ -4277,101 +4227,109 @@
           </a:bodyPr>
           <a:lstStyle/>
           <a:p>
-            <a:pPr lvl="0"/>
-            <a:r>
-              <a:rPr lang="en-US" sz="2000" dirty="0"/>
-              <a:t>Choose the computers to execute catalog server and extended server orchestrators.</a:t>
-            </a:r>
-          </a:p>
-          <a:p>
-            <a:pPr lvl="0"/>
-            <a:r>
-              <a:rPr lang="en-US" sz="2000" dirty="0"/>
-              <a:t>Set the computers’ (user desktop, catalog server and extended orchestrator) environmental variable PATH to include java installation location.</a:t>
-            </a:r>
-          </a:p>
-          <a:p>
-            <a:pPr lvl="0"/>
-            <a:r>
-              <a:rPr lang="en-US" sz="2000" dirty="0"/>
-              <a:t>Set up the servers and then the desktop users using the installation package. The installation package is downloadable from GitHub </a:t>
-            </a:r>
-            <a:r>
-              <a:rPr lang="en-US" sz="2000" u="sng" dirty="0">
-                <a:hlinkClick r:id="rId2"/>
-              </a:rPr>
-              <a:t>https://github.com/vibeeshK/CollabTracker</a:t>
-            </a:r>
-            <a:r>
-              <a:rPr lang="en-US" sz="2000" dirty="0"/>
-              <a:t> file: CollabTrackerInstaller_1.x.jar. It performs the following:</a:t>
-            </a:r>
-          </a:p>
-          <a:p>
-            <a:pPr lvl="1"/>
+            <a:r>
+              <a:rPr lang="en-US" sz="1800" b="1" dirty="0" err="1"/>
+              <a:t>jdk</a:t>
+            </a:r>
+            <a:r>
+              <a:rPr lang="en-US" sz="1800" b="1" dirty="0"/>
+              <a:t> 1.8		</a:t>
+            </a:r>
             <a:r>
               <a:rPr lang="en-US" sz="1800" dirty="0"/>
-              <a:t>Captures the Installation folder path, Desktop User name who will be using the application and also the proxy IP and port details.</a:t>
-            </a:r>
-          </a:p>
-          <a:p>
-            <a:pPr lvl="1"/>
+              <a:t>Java Development Kit</a:t>
+            </a:r>
+          </a:p>
+          <a:p>
+            <a:r>
+              <a:rPr lang="en-US" sz="1800" b="1" dirty="0"/>
+              <a:t>SWT</a:t>
+            </a:r>
             <a:r>
               <a:rPr lang="en-US" sz="1800" dirty="0"/>
-              <a:t>Sets the property files - Common, Client, System, Server and </a:t>
+              <a:t>		Standard Widget Toolkit, a </a:t>
             </a:r>
             <a:r>
               <a:rPr lang="en-US" sz="1800" dirty="0" err="1"/>
-              <a:t>Extendedserver</a:t>
+              <a:t>llightweight</a:t>
             </a:r>
             <a:r>
               <a:rPr lang="en-US" sz="1800" dirty="0"/>
-              <a:t> with user’s choices.</a:t>
-            </a:r>
-          </a:p>
-          <a:p>
-            <a:pPr lvl="1"/>
+              <a:t> framework for desktop UI</a:t>
+            </a:r>
+          </a:p>
+          <a:p>
+            <a:r>
+              <a:rPr lang="en-US" sz="1800" b="1" dirty="0"/>
+              <a:t>SQLite		</a:t>
+            </a:r>
             <a:r>
               <a:rPr lang="en-US" sz="1800" dirty="0"/>
-              <a:t>Stores the executables in the installation folder and maps the working folder to user specific folder (i.e. c:\users\Vibeesh).</a:t>
-            </a:r>
-          </a:p>
-          <a:p>
-            <a:pPr lvl="0"/>
-            <a:r>
-              <a:rPr lang="en-US" sz="2000" dirty="0"/>
-              <a:t>Unless you intend to implement a new custom content type for your own users, you don’t have to set up a platform server. In that case you can suppress the periodic refresh by setting the flag </a:t>
-            </a:r>
-            <a:r>
-              <a:rPr lang="en-US" sz="2000" dirty="0" err="1"/>
-              <a:t>suppressSysCompRefresh</a:t>
-            </a:r>
-            <a:r>
-              <a:rPr lang="en-US" sz="2000" dirty="0"/>
-              <a:t> in </a:t>
-            </a:r>
-            <a:r>
-              <a:rPr lang="en-US" sz="2000" dirty="0" err="1"/>
-              <a:t>commons.properties</a:t>
-            </a:r>
-            <a:r>
-              <a:rPr lang="en-US" sz="2000" dirty="0"/>
-              <a:t>.</a:t>
-            </a:r>
-          </a:p>
-          <a:p>
-            <a:pPr lvl="0"/>
-            <a:r>
-              <a:rPr lang="en-US" sz="2000" dirty="0"/>
-              <a:t>The default installation points the demo content root </a:t>
-            </a:r>
-            <a:r>
-              <a:rPr lang="en-US" sz="2000" dirty="0" err="1"/>
-              <a:t>DemoGShContentRoot</a:t>
-            </a:r>
-            <a:r>
-              <a:rPr lang="en-US" sz="2000" dirty="0"/>
-              <a:t> at google drive. You can train yourself using this root.</a:t>
+              <a:t>Serverless self-contained database engine for tracking the drafts one creates, to publish the 		available artifacts catalog to all participants, to track the subscriptions at subscribers’ 			desktops and  to hold the Content Type configurations.</a:t>
+            </a:r>
+          </a:p>
+          <a:p>
+            <a:r>
+              <a:rPr lang="en-US" sz="1800" b="1" dirty="0"/>
+              <a:t>Google APIs	</a:t>
+            </a:r>
+            <a:r>
+              <a:rPr lang="en-US" sz="1800" dirty="0"/>
+              <a:t>For accessing a Google Drive based doc central</a:t>
+            </a:r>
+          </a:p>
+          <a:p>
+            <a:r>
+              <a:rPr lang="en-US" sz="1800" b="1" dirty="0"/>
+              <a:t>Sardine	</a:t>
+            </a:r>
+            <a:r>
+              <a:rPr lang="en-US" sz="1800" dirty="0"/>
+              <a:t>For accessing WebDAV enabled doc central</a:t>
+            </a:r>
+          </a:p>
+          <a:p>
+            <a:r>
+              <a:rPr lang="en-US" sz="1800" b="1" dirty="0"/>
+              <a:t>Apache POI	</a:t>
+            </a:r>
+            <a:r>
+              <a:rPr lang="en-US" sz="1800" dirty="0"/>
+              <a:t>For rolling up excel artifacts</a:t>
+            </a:r>
+          </a:p>
+          <a:p>
+            <a:r>
+              <a:rPr lang="en-US" sz="1800" b="1" dirty="0"/>
+              <a:t>Log4J		</a:t>
+            </a:r>
+            <a:r>
+              <a:rPr lang="en-US" sz="1800" dirty="0"/>
+              <a:t>Error Logging</a:t>
+            </a:r>
+          </a:p>
+          <a:p>
+            <a:r>
+              <a:rPr lang="en-US" sz="1800" b="1" dirty="0"/>
+              <a:t>Maven		</a:t>
+            </a:r>
+            <a:r>
+              <a:rPr lang="en-US" sz="1800" dirty="0"/>
+              <a:t>For version control of external repositories.</a:t>
+            </a:r>
+          </a:p>
+          <a:p>
+            <a:r>
+              <a:rPr lang="en-US" sz="1800" b="1" dirty="0" err="1"/>
+              <a:t>Izpack</a:t>
+            </a:r>
+            <a:r>
+              <a:rPr lang="en-US" sz="1800" b="1" dirty="0"/>
+              <a:t>		</a:t>
+            </a:r>
+            <a:r>
+              <a:rPr lang="en-US" sz="1800" dirty="0"/>
+              <a:t>For packaging and installation</a:t>
             </a:r>
           </a:p>
         </p:txBody>
@@ -4379,7 +4337,7 @@
     </p:spTree>
     <p:extLst>
       <p:ext uri="{BB962C8B-B14F-4D97-AF65-F5344CB8AC3E}">
-        <p14:creationId xmlns:p14="http://schemas.microsoft.com/office/powerpoint/2010/main" val="1813607402"/>
+        <p14:creationId xmlns:p14="http://schemas.microsoft.com/office/powerpoint/2010/main" val="3303239355"/>
       </p:ext>
     </p:extLst>
   </p:cSld>
@@ -4431,7 +4389,7 @@
           <a:p>
             <a:r>
               <a:rPr lang="en-US"/>
-              <a:t>Administrator initial activities:</a:t>
+              <a:t>How to install?</a:t>
             </a:r>
             <a:endParaRPr lang="en-US" dirty="0"/>
           </a:p>
@@ -4455,8 +4413,8 @@
         </p:nvSpPr>
         <p:spPr>
           <a:xfrm>
-            <a:off x="838200" y="1500505"/>
-            <a:ext cx="10515600" cy="4351338"/>
+            <a:off x="838200" y="1500504"/>
+            <a:ext cx="10515600" cy="5276215"/>
           </a:xfrm>
         </p:spPr>
         <p:txBody>
@@ -4467,99 +4425,107 @@
           <a:p>
             <a:pPr lvl="0"/>
             <a:r>
-              <a:rPr lang="en-US" sz="1800"/>
-              <a:t>At the root server side replicate the model folders as in DemoRoot and provide access to users as below:</a:t>
+              <a:rPr lang="en-US" sz="2000" dirty="0"/>
+              <a:t>Choose the computers to execute catalog server and extended server orchestrators.</a:t>
+            </a:r>
+          </a:p>
+          <a:p>
+            <a:pPr lvl="0"/>
+            <a:r>
+              <a:rPr lang="en-US" sz="2000" dirty="0"/>
+              <a:t>Set the computers’ (user desktop, catalog server and extended orchestrator) environmental variable PATH to include java installation location.</a:t>
+            </a:r>
+          </a:p>
+          <a:p>
+            <a:pPr lvl="0"/>
+            <a:r>
+              <a:rPr lang="en-US" sz="2000" dirty="0"/>
+              <a:t>Set up the servers and then the desktop users using the installation package. The installation package is downloadable from GitHub </a:t>
+            </a:r>
+            <a:r>
+              <a:rPr lang="en-US" sz="2000" u="sng" dirty="0">
+                <a:hlinkClick r:id="rId2"/>
+              </a:rPr>
+              <a:t>https://github.com/vibeeshK/CollabTracker</a:t>
+            </a:r>
+            <a:r>
+              <a:rPr lang="en-US" sz="2000" dirty="0"/>
+              <a:t> file: CollabTrackerInstaller_1.x.jar. It performs the following:</a:t>
             </a:r>
           </a:p>
           <a:p>
             <a:pPr lvl="1"/>
             <a:r>
-              <a:rPr lang="en-US" sz="1600"/>
-              <a:t>1_allmembersreadable: contains artifacts, catalog publications and requests’ responses folders. All users shall be provided read access to this folder.</a:t>
+              <a:rPr lang="en-US" sz="1800" dirty="0"/>
+              <a:t>Captures the Installation folder path, Desktop User name who will be using the application and also the proxy IP and port details.</a:t>
             </a:r>
           </a:p>
           <a:p>
             <a:pPr lvl="1"/>
             <a:r>
-              <a:rPr lang="en-US" sz="1600"/>
-              <a:t>2_contributorswritable: contains request drop box and content drop box. Provide write access on the request drop box to all contributors to place their requests. Create subfolders within content drop box with the names of the contributors and provide write access to the corresponding personnel to place their contents.</a:t>
-            </a:r>
-          </a:p>
-          <a:p>
-            <a:pPr lvl="2"/>
-            <a:r>
-              <a:rPr lang="en-US" sz="1100"/>
-              <a:t>&lt;INSTALL_PATH&gt;</a:t>
-            </a:r>
-            <a:r>
-              <a:rPr lang="en-US" sz="1400"/>
-              <a:t>\WindowsRoots\DemoWinContentRoot\2_contributorswritable \contentdropbox\&lt;ApplicationUserName&gt;</a:t>
-            </a:r>
-          </a:p>
-          <a:p>
-            <a:pPr lvl="2"/>
-            <a:r>
-              <a:rPr lang="en-US" sz="1400"/>
-              <a:t>e.g. </a:t>
-            </a:r>
-            <a:r>
-              <a:rPr lang="en-US" sz="1100"/>
-              <a:t>C:\Kannan\Java\ColbTrk</a:t>
-            </a:r>
-            <a:r>
-              <a:rPr lang="en-US" sz="1400"/>
-              <a:t>\WindowsRoots\DemoWinContentRoot\2_contributorswritable\contentdropbox\DEMOUSER</a:t>
+              <a:rPr lang="en-US" sz="1800" dirty="0"/>
+              <a:t>Sets the property files - Common, Client, System, Server and </a:t>
+            </a:r>
+            <a:r>
+              <a:rPr lang="en-US" sz="1800" dirty="0" err="1"/>
+              <a:t>Extendedserver</a:t>
+            </a:r>
+            <a:r>
+              <a:rPr lang="en-US" sz="1800" dirty="0"/>
+              <a:t> with user’s choices.</a:t>
             </a:r>
           </a:p>
           <a:p>
             <a:pPr lvl="1"/>
             <a:r>
-              <a:rPr lang="en-US" sz="1600"/>
-              <a:t>3_behindscene (contains housekeeping folders).</a:t>
+              <a:rPr lang="en-US" sz="1800" dirty="0"/>
+              <a:t>Stores the executables in the installation folder and maps the working folder to user specific folder (i.e. c:\users\Vibeesh).</a:t>
             </a:r>
           </a:p>
           <a:p>
             <a:pPr lvl="0"/>
             <a:r>
-              <a:rPr lang="en-US" sz="1800"/>
-              <a:t>Configure the relevance structure appropriate to the team in the catalog master database. Add contributing users with ADMIN login using the user-maintenance content type. Few common purpose user IDs are factory set e.g. ADMIN, DEMOUSER, XTDSTDPROC, XTDTMSHPROC, XTDDECKERLITE, XTDDECKERGRPR.</a:t>
+              <a:rPr lang="en-US" sz="2000" dirty="0"/>
+              <a:t>Unless you intend to implement a new custom content type for your own users, you don’t have to set up a platform server. In that case you can suppress the periodic refresh by setting the flag </a:t>
+            </a:r>
+            <a:r>
+              <a:rPr lang="en-US" sz="2000" dirty="0" err="1"/>
+              <a:t>suppressSysCompRefresh</a:t>
+            </a:r>
+            <a:r>
+              <a:rPr lang="en-US" sz="2000" dirty="0"/>
+              <a:t> in </a:t>
+            </a:r>
+            <a:r>
+              <a:rPr lang="en-US" sz="2000" dirty="0" err="1"/>
+              <a:t>commons.properties</a:t>
+            </a:r>
+            <a:r>
+              <a:rPr lang="en-US" sz="2000" dirty="0"/>
+              <a:t>.</a:t>
             </a:r>
           </a:p>
           <a:p>
             <a:pPr lvl="0"/>
             <a:r>
-              <a:rPr lang="en-US" sz="1800"/>
-              <a:t>Assign a server processing machine to execute the Server Orchestrator to perform housekeeping operations on the Doc Central contents. </a:t>
-            </a:r>
-          </a:p>
-          <a:p>
-            <a:pPr lvl="1"/>
-            <a:r>
-              <a:rPr lang="en-US" sz="1600"/>
-              <a:t>Install the CollabTracker on this machine and configure the trigger mechanism to initiate the Server Orchestrator.</a:t>
-            </a:r>
-          </a:p>
-          <a:p>
-            <a:pPr lvl="1"/>
-            <a:r>
-              <a:rPr lang="en-US" sz="1600"/>
-              <a:t>Copy the model catalogMasterDb file from catalogMasterDbFileOf&lt;DemoWinContentRoot&gt; into the new root specific file.</a:t>
-            </a:r>
-          </a:p>
-          <a:p>
-            <a:pPr lvl="1"/>
-            <a:r>
-              <a:rPr lang="en-US" sz="1600"/>
-              <a:t>Update the tables Relevance and Users in the catalogDb as per need.</a:t>
-            </a:r>
-            <a:endParaRPr lang="en-US" sz="1600" dirty="0"/>
+              <a:rPr lang="en-US" sz="2000" dirty="0"/>
+              <a:t>The default installation points the demo content root </a:t>
+            </a:r>
+            <a:r>
+              <a:rPr lang="en-US" sz="2000" dirty="0" err="1"/>
+              <a:t>DemoGShContentRoot</a:t>
+            </a:r>
+            <a:r>
+              <a:rPr lang="en-US" sz="2000" dirty="0"/>
+              <a:t> at google drive. You can train yourself using this root.</a:t>
+            </a:r>
           </a:p>
         </p:txBody>
       </p:sp>
     </p:spTree>
     <p:extLst>
       <p:ext uri="{BB962C8B-B14F-4D97-AF65-F5344CB8AC3E}">
-        <p14:creationId xmlns:p14="http://schemas.microsoft.com/office/powerpoint/2010/main" val="899106595"/>
+        <p14:creationId xmlns:p14="http://schemas.microsoft.com/office/powerpoint/2010/main" val="1813607402"/>
       </p:ext>
     </p:extLst>
   </p:cSld>
@@ -4611,6 +4577,186 @@
           <a:p>
             <a:r>
               <a:rPr lang="en-US"/>
+              <a:t>Administrator initial activities:</a:t>
+            </a:r>
+            <a:endParaRPr lang="en-US" dirty="0"/>
+          </a:p>
+        </p:txBody>
+      </p:sp>
+      <p:sp>
+        <p:nvSpPr>
+          <p:cNvPr id="3" name="Content Placeholder 2">
+            <a:extLst>
+              <a:ext uri="{FF2B5EF4-FFF2-40B4-BE49-F238E27FC236}">
+                <a16:creationId xmlns:a16="http://schemas.microsoft.com/office/drawing/2014/main" id="{7A83E263-F431-42D8-9AD4-3CD630EFF0D2}"/>
+              </a:ext>
+            </a:extLst>
+          </p:cNvPr>
+          <p:cNvSpPr>
+            <a:spLocks noGrp="1"/>
+          </p:cNvSpPr>
+          <p:nvPr>
+            <p:ph idx="1"/>
+          </p:nvPr>
+        </p:nvSpPr>
+        <p:spPr>
+          <a:xfrm>
+            <a:off x="838200" y="1500505"/>
+            <a:ext cx="10515600" cy="4351338"/>
+          </a:xfrm>
+        </p:spPr>
+        <p:txBody>
+          <a:bodyPr>
+            <a:noAutofit/>
+          </a:bodyPr>
+          <a:lstStyle/>
+          <a:p>
+            <a:pPr lvl="0"/>
+            <a:r>
+              <a:rPr lang="en-US" sz="1800"/>
+              <a:t>At the root server side replicate the model folders as in DemoRoot and provide access to users as below:</a:t>
+            </a:r>
+          </a:p>
+          <a:p>
+            <a:pPr lvl="1"/>
+            <a:r>
+              <a:rPr lang="en-US" sz="1600"/>
+              <a:t>1_allmembersreadable: contains artifacts, catalog publications and requests’ responses folders. All users shall be provided read access to this folder.</a:t>
+            </a:r>
+          </a:p>
+          <a:p>
+            <a:pPr lvl="1"/>
+            <a:r>
+              <a:rPr lang="en-US" sz="1600"/>
+              <a:t>2_contributorswritable: contains request drop box and content drop box. Provide write access on the request drop box to all contributors to place their requests. Create subfolders within content drop box with the names of the contributors and provide write access to the corresponding personnel to place their contents.</a:t>
+            </a:r>
+          </a:p>
+          <a:p>
+            <a:pPr lvl="2"/>
+            <a:r>
+              <a:rPr lang="en-US" sz="1100"/>
+              <a:t>&lt;INSTALL_PATH&gt;</a:t>
+            </a:r>
+            <a:r>
+              <a:rPr lang="en-US" sz="1400"/>
+              <a:t>\WindowsRoots\DemoWinContentRoot\2_contributorswritable \contentdropbox\&lt;ApplicationUserName&gt;</a:t>
+            </a:r>
+          </a:p>
+          <a:p>
+            <a:pPr lvl="2"/>
+            <a:r>
+              <a:rPr lang="en-US" sz="1400"/>
+              <a:t>e.g. </a:t>
+            </a:r>
+            <a:r>
+              <a:rPr lang="en-US" sz="1100"/>
+              <a:t>C:\Kannan\Java\ColbTrk</a:t>
+            </a:r>
+            <a:r>
+              <a:rPr lang="en-US" sz="1400"/>
+              <a:t>\WindowsRoots\DemoWinContentRoot\2_contributorswritable\contentdropbox\DEMOUSER</a:t>
+            </a:r>
+          </a:p>
+          <a:p>
+            <a:pPr lvl="1"/>
+            <a:r>
+              <a:rPr lang="en-US" sz="1600"/>
+              <a:t>3_behindscene (contains housekeeping folders).</a:t>
+            </a:r>
+          </a:p>
+          <a:p>
+            <a:pPr lvl="0"/>
+            <a:r>
+              <a:rPr lang="en-US" sz="1800"/>
+              <a:t>Configure the relevance structure appropriate to the team in the catalog master database. Add contributing users with ADMIN login using the user-maintenance content type. Few common purpose user IDs are factory set e.g. ADMIN, DEMOUSER, XTDSTDPROC, XTDTMSHPROC, XTDDECKERLITE, XTDDECKERGRPR.</a:t>
+            </a:r>
+          </a:p>
+          <a:p>
+            <a:pPr lvl="0"/>
+            <a:r>
+              <a:rPr lang="en-US" sz="1800"/>
+              <a:t>Assign a server processing machine to execute the Server Orchestrator to perform housekeeping operations on the Doc Central contents. </a:t>
+            </a:r>
+          </a:p>
+          <a:p>
+            <a:pPr lvl="1"/>
+            <a:r>
+              <a:rPr lang="en-US" sz="1600"/>
+              <a:t>Install the CollabTracker on this machine and configure the trigger mechanism to initiate the Server Orchestrator.</a:t>
+            </a:r>
+          </a:p>
+          <a:p>
+            <a:pPr lvl="1"/>
+            <a:r>
+              <a:rPr lang="en-US" sz="1600"/>
+              <a:t>Copy the model catalogMasterDb file from catalogMasterDbFileOf&lt;DemoWinContentRoot&gt; into the new root specific file.</a:t>
+            </a:r>
+          </a:p>
+          <a:p>
+            <a:pPr lvl="1"/>
+            <a:r>
+              <a:rPr lang="en-US" sz="1600"/>
+              <a:t>Update the tables Relevance and Users in the catalogDb as per need.</a:t>
+            </a:r>
+            <a:endParaRPr lang="en-US" sz="1600" dirty="0"/>
+          </a:p>
+        </p:txBody>
+      </p:sp>
+    </p:spTree>
+    <p:extLst>
+      <p:ext uri="{BB962C8B-B14F-4D97-AF65-F5344CB8AC3E}">
+        <p14:creationId xmlns:p14="http://schemas.microsoft.com/office/powerpoint/2010/main" val="899106595"/>
+      </p:ext>
+    </p:extLst>
+  </p:cSld>
+  <p:clrMapOvr>
+    <a:masterClrMapping/>
+  </p:clrMapOvr>
+</p:sld>
+</file>
+
+<file path=ppt/slides/slide16.xml><?xml version="1.0" encoding="utf-8"?>
+<p:sld xmlns:a="http://schemas.openxmlformats.org/drawingml/2006/main" xmlns:r="http://schemas.openxmlformats.org/officeDocument/2006/relationships" xmlns:p="http://schemas.openxmlformats.org/presentationml/2006/main">
+  <p:cSld>
+    <p:spTree>
+      <p:nvGrpSpPr>
+        <p:cNvPr id="1" name=""/>
+        <p:cNvGrpSpPr/>
+        <p:nvPr/>
+      </p:nvGrpSpPr>
+      <p:grpSpPr>
+        <a:xfrm>
+          <a:off x="0" y="0"/>
+          <a:ext cx="0" cy="0"/>
+          <a:chOff x="0" y="0"/>
+          <a:chExt cx="0" cy="0"/>
+        </a:xfrm>
+      </p:grpSpPr>
+      <p:sp>
+        <p:nvSpPr>
+          <p:cNvPr id="2" name="Title 1">
+            <a:extLst>
+              <a:ext uri="{FF2B5EF4-FFF2-40B4-BE49-F238E27FC236}">
+                <a16:creationId xmlns:a16="http://schemas.microsoft.com/office/drawing/2014/main" id="{3B6FA287-CFA5-4B5D-8B53-9365FF8B40A3}"/>
+              </a:ext>
+            </a:extLst>
+          </p:cNvPr>
+          <p:cNvSpPr>
+            <a:spLocks noGrp="1"/>
+          </p:cNvSpPr>
+          <p:nvPr>
+            <p:ph type="title"/>
+          </p:nvPr>
+        </p:nvSpPr>
+        <p:spPr/>
+        <p:txBody>
+          <a:bodyPr>
+            <a:normAutofit/>
+          </a:bodyPr>
+          <a:lstStyle/>
+          <a:p>
+            <a:r>
+              <a:rPr lang="en-US"/>
               <a:t>Administrator initial activities (continued):</a:t>
             </a:r>
             <a:endParaRPr lang="en-US" dirty="0"/>
@@ -4737,7 +4883,7 @@
 </p:sld>
 </file>
 
-<file path=ppt/slides/slide16.xml><?xml version="1.0" encoding="utf-8"?>
+<file path=ppt/slides/slide17.xml><?xml version="1.0" encoding="utf-8"?>
 <p:sld xmlns:a="http://schemas.openxmlformats.org/drawingml/2006/main" xmlns:r="http://schemas.openxmlformats.org/officeDocument/2006/relationships" xmlns:p="http://schemas.openxmlformats.org/presentationml/2006/main">
   <p:cSld>
     <p:spTree>
@@ -5567,6 +5713,36 @@
           </a:p>
         </p:txBody>
       </p:sp>
+      <p:pic>
+        <p:nvPicPr>
+          <p:cNvPr id="34" name="Picture 33">
+            <a:extLst>
+              <a:ext uri="{FF2B5EF4-FFF2-40B4-BE49-F238E27FC236}">
+                <a16:creationId xmlns:a16="http://schemas.microsoft.com/office/drawing/2014/main" id="{D13D5789-593B-4C04-8795-794464E32159}"/>
+              </a:ext>
+            </a:extLst>
+          </p:cNvPr>
+          <p:cNvPicPr>
+            <a:picLocks noChangeAspect="1"/>
+          </p:cNvPicPr>
+          <p:nvPr/>
+        </p:nvPicPr>
+        <p:blipFill>
+          <a:blip r:embed="rId2"/>
+          <a:stretch>
+            <a:fillRect/>
+          </a:stretch>
+        </p:blipFill>
+        <p:spPr>
+          <a:xfrm>
+            <a:off x="8605203" y="3084348"/>
+            <a:ext cx="3403917" cy="1952955"/>
+          </a:xfrm>
+          <a:prstGeom prst="rect">
+            <a:avLst/>
+          </a:prstGeom>
+        </p:spPr>
+      </p:pic>
     </p:spTree>
     <p:extLst>
       <p:ext uri="{BB962C8B-B14F-4D97-AF65-F5344CB8AC3E}">
@@ -5597,175 +5773,1295 @@
           <a:chExt cx="0" cy="0"/>
         </a:xfrm>
       </p:grpSpPr>
-      <p:sp>
-        <p:nvSpPr>
-          <p:cNvPr id="2" name="Title 1">
-            <a:extLst>
-              <a:ext uri="{FF2B5EF4-FFF2-40B4-BE49-F238E27FC236}">
-                <a16:creationId xmlns:a16="http://schemas.microsoft.com/office/drawing/2014/main" id="{3B6FA287-CFA5-4B5D-8B53-9365FF8B40A3}"/>
-              </a:ext>
-            </a:extLst>
-          </p:cNvPr>
-          <p:cNvSpPr>
-            <a:spLocks noGrp="1"/>
-          </p:cNvSpPr>
-          <p:nvPr>
-            <p:ph type="title"/>
-          </p:nvPr>
-        </p:nvSpPr>
+      <p:pic>
+        <p:nvPicPr>
+          <p:cNvPr id="8" name="Graphic 7" descr="Group brainstorm">
+            <a:extLst>
+              <a:ext uri="{FF2B5EF4-FFF2-40B4-BE49-F238E27FC236}">
+                <a16:creationId xmlns:a16="http://schemas.microsoft.com/office/drawing/2014/main" id="{C0CCF0F5-F03D-4E57-A3BF-A1732B8E8779}"/>
+              </a:ext>
+            </a:extLst>
+          </p:cNvPr>
+          <p:cNvPicPr>
+            <a:picLocks noChangeAspect="1"/>
+          </p:cNvPicPr>
+          <p:nvPr/>
+        </p:nvPicPr>
+        <p:blipFill>
+          <a:blip r:embed="rId2">
+            <a:extLst>
+              <a:ext uri="{28A0092B-C50C-407E-A947-70E740481C1C}">
+                <a14:useLocalDpi xmlns:a14="http://schemas.microsoft.com/office/drawing/2010/main" val="0"/>
+              </a:ext>
+              <a:ext uri="{96DAC541-7B7A-43D3-8B79-37D633B846F1}">
+                <asvg:svgBlip xmlns:asvg="http://schemas.microsoft.com/office/drawing/2016/SVG/main" r:embed="rId3"/>
+              </a:ext>
+            </a:extLst>
+          </a:blip>
+          <a:stretch>
+            <a:fillRect/>
+          </a:stretch>
+        </p:blipFill>
         <p:spPr>
           <a:xfrm>
-            <a:off x="838200" y="375285"/>
-            <a:ext cx="10515600" cy="1325563"/>
+            <a:off x="9245775" y="4189636"/>
+            <a:ext cx="1157840" cy="1157840"/>
           </a:xfrm>
+          <a:prstGeom prst="rect">
+            <a:avLst/>
+          </a:prstGeom>
         </p:spPr>
-        <p:txBody>
-          <a:bodyPr/>
-          <a:lstStyle/>
-          <a:p>
-            <a:r>
-              <a:rPr lang="en-US" dirty="0"/>
-              <a:t>Three Orchestraters</a:t>
-            </a:r>
-          </a:p>
-        </p:txBody>
-      </p:sp>
-      <p:sp>
-        <p:nvSpPr>
-          <p:cNvPr id="3" name="Content Placeholder 2">
-            <a:extLst>
-              <a:ext uri="{FF2B5EF4-FFF2-40B4-BE49-F238E27FC236}">
-                <a16:creationId xmlns:a16="http://schemas.microsoft.com/office/drawing/2014/main" id="{7A83E263-F431-42D8-9AD4-3CD630EFF0D2}"/>
-              </a:ext>
-            </a:extLst>
-          </p:cNvPr>
-          <p:cNvSpPr>
-            <a:spLocks noGrp="1"/>
-          </p:cNvSpPr>
-          <p:nvPr>
-            <p:ph idx="1"/>
-          </p:nvPr>
-        </p:nvSpPr>
+      </p:pic>
+      <p:pic>
+        <p:nvPicPr>
+          <p:cNvPr id="9" name="Graphic 8" descr="Head with gears">
+            <a:extLst>
+              <a:ext uri="{FF2B5EF4-FFF2-40B4-BE49-F238E27FC236}">
+                <a16:creationId xmlns:a16="http://schemas.microsoft.com/office/drawing/2014/main" id="{FB0BDD7E-5572-4527-B407-A9593AE666C5}"/>
+              </a:ext>
+            </a:extLst>
+          </p:cNvPr>
+          <p:cNvPicPr>
+            <a:picLocks noChangeAspect="1"/>
+          </p:cNvPicPr>
+          <p:nvPr/>
+        </p:nvPicPr>
+        <p:blipFill>
+          <a:blip r:embed="rId4">
+            <a:extLst>
+              <a:ext uri="{28A0092B-C50C-407E-A947-70E740481C1C}">
+                <a14:useLocalDpi xmlns:a14="http://schemas.microsoft.com/office/drawing/2010/main" val="0"/>
+              </a:ext>
+              <a:ext uri="{96DAC541-7B7A-43D3-8B79-37D633B846F1}">
+                <asvg:svgBlip xmlns:asvg="http://schemas.microsoft.com/office/drawing/2016/SVG/main" r:embed="rId5"/>
+              </a:ext>
+            </a:extLst>
+          </a:blip>
+          <a:stretch>
+            <a:fillRect/>
+          </a:stretch>
+        </p:blipFill>
         <p:spPr>
           <a:xfrm>
-            <a:off x="838200" y="1503680"/>
-            <a:ext cx="10515600" cy="4917123"/>
+            <a:off x="1469673" y="4045930"/>
+            <a:ext cx="686624" cy="686624"/>
           </a:xfrm>
+          <a:prstGeom prst="rect">
+            <a:avLst/>
+          </a:prstGeom>
         </p:spPr>
-        <p:txBody>
-          <a:bodyPr>
-            <a:normAutofit fontScale="92500" lnSpcReduction="10000"/>
+      </p:pic>
+      <p:pic>
+        <p:nvPicPr>
+          <p:cNvPr id="10" name="Graphic 9" descr="Database">
+            <a:extLst>
+              <a:ext uri="{FF2B5EF4-FFF2-40B4-BE49-F238E27FC236}">
+                <a16:creationId xmlns:a16="http://schemas.microsoft.com/office/drawing/2014/main" id="{D2D5B157-EF15-4D3A-AF30-BF32D548B06C}"/>
+              </a:ext>
+            </a:extLst>
+          </p:cNvPr>
+          <p:cNvPicPr>
+            <a:picLocks noChangeAspect="1"/>
+          </p:cNvPicPr>
+          <p:nvPr/>
+        </p:nvPicPr>
+        <p:blipFill>
+          <a:blip r:embed="rId6">
+            <a:extLst>
+              <a:ext uri="{28A0092B-C50C-407E-A947-70E740481C1C}">
+                <a14:useLocalDpi xmlns:a14="http://schemas.microsoft.com/office/drawing/2010/main" val="0"/>
+              </a:ext>
+              <a:ext uri="{96DAC541-7B7A-43D3-8B79-37D633B846F1}">
+                <asvg:svgBlip xmlns:asvg="http://schemas.microsoft.com/office/drawing/2016/SVG/main" r:embed="rId7"/>
+              </a:ext>
+            </a:extLst>
+          </a:blip>
+          <a:stretch>
+            <a:fillRect/>
+          </a:stretch>
+        </p:blipFill>
+        <p:spPr>
+          <a:xfrm>
+            <a:off x="6424667" y="1694625"/>
+            <a:ext cx="779592" cy="779592"/>
+          </a:xfrm>
+          <a:prstGeom prst="rect">
+            <a:avLst/>
+          </a:prstGeom>
+        </p:spPr>
+      </p:pic>
+      <p:pic>
+        <p:nvPicPr>
+          <p:cNvPr id="11" name="Graphic 10" descr="Gauge">
+            <a:extLst>
+              <a:ext uri="{FF2B5EF4-FFF2-40B4-BE49-F238E27FC236}">
+                <a16:creationId xmlns:a16="http://schemas.microsoft.com/office/drawing/2014/main" id="{06217833-E252-414B-AB96-DCC2080AD9ED}"/>
+              </a:ext>
+            </a:extLst>
+          </p:cNvPr>
+          <p:cNvPicPr>
+            <a:picLocks noChangeAspect="1"/>
+          </p:cNvPicPr>
+          <p:nvPr/>
+        </p:nvPicPr>
+        <p:blipFill>
+          <a:blip r:embed="rId8">
+            <a:extLst>
+              <a:ext uri="{28A0092B-C50C-407E-A947-70E740481C1C}">
+                <a14:useLocalDpi xmlns:a14="http://schemas.microsoft.com/office/drawing/2010/main" val="0"/>
+              </a:ext>
+              <a:ext uri="{96DAC541-7B7A-43D3-8B79-37D633B846F1}">
+                <asvg:svgBlip xmlns:asvg="http://schemas.microsoft.com/office/drawing/2016/SVG/main" r:embed="rId9"/>
+              </a:ext>
+            </a:extLst>
+          </a:blip>
+          <a:stretch>
+            <a:fillRect/>
+          </a:stretch>
+        </p:blipFill>
+        <p:spPr>
+          <a:xfrm>
+            <a:off x="1805550" y="3564785"/>
+            <a:ext cx="400386" cy="480058"/>
+          </a:xfrm>
+          <a:prstGeom prst="rect">
+            <a:avLst/>
+          </a:prstGeom>
+        </p:spPr>
+      </p:pic>
+      <p:pic>
+        <p:nvPicPr>
+          <p:cNvPr id="12" name="Graphic 11" descr="Computer">
+            <a:extLst>
+              <a:ext uri="{FF2B5EF4-FFF2-40B4-BE49-F238E27FC236}">
+                <a16:creationId xmlns:a16="http://schemas.microsoft.com/office/drawing/2014/main" id="{9BBC15E0-E371-4359-9510-0B60914FE9D6}"/>
+              </a:ext>
+            </a:extLst>
+          </p:cNvPr>
+          <p:cNvPicPr>
+            <a:picLocks noChangeAspect="1"/>
+          </p:cNvPicPr>
+          <p:nvPr/>
+        </p:nvPicPr>
+        <p:blipFill>
+          <a:blip r:embed="rId10">
+            <a:extLst>
+              <a:ext uri="{28A0092B-C50C-407E-A947-70E740481C1C}">
+                <a14:useLocalDpi xmlns:a14="http://schemas.microsoft.com/office/drawing/2010/main" val="0"/>
+              </a:ext>
+              <a:ext uri="{96DAC541-7B7A-43D3-8B79-37D633B846F1}">
+                <asvg:svgBlip xmlns:asvg="http://schemas.microsoft.com/office/drawing/2016/SVG/main" r:embed="rId11"/>
+              </a:ext>
+            </a:extLst>
+          </a:blip>
+          <a:stretch>
+            <a:fillRect/>
+          </a:stretch>
+        </p:blipFill>
+        <p:spPr>
+          <a:xfrm>
+            <a:off x="3724862" y="4544120"/>
+            <a:ext cx="1157840" cy="1157840"/>
+          </a:xfrm>
+          <a:prstGeom prst="rect">
+            <a:avLst/>
+          </a:prstGeom>
+        </p:spPr>
+      </p:pic>
+      <p:pic>
+        <p:nvPicPr>
+          <p:cNvPr id="13" name="Graphic 12" descr="Robot">
+            <a:extLst>
+              <a:ext uri="{FF2B5EF4-FFF2-40B4-BE49-F238E27FC236}">
+                <a16:creationId xmlns:a16="http://schemas.microsoft.com/office/drawing/2014/main" id="{A391CD8E-1991-49A9-A4FF-23B560A5B2DB}"/>
+              </a:ext>
+            </a:extLst>
+          </p:cNvPr>
+          <p:cNvPicPr>
+            <a:picLocks noChangeAspect="1"/>
+          </p:cNvPicPr>
+          <p:nvPr/>
+        </p:nvPicPr>
+        <p:blipFill>
+          <a:blip r:embed="rId12">
+            <a:extLst>
+              <a:ext uri="{28A0092B-C50C-407E-A947-70E740481C1C}">
+                <a14:useLocalDpi xmlns:a14="http://schemas.microsoft.com/office/drawing/2010/main" val="0"/>
+              </a:ext>
+              <a:ext uri="{96DAC541-7B7A-43D3-8B79-37D633B846F1}">
+                <asvg:svgBlip xmlns:asvg="http://schemas.microsoft.com/office/drawing/2016/SVG/main" r:embed="rId13"/>
+              </a:ext>
+            </a:extLst>
+          </a:blip>
+          <a:stretch>
+            <a:fillRect/>
+          </a:stretch>
+        </p:blipFill>
+        <p:spPr>
+          <a:xfrm>
+            <a:off x="3292177" y="2564438"/>
+            <a:ext cx="910605" cy="910605"/>
+          </a:xfrm>
+          <a:prstGeom prst="rect">
+            <a:avLst/>
+          </a:prstGeom>
+        </p:spPr>
+      </p:pic>
+      <p:pic>
+        <p:nvPicPr>
+          <p:cNvPr id="14" name="Graphic 13" descr="Computer">
+            <a:extLst>
+              <a:ext uri="{FF2B5EF4-FFF2-40B4-BE49-F238E27FC236}">
+                <a16:creationId xmlns:a16="http://schemas.microsoft.com/office/drawing/2014/main" id="{5FBA1ACE-631D-4AEA-8256-904E8A7C38D1}"/>
+              </a:ext>
+            </a:extLst>
+          </p:cNvPr>
+          <p:cNvPicPr>
+            <a:picLocks noChangeAspect="1"/>
+          </p:cNvPicPr>
+          <p:nvPr/>
+        </p:nvPicPr>
+        <p:blipFill>
+          <a:blip r:embed="rId10">
+            <a:extLst>
+              <a:ext uri="{28A0092B-C50C-407E-A947-70E740481C1C}">
+                <a14:useLocalDpi xmlns:a14="http://schemas.microsoft.com/office/drawing/2010/main" val="0"/>
+              </a:ext>
+              <a:ext uri="{96DAC541-7B7A-43D3-8B79-37D633B846F1}">
+                <asvg:svgBlip xmlns:asvg="http://schemas.microsoft.com/office/drawing/2016/SVG/main" r:embed="rId11"/>
+              </a:ext>
+            </a:extLst>
+          </a:blip>
+          <a:stretch>
+            <a:fillRect/>
+          </a:stretch>
+        </p:blipFill>
+        <p:spPr>
+          <a:xfrm>
+            <a:off x="2293062" y="3343100"/>
+            <a:ext cx="1157840" cy="1157840"/>
+          </a:xfrm>
+          <a:prstGeom prst="rect">
+            <a:avLst/>
+          </a:prstGeom>
+        </p:spPr>
+      </p:pic>
+      <p:pic>
+        <p:nvPicPr>
+          <p:cNvPr id="15" name="Graphic 14" descr="Gears">
+            <a:extLst>
+              <a:ext uri="{FF2B5EF4-FFF2-40B4-BE49-F238E27FC236}">
+                <a16:creationId xmlns:a16="http://schemas.microsoft.com/office/drawing/2014/main" id="{2CF462CD-3767-493C-9038-FBDAA14873B6}"/>
+              </a:ext>
+            </a:extLst>
+          </p:cNvPr>
+          <p:cNvPicPr>
+            <a:picLocks noChangeAspect="1"/>
+          </p:cNvPicPr>
+          <p:nvPr/>
+        </p:nvPicPr>
+        <p:blipFill>
+          <a:blip r:embed="rId14">
+            <a:extLst>
+              <a:ext uri="{28A0092B-C50C-407E-A947-70E740481C1C}">
+                <a14:useLocalDpi xmlns:a14="http://schemas.microsoft.com/office/drawing/2010/main" val="0"/>
+              </a:ext>
+              <a:ext uri="{96DAC541-7B7A-43D3-8B79-37D633B846F1}">
+                <asvg:svgBlip xmlns:asvg="http://schemas.microsoft.com/office/drawing/2016/SVG/main" r:embed="rId15"/>
+              </a:ext>
+            </a:extLst>
+          </a:blip>
+          <a:stretch>
+            <a:fillRect/>
+          </a:stretch>
+        </p:blipFill>
+        <p:spPr>
+          <a:xfrm>
+            <a:off x="3046325" y="2845797"/>
+            <a:ext cx="491703" cy="491703"/>
+          </a:xfrm>
+          <a:prstGeom prst="rect">
+            <a:avLst/>
+          </a:prstGeom>
+        </p:spPr>
+      </p:pic>
+      <p:pic>
+        <p:nvPicPr>
+          <p:cNvPr id="16" name="Graphic 15" descr="Transfer">
+            <a:extLst>
+              <a:ext uri="{FF2B5EF4-FFF2-40B4-BE49-F238E27FC236}">
+                <a16:creationId xmlns:a16="http://schemas.microsoft.com/office/drawing/2014/main" id="{2ADA4EF5-7511-4A0D-84F9-8D0E34103367}"/>
+              </a:ext>
+            </a:extLst>
+          </p:cNvPr>
+          <p:cNvPicPr>
+            <a:picLocks noChangeAspect="1"/>
+          </p:cNvPicPr>
+          <p:nvPr/>
+        </p:nvPicPr>
+        <p:blipFill>
+          <a:blip r:embed="rId16">
+            <a:extLst>
+              <a:ext uri="{28A0092B-C50C-407E-A947-70E740481C1C}">
+                <a14:useLocalDpi xmlns:a14="http://schemas.microsoft.com/office/drawing/2010/main" val="0"/>
+              </a:ext>
+              <a:ext uri="{96DAC541-7B7A-43D3-8B79-37D633B846F1}">
+                <asvg:svgBlip xmlns:asvg="http://schemas.microsoft.com/office/drawing/2016/SVG/main" r:embed="rId17"/>
+              </a:ext>
+            </a:extLst>
+          </a:blip>
+          <a:stretch>
+            <a:fillRect/>
+          </a:stretch>
+        </p:blipFill>
+        <p:spPr>
+          <a:xfrm rot="19707105">
+            <a:off x="4123809" y="2273136"/>
+            <a:ext cx="1087087" cy="460956"/>
+          </a:xfrm>
+          <a:prstGeom prst="rect">
+            <a:avLst/>
+          </a:prstGeom>
+        </p:spPr>
+      </p:pic>
+      <p:pic>
+        <p:nvPicPr>
+          <p:cNvPr id="17" name="Graphic 16" descr="Transfer">
+            <a:extLst>
+              <a:ext uri="{FF2B5EF4-FFF2-40B4-BE49-F238E27FC236}">
+                <a16:creationId xmlns:a16="http://schemas.microsoft.com/office/drawing/2014/main" id="{5CD5BBCC-1133-43B9-8062-DEEA04CB4A99}"/>
+              </a:ext>
+            </a:extLst>
+          </p:cNvPr>
+          <p:cNvPicPr>
+            <a:picLocks noChangeAspect="1"/>
+          </p:cNvPicPr>
+          <p:nvPr/>
+        </p:nvPicPr>
+        <p:blipFill>
+          <a:blip r:embed="rId16">
+            <a:extLst>
+              <a:ext uri="{28A0092B-C50C-407E-A947-70E740481C1C}">
+                <a14:useLocalDpi xmlns:a14="http://schemas.microsoft.com/office/drawing/2010/main" val="0"/>
+              </a:ext>
+              <a:ext uri="{96DAC541-7B7A-43D3-8B79-37D633B846F1}">
+                <asvg:svgBlip xmlns:asvg="http://schemas.microsoft.com/office/drawing/2016/SVG/main" r:embed="rId17"/>
+              </a:ext>
+            </a:extLst>
+          </a:blip>
+          <a:stretch>
+            <a:fillRect/>
+          </a:stretch>
+        </p:blipFill>
+        <p:spPr>
+          <a:xfrm rot="4116200">
+            <a:off x="6051188" y="3301746"/>
+            <a:ext cx="1195636" cy="460956"/>
+          </a:xfrm>
+          <a:prstGeom prst="rect">
+            <a:avLst/>
+          </a:prstGeom>
+        </p:spPr>
+      </p:pic>
+      <p:pic>
+        <p:nvPicPr>
+          <p:cNvPr id="18" name="Graphic 17" descr="Transfer">
+            <a:extLst>
+              <a:ext uri="{FF2B5EF4-FFF2-40B4-BE49-F238E27FC236}">
+                <a16:creationId xmlns:a16="http://schemas.microsoft.com/office/drawing/2014/main" id="{2D34338C-E596-4762-AFA1-6680C72F8DC8}"/>
+              </a:ext>
+            </a:extLst>
+          </p:cNvPr>
+          <p:cNvPicPr>
+            <a:picLocks noChangeAspect="1"/>
+          </p:cNvPicPr>
+          <p:nvPr/>
+        </p:nvPicPr>
+        <p:blipFill>
+          <a:blip r:embed="rId16">
+            <a:extLst>
+              <a:ext uri="{28A0092B-C50C-407E-A947-70E740481C1C}">
+                <a14:useLocalDpi xmlns:a14="http://schemas.microsoft.com/office/drawing/2010/main" val="0"/>
+              </a:ext>
+              <a:ext uri="{96DAC541-7B7A-43D3-8B79-37D633B846F1}">
+                <asvg:svgBlip xmlns:asvg="http://schemas.microsoft.com/office/drawing/2016/SVG/main" r:embed="rId17"/>
+              </a:ext>
+            </a:extLst>
+          </a:blip>
+          <a:stretch>
+            <a:fillRect/>
+          </a:stretch>
+        </p:blipFill>
+        <p:spPr>
+          <a:xfrm rot="12647292">
+            <a:off x="7375589" y="2682131"/>
+            <a:ext cx="892050" cy="460956"/>
+          </a:xfrm>
+          <a:prstGeom prst="rect">
+            <a:avLst/>
+          </a:prstGeom>
+        </p:spPr>
+      </p:pic>
+      <p:pic>
+        <p:nvPicPr>
+          <p:cNvPr id="19" name="Graphic 18" descr="Computer">
+            <a:extLst>
+              <a:ext uri="{FF2B5EF4-FFF2-40B4-BE49-F238E27FC236}">
+                <a16:creationId xmlns:a16="http://schemas.microsoft.com/office/drawing/2014/main" id="{A860B149-8905-48A9-B088-786B188E10F2}"/>
+              </a:ext>
+            </a:extLst>
+          </p:cNvPr>
+          <p:cNvPicPr>
+            <a:picLocks noChangeAspect="1"/>
+          </p:cNvPicPr>
+          <p:nvPr/>
+        </p:nvPicPr>
+        <p:blipFill>
+          <a:blip r:embed="rId10">
+            <a:extLst>
+              <a:ext uri="{28A0092B-C50C-407E-A947-70E740481C1C}">
+                <a14:useLocalDpi xmlns:a14="http://schemas.microsoft.com/office/drawing/2010/main" val="0"/>
+              </a:ext>
+              <a:ext uri="{96DAC541-7B7A-43D3-8B79-37D633B846F1}">
+                <asvg:svgBlip xmlns:asvg="http://schemas.microsoft.com/office/drawing/2016/SVG/main" r:embed="rId11"/>
+              </a:ext>
+            </a:extLst>
+          </a:blip>
+          <a:stretch>
+            <a:fillRect/>
+          </a:stretch>
+        </p:blipFill>
+        <p:spPr>
+          <a:xfrm>
+            <a:off x="8930660" y="3185960"/>
+            <a:ext cx="1157840" cy="1157840"/>
+          </a:xfrm>
+          <a:prstGeom prst="rect">
+            <a:avLst/>
+          </a:prstGeom>
+        </p:spPr>
+      </p:pic>
+      <p:pic>
+        <p:nvPicPr>
+          <p:cNvPr id="20" name="Graphic 19" descr="Cloud Computing">
+            <a:extLst>
+              <a:ext uri="{FF2B5EF4-FFF2-40B4-BE49-F238E27FC236}">
+                <a16:creationId xmlns:a16="http://schemas.microsoft.com/office/drawing/2014/main" id="{1B898C7C-8957-4317-B54A-CCE3F3C4F5CF}"/>
+              </a:ext>
+            </a:extLst>
+          </p:cNvPr>
+          <p:cNvPicPr>
+            <a:picLocks noChangeAspect="1"/>
+          </p:cNvPicPr>
+          <p:nvPr/>
+        </p:nvPicPr>
+        <p:blipFill>
+          <a:blip r:embed="rId18">
+            <a:extLst>
+              <a:ext uri="{28A0092B-C50C-407E-A947-70E740481C1C}">
+                <a14:useLocalDpi xmlns:a14="http://schemas.microsoft.com/office/drawing/2010/main" val="0"/>
+              </a:ext>
+              <a:ext uri="{96DAC541-7B7A-43D3-8B79-37D633B846F1}">
+                <asvg:svgBlip xmlns:asvg="http://schemas.microsoft.com/office/drawing/2016/SVG/main" r:embed="rId19"/>
+              </a:ext>
+            </a:extLst>
+          </a:blip>
+          <a:stretch>
+            <a:fillRect/>
+          </a:stretch>
+        </p:blipFill>
+        <p:spPr>
+          <a:xfrm>
+            <a:off x="5420349" y="1208412"/>
+            <a:ext cx="1297636" cy="1297636"/>
+          </a:xfrm>
+          <a:prstGeom prst="rect">
+            <a:avLst/>
+          </a:prstGeom>
+        </p:spPr>
+      </p:pic>
+      <p:pic>
+        <p:nvPicPr>
+          <p:cNvPr id="21" name="Graphic 20" descr="Robot">
+            <a:extLst>
+              <a:ext uri="{FF2B5EF4-FFF2-40B4-BE49-F238E27FC236}">
+                <a16:creationId xmlns:a16="http://schemas.microsoft.com/office/drawing/2014/main" id="{43461E7A-D321-44CD-80AF-CABE9F54B26D}"/>
+              </a:ext>
+            </a:extLst>
+          </p:cNvPr>
+          <p:cNvPicPr>
+            <a:picLocks noChangeAspect="1"/>
+          </p:cNvPicPr>
+          <p:nvPr/>
+        </p:nvPicPr>
+        <p:blipFill>
+          <a:blip r:embed="rId12">
+            <a:extLst>
+              <a:ext uri="{28A0092B-C50C-407E-A947-70E740481C1C}">
+                <a14:useLocalDpi xmlns:a14="http://schemas.microsoft.com/office/drawing/2010/main" val="0"/>
+              </a:ext>
+              <a:ext uri="{96DAC541-7B7A-43D3-8B79-37D633B846F1}">
+                <asvg:svgBlip xmlns:asvg="http://schemas.microsoft.com/office/drawing/2016/SVG/main" r:embed="rId13"/>
+              </a:ext>
+            </a:extLst>
+          </a:blip>
+          <a:stretch>
+            <a:fillRect/>
+          </a:stretch>
+        </p:blipFill>
+        <p:spPr>
+          <a:xfrm>
+            <a:off x="3634740" y="4862352"/>
+            <a:ext cx="910605" cy="910605"/>
+          </a:xfrm>
+          <a:prstGeom prst="rect">
+            <a:avLst/>
+          </a:prstGeom>
+        </p:spPr>
+      </p:pic>
+      <p:pic>
+        <p:nvPicPr>
+          <p:cNvPr id="22" name="Graphic 21" descr="Gears">
+            <a:extLst>
+              <a:ext uri="{FF2B5EF4-FFF2-40B4-BE49-F238E27FC236}">
+                <a16:creationId xmlns:a16="http://schemas.microsoft.com/office/drawing/2014/main" id="{7A8956FE-5609-42D1-8A64-28A059B72E4B}"/>
+              </a:ext>
+            </a:extLst>
+          </p:cNvPr>
+          <p:cNvPicPr>
+            <a:picLocks noChangeAspect="1"/>
+          </p:cNvPicPr>
+          <p:nvPr/>
+        </p:nvPicPr>
+        <p:blipFill>
+          <a:blip r:embed="rId14">
+            <a:extLst>
+              <a:ext uri="{28A0092B-C50C-407E-A947-70E740481C1C}">
+                <a14:useLocalDpi xmlns:a14="http://schemas.microsoft.com/office/drawing/2010/main" val="0"/>
+              </a:ext>
+              <a:ext uri="{96DAC541-7B7A-43D3-8B79-37D633B846F1}">
+                <asvg:svgBlip xmlns:asvg="http://schemas.microsoft.com/office/drawing/2016/SVG/main" r:embed="rId15"/>
+              </a:ext>
+            </a:extLst>
+          </a:blip>
+          <a:stretch>
+            <a:fillRect/>
+          </a:stretch>
+        </p:blipFill>
+        <p:spPr>
+          <a:xfrm>
+            <a:off x="4242465" y="4301110"/>
+            <a:ext cx="491703" cy="491703"/>
+          </a:xfrm>
+          <a:prstGeom prst="rect">
+            <a:avLst/>
+          </a:prstGeom>
+        </p:spPr>
+      </p:pic>
+      <p:pic>
+        <p:nvPicPr>
+          <p:cNvPr id="23" name="Graphic 22" descr="Transfer">
+            <a:extLst>
+              <a:ext uri="{FF2B5EF4-FFF2-40B4-BE49-F238E27FC236}">
+                <a16:creationId xmlns:a16="http://schemas.microsoft.com/office/drawing/2014/main" id="{BF2FA6BA-CBDE-4AED-82CA-003FEDEEF999}"/>
+              </a:ext>
+            </a:extLst>
+          </p:cNvPr>
+          <p:cNvPicPr>
+            <a:picLocks noChangeAspect="1"/>
+          </p:cNvPicPr>
+          <p:nvPr/>
+        </p:nvPicPr>
+        <p:blipFill>
+          <a:blip r:embed="rId16">
+            <a:extLst>
+              <a:ext uri="{28A0092B-C50C-407E-A947-70E740481C1C}">
+                <a14:useLocalDpi xmlns:a14="http://schemas.microsoft.com/office/drawing/2010/main" val="0"/>
+              </a:ext>
+              <a:ext uri="{96DAC541-7B7A-43D3-8B79-37D633B846F1}">
+                <asvg:svgBlip xmlns:asvg="http://schemas.microsoft.com/office/drawing/2016/SVG/main" r:embed="rId17"/>
+              </a:ext>
+            </a:extLst>
+          </a:blip>
+          <a:stretch>
+            <a:fillRect/>
+          </a:stretch>
+        </p:blipFill>
+        <p:spPr>
+          <a:xfrm rot="18036836">
+            <a:off x="4508039" y="3258224"/>
+            <a:ext cx="1216002" cy="460956"/>
+          </a:xfrm>
+          <a:prstGeom prst="rect">
+            <a:avLst/>
+          </a:prstGeom>
+        </p:spPr>
+      </p:pic>
+      <p:pic>
+        <p:nvPicPr>
+          <p:cNvPr id="24" name="Graphic 23" descr="Computer">
+            <a:extLst>
+              <a:ext uri="{FF2B5EF4-FFF2-40B4-BE49-F238E27FC236}">
+                <a16:creationId xmlns:a16="http://schemas.microsoft.com/office/drawing/2014/main" id="{36CFC7F1-75E1-47B6-8EF7-DF80EA1B4E25}"/>
+              </a:ext>
+            </a:extLst>
+          </p:cNvPr>
+          <p:cNvPicPr>
+            <a:picLocks noChangeAspect="1"/>
+          </p:cNvPicPr>
+          <p:nvPr/>
+        </p:nvPicPr>
+        <p:blipFill>
+          <a:blip r:embed="rId10">
+            <a:extLst>
+              <a:ext uri="{28A0092B-C50C-407E-A947-70E740481C1C}">
+                <a14:useLocalDpi xmlns:a14="http://schemas.microsoft.com/office/drawing/2010/main" val="0"/>
+              </a:ext>
+              <a:ext uri="{96DAC541-7B7A-43D3-8B79-37D633B846F1}">
+                <asvg:svgBlip xmlns:asvg="http://schemas.microsoft.com/office/drawing/2016/SVG/main" r:embed="rId11"/>
+              </a:ext>
+            </a:extLst>
+          </a:blip>
+          <a:stretch>
+            <a:fillRect/>
+          </a:stretch>
+        </p:blipFill>
+        <p:spPr>
+          <a:xfrm>
+            <a:off x="6669093" y="4572364"/>
+            <a:ext cx="1157840" cy="1157840"/>
+          </a:xfrm>
+          <a:prstGeom prst="rect">
+            <a:avLst/>
+          </a:prstGeom>
+        </p:spPr>
+      </p:pic>
+      <p:pic>
+        <p:nvPicPr>
+          <p:cNvPr id="25" name="Graphic 24" descr="Robot">
+            <a:extLst>
+              <a:ext uri="{FF2B5EF4-FFF2-40B4-BE49-F238E27FC236}">
+                <a16:creationId xmlns:a16="http://schemas.microsoft.com/office/drawing/2014/main" id="{5E7FA51A-BA01-4AC7-8B1F-BFDAE988AA63}"/>
+              </a:ext>
+            </a:extLst>
+          </p:cNvPr>
+          <p:cNvPicPr>
+            <a:picLocks noChangeAspect="1"/>
+          </p:cNvPicPr>
+          <p:nvPr/>
+        </p:nvPicPr>
+        <p:blipFill>
+          <a:blip r:embed="rId12">
+            <a:extLst>
+              <a:ext uri="{28A0092B-C50C-407E-A947-70E740481C1C}">
+                <a14:useLocalDpi xmlns:a14="http://schemas.microsoft.com/office/drawing/2010/main" val="0"/>
+              </a:ext>
+              <a:ext uri="{96DAC541-7B7A-43D3-8B79-37D633B846F1}">
+                <asvg:svgBlip xmlns:asvg="http://schemas.microsoft.com/office/drawing/2016/SVG/main" r:embed="rId13"/>
+              </a:ext>
+            </a:extLst>
+          </a:blip>
+          <a:stretch>
+            <a:fillRect/>
+          </a:stretch>
+        </p:blipFill>
+        <p:spPr>
+          <a:xfrm>
+            <a:off x="6578971" y="4890596"/>
+            <a:ext cx="910605" cy="910605"/>
+          </a:xfrm>
+          <a:prstGeom prst="rect">
+            <a:avLst/>
+          </a:prstGeom>
+        </p:spPr>
+      </p:pic>
+      <p:pic>
+        <p:nvPicPr>
+          <p:cNvPr id="26" name="Graphic 25" descr="Gears">
+            <a:extLst>
+              <a:ext uri="{FF2B5EF4-FFF2-40B4-BE49-F238E27FC236}">
+                <a16:creationId xmlns:a16="http://schemas.microsoft.com/office/drawing/2014/main" id="{9A0CBF7B-7943-4E97-999F-90A880A07A50}"/>
+              </a:ext>
+            </a:extLst>
+          </p:cNvPr>
+          <p:cNvPicPr>
+            <a:picLocks noChangeAspect="1"/>
+          </p:cNvPicPr>
+          <p:nvPr/>
+        </p:nvPicPr>
+        <p:blipFill>
+          <a:blip r:embed="rId14">
+            <a:extLst>
+              <a:ext uri="{28A0092B-C50C-407E-A947-70E740481C1C}">
+                <a14:useLocalDpi xmlns:a14="http://schemas.microsoft.com/office/drawing/2010/main" val="0"/>
+              </a:ext>
+              <a:ext uri="{96DAC541-7B7A-43D3-8B79-37D633B846F1}">
+                <asvg:svgBlip xmlns:asvg="http://schemas.microsoft.com/office/drawing/2016/SVG/main" r:embed="rId15"/>
+              </a:ext>
+            </a:extLst>
+          </a:blip>
+          <a:stretch>
+            <a:fillRect/>
+          </a:stretch>
+        </p:blipFill>
+        <p:spPr>
+          <a:xfrm rot="19003372">
+            <a:off x="6732512" y="4297215"/>
+            <a:ext cx="491703" cy="491703"/>
+          </a:xfrm>
+          <a:prstGeom prst="rect">
+            <a:avLst/>
+          </a:prstGeom>
+        </p:spPr>
+      </p:pic>
+      <p:pic>
+        <p:nvPicPr>
+          <p:cNvPr id="27" name="Graphic 26" descr="Robot">
+            <a:extLst>
+              <a:ext uri="{FF2B5EF4-FFF2-40B4-BE49-F238E27FC236}">
+                <a16:creationId xmlns:a16="http://schemas.microsoft.com/office/drawing/2014/main" id="{56581128-3506-4BA7-8372-7AFC9BB0DACF}"/>
+              </a:ext>
+            </a:extLst>
+          </p:cNvPr>
+          <p:cNvPicPr>
+            <a:picLocks noChangeAspect="1"/>
+          </p:cNvPicPr>
+          <p:nvPr/>
+        </p:nvPicPr>
+        <p:blipFill>
+          <a:blip r:embed="rId12">
+            <a:extLst>
+              <a:ext uri="{28A0092B-C50C-407E-A947-70E740481C1C}">
+                <a14:useLocalDpi xmlns:a14="http://schemas.microsoft.com/office/drawing/2010/main" val="0"/>
+              </a:ext>
+              <a:ext uri="{96DAC541-7B7A-43D3-8B79-37D633B846F1}">
+                <asvg:svgBlip xmlns:asvg="http://schemas.microsoft.com/office/drawing/2016/SVG/main" r:embed="rId13"/>
+              </a:ext>
+            </a:extLst>
+          </a:blip>
+          <a:stretch>
+            <a:fillRect/>
+          </a:stretch>
+        </p:blipFill>
+        <p:spPr>
+          <a:xfrm flipH="1">
+            <a:off x="7914100" y="3396913"/>
+            <a:ext cx="884748" cy="910605"/>
+          </a:xfrm>
+          <a:prstGeom prst="rect">
+            <a:avLst/>
+          </a:prstGeom>
+        </p:spPr>
+      </p:pic>
+      <p:pic>
+        <p:nvPicPr>
+          <p:cNvPr id="28" name="Graphic 27" descr="Gears">
+            <a:extLst>
+              <a:ext uri="{FF2B5EF4-FFF2-40B4-BE49-F238E27FC236}">
+                <a16:creationId xmlns:a16="http://schemas.microsoft.com/office/drawing/2014/main" id="{C2DC27F4-FC31-4314-BF88-C62E00834792}"/>
+              </a:ext>
+            </a:extLst>
+          </p:cNvPr>
+          <p:cNvPicPr>
+            <a:picLocks noChangeAspect="1"/>
+          </p:cNvPicPr>
+          <p:nvPr/>
+        </p:nvPicPr>
+        <p:blipFill>
+          <a:blip r:embed="rId14">
+            <a:extLst>
+              <a:ext uri="{28A0092B-C50C-407E-A947-70E740481C1C}">
+                <a14:useLocalDpi xmlns:a14="http://schemas.microsoft.com/office/drawing/2010/main" val="0"/>
+              </a:ext>
+              <a:ext uri="{96DAC541-7B7A-43D3-8B79-37D633B846F1}">
+                <asvg:svgBlip xmlns:asvg="http://schemas.microsoft.com/office/drawing/2016/SVG/main" r:embed="rId15"/>
+              </a:ext>
+            </a:extLst>
+          </a:blip>
+          <a:stretch>
+            <a:fillRect/>
+          </a:stretch>
+        </p:blipFill>
+        <p:spPr>
+          <a:xfrm>
+            <a:off x="8353428" y="3151061"/>
+            <a:ext cx="494052" cy="491703"/>
+          </a:xfrm>
+          <a:prstGeom prst="rect">
+            <a:avLst/>
+          </a:prstGeom>
+        </p:spPr>
+      </p:pic>
+      <p:sp>
+        <p:nvSpPr>
+          <p:cNvPr id="29" name="Rectangle 28">
+            <a:extLst>
+              <a:ext uri="{FF2B5EF4-FFF2-40B4-BE49-F238E27FC236}">
+                <a16:creationId xmlns:a16="http://schemas.microsoft.com/office/drawing/2014/main" id="{D1F244FC-ECE3-413E-B670-9C3DEFF47C62}"/>
+              </a:ext>
+            </a:extLst>
+          </p:cNvPr>
+          <p:cNvSpPr/>
+          <p:nvPr/>
+        </p:nvSpPr>
+        <p:spPr>
+          <a:xfrm>
+            <a:off x="5624019" y="784020"/>
+            <a:ext cx="1338739" cy="350563"/>
+          </a:xfrm>
+          <a:prstGeom prst="rect">
+            <a:avLst/>
+          </a:prstGeom>
+          <a:noFill/>
+        </p:spPr>
+        <p:txBody>
+          <a:bodyPr wrap="square" lIns="91440" tIns="45720" rIns="91440" bIns="45720">
+            <a:spAutoFit/>
           </a:bodyPr>
           <a:lstStyle/>
           <a:p>
-            <a:r>
-              <a:rPr lang="en-US" dirty="0"/>
-              <a:t>Client orchestrator runs at user desktop</a:t>
-            </a:r>
-          </a:p>
-          <a:p>
-            <a:pPr lvl="1"/>
-            <a:r>
-              <a:rPr lang="en-US" dirty="0"/>
-              <a:t>It reads the latest catalog from the Doc Central and syncs up the local repositories at user’s desktop. Also when the user flags a new draft </a:t>
-            </a:r>
-            <a:r>
-              <a:rPr lang="en-US" i="1" dirty="0"/>
-              <a:t>ready-for-upload</a:t>
-            </a:r>
-            <a:r>
-              <a:rPr lang="en-US" dirty="0"/>
-              <a:t>, it pushes the </a:t>
-            </a:r>
-            <a:r>
-              <a:rPr lang="en-US" i="1" dirty="0"/>
-              <a:t>content</a:t>
-            </a:r>
-            <a:r>
-              <a:rPr lang="en-US" dirty="0"/>
-              <a:t> into the Doc Central’s </a:t>
-            </a:r>
-            <a:r>
-              <a:rPr lang="en-US" i="1" dirty="0"/>
-              <a:t>content drop box</a:t>
-            </a:r>
-            <a:r>
-              <a:rPr lang="en-US" dirty="0"/>
-              <a:t> and writes a </a:t>
-            </a:r>
-            <a:r>
-              <a:rPr lang="en-US" i="1" dirty="0"/>
-              <a:t>request file</a:t>
-            </a:r>
-            <a:r>
-              <a:rPr lang="en-US" dirty="0"/>
-              <a:t> into </a:t>
-            </a:r>
-            <a:r>
-              <a:rPr lang="en-US" i="1" dirty="0"/>
-              <a:t>request drop box </a:t>
-            </a:r>
-            <a:r>
-              <a:rPr lang="en-US" dirty="0"/>
-              <a:t>that tells server orchestrator to process the uploaded content.</a:t>
-            </a:r>
-          </a:p>
-          <a:p>
-            <a:r>
-              <a:rPr lang="en-US" dirty="0"/>
-              <a:t>Catalog Server orchestrator runs at a defined server machine</a:t>
-            </a:r>
-          </a:p>
-          <a:p>
-            <a:pPr lvl="1"/>
-            <a:r>
-              <a:rPr lang="en-US" dirty="0"/>
-              <a:t>It reads the request files and moves the corresponding contents into their destination folders </a:t>
-            </a:r>
-            <a:r>
-              <a:rPr lang="en-US" i="1" dirty="0"/>
-              <a:t>as is</a:t>
-            </a:r>
-            <a:r>
-              <a:rPr lang="en-US" dirty="0"/>
-              <a:t> or moves into rollup contents. After processing all such requests, it publishes the renewed catalog in the publication folder.</a:t>
-            </a:r>
-          </a:p>
-          <a:p>
-            <a:r>
-              <a:rPr lang="en-US" dirty="0"/>
-              <a:t>Extended orchestrator runs at a defined server machine</a:t>
-            </a:r>
-          </a:p>
-          <a:p>
-            <a:pPr lvl="1"/>
-            <a:r>
-              <a:rPr lang="en-US" dirty="0"/>
-              <a:t>It mimics a human’s effort for any enrichment viz. sending the task allocation records to team members based on project trackers created by PMs, creating a </a:t>
-            </a:r>
-            <a:r>
-              <a:rPr lang="en-US" i="1" dirty="0"/>
-              <a:t>Projects</a:t>
-            </a:r>
-            <a:r>
-              <a:rPr lang="en-US" dirty="0"/>
-              <a:t> dashboard, combining multiple spreadsheets to provide a summary view and persisting timecards.</a:t>
-            </a:r>
-          </a:p>
-          <a:p>
-            <a:pPr lvl="1"/>
-            <a:endParaRPr lang="en-US" dirty="0"/>
-          </a:p>
-          <a:p>
-            <a:pPr lvl="0"/>
-            <a:endParaRPr lang="en-US" sz="1800" dirty="0"/>
+            <a:pPr algn="ctr"/>
+            <a:r>
+              <a:rPr lang="en-US" sz="1600" b="1" dirty="0">
+                <a:ln w="0"/>
+                <a:solidFill>
+                  <a:srgbClr val="FFC000"/>
+                </a:solidFill>
+                <a:effectLst>
+                  <a:outerShdw blurRad="38100" dist="19050" dir="2700000" algn="tl" rotWithShape="0">
+                    <a:schemeClr val="dk1">
+                      <a:alpha val="40000"/>
+                    </a:schemeClr>
+                  </a:outerShdw>
+                </a:effectLst>
+              </a:rPr>
+              <a:t>Doc Central</a:t>
+            </a:r>
+            <a:endParaRPr lang="en-US" sz="1600" b="1" cap="none" spc="0" dirty="0">
+              <a:ln w="0"/>
+              <a:solidFill>
+                <a:srgbClr val="FFC000"/>
+              </a:solidFill>
+              <a:effectLst>
+                <a:outerShdw blurRad="38100" dist="19050" dir="2700000" algn="tl" rotWithShape="0">
+                  <a:schemeClr val="dk1">
+                    <a:alpha val="40000"/>
+                  </a:schemeClr>
+                </a:outerShdw>
+              </a:effectLst>
+            </a:endParaRPr>
+          </a:p>
+        </p:txBody>
+      </p:sp>
+      <p:sp>
+        <p:nvSpPr>
+          <p:cNvPr id="30" name="Rectangle 29">
+            <a:extLst>
+              <a:ext uri="{FF2B5EF4-FFF2-40B4-BE49-F238E27FC236}">
+                <a16:creationId xmlns:a16="http://schemas.microsoft.com/office/drawing/2014/main" id="{BAAC02D0-9432-4B9C-A24C-662F2BB62829}"/>
+              </a:ext>
+            </a:extLst>
+          </p:cNvPr>
+          <p:cNvSpPr/>
+          <p:nvPr/>
+        </p:nvSpPr>
+        <p:spPr>
+          <a:xfrm>
+            <a:off x="2041381" y="4316381"/>
+            <a:ext cx="910605" cy="369332"/>
+          </a:xfrm>
+          <a:prstGeom prst="rect">
+            <a:avLst/>
+          </a:prstGeom>
+          <a:noFill/>
+        </p:spPr>
+        <p:txBody>
+          <a:bodyPr wrap="square" lIns="91440" tIns="45720" rIns="91440" bIns="45720">
+            <a:spAutoFit/>
+          </a:bodyPr>
+          <a:lstStyle/>
+          <a:p>
+            <a:pPr algn="ctr"/>
+            <a:r>
+              <a:rPr lang="en-US" b="1" dirty="0">
+                <a:ln w="0"/>
+                <a:solidFill>
+                  <a:srgbClr val="00B0F0"/>
+                </a:solidFill>
+                <a:effectLst>
+                  <a:outerShdw blurRad="38100" dist="19050" dir="2700000" algn="tl" rotWithShape="0">
+                    <a:schemeClr val="dk1">
+                      <a:alpha val="40000"/>
+                    </a:schemeClr>
+                  </a:outerShdw>
+                </a:effectLst>
+              </a:rPr>
+              <a:t>Author</a:t>
+            </a:r>
+            <a:endParaRPr lang="en-US" b="1" cap="none" spc="0" dirty="0">
+              <a:ln w="0"/>
+              <a:solidFill>
+                <a:srgbClr val="00B0F0"/>
+              </a:solidFill>
+              <a:effectLst>
+                <a:outerShdw blurRad="38100" dist="19050" dir="2700000" algn="tl" rotWithShape="0">
+                  <a:schemeClr val="dk1">
+                    <a:alpha val="40000"/>
+                  </a:schemeClr>
+                </a:outerShdw>
+              </a:effectLst>
+            </a:endParaRPr>
+          </a:p>
+        </p:txBody>
+      </p:sp>
+      <p:sp>
+        <p:nvSpPr>
+          <p:cNvPr id="31" name="Rectangle 30">
+            <a:extLst>
+              <a:ext uri="{FF2B5EF4-FFF2-40B4-BE49-F238E27FC236}">
+                <a16:creationId xmlns:a16="http://schemas.microsoft.com/office/drawing/2014/main" id="{5EFA5784-AEF6-488F-9E90-1C45BFDB5AB2}"/>
+              </a:ext>
+            </a:extLst>
+          </p:cNvPr>
+          <p:cNvSpPr/>
+          <p:nvPr/>
+        </p:nvSpPr>
+        <p:spPr>
+          <a:xfrm>
+            <a:off x="3538027" y="5842496"/>
+            <a:ext cx="1684213" cy="584775"/>
+          </a:xfrm>
+          <a:prstGeom prst="rect">
+            <a:avLst/>
+          </a:prstGeom>
+          <a:noFill/>
+        </p:spPr>
+        <p:txBody>
+          <a:bodyPr wrap="square" lIns="91440" tIns="45720" rIns="91440" bIns="45720">
+            <a:spAutoFit/>
+          </a:bodyPr>
+          <a:lstStyle/>
+          <a:p>
+            <a:pPr algn="ctr"/>
+            <a:r>
+              <a:rPr lang="en-US" sz="1600" i="1" dirty="0">
+                <a:ln w="0"/>
+                <a:solidFill>
+                  <a:srgbClr val="FFC000"/>
+                </a:solidFill>
+                <a:effectLst>
+                  <a:outerShdw blurRad="38100" dist="19050" dir="2700000" algn="tl" rotWithShape="0">
+                    <a:schemeClr val="dk1">
+                      <a:alpha val="40000"/>
+                    </a:schemeClr>
+                  </a:outerShdw>
+                </a:effectLst>
+              </a:rPr>
+              <a:t>Catalog process orchestrator</a:t>
+            </a:r>
+            <a:endParaRPr lang="en-US" sz="1600" i="1" cap="none" spc="0" dirty="0">
+              <a:ln w="0"/>
+              <a:solidFill>
+                <a:srgbClr val="FFC000"/>
+              </a:solidFill>
+              <a:effectLst>
+                <a:outerShdw blurRad="38100" dist="19050" dir="2700000" algn="tl" rotWithShape="0">
+                  <a:schemeClr val="dk1">
+                    <a:alpha val="40000"/>
+                  </a:schemeClr>
+                </a:outerShdw>
+              </a:effectLst>
+            </a:endParaRPr>
+          </a:p>
+        </p:txBody>
+      </p:sp>
+      <p:sp>
+        <p:nvSpPr>
+          <p:cNvPr id="32" name="Rectangle 31">
+            <a:extLst>
+              <a:ext uri="{FF2B5EF4-FFF2-40B4-BE49-F238E27FC236}">
+                <a16:creationId xmlns:a16="http://schemas.microsoft.com/office/drawing/2014/main" id="{19173F04-07D2-499F-9040-FEB266658FAD}"/>
+              </a:ext>
+            </a:extLst>
+          </p:cNvPr>
+          <p:cNvSpPr/>
+          <p:nvPr/>
+        </p:nvSpPr>
+        <p:spPr>
+          <a:xfrm>
+            <a:off x="9950201" y="4147104"/>
+            <a:ext cx="1346878" cy="369332"/>
+          </a:xfrm>
+          <a:prstGeom prst="rect">
+            <a:avLst/>
+          </a:prstGeom>
+          <a:noFill/>
+        </p:spPr>
+        <p:txBody>
+          <a:bodyPr wrap="square" lIns="91440" tIns="45720" rIns="91440" bIns="45720">
+            <a:spAutoFit/>
+          </a:bodyPr>
+          <a:lstStyle/>
+          <a:p>
+            <a:pPr algn="ctr"/>
+            <a:r>
+              <a:rPr lang="en-US" b="1" dirty="0">
+                <a:ln w="0"/>
+                <a:solidFill>
+                  <a:srgbClr val="00B0F0"/>
+                </a:solidFill>
+                <a:effectLst>
+                  <a:outerShdw blurRad="38100" dist="19050" dir="2700000" algn="tl" rotWithShape="0">
+                    <a:schemeClr val="dk1">
+                      <a:alpha val="40000"/>
+                    </a:schemeClr>
+                  </a:outerShdw>
+                </a:effectLst>
+              </a:rPr>
+              <a:t>Subscribers</a:t>
+            </a:r>
+            <a:endParaRPr lang="en-US" b="1" cap="none" spc="0" dirty="0">
+              <a:ln w="0"/>
+              <a:solidFill>
+                <a:srgbClr val="00B0F0"/>
+              </a:solidFill>
+              <a:effectLst>
+                <a:outerShdw blurRad="38100" dist="19050" dir="2700000" algn="tl" rotWithShape="0">
+                  <a:schemeClr val="dk1">
+                    <a:alpha val="40000"/>
+                  </a:schemeClr>
+                </a:outerShdw>
+              </a:effectLst>
+            </a:endParaRPr>
+          </a:p>
+        </p:txBody>
+      </p:sp>
+      <p:sp>
+        <p:nvSpPr>
+          <p:cNvPr id="33" name="Rectangle 32">
+            <a:extLst>
+              <a:ext uri="{FF2B5EF4-FFF2-40B4-BE49-F238E27FC236}">
+                <a16:creationId xmlns:a16="http://schemas.microsoft.com/office/drawing/2014/main" id="{FF115E28-EA90-4093-AF72-073BF1B0FFB2}"/>
+              </a:ext>
+            </a:extLst>
+          </p:cNvPr>
+          <p:cNvSpPr/>
+          <p:nvPr/>
+        </p:nvSpPr>
+        <p:spPr>
+          <a:xfrm>
+            <a:off x="6122929" y="5814643"/>
+            <a:ext cx="2405927" cy="584775"/>
+          </a:xfrm>
+          <a:prstGeom prst="rect">
+            <a:avLst/>
+          </a:prstGeom>
+          <a:noFill/>
+        </p:spPr>
+        <p:txBody>
+          <a:bodyPr wrap="square" lIns="91440" tIns="45720" rIns="91440" bIns="45720">
+            <a:spAutoFit/>
+          </a:bodyPr>
+          <a:lstStyle/>
+          <a:p>
+            <a:pPr algn="ctr"/>
+            <a:r>
+              <a:rPr lang="en-US" sz="1600" i="1" dirty="0">
+                <a:ln w="0"/>
+                <a:solidFill>
+                  <a:srgbClr val="FFC000"/>
+                </a:solidFill>
+                <a:effectLst>
+                  <a:outerShdw blurRad="38100" dist="19050" dir="2700000" algn="tl" rotWithShape="0">
+                    <a:schemeClr val="dk1">
+                      <a:alpha val="40000"/>
+                    </a:schemeClr>
+                  </a:outerShdw>
+                </a:effectLst>
+              </a:rPr>
+              <a:t>Extended process orchestrator</a:t>
+            </a:r>
+            <a:endParaRPr lang="en-US" sz="1600" i="1" cap="none" spc="0" dirty="0">
+              <a:ln w="0"/>
+              <a:solidFill>
+                <a:srgbClr val="FFC000"/>
+              </a:solidFill>
+              <a:effectLst>
+                <a:outerShdw blurRad="38100" dist="19050" dir="2700000" algn="tl" rotWithShape="0">
+                  <a:schemeClr val="dk1">
+                    <a:alpha val="40000"/>
+                  </a:schemeClr>
+                </a:outerShdw>
+              </a:effectLst>
+            </a:endParaRPr>
+          </a:p>
+        </p:txBody>
+      </p:sp>
+      <p:pic>
+        <p:nvPicPr>
+          <p:cNvPr id="34" name="Graphic 33" descr="Gauge">
+            <a:extLst>
+              <a:ext uri="{FF2B5EF4-FFF2-40B4-BE49-F238E27FC236}">
+                <a16:creationId xmlns:a16="http://schemas.microsoft.com/office/drawing/2014/main" id="{125A4A47-3622-44FE-AD46-728DB25A1D98}"/>
+              </a:ext>
+            </a:extLst>
+          </p:cNvPr>
+          <p:cNvPicPr>
+            <a:picLocks noChangeAspect="1"/>
+          </p:cNvPicPr>
+          <p:nvPr/>
+        </p:nvPicPr>
+        <p:blipFill>
+          <a:blip r:embed="rId8">
+            <a:extLst>
+              <a:ext uri="{28A0092B-C50C-407E-A947-70E740481C1C}">
+                <a14:useLocalDpi xmlns:a14="http://schemas.microsoft.com/office/drawing/2010/main" val="0"/>
+              </a:ext>
+              <a:ext uri="{96DAC541-7B7A-43D3-8B79-37D633B846F1}">
+                <asvg:svgBlip xmlns:asvg="http://schemas.microsoft.com/office/drawing/2016/SVG/main" r:embed="rId9"/>
+              </a:ext>
+            </a:extLst>
+          </a:blip>
+          <a:stretch>
+            <a:fillRect/>
+          </a:stretch>
+        </p:blipFill>
+        <p:spPr>
+          <a:xfrm>
+            <a:off x="9117745" y="4112935"/>
+            <a:ext cx="400386" cy="480058"/>
+          </a:xfrm>
+          <a:prstGeom prst="rect">
+            <a:avLst/>
+          </a:prstGeom>
+        </p:spPr>
+      </p:pic>
+      <p:sp>
+        <p:nvSpPr>
+          <p:cNvPr id="35" name="Rectangle 34">
+            <a:extLst>
+              <a:ext uri="{FF2B5EF4-FFF2-40B4-BE49-F238E27FC236}">
+                <a16:creationId xmlns:a16="http://schemas.microsoft.com/office/drawing/2014/main" id="{43C9F690-B596-4DD3-AC2F-CBDAA5102AC7}"/>
+              </a:ext>
+            </a:extLst>
+          </p:cNvPr>
+          <p:cNvSpPr/>
+          <p:nvPr/>
+        </p:nvSpPr>
+        <p:spPr>
+          <a:xfrm rot="19495022">
+            <a:off x="2459774" y="2377888"/>
+            <a:ext cx="1418957" cy="584775"/>
+          </a:xfrm>
+          <a:prstGeom prst="rect">
+            <a:avLst/>
+          </a:prstGeom>
+          <a:noFill/>
+        </p:spPr>
+        <p:txBody>
+          <a:bodyPr wrap="square" lIns="91440" tIns="45720" rIns="91440" bIns="45720">
+            <a:spAutoFit/>
+          </a:bodyPr>
+          <a:lstStyle/>
+          <a:p>
+            <a:pPr algn="ctr"/>
+            <a:r>
+              <a:rPr lang="en-US" sz="1600" i="1" dirty="0">
+                <a:ln w="0"/>
+                <a:solidFill>
+                  <a:srgbClr val="FFC000"/>
+                </a:solidFill>
+                <a:effectLst>
+                  <a:outerShdw blurRad="38100" dist="19050" dir="2700000" algn="tl" rotWithShape="0">
+                    <a:schemeClr val="dk1">
+                      <a:alpha val="40000"/>
+                    </a:schemeClr>
+                  </a:outerShdw>
+                </a:effectLst>
+              </a:rPr>
+              <a:t>Client process orchestrator</a:t>
+            </a:r>
+            <a:endParaRPr lang="en-US" sz="1600" i="1" cap="none" spc="0" dirty="0">
+              <a:ln w="0"/>
+              <a:solidFill>
+                <a:srgbClr val="FFC000"/>
+              </a:solidFill>
+              <a:effectLst>
+                <a:outerShdw blurRad="38100" dist="19050" dir="2700000" algn="tl" rotWithShape="0">
+                  <a:schemeClr val="dk1">
+                    <a:alpha val="40000"/>
+                  </a:schemeClr>
+                </a:outerShdw>
+              </a:effectLst>
+            </a:endParaRPr>
+          </a:p>
+        </p:txBody>
+      </p:sp>
+      <p:sp>
+        <p:nvSpPr>
+          <p:cNvPr id="36" name="Rectangle 35">
+            <a:extLst>
+              <a:ext uri="{FF2B5EF4-FFF2-40B4-BE49-F238E27FC236}">
+                <a16:creationId xmlns:a16="http://schemas.microsoft.com/office/drawing/2014/main" id="{540C06F4-ACAA-426E-932A-98A41B1E6E5E}"/>
+              </a:ext>
+            </a:extLst>
+          </p:cNvPr>
+          <p:cNvSpPr/>
+          <p:nvPr/>
+        </p:nvSpPr>
+        <p:spPr>
+          <a:xfrm rot="1955007">
+            <a:off x="8068014" y="2524874"/>
+            <a:ext cx="1578644" cy="584775"/>
+          </a:xfrm>
+          <a:prstGeom prst="rect">
+            <a:avLst/>
+          </a:prstGeom>
+          <a:noFill/>
+        </p:spPr>
+        <p:txBody>
+          <a:bodyPr wrap="square" lIns="91440" tIns="45720" rIns="91440" bIns="45720">
+            <a:spAutoFit/>
+          </a:bodyPr>
+          <a:lstStyle/>
+          <a:p>
+            <a:pPr algn="ctr"/>
+            <a:r>
+              <a:rPr lang="en-US" sz="1600" i="1" dirty="0">
+                <a:ln w="0"/>
+                <a:solidFill>
+                  <a:srgbClr val="FFC000"/>
+                </a:solidFill>
+                <a:effectLst>
+                  <a:outerShdw blurRad="38100" dist="19050" dir="2700000" algn="tl" rotWithShape="0">
+                    <a:schemeClr val="dk1">
+                      <a:alpha val="40000"/>
+                    </a:schemeClr>
+                  </a:outerShdw>
+                </a:effectLst>
+              </a:rPr>
+              <a:t>Client process orchestrator</a:t>
+            </a:r>
+            <a:endParaRPr lang="en-US" sz="1600" i="1" cap="none" spc="0" dirty="0">
+              <a:ln w="0"/>
+              <a:solidFill>
+                <a:srgbClr val="FFC000"/>
+              </a:solidFill>
+              <a:effectLst>
+                <a:outerShdw blurRad="38100" dist="19050" dir="2700000" algn="tl" rotWithShape="0">
+                  <a:schemeClr val="dk1">
+                    <a:alpha val="40000"/>
+                  </a:schemeClr>
+                </a:outerShdw>
+              </a:effectLst>
+            </a:endParaRPr>
           </a:p>
         </p:txBody>
       </p:sp>
     </p:spTree>
     <p:extLst>
       <p:ext uri="{BB962C8B-B14F-4D97-AF65-F5344CB8AC3E}">
-        <p14:creationId xmlns:p14="http://schemas.microsoft.com/office/powerpoint/2010/main" val="187755862"/>
+        <p14:creationId xmlns:p14="http://schemas.microsoft.com/office/powerpoint/2010/main" val="3500561082"/>
       </p:ext>
     </p:extLst>
   </p:cSld>
@@ -5820,7 +7116,7 @@
           <a:p>
             <a:r>
               <a:rPr lang="en-US" dirty="0"/>
-              <a:t>Four flat-file SQLite databases</a:t>
+              <a:t>Three Orchestraters</a:t>
             </a:r>
           </a:p>
         </p:txBody>
@@ -5854,76 +7150,102 @@
           <a:lstStyle/>
           <a:p>
             <a:r>
-              <a:rPr lang="en-US" dirty="0" err="1"/>
-              <a:t>Sysdbfile</a:t>
-            </a:r>
-            <a:r>
               <a:rPr lang="en-US" dirty="0"/>
-              <a:t> published on platform root repository</a:t>
+              <a:t>Client orchestrator runs at user desktop</a:t>
             </a:r>
           </a:p>
           <a:p>
             <a:pPr lvl="1"/>
             <a:r>
               <a:rPr lang="en-US" dirty="0"/>
-              <a:t>Specifies which handler shall be picked to process a content, whether they are of individual type or roll-ups, any extended handling involved etc. The updates on </a:t>
-            </a:r>
-            <a:r>
-              <a:rPr lang="en-US" dirty="0" err="1"/>
-              <a:t>sysdbfile</a:t>
+              <a:t>It reads the latest catalog from the Doc Central and syncs up the local repositories at user’s desktop. Also when the user flags a new draft </a:t>
+            </a:r>
+            <a:r>
+              <a:rPr lang="en-US" i="1" dirty="0"/>
+              <a:t>ready-for-upload</a:t>
             </a:r>
             <a:r>
               <a:rPr lang="en-US" dirty="0"/>
-              <a:t> such as introduction of new content types are automatically propagated.</a:t>
-            </a:r>
-          </a:p>
-          <a:p>
-            <a:r>
-              <a:rPr lang="en-US" dirty="0" err="1"/>
-              <a:t>Catalogdbfile</a:t>
+              <a:t>, it pushes the </a:t>
+            </a:r>
+            <a:r>
+              <a:rPr lang="en-US" i="1" dirty="0"/>
+              <a:t>content</a:t>
             </a:r>
             <a:r>
               <a:rPr lang="en-US" dirty="0"/>
-              <a:t> on content root repository</a:t>
+              <a:t> into the Doc Central’s </a:t>
+            </a:r>
+            <a:r>
+              <a:rPr lang="en-US" i="1" dirty="0"/>
+              <a:t>content drop box</a:t>
+            </a:r>
+            <a:r>
+              <a:rPr lang="en-US" dirty="0"/>
+              <a:t> and writes a </a:t>
+            </a:r>
+            <a:r>
+              <a:rPr lang="en-US" i="1" dirty="0"/>
+              <a:t>request file</a:t>
+            </a:r>
+            <a:r>
+              <a:rPr lang="en-US" dirty="0"/>
+              <a:t> into </a:t>
+            </a:r>
+            <a:r>
+              <a:rPr lang="en-US" i="1" dirty="0"/>
+              <a:t>request drop box </a:t>
+            </a:r>
+            <a:r>
+              <a:rPr lang="en-US" dirty="0"/>
+              <a:t>that tells server orchestrator to process the uploaded content.</a:t>
+            </a:r>
+          </a:p>
+          <a:p>
+            <a:r>
+              <a:rPr lang="en-US" dirty="0"/>
+              <a:t>Catalog Server orchestrator runs at a defined server machine</a:t>
             </a:r>
           </a:p>
           <a:p>
             <a:pPr lvl="1"/>
             <a:r>
               <a:rPr lang="en-US" dirty="0"/>
-              <a:t>Holds details of the published contents at the Doc Central, their location, author etc. in the form of an Enterprise Resource Locator (ERL) master record. It is refreshed and re-published at a predefined location of the Doc Central by server orchestrator every time a content is published so the clients can pick it up during their periodic checks.</a:t>
-            </a:r>
-          </a:p>
-          <a:p>
-            <a:r>
-              <a:rPr lang="en-US" dirty="0" err="1"/>
-              <a:t>Clientdbfile</a:t>
+              <a:t>It reads the request files and moves the corresponding contents into their destination folders </a:t>
+            </a:r>
+            <a:r>
+              <a:rPr lang="en-US" i="1" dirty="0"/>
+              <a:t>as is</a:t>
             </a:r>
             <a:r>
               <a:rPr lang="en-US" dirty="0"/>
-              <a:t> on users’ desktop and extended servers</a:t>
+              <a:t> or moves into rollup contents. After processing all such requests, it publishes the renewed catalog in the publication folder.</a:t>
+            </a:r>
+          </a:p>
+          <a:p>
+            <a:r>
+              <a:rPr lang="en-US" dirty="0"/>
+              <a:t>Extended orchestrator runs at a defined server machine</a:t>
             </a:r>
           </a:p>
           <a:p>
             <a:pPr lvl="1"/>
             <a:r>
               <a:rPr lang="en-US" dirty="0"/>
-              <a:t>Holds details of local drafts, subscribed ERL contents and their local availability.</a:t>
-            </a:r>
-          </a:p>
-          <a:p>
-            <a:r>
-              <a:rPr lang="en-US" dirty="0" err="1"/>
-              <a:t>Extendedcatalogdbfiles</a:t>
-            </a:r>
+              <a:t>It mimics a human’s effort for any enrichment viz. sending the task allocation records to team members based on project trackers created by PMs, creating a </a:t>
+            </a:r>
+            <a:r>
+              <a:rPr lang="en-US" i="1" dirty="0"/>
+              <a:t>Projects</a:t>
+            </a:r>
+            <a:r>
+              <a:rPr lang="en-US" dirty="0"/>
+              <a:t> dashboard, combining multiple spreadsheets to provide a summary view and persisting timecards.</a:t>
+            </a:r>
+          </a:p>
+          <a:p>
+            <a:pPr lvl="1"/>
             <a:endParaRPr lang="en-US" dirty="0"/>
-          </a:p>
-          <a:p>
-            <a:pPr lvl="1"/>
-            <a:r>
-              <a:rPr lang="en-US" dirty="0"/>
-              <a:t>Data related to any extended processing for special content types such as project trackers. This stays only at extended servers.</a:t>
-            </a:r>
           </a:p>
           <a:p>
             <a:pPr lvl="0"/>
@@ -5934,7 +7256,7 @@
     </p:spTree>
     <p:extLst>
       <p:ext uri="{BB962C8B-B14F-4D97-AF65-F5344CB8AC3E}">
-        <p14:creationId xmlns:p14="http://schemas.microsoft.com/office/powerpoint/2010/main" val="1873999807"/>
+        <p14:creationId xmlns:p14="http://schemas.microsoft.com/office/powerpoint/2010/main" val="187755862"/>
       </p:ext>
     </p:extLst>
   </p:cSld>
@@ -5989,7 +7311,7 @@
           <a:p>
             <a:r>
               <a:rPr lang="en-US" dirty="0"/>
-              <a:t>Content Handlers</a:t>
+              <a:t>Four flat-file SQLite databases</a:t>
             </a:r>
           </a:p>
         </p:txBody>
@@ -6018,68 +7340,92 @@
         </p:spPr>
         <p:txBody>
           <a:bodyPr>
-            <a:normAutofit fontScale="85000" lnSpcReduction="20000"/>
+            <a:normAutofit fontScale="92500" lnSpcReduction="10000"/>
           </a:bodyPr>
           <a:lstStyle/>
           <a:p>
             <a:r>
+              <a:rPr lang="en-US" dirty="0" err="1"/>
+              <a:t>Sysdbfile</a:t>
+            </a:r>
+            <a:r>
               <a:rPr lang="en-US" dirty="0"/>
-              <a:t>While the processors handle generic house-keeping functions, they won’t have any clue on the specific needs of the contents. For that they trigger the corresponding </a:t>
-            </a:r>
-            <a:r>
-              <a:rPr lang="en-US" i="1" dirty="0"/>
-              <a:t>content handlers</a:t>
-            </a:r>
+              <a:t> published on platform root repository</a:t>
+            </a:r>
+          </a:p>
+          <a:p>
+            <a:pPr lvl="1"/>
             <a:r>
               <a:rPr lang="en-US" dirty="0"/>
-              <a:t> at run time.</a:t>
-            </a:r>
-          </a:p>
-          <a:p>
+              <a:t>Specifies which handler shall be picked to process a content, whether they are of individual type or roll-ups, any extended handling involved etc. The updates on </a:t>
+            </a:r>
+            <a:r>
+              <a:rPr lang="en-US" dirty="0" err="1"/>
+              <a:t>sysdbfile</a:t>
+            </a:r>
+            <a:r>
+              <a:rPr lang="en-US" dirty="0"/>
+              <a:t> such as introduction of new content types are automatically propagated.</a:t>
+            </a:r>
+          </a:p>
+          <a:p>
+            <a:r>
+              <a:rPr lang="en-US" dirty="0" err="1"/>
+              <a:t>Catalogdbfile</a:t>
+            </a:r>
+            <a:r>
+              <a:rPr lang="en-US" dirty="0"/>
+              <a:t> on content root repository</a:t>
+            </a:r>
+          </a:p>
+          <a:p>
+            <a:pPr lvl="1"/>
+            <a:r>
+              <a:rPr lang="en-US" dirty="0"/>
+              <a:t>Holds details of the published contents at the Doc Central, their location, author etc. in the form of an Enterprise Resource Locator (ERL) master record. It is refreshed and re-published at a predefined location of the Doc Central by server orchestrator every time a content is published so the clients can pick it up during their periodic checks.</a:t>
+            </a:r>
+          </a:p>
+          <a:p>
+            <a:r>
+              <a:rPr lang="en-US" dirty="0" err="1"/>
+              <a:t>Clientdbfile</a:t>
+            </a:r>
+            <a:r>
+              <a:rPr lang="en-US" dirty="0"/>
+              <a:t> on users’ desktop and extended servers</a:t>
+            </a:r>
+          </a:p>
+          <a:p>
+            <a:pPr lvl="1"/>
+            <a:r>
+              <a:rPr lang="en-US" dirty="0"/>
+              <a:t>Holds details of local drafts, subscribed ERL contents and their local availability.</a:t>
+            </a:r>
+          </a:p>
+          <a:p>
+            <a:r>
+              <a:rPr lang="en-US" dirty="0" err="1"/>
+              <a:t>Extendedcatalogdbfiles</a:t>
+            </a:r>
             <a:endParaRPr lang="en-US" dirty="0"/>
           </a:p>
           <a:p>
+            <a:pPr lvl="1"/>
             <a:r>
               <a:rPr lang="en-US" dirty="0"/>
-              <a:t>The framework deploys a lightweight dependency injection function to load content handlers during runtime using the </a:t>
-            </a:r>
-            <a:r>
-              <a:rPr lang="en-US" i="1" dirty="0"/>
-              <a:t>dynamic class loading</a:t>
-            </a:r>
-            <a:r>
-              <a:rPr lang="en-US" dirty="0"/>
-              <a:t> feature of Java.</a:t>
-            </a:r>
-          </a:p>
-          <a:p>
-            <a:endParaRPr lang="en-US" dirty="0"/>
-          </a:p>
-          <a:p>
-            <a:r>
-              <a:rPr lang="en-US" dirty="0"/>
-              <a:t>A content can be either an individual type which is maintained as is, or a rollup type which will sit inside another rolled up content.</a:t>
-            </a:r>
-          </a:p>
-          <a:p>
-            <a:endParaRPr lang="en-US" dirty="0"/>
-          </a:p>
-          <a:p>
-            <a:r>
-              <a:rPr lang="en-US" dirty="0"/>
-              <a:t>The content handlers handle the unique requirements of contents for displaying at client side, for processing by catalog server and for any special processing by extended processor.</a:t>
-            </a:r>
-            <a:br>
-              <a:rPr lang="en-US" dirty="0"/>
-            </a:br>
-            <a:endParaRPr lang="en-US" dirty="0"/>
+              <a:t>Data related to any extended processing for special content types such as project trackers. This stays only at extended servers.</a:t>
+            </a:r>
+          </a:p>
+          <a:p>
+            <a:pPr lvl="0"/>
+            <a:endParaRPr lang="en-US" sz="1800" dirty="0"/>
           </a:p>
         </p:txBody>
       </p:sp>
     </p:spTree>
     <p:extLst>
       <p:ext uri="{BB962C8B-B14F-4D97-AF65-F5344CB8AC3E}">
-        <p14:creationId xmlns:p14="http://schemas.microsoft.com/office/powerpoint/2010/main" val="1252656569"/>
+        <p14:creationId xmlns:p14="http://schemas.microsoft.com/office/powerpoint/2010/main" val="1873999807"/>
       </p:ext>
     </p:extLst>
   </p:cSld>

--- a/Documents/CollabTracker_Intro.pptx
+++ b/Documents/CollabTracker_Intro.pptx
@@ -4,14 +4,17 @@
   <p:sldMasterIdLst>
     <p:sldMasterId id="2147483648" r:id="rId1"/>
   </p:sldMasterIdLst>
+  <p:notesMasterIdLst>
+    <p:notesMasterId r:id="rId19"/>
+  </p:notesMasterIdLst>
   <p:sldIdLst>
     <p:sldId id="256" r:id="rId2"/>
     <p:sldId id="257" r:id="rId3"/>
     <p:sldId id="258" r:id="rId4"/>
     <p:sldId id="259" r:id="rId5"/>
     <p:sldId id="260" r:id="rId6"/>
-    <p:sldId id="261" r:id="rId7"/>
-    <p:sldId id="273" r:id="rId8"/>
+    <p:sldId id="273" r:id="rId7"/>
+    <p:sldId id="261" r:id="rId8"/>
     <p:sldId id="262" r:id="rId9"/>
     <p:sldId id="264" r:id="rId10"/>
     <p:sldId id="265" r:id="rId11"/>
@@ -126,6 +129,439 @@
     </p:ext>
   </p:extLst>
 </p:presentation>
+</file>
+
+<file path=ppt/notesMasters/notesMaster1.xml><?xml version="1.0" encoding="utf-8"?>
+<p:notesMaster xmlns:a="http://schemas.openxmlformats.org/drawingml/2006/main" xmlns:r="http://schemas.openxmlformats.org/officeDocument/2006/relationships" xmlns:p="http://schemas.openxmlformats.org/presentationml/2006/main">
+  <p:cSld>
+    <p:bg>
+      <p:bgRef idx="1001">
+        <a:schemeClr val="bg1"/>
+      </p:bgRef>
+    </p:bg>
+    <p:spTree>
+      <p:nvGrpSpPr>
+        <p:cNvPr id="1" name=""/>
+        <p:cNvGrpSpPr/>
+        <p:nvPr/>
+      </p:nvGrpSpPr>
+      <p:grpSpPr>
+        <a:xfrm>
+          <a:off x="0" y="0"/>
+          <a:ext cx="0" cy="0"/>
+          <a:chOff x="0" y="0"/>
+          <a:chExt cx="0" cy="0"/>
+        </a:xfrm>
+      </p:grpSpPr>
+      <p:sp>
+        <p:nvSpPr>
+          <p:cNvPr id="2" name="Header Placeholder 1"/>
+          <p:cNvSpPr>
+            <a:spLocks noGrp="1"/>
+          </p:cNvSpPr>
+          <p:nvPr>
+            <p:ph type="hdr" sz="quarter"/>
+          </p:nvPr>
+        </p:nvSpPr>
+        <p:spPr>
+          <a:xfrm>
+            <a:off x="0" y="0"/>
+            <a:ext cx="2971800" cy="458788"/>
+          </a:xfrm>
+          <a:prstGeom prst="rect">
+            <a:avLst/>
+          </a:prstGeom>
+        </p:spPr>
+        <p:txBody>
+          <a:bodyPr vert="horz" lIns="91440" tIns="45720" rIns="91440" bIns="45720" rtlCol="0"/>
+          <a:lstStyle>
+            <a:lvl1pPr algn="l">
+              <a:defRPr sz="1200"/>
+            </a:lvl1pPr>
+          </a:lstStyle>
+          <a:p>
+            <a:endParaRPr lang="en-US"/>
+          </a:p>
+        </p:txBody>
+      </p:sp>
+      <p:sp>
+        <p:nvSpPr>
+          <p:cNvPr id="3" name="Date Placeholder 2"/>
+          <p:cNvSpPr>
+            <a:spLocks noGrp="1"/>
+          </p:cNvSpPr>
+          <p:nvPr>
+            <p:ph type="dt" idx="1"/>
+          </p:nvPr>
+        </p:nvSpPr>
+        <p:spPr>
+          <a:xfrm>
+            <a:off x="3884613" y="0"/>
+            <a:ext cx="2971800" cy="458788"/>
+          </a:xfrm>
+          <a:prstGeom prst="rect">
+            <a:avLst/>
+          </a:prstGeom>
+        </p:spPr>
+        <p:txBody>
+          <a:bodyPr vert="horz" lIns="91440" tIns="45720" rIns="91440" bIns="45720" rtlCol="0"/>
+          <a:lstStyle>
+            <a:lvl1pPr algn="r">
+              <a:defRPr sz="1200"/>
+            </a:lvl1pPr>
+          </a:lstStyle>
+          <a:p>
+            <a:fld id="{FA97718F-89D6-460F-AB35-7901F2BF1BD4}" type="datetimeFigureOut">
+              <a:rPr lang="en-US" smtClean="0"/>
+              <a:t>7/16/2020</a:t>
+            </a:fld>
+            <a:endParaRPr lang="en-US"/>
+          </a:p>
+        </p:txBody>
+      </p:sp>
+      <p:sp>
+        <p:nvSpPr>
+          <p:cNvPr id="4" name="Slide Image Placeholder 3"/>
+          <p:cNvSpPr>
+            <a:spLocks noGrp="1" noRot="1" noChangeAspect="1"/>
+          </p:cNvSpPr>
+          <p:nvPr>
+            <p:ph type="sldImg" idx="2"/>
+          </p:nvPr>
+        </p:nvSpPr>
+        <p:spPr>
+          <a:xfrm>
+            <a:off x="685800" y="1143000"/>
+            <a:ext cx="5486400" cy="3086100"/>
+          </a:xfrm>
+          <a:prstGeom prst="rect">
+            <a:avLst/>
+          </a:prstGeom>
+          <a:noFill/>
+          <a:ln w="12700">
+            <a:solidFill>
+              <a:prstClr val="black"/>
+            </a:solidFill>
+          </a:ln>
+        </p:spPr>
+        <p:txBody>
+          <a:bodyPr vert="horz" lIns="91440" tIns="45720" rIns="91440" bIns="45720" rtlCol="0" anchor="ctr"/>
+          <a:lstStyle/>
+          <a:p>
+            <a:endParaRPr lang="en-US"/>
+          </a:p>
+        </p:txBody>
+      </p:sp>
+      <p:sp>
+        <p:nvSpPr>
+          <p:cNvPr id="5" name="Notes Placeholder 4"/>
+          <p:cNvSpPr>
+            <a:spLocks noGrp="1"/>
+          </p:cNvSpPr>
+          <p:nvPr>
+            <p:ph type="body" sz="quarter" idx="3"/>
+          </p:nvPr>
+        </p:nvSpPr>
+        <p:spPr>
+          <a:xfrm>
+            <a:off x="685800" y="4400550"/>
+            <a:ext cx="5486400" cy="3600450"/>
+          </a:xfrm>
+          <a:prstGeom prst="rect">
+            <a:avLst/>
+          </a:prstGeom>
+        </p:spPr>
+        <p:txBody>
+          <a:bodyPr vert="horz" lIns="91440" tIns="45720" rIns="91440" bIns="45720" rtlCol="0"/>
+          <a:lstStyle/>
+          <a:p>
+            <a:pPr lvl="0"/>
+            <a:r>
+              <a:rPr lang="en-US"/>
+              <a:t>Click to edit Master text styles</a:t>
+            </a:r>
+          </a:p>
+          <a:p>
+            <a:pPr lvl="1"/>
+            <a:r>
+              <a:rPr lang="en-US"/>
+              <a:t>Second level</a:t>
+            </a:r>
+          </a:p>
+          <a:p>
+            <a:pPr lvl="2"/>
+            <a:r>
+              <a:rPr lang="en-US"/>
+              <a:t>Third level</a:t>
+            </a:r>
+          </a:p>
+          <a:p>
+            <a:pPr lvl="3"/>
+            <a:r>
+              <a:rPr lang="en-US"/>
+              <a:t>Fourth level</a:t>
+            </a:r>
+          </a:p>
+          <a:p>
+            <a:pPr lvl="4"/>
+            <a:r>
+              <a:rPr lang="en-US"/>
+              <a:t>Fifth level</a:t>
+            </a:r>
+          </a:p>
+        </p:txBody>
+      </p:sp>
+      <p:sp>
+        <p:nvSpPr>
+          <p:cNvPr id="6" name="Footer Placeholder 5"/>
+          <p:cNvSpPr>
+            <a:spLocks noGrp="1"/>
+          </p:cNvSpPr>
+          <p:nvPr>
+            <p:ph type="ftr" sz="quarter" idx="4"/>
+          </p:nvPr>
+        </p:nvSpPr>
+        <p:spPr>
+          <a:xfrm>
+            <a:off x="0" y="8685213"/>
+            <a:ext cx="2971800" cy="458787"/>
+          </a:xfrm>
+          <a:prstGeom prst="rect">
+            <a:avLst/>
+          </a:prstGeom>
+        </p:spPr>
+        <p:txBody>
+          <a:bodyPr vert="horz" lIns="91440" tIns="45720" rIns="91440" bIns="45720" rtlCol="0" anchor="b"/>
+          <a:lstStyle>
+            <a:lvl1pPr algn="l">
+              <a:defRPr sz="1200"/>
+            </a:lvl1pPr>
+          </a:lstStyle>
+          <a:p>
+            <a:endParaRPr lang="en-US"/>
+          </a:p>
+        </p:txBody>
+      </p:sp>
+      <p:sp>
+        <p:nvSpPr>
+          <p:cNvPr id="7" name="Slide Number Placeholder 6"/>
+          <p:cNvSpPr>
+            <a:spLocks noGrp="1"/>
+          </p:cNvSpPr>
+          <p:nvPr>
+            <p:ph type="sldNum" sz="quarter" idx="5"/>
+          </p:nvPr>
+        </p:nvSpPr>
+        <p:spPr>
+          <a:xfrm>
+            <a:off x="3884613" y="8685213"/>
+            <a:ext cx="2971800" cy="458787"/>
+          </a:xfrm>
+          <a:prstGeom prst="rect">
+            <a:avLst/>
+          </a:prstGeom>
+        </p:spPr>
+        <p:txBody>
+          <a:bodyPr vert="horz" lIns="91440" tIns="45720" rIns="91440" bIns="45720" rtlCol="0" anchor="b"/>
+          <a:lstStyle>
+            <a:lvl1pPr algn="r">
+              <a:defRPr sz="1200"/>
+            </a:lvl1pPr>
+          </a:lstStyle>
+          <a:p>
+            <a:fld id="{E2C21BA1-2E1B-4363-91A1-93A13F012A85}" type="slidenum">
+              <a:rPr lang="en-US" smtClean="0"/>
+              <a:t>‹#›</a:t>
+            </a:fld>
+            <a:endParaRPr lang="en-US"/>
+          </a:p>
+        </p:txBody>
+      </p:sp>
+    </p:spTree>
+    <p:extLst>
+      <p:ext uri="{BB962C8B-B14F-4D97-AF65-F5344CB8AC3E}">
+        <p14:creationId xmlns:p14="http://schemas.microsoft.com/office/powerpoint/2010/main" val="1300202165"/>
+      </p:ext>
+    </p:extLst>
+  </p:cSld>
+  <p:clrMap bg1="lt1" tx1="dk1" bg2="lt2" tx2="dk2" accent1="accent1" accent2="accent2" accent3="accent3" accent4="accent4" accent5="accent5" accent6="accent6" hlink="hlink" folHlink="folHlink"/>
+  <p:notesStyle>
+    <a:lvl1pPr marL="0" algn="l" defTabSz="914400" rtl="0" eaLnBrk="1" latinLnBrk="0" hangingPunct="1">
+      <a:defRPr sz="1200" kern="1200">
+        <a:solidFill>
+          <a:schemeClr val="tx1"/>
+        </a:solidFill>
+        <a:latin typeface="+mn-lt"/>
+        <a:ea typeface="+mn-ea"/>
+        <a:cs typeface="+mn-cs"/>
+      </a:defRPr>
+    </a:lvl1pPr>
+    <a:lvl2pPr marL="457200" algn="l" defTabSz="914400" rtl="0" eaLnBrk="1" latinLnBrk="0" hangingPunct="1">
+      <a:defRPr sz="1200" kern="1200">
+        <a:solidFill>
+          <a:schemeClr val="tx1"/>
+        </a:solidFill>
+        <a:latin typeface="+mn-lt"/>
+        <a:ea typeface="+mn-ea"/>
+        <a:cs typeface="+mn-cs"/>
+      </a:defRPr>
+    </a:lvl2pPr>
+    <a:lvl3pPr marL="914400" algn="l" defTabSz="914400" rtl="0" eaLnBrk="1" latinLnBrk="0" hangingPunct="1">
+      <a:defRPr sz="1200" kern="1200">
+        <a:solidFill>
+          <a:schemeClr val="tx1"/>
+        </a:solidFill>
+        <a:latin typeface="+mn-lt"/>
+        <a:ea typeface="+mn-ea"/>
+        <a:cs typeface="+mn-cs"/>
+      </a:defRPr>
+    </a:lvl3pPr>
+    <a:lvl4pPr marL="1371600" algn="l" defTabSz="914400" rtl="0" eaLnBrk="1" latinLnBrk="0" hangingPunct="1">
+      <a:defRPr sz="1200" kern="1200">
+        <a:solidFill>
+          <a:schemeClr val="tx1"/>
+        </a:solidFill>
+        <a:latin typeface="+mn-lt"/>
+        <a:ea typeface="+mn-ea"/>
+        <a:cs typeface="+mn-cs"/>
+      </a:defRPr>
+    </a:lvl4pPr>
+    <a:lvl5pPr marL="1828800" algn="l" defTabSz="914400" rtl="0" eaLnBrk="1" latinLnBrk="0" hangingPunct="1">
+      <a:defRPr sz="1200" kern="1200">
+        <a:solidFill>
+          <a:schemeClr val="tx1"/>
+        </a:solidFill>
+        <a:latin typeface="+mn-lt"/>
+        <a:ea typeface="+mn-ea"/>
+        <a:cs typeface="+mn-cs"/>
+      </a:defRPr>
+    </a:lvl5pPr>
+    <a:lvl6pPr marL="2286000" algn="l" defTabSz="914400" rtl="0" eaLnBrk="1" latinLnBrk="0" hangingPunct="1">
+      <a:defRPr sz="1200" kern="1200">
+        <a:solidFill>
+          <a:schemeClr val="tx1"/>
+        </a:solidFill>
+        <a:latin typeface="+mn-lt"/>
+        <a:ea typeface="+mn-ea"/>
+        <a:cs typeface="+mn-cs"/>
+      </a:defRPr>
+    </a:lvl6pPr>
+    <a:lvl7pPr marL="2743200" algn="l" defTabSz="914400" rtl="0" eaLnBrk="1" latinLnBrk="0" hangingPunct="1">
+      <a:defRPr sz="1200" kern="1200">
+        <a:solidFill>
+          <a:schemeClr val="tx1"/>
+        </a:solidFill>
+        <a:latin typeface="+mn-lt"/>
+        <a:ea typeface="+mn-ea"/>
+        <a:cs typeface="+mn-cs"/>
+      </a:defRPr>
+    </a:lvl7pPr>
+    <a:lvl8pPr marL="3200400" algn="l" defTabSz="914400" rtl="0" eaLnBrk="1" latinLnBrk="0" hangingPunct="1">
+      <a:defRPr sz="1200" kern="1200">
+        <a:solidFill>
+          <a:schemeClr val="tx1"/>
+        </a:solidFill>
+        <a:latin typeface="+mn-lt"/>
+        <a:ea typeface="+mn-ea"/>
+        <a:cs typeface="+mn-cs"/>
+      </a:defRPr>
+    </a:lvl8pPr>
+    <a:lvl9pPr marL="3657600" algn="l" defTabSz="914400" rtl="0" eaLnBrk="1" latinLnBrk="0" hangingPunct="1">
+      <a:defRPr sz="1200" kern="1200">
+        <a:solidFill>
+          <a:schemeClr val="tx1"/>
+        </a:solidFill>
+        <a:latin typeface="+mn-lt"/>
+        <a:ea typeface="+mn-ea"/>
+        <a:cs typeface="+mn-cs"/>
+      </a:defRPr>
+    </a:lvl9pPr>
+  </p:notesStyle>
+</p:notesMaster>
+</file>
+
+<file path=ppt/notesSlides/notesSlide1.xml><?xml version="1.0" encoding="utf-8"?>
+<p:notes xmlns:a="http://schemas.openxmlformats.org/drawingml/2006/main" xmlns:r="http://schemas.openxmlformats.org/officeDocument/2006/relationships" xmlns:p="http://schemas.openxmlformats.org/presentationml/2006/main">
+  <p:cSld>
+    <p:spTree>
+      <p:nvGrpSpPr>
+        <p:cNvPr id="1" name=""/>
+        <p:cNvGrpSpPr/>
+        <p:nvPr/>
+      </p:nvGrpSpPr>
+      <p:grpSpPr>
+        <a:xfrm>
+          <a:off x="0" y="0"/>
+          <a:ext cx="0" cy="0"/>
+          <a:chOff x="0" y="0"/>
+          <a:chExt cx="0" cy="0"/>
+        </a:xfrm>
+      </p:grpSpPr>
+      <p:sp>
+        <p:nvSpPr>
+          <p:cNvPr id="2" name="Slide Image Placeholder 1"/>
+          <p:cNvSpPr>
+            <a:spLocks noGrp="1" noRot="1" noChangeAspect="1"/>
+          </p:cNvSpPr>
+          <p:nvPr>
+            <p:ph type="sldImg"/>
+          </p:nvPr>
+        </p:nvSpPr>
+        <p:spPr/>
+      </p:sp>
+      <p:sp>
+        <p:nvSpPr>
+          <p:cNvPr id="3" name="Notes Placeholder 2"/>
+          <p:cNvSpPr>
+            <a:spLocks noGrp="1"/>
+          </p:cNvSpPr>
+          <p:nvPr>
+            <p:ph type="body" idx="1"/>
+          </p:nvPr>
+        </p:nvSpPr>
+        <p:spPr/>
+        <p:txBody>
+          <a:bodyPr/>
+          <a:lstStyle/>
+          <a:p>
+            <a:endParaRPr lang="en-US" dirty="0"/>
+          </a:p>
+        </p:txBody>
+      </p:sp>
+      <p:sp>
+        <p:nvSpPr>
+          <p:cNvPr id="4" name="Slide Number Placeholder 3"/>
+          <p:cNvSpPr>
+            <a:spLocks noGrp="1"/>
+          </p:cNvSpPr>
+          <p:nvPr>
+            <p:ph type="sldNum" sz="quarter" idx="5"/>
+          </p:nvPr>
+        </p:nvSpPr>
+        <p:spPr/>
+        <p:txBody>
+          <a:bodyPr/>
+          <a:lstStyle/>
+          <a:p>
+            <a:fld id="{E2C21BA1-2E1B-4363-91A1-93A13F012A85}" type="slidenum">
+              <a:rPr lang="en-US" smtClean="0"/>
+              <a:t>7</a:t>
+            </a:fld>
+            <a:endParaRPr lang="en-US"/>
+          </a:p>
+        </p:txBody>
+      </p:sp>
+    </p:spTree>
+    <p:extLst>
+      <p:ext uri="{BB962C8B-B14F-4D97-AF65-F5344CB8AC3E}">
+        <p14:creationId xmlns:p14="http://schemas.microsoft.com/office/powerpoint/2010/main" val="1127126164"/>
+      </p:ext>
+    </p:extLst>
+  </p:cSld>
+  <p:clrMapOvr>
+    <a:masterClrMapping/>
+  </p:clrMapOvr>
+</p:notes>
 </file>
 
 <file path=ppt/slideLayouts/slideLayout1.xml><?xml version="1.0" encoding="utf-8"?>
@@ -3421,6 +3857,36 @@
           </a:p>
         </p:txBody>
       </p:sp>
+      <p:pic>
+        <p:nvPicPr>
+          <p:cNvPr id="4" name="Picture 3">
+            <a:extLst>
+              <a:ext uri="{FF2B5EF4-FFF2-40B4-BE49-F238E27FC236}">
+                <a16:creationId xmlns:a16="http://schemas.microsoft.com/office/drawing/2014/main" id="{DCA0691E-3DCB-49E2-8889-2538F2CF69B1}"/>
+              </a:ext>
+            </a:extLst>
+          </p:cNvPr>
+          <p:cNvPicPr>
+            <a:picLocks noChangeAspect="1"/>
+          </p:cNvPicPr>
+          <p:nvPr/>
+        </p:nvPicPr>
+        <p:blipFill>
+          <a:blip r:embed="rId2"/>
+          <a:stretch>
+            <a:fillRect/>
+          </a:stretch>
+        </p:blipFill>
+        <p:spPr>
+          <a:xfrm>
+            <a:off x="10668000" y="573088"/>
+            <a:ext cx="914400" cy="914400"/>
+          </a:xfrm>
+          <a:prstGeom prst="rect">
+            <a:avLst/>
+          </a:prstGeom>
+        </p:spPr>
+      </p:pic>
     </p:spTree>
     <p:extLst>
       <p:ext uri="{BB962C8B-B14F-4D97-AF65-F5344CB8AC3E}">
@@ -3566,6 +4032,36 @@
           </a:p>
         </p:txBody>
       </p:sp>
+      <p:pic>
+        <p:nvPicPr>
+          <p:cNvPr id="4" name="Picture 3">
+            <a:extLst>
+              <a:ext uri="{FF2B5EF4-FFF2-40B4-BE49-F238E27FC236}">
+                <a16:creationId xmlns:a16="http://schemas.microsoft.com/office/drawing/2014/main" id="{0FB4A17D-0B3F-4D9F-B849-332A81D58C10}"/>
+              </a:ext>
+            </a:extLst>
+          </p:cNvPr>
+          <p:cNvPicPr>
+            <a:picLocks noChangeAspect="1"/>
+          </p:cNvPicPr>
+          <p:nvPr/>
+        </p:nvPicPr>
+        <p:blipFill>
+          <a:blip r:embed="rId2"/>
+          <a:stretch>
+            <a:fillRect/>
+          </a:stretch>
+        </p:blipFill>
+        <p:spPr>
+          <a:xfrm>
+            <a:off x="11604466" y="113506"/>
+            <a:ext cx="496094" cy="496094"/>
+          </a:xfrm>
+          <a:prstGeom prst="rect">
+            <a:avLst/>
+          </a:prstGeom>
+        </p:spPr>
+      </p:pic>
     </p:spTree>
     <p:extLst>
       <p:ext uri="{BB962C8B-B14F-4D97-AF65-F5344CB8AC3E}">
@@ -3798,6 +4294,36 @@
           </a:p>
         </p:txBody>
       </p:sp>
+      <p:pic>
+        <p:nvPicPr>
+          <p:cNvPr id="4" name="Picture 3">
+            <a:extLst>
+              <a:ext uri="{FF2B5EF4-FFF2-40B4-BE49-F238E27FC236}">
+                <a16:creationId xmlns:a16="http://schemas.microsoft.com/office/drawing/2014/main" id="{3EBF275C-F614-408E-91F7-EEFA3A09F2C4}"/>
+              </a:ext>
+            </a:extLst>
+          </p:cNvPr>
+          <p:cNvPicPr>
+            <a:picLocks noChangeAspect="1"/>
+          </p:cNvPicPr>
+          <p:nvPr/>
+        </p:nvPicPr>
+        <p:blipFill>
+          <a:blip r:embed="rId2"/>
+          <a:stretch>
+            <a:fillRect/>
+          </a:stretch>
+        </p:blipFill>
+        <p:spPr>
+          <a:xfrm>
+            <a:off x="11604466" y="113506"/>
+            <a:ext cx="496094" cy="496094"/>
+          </a:xfrm>
+          <a:prstGeom prst="rect">
+            <a:avLst/>
+          </a:prstGeom>
+        </p:spPr>
+      </p:pic>
     </p:spTree>
     <p:extLst>
       <p:ext uri="{BB962C8B-B14F-4D97-AF65-F5344CB8AC3E}">
@@ -4139,6 +4665,36 @@
           </a:p>
         </p:txBody>
       </p:sp>
+      <p:pic>
+        <p:nvPicPr>
+          <p:cNvPr id="5" name="Picture 4">
+            <a:extLst>
+              <a:ext uri="{FF2B5EF4-FFF2-40B4-BE49-F238E27FC236}">
+                <a16:creationId xmlns:a16="http://schemas.microsoft.com/office/drawing/2014/main" id="{0E5368B5-ECBC-4A4C-A366-B0EC0E3C3B4C}"/>
+              </a:ext>
+            </a:extLst>
+          </p:cNvPr>
+          <p:cNvPicPr>
+            <a:picLocks noChangeAspect="1"/>
+          </p:cNvPicPr>
+          <p:nvPr/>
+        </p:nvPicPr>
+        <p:blipFill>
+          <a:blip r:embed="rId2"/>
+          <a:stretch>
+            <a:fillRect/>
+          </a:stretch>
+        </p:blipFill>
+        <p:spPr>
+          <a:xfrm>
+            <a:off x="11604466" y="113506"/>
+            <a:ext cx="496094" cy="496094"/>
+          </a:xfrm>
+          <a:prstGeom prst="rect">
+            <a:avLst/>
+          </a:prstGeom>
+        </p:spPr>
+      </p:pic>
     </p:spTree>
     <p:extLst>
       <p:ext uri="{BB962C8B-B14F-4D97-AF65-F5344CB8AC3E}">
@@ -4334,6 +4890,36 @@
           </a:p>
         </p:txBody>
       </p:sp>
+      <p:pic>
+        <p:nvPicPr>
+          <p:cNvPr id="4" name="Picture 3">
+            <a:extLst>
+              <a:ext uri="{FF2B5EF4-FFF2-40B4-BE49-F238E27FC236}">
+                <a16:creationId xmlns:a16="http://schemas.microsoft.com/office/drawing/2014/main" id="{70C945FB-9F13-4719-ABD5-0CD79642E395}"/>
+              </a:ext>
+            </a:extLst>
+          </p:cNvPr>
+          <p:cNvPicPr>
+            <a:picLocks noChangeAspect="1"/>
+          </p:cNvPicPr>
+          <p:nvPr/>
+        </p:nvPicPr>
+        <p:blipFill>
+          <a:blip r:embed="rId2"/>
+          <a:stretch>
+            <a:fillRect/>
+          </a:stretch>
+        </p:blipFill>
+        <p:spPr>
+          <a:xfrm>
+            <a:off x="11604466" y="113506"/>
+            <a:ext cx="496094" cy="496094"/>
+          </a:xfrm>
+          <a:prstGeom prst="rect">
+            <a:avLst/>
+          </a:prstGeom>
+        </p:spPr>
+      </p:pic>
     </p:spTree>
     <p:extLst>
       <p:ext uri="{BB962C8B-B14F-4D97-AF65-F5344CB8AC3E}">
@@ -4522,6 +5108,36 @@
           </a:p>
         </p:txBody>
       </p:sp>
+      <p:pic>
+        <p:nvPicPr>
+          <p:cNvPr id="4" name="Picture 3">
+            <a:extLst>
+              <a:ext uri="{FF2B5EF4-FFF2-40B4-BE49-F238E27FC236}">
+                <a16:creationId xmlns:a16="http://schemas.microsoft.com/office/drawing/2014/main" id="{7CC6FEBE-821D-4474-9DA4-A653B5848226}"/>
+              </a:ext>
+            </a:extLst>
+          </p:cNvPr>
+          <p:cNvPicPr>
+            <a:picLocks noChangeAspect="1"/>
+          </p:cNvPicPr>
+          <p:nvPr/>
+        </p:nvPicPr>
+        <p:blipFill>
+          <a:blip r:embed="rId3"/>
+          <a:stretch>
+            <a:fillRect/>
+          </a:stretch>
+        </p:blipFill>
+        <p:spPr>
+          <a:xfrm>
+            <a:off x="11604466" y="113506"/>
+            <a:ext cx="496094" cy="496094"/>
+          </a:xfrm>
+          <a:prstGeom prst="rect">
+            <a:avLst/>
+          </a:prstGeom>
+        </p:spPr>
+      </p:pic>
     </p:spTree>
     <p:extLst>
       <p:ext uri="{BB962C8B-B14F-4D97-AF65-F5344CB8AC3E}">
@@ -4613,95 +5229,204 @@
           <a:p>
             <a:pPr lvl="0"/>
             <a:r>
-              <a:rPr lang="en-US" sz="1800"/>
-              <a:t>At the root server side replicate the model folders as in DemoRoot and provide access to users as below:</a:t>
+              <a:rPr lang="en-US" sz="1800" dirty="0"/>
+              <a:t>At the root server side replicate the model folders of </a:t>
+            </a:r>
+            <a:r>
+              <a:rPr lang="en-US" sz="1800" dirty="0" err="1"/>
+              <a:t>DemoRoot</a:t>
+            </a:r>
+            <a:r>
+              <a:rPr lang="en-US" sz="1800" dirty="0"/>
+              <a:t> and provide access to users as below:</a:t>
             </a:r>
           </a:p>
           <a:p>
             <a:pPr lvl="1"/>
             <a:r>
-              <a:rPr lang="en-US" sz="1600"/>
-              <a:t>1_allmembersreadable: contains artifacts, catalog publications and requests’ responses folders. All users shall be provided read access to this folder.</a:t>
+              <a:rPr lang="en-US" sz="1600" dirty="0"/>
+              <a:t>1_allmembersreadable: 	Contains artifacts, catalog publications and requests’ responses folders. All users shall be provided read access to this folder.</a:t>
             </a:r>
           </a:p>
           <a:p>
             <a:pPr lvl="1"/>
             <a:r>
-              <a:rPr lang="en-US" sz="1600"/>
-              <a:t>2_contributorswritable: contains request drop box and content drop box. Provide write access on the request drop box to all contributors to place their requests. Create subfolders within content drop box with the names of the contributors and provide write access to the corresponding personnel to place their contents.</a:t>
+              <a:rPr lang="en-US" sz="1600" dirty="0"/>
+              <a:t>2_contributorswritable: 	Contains request drop box and content drop box. Provide write access on the request drop box to all contributors to place their requests. Create subfolders within content drop box with the names of the contributors and provide write access to the corresponding personnel to place their contents.</a:t>
             </a:r>
           </a:p>
           <a:p>
             <a:pPr lvl="2"/>
             <a:r>
-              <a:rPr lang="en-US" sz="1100"/>
+              <a:rPr lang="en-US" sz="1100" dirty="0"/>
               <a:t>&lt;INSTALL_PATH&gt;</a:t>
             </a:r>
             <a:r>
-              <a:rPr lang="en-US" sz="1400"/>
-              <a:t>\WindowsRoots\DemoWinContentRoot\2_contributorswritable \contentdropbox\&lt;ApplicationUserName&gt;</a:t>
+              <a:rPr lang="en-US" sz="1400" dirty="0"/>
+              <a:t>\</a:t>
+            </a:r>
+            <a:r>
+              <a:rPr lang="en-US" sz="1400" dirty="0" err="1"/>
+              <a:t>WindowsRoots</a:t>
+            </a:r>
+            <a:r>
+              <a:rPr lang="en-US" sz="1400" dirty="0"/>
+              <a:t>\</a:t>
+            </a:r>
+            <a:r>
+              <a:rPr lang="en-US" sz="1400" dirty="0" err="1"/>
+              <a:t>DemoWinContentRoot</a:t>
+            </a:r>
+            <a:r>
+              <a:rPr lang="en-US" sz="1400" dirty="0"/>
+              <a:t>\2_contributorswritable \</a:t>
+            </a:r>
+            <a:r>
+              <a:rPr lang="en-US" sz="1400" dirty="0" err="1"/>
+              <a:t>contentdropbox</a:t>
+            </a:r>
+            <a:r>
+              <a:rPr lang="en-US" sz="1400" dirty="0"/>
+              <a:t>\&lt;</a:t>
+            </a:r>
+            <a:r>
+              <a:rPr lang="en-US" sz="1400" dirty="0" err="1"/>
+              <a:t>ApplicationUserName</a:t>
+            </a:r>
+            <a:r>
+              <a:rPr lang="en-US" sz="1400" dirty="0"/>
+              <a:t>&gt;</a:t>
             </a:r>
           </a:p>
           <a:p>
             <a:pPr lvl="2"/>
             <a:r>
-              <a:rPr lang="en-US" sz="1400"/>
+              <a:rPr lang="en-US" sz="1400" dirty="0"/>
               <a:t>e.g. </a:t>
             </a:r>
             <a:r>
-              <a:rPr lang="en-US" sz="1100"/>
+              <a:rPr lang="en-US" sz="1100" dirty="0"/>
               <a:t>C:\Kannan\Java\ColbTrk</a:t>
             </a:r>
             <a:r>
-              <a:rPr lang="en-US" sz="1400"/>
+              <a:rPr lang="en-US" sz="1400" dirty="0"/>
               <a:t>\WindowsRoots\DemoWinContentRoot\2_contributorswritable\contentdropbox\DEMOUSER</a:t>
             </a:r>
           </a:p>
           <a:p>
             <a:pPr lvl="1"/>
             <a:r>
-              <a:rPr lang="en-US" sz="1600"/>
-              <a:t>3_behindscene (contains housekeeping folders).</a:t>
+              <a:rPr lang="en-US" sz="1600" dirty="0"/>
+              <a:t>3_behindscene: 	Contains housekeeping folders.</a:t>
             </a:r>
           </a:p>
           <a:p>
             <a:pPr lvl="0"/>
             <a:r>
-              <a:rPr lang="en-US" sz="1800"/>
+              <a:rPr lang="en-US" sz="1800" dirty="0"/>
               <a:t>Configure the relevance structure appropriate to the team in the catalog master database. Add contributing users with ADMIN login using the user-maintenance content type. Few common purpose user IDs are factory set e.g. ADMIN, DEMOUSER, XTDSTDPROC, XTDTMSHPROC, XTDDECKERLITE, XTDDECKERGRPR.</a:t>
             </a:r>
           </a:p>
           <a:p>
             <a:pPr lvl="0"/>
             <a:r>
-              <a:rPr lang="en-US" sz="1800"/>
+              <a:rPr lang="en-US" sz="1800" dirty="0"/>
               <a:t>Assign a server processing machine to execute the Server Orchestrator to perform housekeeping operations on the Doc Central contents. </a:t>
             </a:r>
           </a:p>
           <a:p>
             <a:pPr lvl="1"/>
             <a:r>
-              <a:rPr lang="en-US" sz="1600"/>
-              <a:t>Install the CollabTracker on this machine and configure the trigger mechanism to initiate the Server Orchestrator.</a:t>
+              <a:rPr lang="en-US" sz="1600" dirty="0"/>
+              <a:t>Install the </a:t>
+            </a:r>
+            <a:r>
+              <a:rPr lang="en-US" sz="1600" dirty="0" err="1"/>
+              <a:t>CollabTracker</a:t>
+            </a:r>
+            <a:r>
+              <a:rPr lang="en-US" sz="1600" dirty="0"/>
+              <a:t> on this machine and configure the trigger mechanism to initiate the Server Orchestrator.</a:t>
             </a:r>
           </a:p>
           <a:p>
             <a:pPr lvl="1"/>
             <a:r>
-              <a:rPr lang="en-US" sz="1600"/>
-              <a:t>Copy the model catalogMasterDb file from catalogMasterDbFileOf&lt;DemoWinContentRoot&gt; into the new root specific file.</a:t>
+              <a:rPr lang="en-US" sz="1600" dirty="0"/>
+              <a:t>Copy the model </a:t>
+            </a:r>
+            <a:r>
+              <a:rPr lang="en-US" sz="1600" dirty="0" err="1"/>
+              <a:t>catalogMasterDb</a:t>
+            </a:r>
+            <a:r>
+              <a:rPr lang="en-US" sz="1600" dirty="0"/>
+              <a:t> file from </a:t>
+            </a:r>
+            <a:r>
+              <a:rPr lang="en-US" sz="1600" dirty="0" err="1"/>
+              <a:t>catalogMasterDbFileOf</a:t>
+            </a:r>
+            <a:r>
+              <a:rPr lang="en-US" sz="1600" dirty="0"/>
+              <a:t>&lt;</a:t>
+            </a:r>
+            <a:r>
+              <a:rPr lang="en-US" sz="1600" dirty="0" err="1"/>
+              <a:t>DemoWinContentRoot</a:t>
+            </a:r>
+            <a:r>
+              <a:rPr lang="en-US" sz="1600" dirty="0"/>
+              <a:t>&gt; into the new root specific file.</a:t>
             </a:r>
           </a:p>
           <a:p>
             <a:pPr lvl="1"/>
             <a:r>
-              <a:rPr lang="en-US" sz="1600"/>
-              <a:t>Update the tables Relevance and Users in the catalogDb as per need.</a:t>
-            </a:r>
-            <a:endParaRPr lang="en-US" sz="1600" dirty="0"/>
-          </a:p>
-        </p:txBody>
-      </p:sp>
+              <a:rPr lang="en-US" sz="1600" dirty="0"/>
+              <a:t>Update the tables Relevance and Users in the </a:t>
+            </a:r>
+            <a:r>
+              <a:rPr lang="en-US" sz="1600" dirty="0" err="1"/>
+              <a:t>catalogDb</a:t>
+            </a:r>
+            <a:r>
+              <a:rPr lang="en-US" sz="1600" dirty="0"/>
+              <a:t> as per need.</a:t>
+            </a:r>
+          </a:p>
+        </p:txBody>
+      </p:sp>
+      <p:pic>
+        <p:nvPicPr>
+          <p:cNvPr id="4" name="Picture 3">
+            <a:extLst>
+              <a:ext uri="{FF2B5EF4-FFF2-40B4-BE49-F238E27FC236}">
+                <a16:creationId xmlns:a16="http://schemas.microsoft.com/office/drawing/2014/main" id="{2C4C8DF9-CB44-4C36-9C3C-993DAA16311A}"/>
+              </a:ext>
+            </a:extLst>
+          </p:cNvPr>
+          <p:cNvPicPr>
+            <a:picLocks noChangeAspect="1"/>
+          </p:cNvPicPr>
+          <p:nvPr/>
+        </p:nvPicPr>
+        <p:blipFill>
+          <a:blip r:embed="rId2"/>
+          <a:stretch>
+            <a:fillRect/>
+          </a:stretch>
+        </p:blipFill>
+        <p:spPr>
+          <a:xfrm>
+            <a:off x="11604466" y="113506"/>
+            <a:ext cx="496094" cy="496094"/>
+          </a:xfrm>
+          <a:prstGeom prst="rect">
+            <a:avLst/>
+          </a:prstGeom>
+        </p:spPr>
+      </p:pic>
     </p:spTree>
     <p:extLst>
       <p:ext uri="{BB962C8B-B14F-4D97-AF65-F5344CB8AC3E}">
@@ -4870,6 +5595,36 @@
           </a:p>
         </p:txBody>
       </p:sp>
+      <p:pic>
+        <p:nvPicPr>
+          <p:cNvPr id="4" name="Picture 3">
+            <a:extLst>
+              <a:ext uri="{FF2B5EF4-FFF2-40B4-BE49-F238E27FC236}">
+                <a16:creationId xmlns:a16="http://schemas.microsoft.com/office/drawing/2014/main" id="{D6D1AB90-5A72-4E04-8F72-2C4203AE319C}"/>
+              </a:ext>
+            </a:extLst>
+          </p:cNvPr>
+          <p:cNvPicPr>
+            <a:picLocks noChangeAspect="1"/>
+          </p:cNvPicPr>
+          <p:nvPr/>
+        </p:nvPicPr>
+        <p:blipFill>
+          <a:blip r:embed="rId2"/>
+          <a:stretch>
+            <a:fillRect/>
+          </a:stretch>
+        </p:blipFill>
+        <p:spPr>
+          <a:xfrm>
+            <a:off x="11604466" y="113506"/>
+            <a:ext cx="496094" cy="496094"/>
+          </a:xfrm>
+          <a:prstGeom prst="rect">
+            <a:avLst/>
+          </a:prstGeom>
+        </p:spPr>
+      </p:pic>
     </p:spTree>
     <p:extLst>
       <p:ext uri="{BB962C8B-B14F-4D97-AF65-F5344CB8AC3E}">
@@ -4945,7 +5700,12 @@
             <p:ph type="body" idx="1"/>
           </p:nvPr>
         </p:nvSpPr>
-        <p:spPr/>
+        <p:spPr>
+          <a:xfrm>
+            <a:off x="831850" y="4589463"/>
+            <a:ext cx="10515600" cy="1500187"/>
+          </a:xfrm>
+        </p:spPr>
         <p:txBody>
           <a:bodyPr/>
           <a:lstStyle/>
@@ -4958,6 +5718,75 @@
           </a:p>
         </p:txBody>
       </p:sp>
+      <p:pic>
+        <p:nvPicPr>
+          <p:cNvPr id="3" name="Graphic 2" descr="Group success">
+            <a:extLst>
+              <a:ext uri="{FF2B5EF4-FFF2-40B4-BE49-F238E27FC236}">
+                <a16:creationId xmlns:a16="http://schemas.microsoft.com/office/drawing/2014/main" id="{2CC73F2A-E547-4CF5-B7AB-2B4094305D37}"/>
+              </a:ext>
+            </a:extLst>
+          </p:cNvPr>
+          <p:cNvPicPr>
+            <a:picLocks noChangeAspect="1"/>
+          </p:cNvPicPr>
+          <p:nvPr/>
+        </p:nvPicPr>
+        <p:blipFill>
+          <a:blip r:embed="rId2">
+            <a:extLst>
+              <a:ext uri="{28A0092B-C50C-407E-A947-70E740481C1C}">
+                <a14:useLocalDpi xmlns:a14="http://schemas.microsoft.com/office/drawing/2010/main" val="0"/>
+              </a:ext>
+              <a:ext uri="{96DAC541-7B7A-43D3-8B79-37D633B846F1}">
+                <asvg:svgBlip xmlns:asvg="http://schemas.microsoft.com/office/drawing/2016/SVG/main" r:embed="rId3"/>
+              </a:ext>
+            </a:extLst>
+          </a:blip>
+          <a:stretch>
+            <a:fillRect/>
+          </a:stretch>
+        </p:blipFill>
+        <p:spPr>
+          <a:xfrm>
+            <a:off x="2834640" y="3429000"/>
+            <a:ext cx="1645920" cy="1645920"/>
+          </a:xfrm>
+          <a:prstGeom prst="rect">
+            <a:avLst/>
+          </a:prstGeom>
+        </p:spPr>
+      </p:pic>
+      <p:pic>
+        <p:nvPicPr>
+          <p:cNvPr id="10" name="Picture 9">
+            <a:extLst>
+              <a:ext uri="{FF2B5EF4-FFF2-40B4-BE49-F238E27FC236}">
+                <a16:creationId xmlns:a16="http://schemas.microsoft.com/office/drawing/2014/main" id="{61F035C4-978A-4B08-B16B-604BD975566D}"/>
+              </a:ext>
+            </a:extLst>
+          </p:cNvPr>
+          <p:cNvPicPr>
+            <a:picLocks noChangeAspect="1"/>
+          </p:cNvPicPr>
+          <p:nvPr/>
+        </p:nvPicPr>
+        <p:blipFill>
+          <a:blip r:embed="rId4"/>
+          <a:stretch>
+            <a:fillRect/>
+          </a:stretch>
+        </p:blipFill>
+        <p:spPr>
+          <a:xfrm>
+            <a:off x="11604466" y="113506"/>
+            <a:ext cx="496094" cy="496094"/>
+          </a:xfrm>
+          <a:prstGeom prst="rect">
+            <a:avLst/>
+          </a:prstGeom>
+        </p:spPr>
+      </p:pic>
     </p:spTree>
     <p:extLst>
       <p:ext uri="{BB962C8B-B14F-4D97-AF65-F5344CB8AC3E}">
@@ -5068,7 +5897,7 @@
           <a:p>
             <a:r>
               <a:rPr lang="en-US" dirty="0"/>
-              <a:t>The farther the info layers move from end users, the more painful it becomes to perform business intense functions.</a:t>
+              <a:t>But the farther the info layers move from end users, the more painful it becomes to perform business intense functions.</a:t>
             </a:r>
           </a:p>
           <a:p>
@@ -5097,6 +5926,192 @@
           </a:p>
         </p:txBody>
       </p:sp>
+      <p:pic>
+        <p:nvPicPr>
+          <p:cNvPr id="5" name="Graphic 4" descr="Syncing cloud">
+            <a:extLst>
+              <a:ext uri="{FF2B5EF4-FFF2-40B4-BE49-F238E27FC236}">
+                <a16:creationId xmlns:a16="http://schemas.microsoft.com/office/drawing/2014/main" id="{1C6BDA76-7AEC-425C-A10C-DF9B0D2C658F}"/>
+              </a:ext>
+            </a:extLst>
+          </p:cNvPr>
+          <p:cNvPicPr>
+            <a:picLocks noChangeAspect="1"/>
+          </p:cNvPicPr>
+          <p:nvPr/>
+        </p:nvPicPr>
+        <p:blipFill>
+          <a:blip r:embed="rId2">
+            <a:extLst>
+              <a:ext uri="{28A0092B-C50C-407E-A947-70E740481C1C}">
+                <a14:useLocalDpi xmlns:a14="http://schemas.microsoft.com/office/drawing/2010/main" val="0"/>
+              </a:ext>
+              <a:ext uri="{96DAC541-7B7A-43D3-8B79-37D633B846F1}">
+                <asvg:svgBlip xmlns:asvg="http://schemas.microsoft.com/office/drawing/2016/SVG/main" r:embed="rId3"/>
+              </a:ext>
+            </a:extLst>
+          </a:blip>
+          <a:stretch>
+            <a:fillRect/>
+          </a:stretch>
+        </p:blipFill>
+        <p:spPr>
+          <a:xfrm>
+            <a:off x="10920800" y="1378585"/>
+            <a:ext cx="866000" cy="914400"/>
+          </a:xfrm>
+          <a:prstGeom prst="rect">
+            <a:avLst/>
+          </a:prstGeom>
+        </p:spPr>
+      </p:pic>
+      <p:pic>
+        <p:nvPicPr>
+          <p:cNvPr id="7" name="Graphic 6" descr="Rocket">
+            <a:extLst>
+              <a:ext uri="{FF2B5EF4-FFF2-40B4-BE49-F238E27FC236}">
+                <a16:creationId xmlns:a16="http://schemas.microsoft.com/office/drawing/2014/main" id="{B949F4B3-0285-4870-BFD9-B1EB0CC4ECA4}"/>
+              </a:ext>
+            </a:extLst>
+          </p:cNvPr>
+          <p:cNvPicPr>
+            <a:picLocks noChangeAspect="1"/>
+          </p:cNvPicPr>
+          <p:nvPr/>
+        </p:nvPicPr>
+        <p:blipFill>
+          <a:blip r:embed="rId4">
+            <a:extLst>
+              <a:ext uri="{28A0092B-C50C-407E-A947-70E740481C1C}">
+                <a14:useLocalDpi xmlns:a14="http://schemas.microsoft.com/office/drawing/2010/main" val="0"/>
+              </a:ext>
+              <a:ext uri="{96DAC541-7B7A-43D3-8B79-37D633B846F1}">
+                <asvg:svgBlip xmlns:asvg="http://schemas.microsoft.com/office/drawing/2016/SVG/main" r:embed="rId5"/>
+              </a:ext>
+            </a:extLst>
+          </a:blip>
+          <a:stretch>
+            <a:fillRect/>
+          </a:stretch>
+        </p:blipFill>
+        <p:spPr>
+          <a:xfrm>
+            <a:off x="10015360" y="2329320"/>
+            <a:ext cx="866000" cy="914400"/>
+          </a:xfrm>
+          <a:prstGeom prst="rect">
+            <a:avLst/>
+          </a:prstGeom>
+        </p:spPr>
+      </p:pic>
+      <p:pic>
+        <p:nvPicPr>
+          <p:cNvPr id="9" name="Graphic 8" descr="Worried face with no fill">
+            <a:extLst>
+              <a:ext uri="{FF2B5EF4-FFF2-40B4-BE49-F238E27FC236}">
+                <a16:creationId xmlns:a16="http://schemas.microsoft.com/office/drawing/2014/main" id="{AA737E0C-2E38-4907-8D1D-67D31DDED916}"/>
+              </a:ext>
+            </a:extLst>
+          </p:cNvPr>
+          <p:cNvPicPr>
+            <a:picLocks noChangeAspect="1"/>
+          </p:cNvPicPr>
+          <p:nvPr/>
+        </p:nvPicPr>
+        <p:blipFill>
+          <a:blip r:embed="rId6">
+            <a:extLst>
+              <a:ext uri="{28A0092B-C50C-407E-A947-70E740481C1C}">
+                <a14:useLocalDpi xmlns:a14="http://schemas.microsoft.com/office/drawing/2010/main" val="0"/>
+              </a:ext>
+              <a:ext uri="{96DAC541-7B7A-43D3-8B79-37D633B846F1}">
+                <asvg:svgBlip xmlns:asvg="http://schemas.microsoft.com/office/drawing/2016/SVG/main" r:embed="rId7"/>
+              </a:ext>
+            </a:extLst>
+          </a:blip>
+          <a:stretch>
+            <a:fillRect/>
+          </a:stretch>
+        </p:blipFill>
+        <p:spPr>
+          <a:xfrm>
+            <a:off x="343500" y="4839300"/>
+            <a:ext cx="621700" cy="621700"/>
+          </a:xfrm>
+          <a:prstGeom prst="rect">
+            <a:avLst/>
+          </a:prstGeom>
+        </p:spPr>
+      </p:pic>
+      <p:pic>
+        <p:nvPicPr>
+          <p:cNvPr id="11" name="Graphic 10" descr="Smiling face with no fill">
+            <a:extLst>
+              <a:ext uri="{FF2B5EF4-FFF2-40B4-BE49-F238E27FC236}">
+                <a16:creationId xmlns:a16="http://schemas.microsoft.com/office/drawing/2014/main" id="{EAFBBCF8-D074-486E-BD9E-E0FD2FFFCBD1}"/>
+              </a:ext>
+            </a:extLst>
+          </p:cNvPr>
+          <p:cNvPicPr>
+            <a:picLocks noChangeAspect="1"/>
+          </p:cNvPicPr>
+          <p:nvPr/>
+        </p:nvPicPr>
+        <p:blipFill>
+          <a:blip r:embed="rId8">
+            <a:extLst>
+              <a:ext uri="{28A0092B-C50C-407E-A947-70E740481C1C}">
+                <a14:useLocalDpi xmlns:a14="http://schemas.microsoft.com/office/drawing/2010/main" val="0"/>
+              </a:ext>
+              <a:ext uri="{96DAC541-7B7A-43D3-8B79-37D633B846F1}">
+                <asvg:svgBlip xmlns:asvg="http://schemas.microsoft.com/office/drawing/2016/SVG/main" r:embed="rId9"/>
+              </a:ext>
+            </a:extLst>
+          </a:blip>
+          <a:stretch>
+            <a:fillRect/>
+          </a:stretch>
+        </p:blipFill>
+        <p:spPr>
+          <a:xfrm>
+            <a:off x="353660" y="2463765"/>
+            <a:ext cx="621700" cy="621700"/>
+          </a:xfrm>
+          <a:prstGeom prst="rect">
+            <a:avLst/>
+          </a:prstGeom>
+        </p:spPr>
+      </p:pic>
+      <p:pic>
+        <p:nvPicPr>
+          <p:cNvPr id="12" name="Picture 11">
+            <a:extLst>
+              <a:ext uri="{FF2B5EF4-FFF2-40B4-BE49-F238E27FC236}">
+                <a16:creationId xmlns:a16="http://schemas.microsoft.com/office/drawing/2014/main" id="{988A1BE6-E26A-495D-B1B0-743C608B4D37}"/>
+              </a:ext>
+            </a:extLst>
+          </p:cNvPr>
+          <p:cNvPicPr>
+            <a:picLocks noChangeAspect="1"/>
+          </p:cNvPicPr>
+          <p:nvPr/>
+        </p:nvPicPr>
+        <p:blipFill>
+          <a:blip r:embed="rId10"/>
+          <a:stretch>
+            <a:fillRect/>
+          </a:stretch>
+        </p:blipFill>
+        <p:spPr>
+          <a:xfrm>
+            <a:off x="11604466" y="113506"/>
+            <a:ext cx="496094" cy="496094"/>
+          </a:xfrm>
+          <a:prstGeom prst="rect">
+            <a:avLst/>
+          </a:prstGeom>
+        </p:spPr>
+      </p:pic>
     </p:spTree>
     <p:extLst>
       <p:ext uri="{BB962C8B-B14F-4D97-AF65-F5344CB8AC3E}">
@@ -5197,6 +6212,36 @@
           </a:p>
         </p:txBody>
       </p:sp>
+      <p:pic>
+        <p:nvPicPr>
+          <p:cNvPr id="4" name="Picture 3">
+            <a:extLst>
+              <a:ext uri="{FF2B5EF4-FFF2-40B4-BE49-F238E27FC236}">
+                <a16:creationId xmlns:a16="http://schemas.microsoft.com/office/drawing/2014/main" id="{102F0B50-DBA4-488C-83AF-45470AA3E34E}"/>
+              </a:ext>
+            </a:extLst>
+          </p:cNvPr>
+          <p:cNvPicPr>
+            <a:picLocks noChangeAspect="1"/>
+          </p:cNvPicPr>
+          <p:nvPr/>
+        </p:nvPicPr>
+        <p:blipFill>
+          <a:blip r:embed="rId2"/>
+          <a:stretch>
+            <a:fillRect/>
+          </a:stretch>
+        </p:blipFill>
+        <p:spPr>
+          <a:xfrm>
+            <a:off x="11604466" y="113506"/>
+            <a:ext cx="496094" cy="496094"/>
+          </a:xfrm>
+          <a:prstGeom prst="rect">
+            <a:avLst/>
+          </a:prstGeom>
+        </p:spPr>
+      </p:pic>
     </p:spTree>
     <p:extLst>
       <p:ext uri="{BB962C8B-B14F-4D97-AF65-F5344CB8AC3E}">
@@ -5314,6 +6359,36 @@
           </a:p>
         </p:txBody>
       </p:sp>
+      <p:pic>
+        <p:nvPicPr>
+          <p:cNvPr id="7" name="Picture 6">
+            <a:extLst>
+              <a:ext uri="{FF2B5EF4-FFF2-40B4-BE49-F238E27FC236}">
+                <a16:creationId xmlns:a16="http://schemas.microsoft.com/office/drawing/2014/main" id="{153F50A6-430D-4514-89E1-2DB8C18C17E6}"/>
+              </a:ext>
+            </a:extLst>
+          </p:cNvPr>
+          <p:cNvPicPr>
+            <a:picLocks noChangeAspect="1"/>
+          </p:cNvPicPr>
+          <p:nvPr/>
+        </p:nvPicPr>
+        <p:blipFill>
+          <a:blip r:embed="rId2"/>
+          <a:stretch>
+            <a:fillRect/>
+          </a:stretch>
+        </p:blipFill>
+        <p:spPr>
+          <a:xfrm>
+            <a:off x="11604466" y="113506"/>
+            <a:ext cx="496094" cy="496094"/>
+          </a:xfrm>
+          <a:prstGeom prst="rect">
+            <a:avLst/>
+          </a:prstGeom>
+        </p:spPr>
+      </p:pic>
     </p:spTree>
     <p:extLst>
       <p:ext uri="{BB962C8B-B14F-4D97-AF65-F5344CB8AC3E}">
@@ -5375,7 +6450,7 @@
             </a:r>
             <a:r>
               <a:rPr lang="en-US" dirty="0"/>
-              <a:t> addresses the challenges</a:t>
+              <a:t> addresses the challenges?</a:t>
             </a:r>
           </a:p>
         </p:txBody>
@@ -5398,7 +6473,7 @@
         </p:nvSpPr>
         <p:spPr>
           <a:xfrm>
-            <a:off x="838200" y="1605280"/>
+            <a:off x="838200" y="1625600"/>
             <a:ext cx="10515600" cy="4338321"/>
           </a:xfrm>
         </p:spPr>
@@ -5484,6 +6559,36 @@
           </a:p>
         </p:txBody>
       </p:sp>
+      <p:pic>
+        <p:nvPicPr>
+          <p:cNvPr id="4" name="Picture 3">
+            <a:extLst>
+              <a:ext uri="{FF2B5EF4-FFF2-40B4-BE49-F238E27FC236}">
+                <a16:creationId xmlns:a16="http://schemas.microsoft.com/office/drawing/2014/main" id="{31D33ADC-F424-492C-9A52-AEE8E4E071C4}"/>
+              </a:ext>
+            </a:extLst>
+          </p:cNvPr>
+          <p:cNvPicPr>
+            <a:picLocks noChangeAspect="1"/>
+          </p:cNvPicPr>
+          <p:nvPr/>
+        </p:nvPicPr>
+        <p:blipFill>
+          <a:blip r:embed="rId2"/>
+          <a:stretch>
+            <a:fillRect/>
+          </a:stretch>
+        </p:blipFill>
+        <p:spPr>
+          <a:xfrm>
+            <a:off x="11604466" y="113506"/>
+            <a:ext cx="496094" cy="496094"/>
+          </a:xfrm>
+          <a:prstGeom prst="rect">
+            <a:avLst/>
+          </a:prstGeom>
+        </p:spPr>
+      </p:pic>
     </p:spTree>
     <p:extLst>
       <p:ext uri="{BB962C8B-B14F-4D97-AF65-F5344CB8AC3E}">
@@ -5514,211 +6619,12 @@
           <a:chExt cx="0" cy="0"/>
         </a:xfrm>
       </p:grpSpPr>
-      <p:sp>
-        <p:nvSpPr>
-          <p:cNvPr id="2" name="Title 1">
-            <a:extLst>
-              <a:ext uri="{FF2B5EF4-FFF2-40B4-BE49-F238E27FC236}">
-                <a16:creationId xmlns:a16="http://schemas.microsoft.com/office/drawing/2014/main" id="{3B6FA287-CFA5-4B5D-8B53-9365FF8B40A3}"/>
-              </a:ext>
-            </a:extLst>
-          </p:cNvPr>
-          <p:cNvSpPr>
-            <a:spLocks noGrp="1"/>
-          </p:cNvSpPr>
-          <p:nvPr>
-            <p:ph type="title"/>
-          </p:nvPr>
-        </p:nvSpPr>
-        <p:spPr>
-          <a:xfrm>
-            <a:off x="838200" y="375285"/>
-            <a:ext cx="10515600" cy="1325563"/>
-          </a:xfrm>
-        </p:spPr>
-        <p:txBody>
-          <a:bodyPr/>
-          <a:lstStyle/>
-          <a:p>
-            <a:r>
-              <a:rPr lang="en-US" dirty="0"/>
-              <a:t>Compute Components</a:t>
-            </a:r>
-          </a:p>
-        </p:txBody>
-      </p:sp>
-      <p:sp>
-        <p:nvSpPr>
-          <p:cNvPr id="3" name="Content Placeholder 2">
-            <a:extLst>
-              <a:ext uri="{FF2B5EF4-FFF2-40B4-BE49-F238E27FC236}">
-                <a16:creationId xmlns:a16="http://schemas.microsoft.com/office/drawing/2014/main" id="{7A83E263-F431-42D8-9AD4-3CD630EFF0D2}"/>
-              </a:ext>
-            </a:extLst>
-          </p:cNvPr>
-          <p:cNvSpPr>
-            <a:spLocks noGrp="1"/>
-          </p:cNvSpPr>
-          <p:nvPr>
-            <p:ph idx="1"/>
-          </p:nvPr>
-        </p:nvSpPr>
-        <p:spPr>
-          <a:xfrm>
-            <a:off x="838200" y="1503680"/>
-            <a:ext cx="10515600" cy="4917123"/>
-          </a:xfrm>
-        </p:spPr>
-        <p:txBody>
-          <a:bodyPr>
-            <a:normAutofit fontScale="92500" lnSpcReduction="20000"/>
-          </a:bodyPr>
-          <a:lstStyle/>
-          <a:p>
-            <a:pPr lvl="0"/>
-            <a:r>
-              <a:rPr lang="en-US" sz="2400" dirty="0"/>
-              <a:t>Doc Central</a:t>
-            </a:r>
-          </a:p>
-          <a:p>
-            <a:pPr lvl="1"/>
-            <a:r>
-              <a:rPr lang="en-US" sz="1800" dirty="0"/>
-              <a:t>Any 3</a:t>
-            </a:r>
-            <a:r>
-              <a:rPr lang="en-US" sz="1800" baseline="30000" dirty="0"/>
-              <a:t>rd</a:t>
-            </a:r>
-            <a:r>
-              <a:rPr lang="en-US" sz="1800" dirty="0"/>
-              <a:t> party content-repositories to host the published artifacts at Content Root and content-type specifications at Platform Root. Current version is designed to support Google Drive, Windows file system and WebDAV enabled storage services such as </a:t>
-            </a:r>
-            <a:r>
-              <a:rPr lang="en-US" sz="1800" dirty="0" err="1"/>
-              <a:t>Sharepoint</a:t>
-            </a:r>
-            <a:r>
-              <a:rPr lang="en-US" sz="1800" dirty="0"/>
-              <a:t>. (*</a:t>
-            </a:r>
-            <a:r>
-              <a:rPr lang="en-US" sz="1800" dirty="0" err="1"/>
-              <a:t>Sharepoint</a:t>
-            </a:r>
-            <a:r>
-              <a:rPr lang="en-US" sz="1800" dirty="0"/>
-              <a:t> validations pending).</a:t>
-            </a:r>
-          </a:p>
-          <a:p>
-            <a:pPr lvl="0"/>
-            <a:r>
-              <a:rPr lang="en-US" sz="2400" dirty="0"/>
-              <a:t>Desktop UI</a:t>
-            </a:r>
-          </a:p>
-          <a:p>
-            <a:pPr lvl="1"/>
-            <a:r>
-              <a:rPr lang="en-US" sz="1800" dirty="0"/>
-              <a:t>Allows requesters to create base templates and assign ownership to specific authors to prepare content.</a:t>
-            </a:r>
-          </a:p>
-          <a:p>
-            <a:pPr lvl="1"/>
-            <a:r>
-              <a:rPr lang="en-US" sz="1800" dirty="0"/>
-              <a:t>Allows authors to create new content, update and publish.</a:t>
-            </a:r>
-          </a:p>
-          <a:p>
-            <a:pPr lvl="1"/>
-            <a:r>
-              <a:rPr lang="en-US" sz="1800" dirty="0"/>
-              <a:t>Displays catalog of available contents to subscribe, review and collaborate.</a:t>
-            </a:r>
-          </a:p>
-          <a:p>
-            <a:pPr lvl="1"/>
-            <a:r>
-              <a:rPr lang="en-US" sz="1800" dirty="0"/>
-              <a:t>Allows authors and requestors to update status and re-assign ownership.</a:t>
-            </a:r>
-          </a:p>
-          <a:p>
-            <a:pPr lvl="0"/>
-            <a:r>
-              <a:rPr lang="en-US" sz="2400" dirty="0"/>
-              <a:t>Desktop Synch-up Orchestrator</a:t>
-            </a:r>
-          </a:p>
-          <a:p>
-            <a:pPr lvl="1"/>
-            <a:r>
-              <a:rPr lang="en-US" sz="1800" dirty="0"/>
-              <a:t>Submits contents and requests Doc Central to process it.</a:t>
-            </a:r>
-          </a:p>
-          <a:p>
-            <a:pPr lvl="1"/>
-            <a:r>
-              <a:rPr lang="en-US" sz="1800" dirty="0"/>
-              <a:t>Downloads refreshed catalogs and the subscribed content from Doc Central.</a:t>
-            </a:r>
-          </a:p>
-          <a:p>
-            <a:pPr lvl="0"/>
-            <a:r>
-              <a:rPr lang="en-US" sz="2400" dirty="0"/>
-              <a:t>Server orchestrator</a:t>
-            </a:r>
-          </a:p>
-          <a:p>
-            <a:pPr lvl="1"/>
-            <a:r>
-              <a:rPr lang="en-US" sz="1800" dirty="0"/>
-              <a:t>Publishes </a:t>
-            </a:r>
-            <a:r>
-              <a:rPr lang="en-US" sz="1800" i="1" dirty="0"/>
-              <a:t>as is</a:t>
-            </a:r>
-            <a:r>
-              <a:rPr lang="en-US" sz="1800" dirty="0"/>
-              <a:t> or rolls up the contents received from users and extended processors.</a:t>
-            </a:r>
-          </a:p>
-          <a:p>
-            <a:pPr lvl="1"/>
-            <a:r>
-              <a:rPr lang="en-US" sz="1800" dirty="0"/>
-              <a:t>Publishes catalog via SQLite file which carries the information of content in Doc Central.</a:t>
-            </a:r>
-          </a:p>
-          <a:p>
-            <a:pPr lvl="0"/>
-            <a:r>
-              <a:rPr lang="en-US" sz="2400" dirty="0"/>
-              <a:t>Extended orchestrators</a:t>
-            </a:r>
-          </a:p>
-          <a:p>
-            <a:pPr lvl="1"/>
-            <a:r>
-              <a:rPr lang="en-US" sz="1800" dirty="0"/>
-              <a:t>Transforms contents as per special business requirements.</a:t>
-            </a:r>
-          </a:p>
-        </p:txBody>
-      </p:sp>
       <p:pic>
         <p:nvPicPr>
-          <p:cNvPr id="34" name="Picture 33">
-            <a:extLst>
-              <a:ext uri="{FF2B5EF4-FFF2-40B4-BE49-F238E27FC236}">
-                <a16:creationId xmlns:a16="http://schemas.microsoft.com/office/drawing/2014/main" id="{D13D5789-593B-4C04-8795-794464E32159}"/>
+          <p:cNvPr id="10" name="Graphic 9" descr="Database">
+            <a:extLst>
+              <a:ext uri="{FF2B5EF4-FFF2-40B4-BE49-F238E27FC236}">
+                <a16:creationId xmlns:a16="http://schemas.microsoft.com/office/drawing/2014/main" id="{D2D5B157-EF15-4D3A-AF30-BF32D548B06C}"/>
               </a:ext>
             </a:extLst>
           </p:cNvPr>
@@ -5728,15 +6634,1419 @@
           <p:nvPr/>
         </p:nvPicPr>
         <p:blipFill>
-          <a:blip r:embed="rId2"/>
+          <a:blip r:embed="rId2">
+            <a:extLst>
+              <a:ext uri="{28A0092B-C50C-407E-A947-70E740481C1C}">
+                <a14:useLocalDpi xmlns:a14="http://schemas.microsoft.com/office/drawing/2010/main" val="0"/>
+              </a:ext>
+              <a:ext uri="{96DAC541-7B7A-43D3-8B79-37D633B846F1}">
+                <asvg:svgBlip xmlns:asvg="http://schemas.microsoft.com/office/drawing/2016/SVG/main" r:embed="rId3"/>
+              </a:ext>
+            </a:extLst>
+          </a:blip>
           <a:stretch>
             <a:fillRect/>
           </a:stretch>
         </p:blipFill>
         <p:spPr>
           <a:xfrm>
-            <a:off x="8605203" y="3084348"/>
-            <a:ext cx="3403917" cy="1952955"/>
+            <a:off x="6424667" y="2019745"/>
+            <a:ext cx="779592" cy="779592"/>
+          </a:xfrm>
+          <a:prstGeom prst="rect">
+            <a:avLst/>
+          </a:prstGeom>
+        </p:spPr>
+      </p:pic>
+      <p:pic>
+        <p:nvPicPr>
+          <p:cNvPr id="12" name="Graphic 11" descr="Computer">
+            <a:extLst>
+              <a:ext uri="{FF2B5EF4-FFF2-40B4-BE49-F238E27FC236}">
+                <a16:creationId xmlns:a16="http://schemas.microsoft.com/office/drawing/2014/main" id="{9BBC15E0-E371-4359-9510-0B60914FE9D6}"/>
+              </a:ext>
+            </a:extLst>
+          </p:cNvPr>
+          <p:cNvPicPr>
+            <a:picLocks noChangeAspect="1"/>
+          </p:cNvPicPr>
+          <p:nvPr/>
+        </p:nvPicPr>
+        <p:blipFill>
+          <a:blip r:embed="rId4">
+            <a:extLst>
+              <a:ext uri="{28A0092B-C50C-407E-A947-70E740481C1C}">
+                <a14:useLocalDpi xmlns:a14="http://schemas.microsoft.com/office/drawing/2010/main" val="0"/>
+              </a:ext>
+              <a:ext uri="{96DAC541-7B7A-43D3-8B79-37D633B846F1}">
+                <asvg:svgBlip xmlns:asvg="http://schemas.microsoft.com/office/drawing/2016/SVG/main" r:embed="rId5"/>
+              </a:ext>
+            </a:extLst>
+          </a:blip>
+          <a:stretch>
+            <a:fillRect/>
+          </a:stretch>
+        </p:blipFill>
+        <p:spPr>
+          <a:xfrm>
+            <a:off x="3724862" y="4869240"/>
+            <a:ext cx="1157840" cy="1157840"/>
+          </a:xfrm>
+          <a:prstGeom prst="rect">
+            <a:avLst/>
+          </a:prstGeom>
+        </p:spPr>
+      </p:pic>
+      <p:pic>
+        <p:nvPicPr>
+          <p:cNvPr id="13" name="Graphic 12" descr="Robot">
+            <a:extLst>
+              <a:ext uri="{FF2B5EF4-FFF2-40B4-BE49-F238E27FC236}">
+                <a16:creationId xmlns:a16="http://schemas.microsoft.com/office/drawing/2014/main" id="{A391CD8E-1991-49A9-A4FF-23B560A5B2DB}"/>
+              </a:ext>
+            </a:extLst>
+          </p:cNvPr>
+          <p:cNvPicPr>
+            <a:picLocks noChangeAspect="1"/>
+          </p:cNvPicPr>
+          <p:nvPr/>
+        </p:nvPicPr>
+        <p:blipFill>
+          <a:blip r:embed="rId6">
+            <a:extLst>
+              <a:ext uri="{28A0092B-C50C-407E-A947-70E740481C1C}">
+                <a14:useLocalDpi xmlns:a14="http://schemas.microsoft.com/office/drawing/2010/main" val="0"/>
+              </a:ext>
+              <a:ext uri="{96DAC541-7B7A-43D3-8B79-37D633B846F1}">
+                <asvg:svgBlip xmlns:asvg="http://schemas.microsoft.com/office/drawing/2016/SVG/main" r:embed="rId7"/>
+              </a:ext>
+            </a:extLst>
+          </a:blip>
+          <a:stretch>
+            <a:fillRect/>
+          </a:stretch>
+        </p:blipFill>
+        <p:spPr>
+          <a:xfrm>
+            <a:off x="3292177" y="2889558"/>
+            <a:ext cx="910605" cy="910605"/>
+          </a:xfrm>
+          <a:prstGeom prst="rect">
+            <a:avLst/>
+          </a:prstGeom>
+        </p:spPr>
+      </p:pic>
+      <p:pic>
+        <p:nvPicPr>
+          <p:cNvPr id="14" name="Graphic 13" descr="Computer">
+            <a:extLst>
+              <a:ext uri="{FF2B5EF4-FFF2-40B4-BE49-F238E27FC236}">
+                <a16:creationId xmlns:a16="http://schemas.microsoft.com/office/drawing/2014/main" id="{5FBA1ACE-631D-4AEA-8256-904E8A7C38D1}"/>
+              </a:ext>
+            </a:extLst>
+          </p:cNvPr>
+          <p:cNvPicPr>
+            <a:picLocks noChangeAspect="1"/>
+          </p:cNvPicPr>
+          <p:nvPr/>
+        </p:nvPicPr>
+        <p:blipFill>
+          <a:blip r:embed="rId4">
+            <a:extLst>
+              <a:ext uri="{28A0092B-C50C-407E-A947-70E740481C1C}">
+                <a14:useLocalDpi xmlns:a14="http://schemas.microsoft.com/office/drawing/2010/main" val="0"/>
+              </a:ext>
+              <a:ext uri="{96DAC541-7B7A-43D3-8B79-37D633B846F1}">
+                <asvg:svgBlip xmlns:asvg="http://schemas.microsoft.com/office/drawing/2016/SVG/main" r:embed="rId5"/>
+              </a:ext>
+            </a:extLst>
+          </a:blip>
+          <a:stretch>
+            <a:fillRect/>
+          </a:stretch>
+        </p:blipFill>
+        <p:spPr>
+          <a:xfrm>
+            <a:off x="2362328" y="3561208"/>
+            <a:ext cx="1040628" cy="1040628"/>
+          </a:xfrm>
+          <a:prstGeom prst="rect">
+            <a:avLst/>
+          </a:prstGeom>
+        </p:spPr>
+      </p:pic>
+      <p:pic>
+        <p:nvPicPr>
+          <p:cNvPr id="15" name="Graphic 14" descr="Gears">
+            <a:extLst>
+              <a:ext uri="{FF2B5EF4-FFF2-40B4-BE49-F238E27FC236}">
+                <a16:creationId xmlns:a16="http://schemas.microsoft.com/office/drawing/2014/main" id="{2CF462CD-3767-493C-9038-FBDAA14873B6}"/>
+              </a:ext>
+            </a:extLst>
+          </p:cNvPr>
+          <p:cNvPicPr>
+            <a:picLocks noChangeAspect="1"/>
+          </p:cNvPicPr>
+          <p:nvPr/>
+        </p:nvPicPr>
+        <p:blipFill>
+          <a:blip r:embed="rId8">
+            <a:extLst>
+              <a:ext uri="{28A0092B-C50C-407E-A947-70E740481C1C}">
+                <a14:useLocalDpi xmlns:a14="http://schemas.microsoft.com/office/drawing/2010/main" val="0"/>
+              </a:ext>
+              <a:ext uri="{96DAC541-7B7A-43D3-8B79-37D633B846F1}">
+                <asvg:svgBlip xmlns:asvg="http://schemas.microsoft.com/office/drawing/2016/SVG/main" r:embed="rId9"/>
+              </a:ext>
+            </a:extLst>
+          </a:blip>
+          <a:stretch>
+            <a:fillRect/>
+          </a:stretch>
+        </p:blipFill>
+        <p:spPr>
+          <a:xfrm>
+            <a:off x="3046325" y="3170917"/>
+            <a:ext cx="491703" cy="491703"/>
+          </a:xfrm>
+          <a:prstGeom prst="rect">
+            <a:avLst/>
+          </a:prstGeom>
+        </p:spPr>
+      </p:pic>
+      <p:pic>
+        <p:nvPicPr>
+          <p:cNvPr id="16" name="Graphic 15" descr="Transfer">
+            <a:extLst>
+              <a:ext uri="{FF2B5EF4-FFF2-40B4-BE49-F238E27FC236}">
+                <a16:creationId xmlns:a16="http://schemas.microsoft.com/office/drawing/2014/main" id="{2ADA4EF5-7511-4A0D-84F9-8D0E34103367}"/>
+              </a:ext>
+            </a:extLst>
+          </p:cNvPr>
+          <p:cNvPicPr>
+            <a:picLocks noChangeAspect="1"/>
+          </p:cNvPicPr>
+          <p:nvPr/>
+        </p:nvPicPr>
+        <p:blipFill>
+          <a:blip r:embed="rId10">
+            <a:extLst>
+              <a:ext uri="{28A0092B-C50C-407E-A947-70E740481C1C}">
+                <a14:useLocalDpi xmlns:a14="http://schemas.microsoft.com/office/drawing/2010/main" val="0"/>
+              </a:ext>
+              <a:ext uri="{96DAC541-7B7A-43D3-8B79-37D633B846F1}">
+                <asvg:svgBlip xmlns:asvg="http://schemas.microsoft.com/office/drawing/2016/SVG/main" r:embed="rId11"/>
+              </a:ext>
+            </a:extLst>
+          </a:blip>
+          <a:stretch>
+            <a:fillRect/>
+          </a:stretch>
+        </p:blipFill>
+        <p:spPr>
+          <a:xfrm rot="19707105">
+            <a:off x="4123809" y="2598256"/>
+            <a:ext cx="1087087" cy="460956"/>
+          </a:xfrm>
+          <a:prstGeom prst="rect">
+            <a:avLst/>
+          </a:prstGeom>
+        </p:spPr>
+      </p:pic>
+      <p:pic>
+        <p:nvPicPr>
+          <p:cNvPr id="17" name="Graphic 16" descr="Transfer">
+            <a:extLst>
+              <a:ext uri="{FF2B5EF4-FFF2-40B4-BE49-F238E27FC236}">
+                <a16:creationId xmlns:a16="http://schemas.microsoft.com/office/drawing/2014/main" id="{5CD5BBCC-1133-43B9-8062-DEEA04CB4A99}"/>
+              </a:ext>
+            </a:extLst>
+          </p:cNvPr>
+          <p:cNvPicPr>
+            <a:picLocks noChangeAspect="1"/>
+          </p:cNvPicPr>
+          <p:nvPr/>
+        </p:nvPicPr>
+        <p:blipFill>
+          <a:blip r:embed="rId10">
+            <a:extLst>
+              <a:ext uri="{28A0092B-C50C-407E-A947-70E740481C1C}">
+                <a14:useLocalDpi xmlns:a14="http://schemas.microsoft.com/office/drawing/2010/main" val="0"/>
+              </a:ext>
+              <a:ext uri="{96DAC541-7B7A-43D3-8B79-37D633B846F1}">
+                <asvg:svgBlip xmlns:asvg="http://schemas.microsoft.com/office/drawing/2016/SVG/main" r:embed="rId11"/>
+              </a:ext>
+            </a:extLst>
+          </a:blip>
+          <a:stretch>
+            <a:fillRect/>
+          </a:stretch>
+        </p:blipFill>
+        <p:spPr>
+          <a:xfrm rot="4116200">
+            <a:off x="6051188" y="3626866"/>
+            <a:ext cx="1195636" cy="460956"/>
+          </a:xfrm>
+          <a:prstGeom prst="rect">
+            <a:avLst/>
+          </a:prstGeom>
+        </p:spPr>
+      </p:pic>
+      <p:pic>
+        <p:nvPicPr>
+          <p:cNvPr id="18" name="Graphic 17" descr="Transfer">
+            <a:extLst>
+              <a:ext uri="{FF2B5EF4-FFF2-40B4-BE49-F238E27FC236}">
+                <a16:creationId xmlns:a16="http://schemas.microsoft.com/office/drawing/2014/main" id="{2D34338C-E596-4762-AFA1-6680C72F8DC8}"/>
+              </a:ext>
+            </a:extLst>
+          </p:cNvPr>
+          <p:cNvPicPr>
+            <a:picLocks noChangeAspect="1"/>
+          </p:cNvPicPr>
+          <p:nvPr/>
+        </p:nvPicPr>
+        <p:blipFill>
+          <a:blip r:embed="rId10">
+            <a:extLst>
+              <a:ext uri="{28A0092B-C50C-407E-A947-70E740481C1C}">
+                <a14:useLocalDpi xmlns:a14="http://schemas.microsoft.com/office/drawing/2010/main" val="0"/>
+              </a:ext>
+              <a:ext uri="{96DAC541-7B7A-43D3-8B79-37D633B846F1}">
+                <asvg:svgBlip xmlns:asvg="http://schemas.microsoft.com/office/drawing/2016/SVG/main" r:embed="rId11"/>
+              </a:ext>
+            </a:extLst>
+          </a:blip>
+          <a:stretch>
+            <a:fillRect/>
+          </a:stretch>
+        </p:blipFill>
+        <p:spPr>
+          <a:xfrm rot="12647292">
+            <a:off x="7375589" y="3007251"/>
+            <a:ext cx="892050" cy="460956"/>
+          </a:xfrm>
+          <a:prstGeom prst="rect">
+            <a:avLst/>
+          </a:prstGeom>
+        </p:spPr>
+      </p:pic>
+      <p:pic>
+        <p:nvPicPr>
+          <p:cNvPr id="20" name="Graphic 19" descr="Cloud Computing">
+            <a:extLst>
+              <a:ext uri="{FF2B5EF4-FFF2-40B4-BE49-F238E27FC236}">
+                <a16:creationId xmlns:a16="http://schemas.microsoft.com/office/drawing/2014/main" id="{1B898C7C-8957-4317-B54A-CCE3F3C4F5CF}"/>
+              </a:ext>
+            </a:extLst>
+          </p:cNvPr>
+          <p:cNvPicPr>
+            <a:picLocks noChangeAspect="1"/>
+          </p:cNvPicPr>
+          <p:nvPr/>
+        </p:nvPicPr>
+        <p:blipFill>
+          <a:blip r:embed="rId12">
+            <a:extLst>
+              <a:ext uri="{28A0092B-C50C-407E-A947-70E740481C1C}">
+                <a14:useLocalDpi xmlns:a14="http://schemas.microsoft.com/office/drawing/2010/main" val="0"/>
+              </a:ext>
+              <a:ext uri="{96DAC541-7B7A-43D3-8B79-37D633B846F1}">
+                <asvg:svgBlip xmlns:asvg="http://schemas.microsoft.com/office/drawing/2016/SVG/main" r:embed="rId13"/>
+              </a:ext>
+            </a:extLst>
+          </a:blip>
+          <a:stretch>
+            <a:fillRect/>
+          </a:stretch>
+        </p:blipFill>
+        <p:spPr>
+          <a:xfrm>
+            <a:off x="5420349" y="1533532"/>
+            <a:ext cx="1297636" cy="1297636"/>
+          </a:xfrm>
+          <a:prstGeom prst="rect">
+            <a:avLst/>
+          </a:prstGeom>
+        </p:spPr>
+      </p:pic>
+      <p:pic>
+        <p:nvPicPr>
+          <p:cNvPr id="21" name="Graphic 20" descr="Robot">
+            <a:extLst>
+              <a:ext uri="{FF2B5EF4-FFF2-40B4-BE49-F238E27FC236}">
+                <a16:creationId xmlns:a16="http://schemas.microsoft.com/office/drawing/2014/main" id="{43461E7A-D321-44CD-80AF-CABE9F54B26D}"/>
+              </a:ext>
+            </a:extLst>
+          </p:cNvPr>
+          <p:cNvPicPr>
+            <a:picLocks noChangeAspect="1"/>
+          </p:cNvPicPr>
+          <p:nvPr/>
+        </p:nvPicPr>
+        <p:blipFill>
+          <a:blip r:embed="rId14">
+            <a:extLst>
+              <a:ext uri="{28A0092B-C50C-407E-A947-70E740481C1C}">
+                <a14:useLocalDpi xmlns:a14="http://schemas.microsoft.com/office/drawing/2010/main" val="0"/>
+              </a:ext>
+              <a:ext uri="{96DAC541-7B7A-43D3-8B79-37D633B846F1}">
+                <asvg:svgBlip xmlns:asvg="http://schemas.microsoft.com/office/drawing/2016/SVG/main" r:embed="rId15"/>
+              </a:ext>
+            </a:extLst>
+          </a:blip>
+          <a:stretch>
+            <a:fillRect/>
+          </a:stretch>
+        </p:blipFill>
+        <p:spPr>
+          <a:xfrm flipH="1">
+            <a:off x="3603257" y="5144719"/>
+            <a:ext cx="910606" cy="910605"/>
+          </a:xfrm>
+          <a:prstGeom prst="rect">
+            <a:avLst/>
+          </a:prstGeom>
+        </p:spPr>
+      </p:pic>
+      <p:pic>
+        <p:nvPicPr>
+          <p:cNvPr id="22" name="Graphic 21" descr="Gears">
+            <a:extLst>
+              <a:ext uri="{FF2B5EF4-FFF2-40B4-BE49-F238E27FC236}">
+                <a16:creationId xmlns:a16="http://schemas.microsoft.com/office/drawing/2014/main" id="{7A8956FE-5609-42D1-8A64-28A059B72E4B}"/>
+              </a:ext>
+            </a:extLst>
+          </p:cNvPr>
+          <p:cNvPicPr>
+            <a:picLocks noChangeAspect="1"/>
+          </p:cNvPicPr>
+          <p:nvPr/>
+        </p:nvPicPr>
+        <p:blipFill>
+          <a:blip r:embed="rId16">
+            <a:extLst>
+              <a:ext uri="{28A0092B-C50C-407E-A947-70E740481C1C}">
+                <a14:useLocalDpi xmlns:a14="http://schemas.microsoft.com/office/drawing/2010/main" val="0"/>
+              </a:ext>
+              <a:ext uri="{96DAC541-7B7A-43D3-8B79-37D633B846F1}">
+                <asvg:svgBlip xmlns:asvg="http://schemas.microsoft.com/office/drawing/2016/SVG/main" r:embed="rId17"/>
+              </a:ext>
+            </a:extLst>
+          </a:blip>
+          <a:stretch>
+            <a:fillRect/>
+          </a:stretch>
+        </p:blipFill>
+        <p:spPr>
+          <a:xfrm>
+            <a:off x="4242465" y="4626230"/>
+            <a:ext cx="491703" cy="491703"/>
+          </a:xfrm>
+          <a:prstGeom prst="rect">
+            <a:avLst/>
+          </a:prstGeom>
+        </p:spPr>
+      </p:pic>
+      <p:pic>
+        <p:nvPicPr>
+          <p:cNvPr id="23" name="Graphic 22" descr="Transfer">
+            <a:extLst>
+              <a:ext uri="{FF2B5EF4-FFF2-40B4-BE49-F238E27FC236}">
+                <a16:creationId xmlns:a16="http://schemas.microsoft.com/office/drawing/2014/main" id="{BF2FA6BA-CBDE-4AED-82CA-003FEDEEF999}"/>
+              </a:ext>
+            </a:extLst>
+          </p:cNvPr>
+          <p:cNvPicPr>
+            <a:picLocks noChangeAspect="1"/>
+          </p:cNvPicPr>
+          <p:nvPr/>
+        </p:nvPicPr>
+        <p:blipFill>
+          <a:blip r:embed="rId10">
+            <a:extLst>
+              <a:ext uri="{28A0092B-C50C-407E-A947-70E740481C1C}">
+                <a14:useLocalDpi xmlns:a14="http://schemas.microsoft.com/office/drawing/2010/main" val="0"/>
+              </a:ext>
+              <a:ext uri="{96DAC541-7B7A-43D3-8B79-37D633B846F1}">
+                <asvg:svgBlip xmlns:asvg="http://schemas.microsoft.com/office/drawing/2016/SVG/main" r:embed="rId11"/>
+              </a:ext>
+            </a:extLst>
+          </a:blip>
+          <a:stretch>
+            <a:fillRect/>
+          </a:stretch>
+        </p:blipFill>
+        <p:spPr>
+          <a:xfrm rot="18036836">
+            <a:off x="4508039" y="3583344"/>
+            <a:ext cx="1216002" cy="460956"/>
+          </a:xfrm>
+          <a:prstGeom prst="rect">
+            <a:avLst/>
+          </a:prstGeom>
+        </p:spPr>
+      </p:pic>
+      <p:pic>
+        <p:nvPicPr>
+          <p:cNvPr id="24" name="Graphic 23" descr="Computer">
+            <a:extLst>
+              <a:ext uri="{FF2B5EF4-FFF2-40B4-BE49-F238E27FC236}">
+                <a16:creationId xmlns:a16="http://schemas.microsoft.com/office/drawing/2014/main" id="{36CFC7F1-75E1-47B6-8EF7-DF80EA1B4E25}"/>
+              </a:ext>
+            </a:extLst>
+          </p:cNvPr>
+          <p:cNvPicPr>
+            <a:picLocks noChangeAspect="1"/>
+          </p:cNvPicPr>
+          <p:nvPr/>
+        </p:nvPicPr>
+        <p:blipFill>
+          <a:blip r:embed="rId4">
+            <a:extLst>
+              <a:ext uri="{28A0092B-C50C-407E-A947-70E740481C1C}">
+                <a14:useLocalDpi xmlns:a14="http://schemas.microsoft.com/office/drawing/2010/main" val="0"/>
+              </a:ext>
+              <a:ext uri="{96DAC541-7B7A-43D3-8B79-37D633B846F1}">
+                <asvg:svgBlip xmlns:asvg="http://schemas.microsoft.com/office/drawing/2016/SVG/main" r:embed="rId5"/>
+              </a:ext>
+            </a:extLst>
+          </a:blip>
+          <a:stretch>
+            <a:fillRect/>
+          </a:stretch>
+        </p:blipFill>
+        <p:spPr>
+          <a:xfrm>
+            <a:off x="6669093" y="4897484"/>
+            <a:ext cx="1157840" cy="1157840"/>
+          </a:xfrm>
+          <a:prstGeom prst="rect">
+            <a:avLst/>
+          </a:prstGeom>
+        </p:spPr>
+      </p:pic>
+      <p:pic>
+        <p:nvPicPr>
+          <p:cNvPr id="25" name="Graphic 24" descr="Robot">
+            <a:extLst>
+              <a:ext uri="{FF2B5EF4-FFF2-40B4-BE49-F238E27FC236}">
+                <a16:creationId xmlns:a16="http://schemas.microsoft.com/office/drawing/2014/main" id="{5E7FA51A-BA01-4AC7-8B1F-BFDAE988AA63}"/>
+              </a:ext>
+            </a:extLst>
+          </p:cNvPr>
+          <p:cNvPicPr>
+            <a:picLocks noChangeAspect="1"/>
+          </p:cNvPicPr>
+          <p:nvPr/>
+        </p:nvPicPr>
+        <p:blipFill>
+          <a:blip r:embed="rId18">
+            <a:extLst>
+              <a:ext uri="{28A0092B-C50C-407E-A947-70E740481C1C}">
+                <a14:useLocalDpi xmlns:a14="http://schemas.microsoft.com/office/drawing/2010/main" val="0"/>
+              </a:ext>
+              <a:ext uri="{96DAC541-7B7A-43D3-8B79-37D633B846F1}">
+                <asvg:svgBlip xmlns:asvg="http://schemas.microsoft.com/office/drawing/2016/SVG/main" r:embed="rId19"/>
+              </a:ext>
+            </a:extLst>
+          </a:blip>
+          <a:stretch>
+            <a:fillRect/>
+          </a:stretch>
+        </p:blipFill>
+        <p:spPr>
+          <a:xfrm>
+            <a:off x="6578971" y="5215716"/>
+            <a:ext cx="910605" cy="910605"/>
+          </a:xfrm>
+          <a:prstGeom prst="rect">
+            <a:avLst/>
+          </a:prstGeom>
+        </p:spPr>
+      </p:pic>
+      <p:pic>
+        <p:nvPicPr>
+          <p:cNvPr id="26" name="Graphic 25" descr="Gears">
+            <a:extLst>
+              <a:ext uri="{FF2B5EF4-FFF2-40B4-BE49-F238E27FC236}">
+                <a16:creationId xmlns:a16="http://schemas.microsoft.com/office/drawing/2014/main" id="{9A0CBF7B-7943-4E97-999F-90A880A07A50}"/>
+              </a:ext>
+            </a:extLst>
+          </p:cNvPr>
+          <p:cNvPicPr>
+            <a:picLocks noChangeAspect="1"/>
+          </p:cNvPicPr>
+          <p:nvPr/>
+        </p:nvPicPr>
+        <p:blipFill>
+          <a:blip r:embed="rId20">
+            <a:extLst>
+              <a:ext uri="{28A0092B-C50C-407E-A947-70E740481C1C}">
+                <a14:useLocalDpi xmlns:a14="http://schemas.microsoft.com/office/drawing/2010/main" val="0"/>
+              </a:ext>
+              <a:ext uri="{96DAC541-7B7A-43D3-8B79-37D633B846F1}">
+                <asvg:svgBlip xmlns:asvg="http://schemas.microsoft.com/office/drawing/2016/SVG/main" r:embed="rId21"/>
+              </a:ext>
+            </a:extLst>
+          </a:blip>
+          <a:stretch>
+            <a:fillRect/>
+          </a:stretch>
+        </p:blipFill>
+        <p:spPr>
+          <a:xfrm rot="19003372">
+            <a:off x="6732512" y="4622335"/>
+            <a:ext cx="491703" cy="491703"/>
+          </a:xfrm>
+          <a:prstGeom prst="rect">
+            <a:avLst/>
+          </a:prstGeom>
+        </p:spPr>
+      </p:pic>
+      <p:pic>
+        <p:nvPicPr>
+          <p:cNvPr id="27" name="Graphic 26" descr="Robot">
+            <a:extLst>
+              <a:ext uri="{FF2B5EF4-FFF2-40B4-BE49-F238E27FC236}">
+                <a16:creationId xmlns:a16="http://schemas.microsoft.com/office/drawing/2014/main" id="{56581128-3506-4BA7-8372-7AFC9BB0DACF}"/>
+              </a:ext>
+            </a:extLst>
+          </p:cNvPr>
+          <p:cNvPicPr>
+            <a:picLocks noChangeAspect="1"/>
+          </p:cNvPicPr>
+          <p:nvPr/>
+        </p:nvPicPr>
+        <p:blipFill>
+          <a:blip r:embed="rId6">
+            <a:extLst>
+              <a:ext uri="{28A0092B-C50C-407E-A947-70E740481C1C}">
+                <a14:useLocalDpi xmlns:a14="http://schemas.microsoft.com/office/drawing/2010/main" val="0"/>
+              </a:ext>
+              <a:ext uri="{96DAC541-7B7A-43D3-8B79-37D633B846F1}">
+                <asvg:svgBlip xmlns:asvg="http://schemas.microsoft.com/office/drawing/2016/SVG/main" r:embed="rId7"/>
+              </a:ext>
+            </a:extLst>
+          </a:blip>
+          <a:stretch>
+            <a:fillRect/>
+          </a:stretch>
+        </p:blipFill>
+        <p:spPr>
+          <a:xfrm flipH="1">
+            <a:off x="7914100" y="3722033"/>
+            <a:ext cx="884748" cy="910605"/>
+          </a:xfrm>
+          <a:prstGeom prst="rect">
+            <a:avLst/>
+          </a:prstGeom>
+        </p:spPr>
+      </p:pic>
+      <p:pic>
+        <p:nvPicPr>
+          <p:cNvPr id="28" name="Graphic 27" descr="Gears">
+            <a:extLst>
+              <a:ext uri="{FF2B5EF4-FFF2-40B4-BE49-F238E27FC236}">
+                <a16:creationId xmlns:a16="http://schemas.microsoft.com/office/drawing/2014/main" id="{C2DC27F4-FC31-4314-BF88-C62E00834792}"/>
+              </a:ext>
+            </a:extLst>
+          </p:cNvPr>
+          <p:cNvPicPr>
+            <a:picLocks noChangeAspect="1"/>
+          </p:cNvPicPr>
+          <p:nvPr/>
+        </p:nvPicPr>
+        <p:blipFill>
+          <a:blip r:embed="rId8">
+            <a:extLst>
+              <a:ext uri="{28A0092B-C50C-407E-A947-70E740481C1C}">
+                <a14:useLocalDpi xmlns:a14="http://schemas.microsoft.com/office/drawing/2010/main" val="0"/>
+              </a:ext>
+              <a:ext uri="{96DAC541-7B7A-43D3-8B79-37D633B846F1}">
+                <asvg:svgBlip xmlns:asvg="http://schemas.microsoft.com/office/drawing/2016/SVG/main" r:embed="rId9"/>
+              </a:ext>
+            </a:extLst>
+          </a:blip>
+          <a:stretch>
+            <a:fillRect/>
+          </a:stretch>
+        </p:blipFill>
+        <p:spPr>
+          <a:xfrm>
+            <a:off x="8353428" y="3476181"/>
+            <a:ext cx="494052" cy="491703"/>
+          </a:xfrm>
+          <a:prstGeom prst="rect">
+            <a:avLst/>
+          </a:prstGeom>
+        </p:spPr>
+      </p:pic>
+      <p:sp>
+        <p:nvSpPr>
+          <p:cNvPr id="29" name="Rectangle 28">
+            <a:extLst>
+              <a:ext uri="{FF2B5EF4-FFF2-40B4-BE49-F238E27FC236}">
+                <a16:creationId xmlns:a16="http://schemas.microsoft.com/office/drawing/2014/main" id="{D1F244FC-ECE3-413E-B670-9C3DEFF47C62}"/>
+              </a:ext>
+            </a:extLst>
+          </p:cNvPr>
+          <p:cNvSpPr/>
+          <p:nvPr/>
+        </p:nvSpPr>
+        <p:spPr>
+          <a:xfrm>
+            <a:off x="5347495" y="2727055"/>
+            <a:ext cx="1661348" cy="369332"/>
+          </a:xfrm>
+          <a:prstGeom prst="rect">
+            <a:avLst/>
+          </a:prstGeom>
+          <a:noFill/>
+        </p:spPr>
+        <p:txBody>
+          <a:bodyPr wrap="square" lIns="91440" tIns="45720" rIns="91440" bIns="45720">
+            <a:spAutoFit/>
+          </a:bodyPr>
+          <a:lstStyle/>
+          <a:p>
+            <a:pPr algn="ctr"/>
+            <a:r>
+              <a:rPr lang="en-US" b="1" dirty="0">
+                <a:ln w="0"/>
+                <a:solidFill>
+                  <a:srgbClr val="C00000"/>
+                </a:solidFill>
+                <a:effectLst>
+                  <a:outerShdw blurRad="38100" dist="19050" dir="2700000" algn="tl" rotWithShape="0">
+                    <a:schemeClr val="dk1">
+                      <a:alpha val="40000"/>
+                    </a:schemeClr>
+                  </a:outerShdw>
+                </a:effectLst>
+              </a:rPr>
+              <a:t>Doc Central</a:t>
+            </a:r>
+            <a:endParaRPr lang="en-US" b="1" cap="none" spc="0" dirty="0">
+              <a:ln w="0"/>
+              <a:solidFill>
+                <a:srgbClr val="C00000"/>
+              </a:solidFill>
+              <a:effectLst>
+                <a:outerShdw blurRad="38100" dist="19050" dir="2700000" algn="tl" rotWithShape="0">
+                  <a:schemeClr val="dk1">
+                    <a:alpha val="40000"/>
+                  </a:schemeClr>
+                </a:outerShdw>
+              </a:effectLst>
+            </a:endParaRPr>
+          </a:p>
+        </p:txBody>
+      </p:sp>
+      <p:sp>
+        <p:nvSpPr>
+          <p:cNvPr id="30" name="Rectangle 29">
+            <a:extLst>
+              <a:ext uri="{FF2B5EF4-FFF2-40B4-BE49-F238E27FC236}">
+                <a16:creationId xmlns:a16="http://schemas.microsoft.com/office/drawing/2014/main" id="{BAAC02D0-9432-4B9C-A24C-662F2BB62829}"/>
+              </a:ext>
+            </a:extLst>
+          </p:cNvPr>
+          <p:cNvSpPr/>
+          <p:nvPr/>
+        </p:nvSpPr>
+        <p:spPr>
+          <a:xfrm>
+            <a:off x="1751221" y="5107072"/>
+            <a:ext cx="996519" cy="369332"/>
+          </a:xfrm>
+          <a:prstGeom prst="rect">
+            <a:avLst/>
+          </a:prstGeom>
+          <a:noFill/>
+        </p:spPr>
+        <p:txBody>
+          <a:bodyPr wrap="square" lIns="91440" tIns="45720" rIns="91440" bIns="45720">
+            <a:spAutoFit/>
+          </a:bodyPr>
+          <a:lstStyle/>
+          <a:p>
+            <a:pPr algn="ctr"/>
+            <a:r>
+              <a:rPr lang="en-US" b="1" dirty="0">
+                <a:ln w="0"/>
+                <a:solidFill>
+                  <a:srgbClr val="00B0F0"/>
+                </a:solidFill>
+                <a:effectLst>
+                  <a:outerShdw blurRad="38100" dist="19050" dir="2700000" algn="tl" rotWithShape="0">
+                    <a:schemeClr val="dk1">
+                      <a:alpha val="40000"/>
+                    </a:schemeClr>
+                  </a:outerShdw>
+                </a:effectLst>
+              </a:rPr>
+              <a:t>Authors</a:t>
+            </a:r>
+            <a:endParaRPr lang="en-US" b="1" cap="none" spc="0" dirty="0">
+              <a:ln w="0"/>
+              <a:solidFill>
+                <a:srgbClr val="00B0F0"/>
+              </a:solidFill>
+              <a:effectLst>
+                <a:outerShdw blurRad="38100" dist="19050" dir="2700000" algn="tl" rotWithShape="0">
+                  <a:schemeClr val="dk1">
+                    <a:alpha val="40000"/>
+                  </a:schemeClr>
+                </a:outerShdw>
+              </a:effectLst>
+            </a:endParaRPr>
+          </a:p>
+        </p:txBody>
+      </p:sp>
+      <p:sp>
+        <p:nvSpPr>
+          <p:cNvPr id="31" name="Rectangle 30">
+            <a:extLst>
+              <a:ext uri="{FF2B5EF4-FFF2-40B4-BE49-F238E27FC236}">
+                <a16:creationId xmlns:a16="http://schemas.microsoft.com/office/drawing/2014/main" id="{5EFA5784-AEF6-488F-9E90-1C45BFDB5AB2}"/>
+              </a:ext>
+            </a:extLst>
+          </p:cNvPr>
+          <p:cNvSpPr/>
+          <p:nvPr/>
+        </p:nvSpPr>
+        <p:spPr>
+          <a:xfrm>
+            <a:off x="3538027" y="6167616"/>
+            <a:ext cx="1684213" cy="584775"/>
+          </a:xfrm>
+          <a:prstGeom prst="rect">
+            <a:avLst/>
+          </a:prstGeom>
+          <a:noFill/>
+        </p:spPr>
+        <p:txBody>
+          <a:bodyPr wrap="square" lIns="91440" tIns="45720" rIns="91440" bIns="45720">
+            <a:spAutoFit/>
+          </a:bodyPr>
+          <a:lstStyle/>
+          <a:p>
+            <a:pPr algn="ctr"/>
+            <a:r>
+              <a:rPr lang="en-US" sz="1600" i="1" dirty="0">
+                <a:ln w="0"/>
+                <a:solidFill>
+                  <a:srgbClr val="00B050"/>
+                </a:solidFill>
+                <a:effectLst>
+                  <a:outerShdw blurRad="38100" dist="19050" dir="2700000" algn="tl" rotWithShape="0">
+                    <a:schemeClr val="dk1">
+                      <a:alpha val="40000"/>
+                    </a:schemeClr>
+                  </a:outerShdw>
+                </a:effectLst>
+              </a:rPr>
+              <a:t>Catalog process orchestrator</a:t>
+            </a:r>
+            <a:endParaRPr lang="en-US" sz="1600" i="1" cap="none" spc="0" dirty="0">
+              <a:ln w="0"/>
+              <a:solidFill>
+                <a:srgbClr val="00B050"/>
+              </a:solidFill>
+              <a:effectLst>
+                <a:outerShdw blurRad="38100" dist="19050" dir="2700000" algn="tl" rotWithShape="0">
+                  <a:schemeClr val="dk1">
+                    <a:alpha val="40000"/>
+                  </a:schemeClr>
+                </a:outerShdw>
+              </a:effectLst>
+            </a:endParaRPr>
+          </a:p>
+        </p:txBody>
+      </p:sp>
+      <p:sp>
+        <p:nvSpPr>
+          <p:cNvPr id="32" name="Rectangle 31">
+            <a:extLst>
+              <a:ext uri="{FF2B5EF4-FFF2-40B4-BE49-F238E27FC236}">
+                <a16:creationId xmlns:a16="http://schemas.microsoft.com/office/drawing/2014/main" id="{19173F04-07D2-499F-9040-FEB266658FAD}"/>
+              </a:ext>
+            </a:extLst>
+          </p:cNvPr>
+          <p:cNvSpPr/>
+          <p:nvPr/>
+        </p:nvSpPr>
+        <p:spPr>
+          <a:xfrm>
+            <a:off x="8678872" y="5053873"/>
+            <a:ext cx="1346878" cy="369332"/>
+          </a:xfrm>
+          <a:prstGeom prst="rect">
+            <a:avLst/>
+          </a:prstGeom>
+          <a:noFill/>
+        </p:spPr>
+        <p:txBody>
+          <a:bodyPr wrap="square" lIns="91440" tIns="45720" rIns="91440" bIns="45720">
+            <a:spAutoFit/>
+          </a:bodyPr>
+          <a:lstStyle/>
+          <a:p>
+            <a:pPr algn="ctr"/>
+            <a:r>
+              <a:rPr lang="en-US" b="1" dirty="0">
+                <a:ln w="0"/>
+                <a:solidFill>
+                  <a:srgbClr val="00B0F0"/>
+                </a:solidFill>
+                <a:effectLst>
+                  <a:outerShdw blurRad="38100" dist="19050" dir="2700000" algn="tl" rotWithShape="0">
+                    <a:schemeClr val="dk1">
+                      <a:alpha val="40000"/>
+                    </a:schemeClr>
+                  </a:outerShdw>
+                </a:effectLst>
+              </a:rPr>
+              <a:t>Subscribers</a:t>
+            </a:r>
+            <a:endParaRPr lang="en-US" b="1" cap="none" spc="0" dirty="0">
+              <a:ln w="0"/>
+              <a:solidFill>
+                <a:srgbClr val="00B0F0"/>
+              </a:solidFill>
+              <a:effectLst>
+                <a:outerShdw blurRad="38100" dist="19050" dir="2700000" algn="tl" rotWithShape="0">
+                  <a:schemeClr val="dk1">
+                    <a:alpha val="40000"/>
+                  </a:schemeClr>
+                </a:outerShdw>
+              </a:effectLst>
+            </a:endParaRPr>
+          </a:p>
+        </p:txBody>
+      </p:sp>
+      <p:sp>
+        <p:nvSpPr>
+          <p:cNvPr id="33" name="Rectangle 32">
+            <a:extLst>
+              <a:ext uri="{FF2B5EF4-FFF2-40B4-BE49-F238E27FC236}">
+                <a16:creationId xmlns:a16="http://schemas.microsoft.com/office/drawing/2014/main" id="{FF115E28-EA90-4093-AF72-073BF1B0FFB2}"/>
+              </a:ext>
+            </a:extLst>
+          </p:cNvPr>
+          <p:cNvSpPr/>
+          <p:nvPr/>
+        </p:nvSpPr>
+        <p:spPr>
+          <a:xfrm>
+            <a:off x="6122929" y="6139763"/>
+            <a:ext cx="2405927" cy="584775"/>
+          </a:xfrm>
+          <a:prstGeom prst="rect">
+            <a:avLst/>
+          </a:prstGeom>
+          <a:noFill/>
+        </p:spPr>
+        <p:txBody>
+          <a:bodyPr wrap="square" lIns="91440" tIns="45720" rIns="91440" bIns="45720">
+            <a:spAutoFit/>
+          </a:bodyPr>
+          <a:lstStyle/>
+          <a:p>
+            <a:pPr algn="ctr"/>
+            <a:r>
+              <a:rPr lang="en-US" sz="1600" i="1" dirty="0">
+                <a:ln w="0"/>
+                <a:solidFill>
+                  <a:srgbClr val="7030A0"/>
+                </a:solidFill>
+                <a:effectLst>
+                  <a:outerShdw blurRad="38100" dist="19050" dir="2700000" algn="tl" rotWithShape="0">
+                    <a:schemeClr val="dk1">
+                      <a:alpha val="40000"/>
+                    </a:schemeClr>
+                  </a:outerShdw>
+                </a:effectLst>
+              </a:rPr>
+              <a:t>Extended process orchestrator</a:t>
+            </a:r>
+            <a:endParaRPr lang="en-US" sz="1600" i="1" cap="none" spc="0" dirty="0">
+              <a:ln w="0"/>
+              <a:solidFill>
+                <a:srgbClr val="7030A0"/>
+              </a:solidFill>
+              <a:effectLst>
+                <a:outerShdw blurRad="38100" dist="19050" dir="2700000" algn="tl" rotWithShape="0">
+                  <a:schemeClr val="dk1">
+                    <a:alpha val="40000"/>
+                  </a:schemeClr>
+                </a:outerShdw>
+              </a:effectLst>
+            </a:endParaRPr>
+          </a:p>
+        </p:txBody>
+      </p:sp>
+      <p:sp>
+        <p:nvSpPr>
+          <p:cNvPr id="35" name="Rectangle 34">
+            <a:extLst>
+              <a:ext uri="{FF2B5EF4-FFF2-40B4-BE49-F238E27FC236}">
+                <a16:creationId xmlns:a16="http://schemas.microsoft.com/office/drawing/2014/main" id="{43C9F690-B596-4DD3-AC2F-CBDAA5102AC7}"/>
+              </a:ext>
+            </a:extLst>
+          </p:cNvPr>
+          <p:cNvSpPr/>
+          <p:nvPr/>
+        </p:nvSpPr>
+        <p:spPr>
+          <a:xfrm rot="19495022">
+            <a:off x="2459774" y="2703008"/>
+            <a:ext cx="1418957" cy="584775"/>
+          </a:xfrm>
+          <a:prstGeom prst="rect">
+            <a:avLst/>
+          </a:prstGeom>
+          <a:noFill/>
+        </p:spPr>
+        <p:txBody>
+          <a:bodyPr wrap="square" lIns="91440" tIns="45720" rIns="91440" bIns="45720">
+            <a:spAutoFit/>
+          </a:bodyPr>
+          <a:lstStyle/>
+          <a:p>
+            <a:pPr algn="ctr"/>
+            <a:r>
+              <a:rPr lang="en-US" sz="1600" i="1" dirty="0">
+                <a:ln w="0"/>
+                <a:solidFill>
+                  <a:schemeClr val="accent2">
+                    <a:lumMod val="50000"/>
+                  </a:schemeClr>
+                </a:solidFill>
+                <a:effectLst>
+                  <a:outerShdw blurRad="38100" dist="19050" dir="2700000" algn="tl" rotWithShape="0">
+                    <a:schemeClr val="dk1">
+                      <a:alpha val="40000"/>
+                    </a:schemeClr>
+                  </a:outerShdw>
+                </a:effectLst>
+              </a:rPr>
+              <a:t>Client process orchestrator</a:t>
+            </a:r>
+            <a:endParaRPr lang="en-US" sz="1600" i="1" cap="none" spc="0" dirty="0">
+              <a:ln w="0"/>
+              <a:solidFill>
+                <a:schemeClr val="accent2">
+                  <a:lumMod val="50000"/>
+                </a:schemeClr>
+              </a:solidFill>
+              <a:effectLst>
+                <a:outerShdw blurRad="38100" dist="19050" dir="2700000" algn="tl" rotWithShape="0">
+                  <a:schemeClr val="dk1">
+                    <a:alpha val="40000"/>
+                  </a:schemeClr>
+                </a:outerShdw>
+              </a:effectLst>
+            </a:endParaRPr>
+          </a:p>
+        </p:txBody>
+      </p:sp>
+      <p:sp>
+        <p:nvSpPr>
+          <p:cNvPr id="36" name="Rectangle 35">
+            <a:extLst>
+              <a:ext uri="{FF2B5EF4-FFF2-40B4-BE49-F238E27FC236}">
+                <a16:creationId xmlns:a16="http://schemas.microsoft.com/office/drawing/2014/main" id="{540C06F4-ACAA-426E-932A-98A41B1E6E5E}"/>
+              </a:ext>
+            </a:extLst>
+          </p:cNvPr>
+          <p:cNvSpPr/>
+          <p:nvPr/>
+        </p:nvSpPr>
+        <p:spPr>
+          <a:xfrm rot="1955007">
+            <a:off x="8068014" y="2849994"/>
+            <a:ext cx="1578644" cy="584775"/>
+          </a:xfrm>
+          <a:prstGeom prst="rect">
+            <a:avLst/>
+          </a:prstGeom>
+          <a:noFill/>
+        </p:spPr>
+        <p:txBody>
+          <a:bodyPr wrap="square" lIns="91440" tIns="45720" rIns="91440" bIns="45720">
+            <a:spAutoFit/>
+          </a:bodyPr>
+          <a:lstStyle/>
+          <a:p>
+            <a:pPr algn="ctr"/>
+            <a:r>
+              <a:rPr lang="en-US" sz="1600" i="1" dirty="0">
+                <a:ln w="0"/>
+                <a:solidFill>
+                  <a:schemeClr val="accent2">
+                    <a:lumMod val="50000"/>
+                  </a:schemeClr>
+                </a:solidFill>
+                <a:effectLst>
+                  <a:outerShdw blurRad="38100" dist="19050" dir="2700000" algn="tl" rotWithShape="0">
+                    <a:schemeClr val="dk1">
+                      <a:alpha val="40000"/>
+                    </a:schemeClr>
+                  </a:outerShdw>
+                </a:effectLst>
+              </a:rPr>
+              <a:t>Client process orchestrator</a:t>
+            </a:r>
+            <a:endParaRPr lang="en-US" sz="1600" i="1" cap="none" spc="0" dirty="0">
+              <a:ln w="0"/>
+              <a:solidFill>
+                <a:schemeClr val="accent2">
+                  <a:lumMod val="50000"/>
+                </a:schemeClr>
+              </a:solidFill>
+              <a:effectLst>
+                <a:outerShdw blurRad="38100" dist="19050" dir="2700000" algn="tl" rotWithShape="0">
+                  <a:schemeClr val="dk1">
+                    <a:alpha val="40000"/>
+                  </a:schemeClr>
+                </a:outerShdw>
+              </a:effectLst>
+            </a:endParaRPr>
+          </a:p>
+        </p:txBody>
+      </p:sp>
+      <p:pic>
+        <p:nvPicPr>
+          <p:cNvPr id="43" name="Graphic 42" descr="Computer">
+            <a:extLst>
+              <a:ext uri="{FF2B5EF4-FFF2-40B4-BE49-F238E27FC236}">
+                <a16:creationId xmlns:a16="http://schemas.microsoft.com/office/drawing/2014/main" id="{3B07129F-E7AA-49A2-A9BD-C574458468C7}"/>
+              </a:ext>
+            </a:extLst>
+          </p:cNvPr>
+          <p:cNvPicPr>
+            <a:picLocks noChangeAspect="1"/>
+          </p:cNvPicPr>
+          <p:nvPr/>
+        </p:nvPicPr>
+        <p:blipFill>
+          <a:blip r:embed="rId4">
+            <a:extLst>
+              <a:ext uri="{28A0092B-C50C-407E-A947-70E740481C1C}">
+                <a14:useLocalDpi xmlns:a14="http://schemas.microsoft.com/office/drawing/2010/main" val="0"/>
+              </a:ext>
+              <a:ext uri="{96DAC541-7B7A-43D3-8B79-37D633B846F1}">
+                <asvg:svgBlip xmlns:asvg="http://schemas.microsoft.com/office/drawing/2016/SVG/main" r:embed="rId5"/>
+              </a:ext>
+            </a:extLst>
+          </a:blip>
+          <a:stretch>
+            <a:fillRect/>
+          </a:stretch>
+        </p:blipFill>
+        <p:spPr>
+          <a:xfrm>
+            <a:off x="10135163" y="4164990"/>
+            <a:ext cx="578920" cy="578920"/>
+          </a:xfrm>
+          <a:prstGeom prst="rect">
+            <a:avLst/>
+          </a:prstGeom>
+        </p:spPr>
+      </p:pic>
+      <p:pic>
+        <p:nvPicPr>
+          <p:cNvPr id="44" name="Graphic 43" descr="Call center">
+            <a:extLst>
+              <a:ext uri="{FF2B5EF4-FFF2-40B4-BE49-F238E27FC236}">
+                <a16:creationId xmlns:a16="http://schemas.microsoft.com/office/drawing/2014/main" id="{986F7D28-DE08-4CDE-ACDD-A3586D03E778}"/>
+              </a:ext>
+            </a:extLst>
+          </p:cNvPr>
+          <p:cNvPicPr>
+            <a:picLocks noChangeAspect="1"/>
+          </p:cNvPicPr>
+          <p:nvPr/>
+        </p:nvPicPr>
+        <p:blipFill>
+          <a:blip r:embed="rId22">
+            <a:extLst>
+              <a:ext uri="{28A0092B-C50C-407E-A947-70E740481C1C}">
+                <a14:useLocalDpi xmlns:a14="http://schemas.microsoft.com/office/drawing/2010/main" val="0"/>
+              </a:ext>
+              <a:ext uri="{96DAC541-7B7A-43D3-8B79-37D633B846F1}">
+                <asvg:svgBlip xmlns:asvg="http://schemas.microsoft.com/office/drawing/2016/SVG/main" r:embed="rId23"/>
+              </a:ext>
+            </a:extLst>
+          </a:blip>
+          <a:stretch>
+            <a:fillRect/>
+          </a:stretch>
+        </p:blipFill>
+        <p:spPr>
+          <a:xfrm>
+            <a:off x="10308648" y="4649938"/>
+            <a:ext cx="385129" cy="385129"/>
+          </a:xfrm>
+          <a:prstGeom prst="rect">
+            <a:avLst/>
+          </a:prstGeom>
+        </p:spPr>
+      </p:pic>
+      <p:pic>
+        <p:nvPicPr>
+          <p:cNvPr id="45" name="Graphic 44" descr="Computer">
+            <a:extLst>
+              <a:ext uri="{FF2B5EF4-FFF2-40B4-BE49-F238E27FC236}">
+                <a16:creationId xmlns:a16="http://schemas.microsoft.com/office/drawing/2014/main" id="{5831F14D-1221-42A6-BB54-F8A674B04CC2}"/>
+              </a:ext>
+            </a:extLst>
+          </p:cNvPr>
+          <p:cNvPicPr>
+            <a:picLocks noChangeAspect="1"/>
+          </p:cNvPicPr>
+          <p:nvPr/>
+        </p:nvPicPr>
+        <p:blipFill>
+          <a:blip r:embed="rId4">
+            <a:extLst>
+              <a:ext uri="{28A0092B-C50C-407E-A947-70E740481C1C}">
+                <a14:useLocalDpi xmlns:a14="http://schemas.microsoft.com/office/drawing/2010/main" val="0"/>
+              </a:ext>
+              <a:ext uri="{96DAC541-7B7A-43D3-8B79-37D633B846F1}">
+                <asvg:svgBlip xmlns:asvg="http://schemas.microsoft.com/office/drawing/2016/SVG/main" r:embed="rId5"/>
+              </a:ext>
+            </a:extLst>
+          </a:blip>
+          <a:stretch>
+            <a:fillRect/>
+          </a:stretch>
+        </p:blipFill>
+        <p:spPr>
+          <a:xfrm>
+            <a:off x="8944003" y="3642444"/>
+            <a:ext cx="903107" cy="903107"/>
+          </a:xfrm>
+          <a:prstGeom prst="rect">
+            <a:avLst/>
+          </a:prstGeom>
+        </p:spPr>
+      </p:pic>
+      <p:pic>
+        <p:nvPicPr>
+          <p:cNvPr id="46" name="Graphic 45" descr="Call center">
+            <a:extLst>
+              <a:ext uri="{FF2B5EF4-FFF2-40B4-BE49-F238E27FC236}">
+                <a16:creationId xmlns:a16="http://schemas.microsoft.com/office/drawing/2014/main" id="{A0E64ACA-3716-4678-8E5A-1D60A693D369}"/>
+              </a:ext>
+            </a:extLst>
+          </p:cNvPr>
+          <p:cNvPicPr>
+            <a:picLocks noChangeAspect="1"/>
+          </p:cNvPicPr>
+          <p:nvPr/>
+        </p:nvPicPr>
+        <p:blipFill>
+          <a:blip r:embed="rId22">
+            <a:extLst>
+              <a:ext uri="{28A0092B-C50C-407E-A947-70E740481C1C}">
+                <a14:useLocalDpi xmlns:a14="http://schemas.microsoft.com/office/drawing/2010/main" val="0"/>
+              </a:ext>
+              <a:ext uri="{96DAC541-7B7A-43D3-8B79-37D633B846F1}">
+                <asvg:svgBlip xmlns:asvg="http://schemas.microsoft.com/office/drawing/2016/SVG/main" r:embed="rId23"/>
+              </a:ext>
+            </a:extLst>
+          </a:blip>
+          <a:stretch>
+            <a:fillRect/>
+          </a:stretch>
+        </p:blipFill>
+        <p:spPr>
+          <a:xfrm>
+            <a:off x="9024738" y="4405463"/>
+            <a:ext cx="655146" cy="655146"/>
+          </a:xfrm>
+          <a:prstGeom prst="rect">
+            <a:avLst/>
+          </a:prstGeom>
+        </p:spPr>
+      </p:pic>
+      <p:pic>
+        <p:nvPicPr>
+          <p:cNvPr id="48" name="Graphic 47" descr="Computer">
+            <a:extLst>
+              <a:ext uri="{FF2B5EF4-FFF2-40B4-BE49-F238E27FC236}">
+                <a16:creationId xmlns:a16="http://schemas.microsoft.com/office/drawing/2014/main" id="{1B546026-91A6-439C-9ABF-8D280821BD0B}"/>
+              </a:ext>
+            </a:extLst>
+          </p:cNvPr>
+          <p:cNvPicPr>
+            <a:picLocks noChangeAspect="1"/>
+          </p:cNvPicPr>
+          <p:nvPr/>
+        </p:nvPicPr>
+        <p:blipFill>
+          <a:blip r:embed="rId4">
+            <a:extLst>
+              <a:ext uri="{28A0092B-C50C-407E-A947-70E740481C1C}">
+                <a14:useLocalDpi xmlns:a14="http://schemas.microsoft.com/office/drawing/2010/main" val="0"/>
+              </a:ext>
+              <a:ext uri="{96DAC541-7B7A-43D3-8B79-37D633B846F1}">
+                <asvg:svgBlip xmlns:asvg="http://schemas.microsoft.com/office/drawing/2016/SVG/main" r:embed="rId5"/>
+              </a:ext>
+            </a:extLst>
+          </a:blip>
+          <a:stretch>
+            <a:fillRect/>
+          </a:stretch>
+        </p:blipFill>
+        <p:spPr>
+          <a:xfrm>
+            <a:off x="1408713" y="4062688"/>
+            <a:ext cx="584776" cy="584776"/>
+          </a:xfrm>
+          <a:prstGeom prst="rect">
+            <a:avLst/>
+          </a:prstGeom>
+        </p:spPr>
+      </p:pic>
+      <p:pic>
+        <p:nvPicPr>
+          <p:cNvPr id="7" name="Graphic 6" descr="Female Profile">
+            <a:extLst>
+              <a:ext uri="{FF2B5EF4-FFF2-40B4-BE49-F238E27FC236}">
+                <a16:creationId xmlns:a16="http://schemas.microsoft.com/office/drawing/2014/main" id="{7D4DBED1-506B-4551-88D5-F8046E246C0C}"/>
+              </a:ext>
+            </a:extLst>
+          </p:cNvPr>
+          <p:cNvPicPr>
+            <a:picLocks noChangeAspect="1"/>
+          </p:cNvPicPr>
+          <p:nvPr/>
+        </p:nvPicPr>
+        <p:blipFill>
+          <a:blip r:embed="rId24">
+            <a:extLst>
+              <a:ext uri="{28A0092B-C50C-407E-A947-70E740481C1C}">
+                <a14:useLocalDpi xmlns:a14="http://schemas.microsoft.com/office/drawing/2010/main" val="0"/>
+              </a:ext>
+              <a:ext uri="{96DAC541-7B7A-43D3-8B79-37D633B846F1}">
+                <asvg:svgBlip xmlns:asvg="http://schemas.microsoft.com/office/drawing/2016/SVG/main" r:embed="rId25"/>
+              </a:ext>
+            </a:extLst>
+          </a:blip>
+          <a:stretch>
+            <a:fillRect/>
+          </a:stretch>
+        </p:blipFill>
+        <p:spPr>
+          <a:xfrm>
+            <a:off x="1143917" y="4578625"/>
+            <a:ext cx="599764" cy="599764"/>
+          </a:xfrm>
+          <a:prstGeom prst="rect">
+            <a:avLst/>
+          </a:prstGeom>
+        </p:spPr>
+      </p:pic>
+      <p:pic>
+        <p:nvPicPr>
+          <p:cNvPr id="50" name="Graphic 49" descr="Male profile">
+            <a:extLst>
+              <a:ext uri="{FF2B5EF4-FFF2-40B4-BE49-F238E27FC236}">
+                <a16:creationId xmlns:a16="http://schemas.microsoft.com/office/drawing/2014/main" id="{9175FD82-9008-46A1-96D8-27F6FE2B3587}"/>
+              </a:ext>
+            </a:extLst>
+          </p:cNvPr>
+          <p:cNvPicPr>
+            <a:picLocks noChangeAspect="1"/>
+          </p:cNvPicPr>
+          <p:nvPr/>
+        </p:nvPicPr>
+        <p:blipFill>
+          <a:blip r:embed="rId26">
+            <a:extLst>
+              <a:ext uri="{28A0092B-C50C-407E-A947-70E740481C1C}">
+                <a14:useLocalDpi xmlns:a14="http://schemas.microsoft.com/office/drawing/2010/main" val="0"/>
+              </a:ext>
+              <a:ext uri="{96DAC541-7B7A-43D3-8B79-37D633B846F1}">
+                <asvg:svgBlip xmlns:asvg="http://schemas.microsoft.com/office/drawing/2016/SVG/main" r:embed="rId27"/>
+              </a:ext>
+            </a:extLst>
+          </a:blip>
+          <a:stretch>
+            <a:fillRect/>
+          </a:stretch>
+        </p:blipFill>
+        <p:spPr>
+          <a:xfrm>
+            <a:off x="2263620" y="4384292"/>
+            <a:ext cx="794097" cy="794097"/>
+          </a:xfrm>
+          <a:prstGeom prst="rect">
+            <a:avLst/>
+          </a:prstGeom>
+        </p:spPr>
+      </p:pic>
+      <p:sp>
+        <p:nvSpPr>
+          <p:cNvPr id="51" name="Title 1">
+            <a:extLst>
+              <a:ext uri="{FF2B5EF4-FFF2-40B4-BE49-F238E27FC236}">
+                <a16:creationId xmlns:a16="http://schemas.microsoft.com/office/drawing/2014/main" id="{1E2CF0CC-475F-4D6C-8729-9CD67DC8F7D0}"/>
+              </a:ext>
+            </a:extLst>
+          </p:cNvPr>
+          <p:cNvSpPr>
+            <a:spLocks noGrp="1"/>
+          </p:cNvSpPr>
+          <p:nvPr>
+            <p:ph type="title"/>
+          </p:nvPr>
+        </p:nvSpPr>
+        <p:spPr>
+          <a:xfrm>
+            <a:off x="838200" y="375285"/>
+            <a:ext cx="10515600" cy="1325563"/>
+          </a:xfrm>
+        </p:spPr>
+        <p:txBody>
+          <a:bodyPr/>
+          <a:lstStyle/>
+          <a:p>
+            <a:r>
+              <a:rPr lang="en-US" dirty="0"/>
+              <a:t>Compute Components</a:t>
+            </a:r>
+          </a:p>
+        </p:txBody>
+      </p:sp>
+      <p:pic>
+        <p:nvPicPr>
+          <p:cNvPr id="52" name="Picture 51">
+            <a:extLst>
+              <a:ext uri="{FF2B5EF4-FFF2-40B4-BE49-F238E27FC236}">
+                <a16:creationId xmlns:a16="http://schemas.microsoft.com/office/drawing/2014/main" id="{9BC5C6BC-9BCD-4B55-908B-C9F0C1E93B24}"/>
+              </a:ext>
+            </a:extLst>
+          </p:cNvPr>
+          <p:cNvPicPr>
+            <a:picLocks noChangeAspect="1"/>
+          </p:cNvPicPr>
+          <p:nvPr/>
+        </p:nvPicPr>
+        <p:blipFill>
+          <a:blip r:embed="rId28"/>
+          <a:stretch>
+            <a:fillRect/>
+          </a:stretch>
+        </p:blipFill>
+        <p:spPr>
+          <a:xfrm>
+            <a:off x="11604466" y="113506"/>
+            <a:ext cx="496094" cy="496094"/>
           </a:xfrm>
           <a:prstGeom prst="rect">
             <a:avLst/>
@@ -5746,7 +8056,7 @@
     </p:spTree>
     <p:extLst>
       <p:ext uri="{BB962C8B-B14F-4D97-AF65-F5344CB8AC3E}">
-        <p14:creationId xmlns:p14="http://schemas.microsoft.com/office/powerpoint/2010/main" val="917969701"/>
+        <p14:creationId xmlns:p14="http://schemas.microsoft.com/office/powerpoint/2010/main" val="3500561082"/>
       </p:ext>
     </p:extLst>
   </p:cSld>
@@ -5773,12 +8083,225 @@
           <a:chExt cx="0" cy="0"/>
         </a:xfrm>
       </p:grpSpPr>
+      <p:sp>
+        <p:nvSpPr>
+          <p:cNvPr id="2" name="Title 1">
+            <a:extLst>
+              <a:ext uri="{FF2B5EF4-FFF2-40B4-BE49-F238E27FC236}">
+                <a16:creationId xmlns:a16="http://schemas.microsoft.com/office/drawing/2014/main" id="{3B6FA287-CFA5-4B5D-8B53-9365FF8B40A3}"/>
+              </a:ext>
+            </a:extLst>
+          </p:cNvPr>
+          <p:cNvSpPr>
+            <a:spLocks noGrp="1"/>
+          </p:cNvSpPr>
+          <p:nvPr>
+            <p:ph type="title"/>
+          </p:nvPr>
+        </p:nvSpPr>
+        <p:spPr>
+          <a:xfrm>
+            <a:off x="838200" y="375285"/>
+            <a:ext cx="10515600" cy="1325563"/>
+          </a:xfrm>
+        </p:spPr>
+        <p:txBody>
+          <a:bodyPr/>
+          <a:lstStyle/>
+          <a:p>
+            <a:r>
+              <a:rPr lang="en-US" dirty="0"/>
+              <a:t>Compute Components</a:t>
+            </a:r>
+          </a:p>
+        </p:txBody>
+      </p:sp>
+      <p:sp>
+        <p:nvSpPr>
+          <p:cNvPr id="3" name="Content Placeholder 2">
+            <a:extLst>
+              <a:ext uri="{FF2B5EF4-FFF2-40B4-BE49-F238E27FC236}">
+                <a16:creationId xmlns:a16="http://schemas.microsoft.com/office/drawing/2014/main" id="{7A83E263-F431-42D8-9AD4-3CD630EFF0D2}"/>
+              </a:ext>
+            </a:extLst>
+          </p:cNvPr>
+          <p:cNvSpPr>
+            <a:spLocks noGrp="1"/>
+          </p:cNvSpPr>
+          <p:nvPr>
+            <p:ph idx="1"/>
+          </p:nvPr>
+        </p:nvSpPr>
+        <p:spPr>
+          <a:xfrm>
+            <a:off x="838200" y="1503680"/>
+            <a:ext cx="10515600" cy="4917123"/>
+          </a:xfrm>
+        </p:spPr>
+        <p:txBody>
+          <a:bodyPr>
+            <a:normAutofit fontScale="92500" lnSpcReduction="20000"/>
+          </a:bodyPr>
+          <a:lstStyle/>
+          <a:p>
+            <a:pPr lvl="0"/>
+            <a:r>
+              <a:rPr lang="en-US" sz="2400" dirty="0"/>
+              <a:t>Doc Central</a:t>
+            </a:r>
+          </a:p>
+          <a:p>
+            <a:pPr lvl="1"/>
+            <a:r>
+              <a:rPr lang="en-US" sz="1800" dirty="0"/>
+              <a:t>Any 3</a:t>
+            </a:r>
+            <a:r>
+              <a:rPr lang="en-US" sz="1800" baseline="30000" dirty="0"/>
+              <a:t>rd</a:t>
+            </a:r>
+            <a:r>
+              <a:rPr lang="en-US" sz="1800" dirty="0"/>
+              <a:t> party content-repositories to host the published artifacts at Content Root and content-type specifications at Platform Root. Current version is designed to support Google Drive, Windows file system and WebDAV enabled storage services such as </a:t>
+            </a:r>
+            <a:r>
+              <a:rPr lang="en-US" sz="1800" dirty="0" err="1"/>
+              <a:t>Sharepoint</a:t>
+            </a:r>
+            <a:r>
+              <a:rPr lang="en-US" sz="1800" dirty="0"/>
+              <a:t>. (*</a:t>
+            </a:r>
+            <a:r>
+              <a:rPr lang="en-US" sz="1800" dirty="0" err="1"/>
+              <a:t>Sharepoint</a:t>
+            </a:r>
+            <a:r>
+              <a:rPr lang="en-US" sz="1800" dirty="0"/>
+              <a:t> validations pending).</a:t>
+            </a:r>
+          </a:p>
+          <a:p>
+            <a:pPr lvl="0"/>
+            <a:r>
+              <a:rPr lang="en-US" sz="2400" dirty="0"/>
+              <a:t>Desktop UI</a:t>
+            </a:r>
+          </a:p>
+          <a:p>
+            <a:pPr lvl="1"/>
+            <a:r>
+              <a:rPr lang="en-US" sz="1800" dirty="0"/>
+              <a:t>Allows requesters to create base templates and assign ownership to specific authors to prepare content.</a:t>
+            </a:r>
+          </a:p>
+          <a:p>
+            <a:pPr lvl="1"/>
+            <a:r>
+              <a:rPr lang="en-US" sz="1800" dirty="0"/>
+              <a:t>Allows authors to create new content, update and publish.</a:t>
+            </a:r>
+          </a:p>
+          <a:p>
+            <a:pPr lvl="1"/>
+            <a:r>
+              <a:rPr lang="en-US" sz="1800" dirty="0"/>
+              <a:t>Displays catalog of available contents to subscribe, review and collaborate.</a:t>
+            </a:r>
+          </a:p>
+          <a:p>
+            <a:pPr lvl="1"/>
+            <a:r>
+              <a:rPr lang="en-US" sz="1800" dirty="0"/>
+              <a:t>Allows authors and requestors to update status and re-assign ownership.</a:t>
+            </a:r>
+          </a:p>
+          <a:p>
+            <a:pPr lvl="0"/>
+            <a:r>
+              <a:rPr lang="en-US" sz="2400" dirty="0">
+                <a:solidFill>
+                  <a:schemeClr val="accent2">
+                    <a:lumMod val="50000"/>
+                  </a:schemeClr>
+                </a:solidFill>
+              </a:rPr>
+              <a:t>Desktop Synch-up Orchestrator</a:t>
+            </a:r>
+          </a:p>
+          <a:p>
+            <a:pPr lvl="1"/>
+            <a:r>
+              <a:rPr lang="en-US" sz="1800" dirty="0"/>
+              <a:t>Submits contents and requests Doc Central to process it.</a:t>
+            </a:r>
+          </a:p>
+          <a:p>
+            <a:pPr lvl="1"/>
+            <a:r>
+              <a:rPr lang="en-US" sz="1800" dirty="0"/>
+              <a:t>Downloads refreshed catalogs and the subscribed content from Doc Central.</a:t>
+            </a:r>
+          </a:p>
+          <a:p>
+            <a:pPr lvl="0"/>
+            <a:r>
+              <a:rPr lang="en-US" sz="2400" dirty="0">
+                <a:solidFill>
+                  <a:srgbClr val="00B050"/>
+                </a:solidFill>
+              </a:rPr>
+              <a:t>Server orchestrator</a:t>
+            </a:r>
+          </a:p>
+          <a:p>
+            <a:pPr lvl="1"/>
+            <a:r>
+              <a:rPr lang="en-US" sz="1800" dirty="0"/>
+              <a:t>Publishes </a:t>
+            </a:r>
+            <a:r>
+              <a:rPr lang="en-US" sz="1800" i="1" dirty="0"/>
+              <a:t>as is</a:t>
+            </a:r>
+            <a:r>
+              <a:rPr lang="en-US" sz="1800" dirty="0"/>
+              <a:t> or rolls up the contents received from users and extended processors.</a:t>
+            </a:r>
+          </a:p>
+          <a:p>
+            <a:pPr lvl="1"/>
+            <a:r>
+              <a:rPr lang="en-US" sz="1800" dirty="0"/>
+              <a:t>Publishes catalog via SQLite file which carries the information of content in Doc Central.</a:t>
+            </a:r>
+          </a:p>
+          <a:p>
+            <a:pPr lvl="0"/>
+            <a:r>
+              <a:rPr lang="en-US" sz="2400" dirty="0">
+                <a:solidFill>
+                  <a:srgbClr val="7030A0"/>
+                </a:solidFill>
+              </a:rPr>
+              <a:t>Extended orchestrators</a:t>
+            </a:r>
+          </a:p>
+          <a:p>
+            <a:pPr lvl="1"/>
+            <a:r>
+              <a:rPr lang="en-US" sz="1800" dirty="0"/>
+              <a:t>Transforms contents as per special business requirements.</a:t>
+            </a:r>
+          </a:p>
+        </p:txBody>
+      </p:sp>
       <p:pic>
         <p:nvPicPr>
-          <p:cNvPr id="8" name="Graphic 7" descr="Group brainstorm">
-            <a:extLst>
-              <a:ext uri="{FF2B5EF4-FFF2-40B4-BE49-F238E27FC236}">
-                <a16:creationId xmlns:a16="http://schemas.microsoft.com/office/drawing/2014/main" id="{C0CCF0F5-F03D-4E57-A3BF-A1732B8E8779}"/>
+          <p:cNvPr id="5" name="Graphic 4" descr="Robot">
+            <a:extLst>
+              <a:ext uri="{FF2B5EF4-FFF2-40B4-BE49-F238E27FC236}">
+                <a16:creationId xmlns:a16="http://schemas.microsoft.com/office/drawing/2014/main" id="{ACBDC265-2D57-4BB2-9AEB-21CA31B909FB}"/>
               </a:ext>
             </a:extLst>
           </p:cNvPr>
@@ -5788,13 +8311,13 @@
           <p:nvPr/>
         </p:nvPicPr>
         <p:blipFill>
-          <a:blip r:embed="rId2">
+          <a:blip r:embed="rId3">
             <a:extLst>
               <a:ext uri="{28A0092B-C50C-407E-A947-70E740481C1C}">
                 <a14:useLocalDpi xmlns:a14="http://schemas.microsoft.com/office/drawing/2010/main" val="0"/>
               </a:ext>
               <a:ext uri="{96DAC541-7B7A-43D3-8B79-37D633B846F1}">
-                <asvg:svgBlip xmlns:asvg="http://schemas.microsoft.com/office/drawing/2016/SVG/main" r:embed="rId3"/>
+                <asvg:svgBlip xmlns:asvg="http://schemas.microsoft.com/office/drawing/2016/SVG/main" r:embed="rId4"/>
               </a:ext>
             </a:extLst>
           </a:blip>
@@ -5804,8 +8327,8 @@
         </p:blipFill>
         <p:spPr>
           <a:xfrm>
-            <a:off x="9245775" y="4189636"/>
-            <a:ext cx="1157840" cy="1157840"/>
+            <a:off x="168312" y="3786031"/>
+            <a:ext cx="677248" cy="689320"/>
           </a:xfrm>
           <a:prstGeom prst="rect">
             <a:avLst/>
@@ -5814,10 +8337,10 @@
       </p:pic>
       <p:pic>
         <p:nvPicPr>
-          <p:cNvPr id="9" name="Graphic 8" descr="Head with gears">
-            <a:extLst>
-              <a:ext uri="{FF2B5EF4-FFF2-40B4-BE49-F238E27FC236}">
-                <a16:creationId xmlns:a16="http://schemas.microsoft.com/office/drawing/2014/main" id="{FB0BDD7E-5572-4527-B407-A9593AE666C5}"/>
+          <p:cNvPr id="6" name="Graphic 5" descr="Robot">
+            <a:extLst>
+              <a:ext uri="{FF2B5EF4-FFF2-40B4-BE49-F238E27FC236}">
+                <a16:creationId xmlns:a16="http://schemas.microsoft.com/office/drawing/2014/main" id="{75A09844-1D3F-4C64-87D3-BFEA645CFEB1}"/>
               </a:ext>
             </a:extLst>
           </p:cNvPr>
@@ -5827,13 +8350,13 @@
           <p:nvPr/>
         </p:nvPicPr>
         <p:blipFill>
-          <a:blip r:embed="rId4">
+          <a:blip r:embed="rId5">
             <a:extLst>
               <a:ext uri="{28A0092B-C50C-407E-A947-70E740481C1C}">
                 <a14:useLocalDpi xmlns:a14="http://schemas.microsoft.com/office/drawing/2010/main" val="0"/>
               </a:ext>
               <a:ext uri="{96DAC541-7B7A-43D3-8B79-37D633B846F1}">
-                <asvg:svgBlip xmlns:asvg="http://schemas.microsoft.com/office/drawing/2016/SVG/main" r:embed="rId5"/>
+                <asvg:svgBlip xmlns:asvg="http://schemas.microsoft.com/office/drawing/2016/SVG/main" r:embed="rId6"/>
               </a:ext>
             </a:extLst>
           </a:blip>
@@ -5843,8 +8366,8 @@
         </p:blipFill>
         <p:spPr>
           <a:xfrm>
-            <a:off x="1469673" y="4045930"/>
-            <a:ext cx="686624" cy="686624"/>
+            <a:off x="162711" y="4610209"/>
+            <a:ext cx="677248" cy="689320"/>
           </a:xfrm>
           <a:prstGeom prst="rect">
             <a:avLst/>
@@ -5853,10 +8376,10 @@
       </p:pic>
       <p:pic>
         <p:nvPicPr>
-          <p:cNvPr id="10" name="Graphic 9" descr="Database">
-            <a:extLst>
-              <a:ext uri="{FF2B5EF4-FFF2-40B4-BE49-F238E27FC236}">
-                <a16:creationId xmlns:a16="http://schemas.microsoft.com/office/drawing/2014/main" id="{D2D5B157-EF15-4D3A-AF30-BF32D548B06C}"/>
+          <p:cNvPr id="7" name="Graphic 6" descr="Robot">
+            <a:extLst>
+              <a:ext uri="{FF2B5EF4-FFF2-40B4-BE49-F238E27FC236}">
+                <a16:creationId xmlns:a16="http://schemas.microsoft.com/office/drawing/2014/main" id="{DBAED1F3-11A8-4494-AFFE-C037F6F4066D}"/>
               </a:ext>
             </a:extLst>
           </p:cNvPr>
@@ -5866,13 +8389,13 @@
           <p:nvPr/>
         </p:nvPicPr>
         <p:blipFill>
-          <a:blip r:embed="rId6">
+          <a:blip r:embed="rId7">
             <a:extLst>
               <a:ext uri="{28A0092B-C50C-407E-A947-70E740481C1C}">
                 <a14:useLocalDpi xmlns:a14="http://schemas.microsoft.com/office/drawing/2010/main" val="0"/>
               </a:ext>
               <a:ext uri="{96DAC541-7B7A-43D3-8B79-37D633B846F1}">
-                <asvg:svgBlip xmlns:asvg="http://schemas.microsoft.com/office/drawing/2016/SVG/main" r:embed="rId7"/>
+                <asvg:svgBlip xmlns:asvg="http://schemas.microsoft.com/office/drawing/2016/SVG/main" r:embed="rId8"/>
               </a:ext>
             </a:extLst>
           </a:blip>
@@ -5882,8 +8405,8 @@
         </p:blipFill>
         <p:spPr>
           <a:xfrm>
-            <a:off x="6424667" y="1694625"/>
-            <a:ext cx="779592" cy="779592"/>
+            <a:off x="147992" y="5436358"/>
+            <a:ext cx="677248" cy="689320"/>
           </a:xfrm>
           <a:prstGeom prst="rect">
             <a:avLst/>
@@ -5892,10 +8415,10 @@
       </p:pic>
       <p:pic>
         <p:nvPicPr>
-          <p:cNvPr id="11" name="Graphic 10" descr="Gauge">
-            <a:extLst>
-              <a:ext uri="{FF2B5EF4-FFF2-40B4-BE49-F238E27FC236}">
-                <a16:creationId xmlns:a16="http://schemas.microsoft.com/office/drawing/2014/main" id="{06217833-E252-414B-AB96-DCC2080AD9ED}"/>
+          <p:cNvPr id="8" name="Graphic 7" descr="Database">
+            <a:extLst>
+              <a:ext uri="{FF2B5EF4-FFF2-40B4-BE49-F238E27FC236}">
+                <a16:creationId xmlns:a16="http://schemas.microsoft.com/office/drawing/2014/main" id="{E95F46FA-5E76-42A5-B4D0-62BD4DB50F89}"/>
               </a:ext>
             </a:extLst>
           </p:cNvPr>
@@ -5905,13 +8428,13 @@
           <p:nvPr/>
         </p:nvPicPr>
         <p:blipFill>
-          <a:blip r:embed="rId8">
+          <a:blip r:embed="rId9">
             <a:extLst>
               <a:ext uri="{28A0092B-C50C-407E-A947-70E740481C1C}">
                 <a14:useLocalDpi xmlns:a14="http://schemas.microsoft.com/office/drawing/2010/main" val="0"/>
               </a:ext>
               <a:ext uri="{96DAC541-7B7A-43D3-8B79-37D633B846F1}">
-                <asvg:svgBlip xmlns:asvg="http://schemas.microsoft.com/office/drawing/2016/SVG/main" r:embed="rId9"/>
+                <asvg:svgBlip xmlns:asvg="http://schemas.microsoft.com/office/drawing/2016/SVG/main" r:embed="rId10"/>
               </a:ext>
             </a:extLst>
           </a:blip>
@@ -5921,8 +8444,8 @@
         </p:blipFill>
         <p:spPr>
           <a:xfrm>
-            <a:off x="1805550" y="3564785"/>
-            <a:ext cx="400386" cy="480058"/>
+            <a:off x="707851" y="2045405"/>
+            <a:ext cx="352099" cy="352099"/>
           </a:xfrm>
           <a:prstGeom prst="rect">
             <a:avLst/>
@@ -5931,10 +8454,10 @@
       </p:pic>
       <p:pic>
         <p:nvPicPr>
-          <p:cNvPr id="12" name="Graphic 11" descr="Computer">
-            <a:extLst>
-              <a:ext uri="{FF2B5EF4-FFF2-40B4-BE49-F238E27FC236}">
-                <a16:creationId xmlns:a16="http://schemas.microsoft.com/office/drawing/2014/main" id="{9BBC15E0-E371-4359-9510-0B60914FE9D6}"/>
+          <p:cNvPr id="9" name="Graphic 8" descr="Cloud Computing">
+            <a:extLst>
+              <a:ext uri="{FF2B5EF4-FFF2-40B4-BE49-F238E27FC236}">
+                <a16:creationId xmlns:a16="http://schemas.microsoft.com/office/drawing/2014/main" id="{58FE2A9D-2778-488E-A7CE-A267FECD0172}"/>
               </a:ext>
             </a:extLst>
           </p:cNvPr>
@@ -5944,13 +8467,13 @@
           <p:nvPr/>
         </p:nvPicPr>
         <p:blipFill>
-          <a:blip r:embed="rId10">
+          <a:blip r:embed="rId11">
             <a:extLst>
               <a:ext uri="{28A0092B-C50C-407E-A947-70E740481C1C}">
                 <a14:useLocalDpi xmlns:a14="http://schemas.microsoft.com/office/drawing/2010/main" val="0"/>
               </a:ext>
               <a:ext uri="{96DAC541-7B7A-43D3-8B79-37D633B846F1}">
-                <asvg:svgBlip xmlns:asvg="http://schemas.microsoft.com/office/drawing/2016/SVG/main" r:embed="rId11"/>
+                <asvg:svgBlip xmlns:asvg="http://schemas.microsoft.com/office/drawing/2016/SVG/main" r:embed="rId12"/>
               </a:ext>
             </a:extLst>
           </a:blip>
@@ -5960,8 +8483,8 @@
         </p:blipFill>
         <p:spPr>
           <a:xfrm>
-            <a:off x="3724862" y="4544120"/>
-            <a:ext cx="1157840" cy="1157840"/>
+            <a:off x="166399" y="1685602"/>
+            <a:ext cx="689321" cy="689321"/>
           </a:xfrm>
           <a:prstGeom prst="rect">
             <a:avLst/>
@@ -5970,10 +8493,10 @@
       </p:pic>
       <p:pic>
         <p:nvPicPr>
-          <p:cNvPr id="13" name="Graphic 12" descr="Robot">
-            <a:extLst>
-              <a:ext uri="{FF2B5EF4-FFF2-40B4-BE49-F238E27FC236}">
-                <a16:creationId xmlns:a16="http://schemas.microsoft.com/office/drawing/2014/main" id="{A391CD8E-1991-49A9-A4FF-23B560A5B2DB}"/>
+          <p:cNvPr id="10" name="Graphic 9" descr="Computer">
+            <a:extLst>
+              <a:ext uri="{FF2B5EF4-FFF2-40B4-BE49-F238E27FC236}">
+                <a16:creationId xmlns:a16="http://schemas.microsoft.com/office/drawing/2014/main" id="{C04106BF-E980-487C-BB51-BABF38A34318}"/>
               </a:ext>
             </a:extLst>
           </p:cNvPr>
@@ -5983,13 +8506,13 @@
           <p:nvPr/>
         </p:nvPicPr>
         <p:blipFill>
-          <a:blip r:embed="rId12">
+          <a:blip r:embed="rId13">
             <a:extLst>
               <a:ext uri="{28A0092B-C50C-407E-A947-70E740481C1C}">
                 <a14:useLocalDpi xmlns:a14="http://schemas.microsoft.com/office/drawing/2010/main" val="0"/>
               </a:ext>
               <a:ext uri="{96DAC541-7B7A-43D3-8B79-37D633B846F1}">
-                <asvg:svgBlip xmlns:asvg="http://schemas.microsoft.com/office/drawing/2016/SVG/main" r:embed="rId13"/>
+                <asvg:svgBlip xmlns:asvg="http://schemas.microsoft.com/office/drawing/2016/SVG/main" r:embed="rId14"/>
               </a:ext>
             </a:extLst>
           </a:blip>
@@ -5999,8 +8522,8 @@
         </p:blipFill>
         <p:spPr>
           <a:xfrm>
-            <a:off x="3292177" y="2564438"/>
-            <a:ext cx="910605" cy="910605"/>
+            <a:off x="249592" y="2865848"/>
+            <a:ext cx="574259" cy="574258"/>
           </a:xfrm>
           <a:prstGeom prst="rect">
             <a:avLst/>
@@ -6009,10 +8532,10 @@
       </p:pic>
       <p:pic>
         <p:nvPicPr>
-          <p:cNvPr id="14" name="Graphic 13" descr="Computer">
-            <a:extLst>
-              <a:ext uri="{FF2B5EF4-FFF2-40B4-BE49-F238E27FC236}">
-                <a16:creationId xmlns:a16="http://schemas.microsoft.com/office/drawing/2014/main" id="{5FBA1ACE-631D-4AEA-8256-904E8A7C38D1}"/>
+          <p:cNvPr id="12" name="Picture 11">
+            <a:extLst>
+              <a:ext uri="{FF2B5EF4-FFF2-40B4-BE49-F238E27FC236}">
+                <a16:creationId xmlns:a16="http://schemas.microsoft.com/office/drawing/2014/main" id="{BB843FA8-DCFD-4C27-B0E9-0ACECB5E7547}"/>
               </a:ext>
             </a:extLst>
           </p:cNvPr>
@@ -6022,24 +8545,15 @@
           <p:nvPr/>
         </p:nvPicPr>
         <p:blipFill>
-          <a:blip r:embed="rId10">
-            <a:extLst>
-              <a:ext uri="{28A0092B-C50C-407E-A947-70E740481C1C}">
-                <a14:useLocalDpi xmlns:a14="http://schemas.microsoft.com/office/drawing/2010/main" val="0"/>
-              </a:ext>
-              <a:ext uri="{96DAC541-7B7A-43D3-8B79-37D633B846F1}">
-                <asvg:svgBlip xmlns:asvg="http://schemas.microsoft.com/office/drawing/2016/SVG/main" r:embed="rId11"/>
-              </a:ext>
-            </a:extLst>
-          </a:blip>
+          <a:blip r:embed="rId15"/>
           <a:stretch>
             <a:fillRect/>
           </a:stretch>
         </p:blipFill>
         <p:spPr>
           <a:xfrm>
-            <a:off x="2293062" y="3343100"/>
-            <a:ext cx="1157840" cy="1157840"/>
+            <a:off x="8357870" y="3025651"/>
+            <a:ext cx="3742690" cy="1993555"/>
           </a:xfrm>
           <a:prstGeom prst="rect">
             <a:avLst/>
@@ -6048,10 +8562,10 @@
       </p:pic>
       <p:pic>
         <p:nvPicPr>
-          <p:cNvPr id="15" name="Graphic 14" descr="Gears">
-            <a:extLst>
-              <a:ext uri="{FF2B5EF4-FFF2-40B4-BE49-F238E27FC236}">
-                <a16:creationId xmlns:a16="http://schemas.microsoft.com/office/drawing/2014/main" id="{2CF462CD-3767-493C-9038-FBDAA14873B6}"/>
+          <p:cNvPr id="14" name="Picture 13">
+            <a:extLst>
+              <a:ext uri="{FF2B5EF4-FFF2-40B4-BE49-F238E27FC236}">
+                <a16:creationId xmlns:a16="http://schemas.microsoft.com/office/drawing/2014/main" id="{6117726B-DA79-4E89-B385-79721A0929E6}"/>
               </a:ext>
             </a:extLst>
           </p:cNvPr>
@@ -6061,1007 +8575,25 @@
           <p:nvPr/>
         </p:nvPicPr>
         <p:blipFill>
-          <a:blip r:embed="rId14">
-            <a:extLst>
-              <a:ext uri="{28A0092B-C50C-407E-A947-70E740481C1C}">
-                <a14:useLocalDpi xmlns:a14="http://schemas.microsoft.com/office/drawing/2010/main" val="0"/>
-              </a:ext>
-              <a:ext uri="{96DAC541-7B7A-43D3-8B79-37D633B846F1}">
-                <asvg:svgBlip xmlns:asvg="http://schemas.microsoft.com/office/drawing/2016/SVG/main" r:embed="rId15"/>
-              </a:ext>
-            </a:extLst>
-          </a:blip>
+          <a:blip r:embed="rId16"/>
           <a:stretch>
             <a:fillRect/>
           </a:stretch>
         </p:blipFill>
         <p:spPr>
           <a:xfrm>
-            <a:off x="3046325" y="2845797"/>
-            <a:ext cx="491703" cy="491703"/>
+            <a:off x="11604466" y="113506"/>
+            <a:ext cx="496094" cy="496094"/>
           </a:xfrm>
           <a:prstGeom prst="rect">
             <a:avLst/>
           </a:prstGeom>
         </p:spPr>
       </p:pic>
-      <p:pic>
-        <p:nvPicPr>
-          <p:cNvPr id="16" name="Graphic 15" descr="Transfer">
-            <a:extLst>
-              <a:ext uri="{FF2B5EF4-FFF2-40B4-BE49-F238E27FC236}">
-                <a16:creationId xmlns:a16="http://schemas.microsoft.com/office/drawing/2014/main" id="{2ADA4EF5-7511-4A0D-84F9-8D0E34103367}"/>
-              </a:ext>
-            </a:extLst>
-          </p:cNvPr>
-          <p:cNvPicPr>
-            <a:picLocks noChangeAspect="1"/>
-          </p:cNvPicPr>
-          <p:nvPr/>
-        </p:nvPicPr>
-        <p:blipFill>
-          <a:blip r:embed="rId16">
-            <a:extLst>
-              <a:ext uri="{28A0092B-C50C-407E-A947-70E740481C1C}">
-                <a14:useLocalDpi xmlns:a14="http://schemas.microsoft.com/office/drawing/2010/main" val="0"/>
-              </a:ext>
-              <a:ext uri="{96DAC541-7B7A-43D3-8B79-37D633B846F1}">
-                <asvg:svgBlip xmlns:asvg="http://schemas.microsoft.com/office/drawing/2016/SVG/main" r:embed="rId17"/>
-              </a:ext>
-            </a:extLst>
-          </a:blip>
-          <a:stretch>
-            <a:fillRect/>
-          </a:stretch>
-        </p:blipFill>
-        <p:spPr>
-          <a:xfrm rot="19707105">
-            <a:off x="4123809" y="2273136"/>
-            <a:ext cx="1087087" cy="460956"/>
-          </a:xfrm>
-          <a:prstGeom prst="rect">
-            <a:avLst/>
-          </a:prstGeom>
-        </p:spPr>
-      </p:pic>
-      <p:pic>
-        <p:nvPicPr>
-          <p:cNvPr id="17" name="Graphic 16" descr="Transfer">
-            <a:extLst>
-              <a:ext uri="{FF2B5EF4-FFF2-40B4-BE49-F238E27FC236}">
-                <a16:creationId xmlns:a16="http://schemas.microsoft.com/office/drawing/2014/main" id="{5CD5BBCC-1133-43B9-8062-DEEA04CB4A99}"/>
-              </a:ext>
-            </a:extLst>
-          </p:cNvPr>
-          <p:cNvPicPr>
-            <a:picLocks noChangeAspect="1"/>
-          </p:cNvPicPr>
-          <p:nvPr/>
-        </p:nvPicPr>
-        <p:blipFill>
-          <a:blip r:embed="rId16">
-            <a:extLst>
-              <a:ext uri="{28A0092B-C50C-407E-A947-70E740481C1C}">
-                <a14:useLocalDpi xmlns:a14="http://schemas.microsoft.com/office/drawing/2010/main" val="0"/>
-              </a:ext>
-              <a:ext uri="{96DAC541-7B7A-43D3-8B79-37D633B846F1}">
-                <asvg:svgBlip xmlns:asvg="http://schemas.microsoft.com/office/drawing/2016/SVG/main" r:embed="rId17"/>
-              </a:ext>
-            </a:extLst>
-          </a:blip>
-          <a:stretch>
-            <a:fillRect/>
-          </a:stretch>
-        </p:blipFill>
-        <p:spPr>
-          <a:xfrm rot="4116200">
-            <a:off x="6051188" y="3301746"/>
-            <a:ext cx="1195636" cy="460956"/>
-          </a:xfrm>
-          <a:prstGeom prst="rect">
-            <a:avLst/>
-          </a:prstGeom>
-        </p:spPr>
-      </p:pic>
-      <p:pic>
-        <p:nvPicPr>
-          <p:cNvPr id="18" name="Graphic 17" descr="Transfer">
-            <a:extLst>
-              <a:ext uri="{FF2B5EF4-FFF2-40B4-BE49-F238E27FC236}">
-                <a16:creationId xmlns:a16="http://schemas.microsoft.com/office/drawing/2014/main" id="{2D34338C-E596-4762-AFA1-6680C72F8DC8}"/>
-              </a:ext>
-            </a:extLst>
-          </p:cNvPr>
-          <p:cNvPicPr>
-            <a:picLocks noChangeAspect="1"/>
-          </p:cNvPicPr>
-          <p:nvPr/>
-        </p:nvPicPr>
-        <p:blipFill>
-          <a:blip r:embed="rId16">
-            <a:extLst>
-              <a:ext uri="{28A0092B-C50C-407E-A947-70E740481C1C}">
-                <a14:useLocalDpi xmlns:a14="http://schemas.microsoft.com/office/drawing/2010/main" val="0"/>
-              </a:ext>
-              <a:ext uri="{96DAC541-7B7A-43D3-8B79-37D633B846F1}">
-                <asvg:svgBlip xmlns:asvg="http://schemas.microsoft.com/office/drawing/2016/SVG/main" r:embed="rId17"/>
-              </a:ext>
-            </a:extLst>
-          </a:blip>
-          <a:stretch>
-            <a:fillRect/>
-          </a:stretch>
-        </p:blipFill>
-        <p:spPr>
-          <a:xfrm rot="12647292">
-            <a:off x="7375589" y="2682131"/>
-            <a:ext cx="892050" cy="460956"/>
-          </a:xfrm>
-          <a:prstGeom prst="rect">
-            <a:avLst/>
-          </a:prstGeom>
-        </p:spPr>
-      </p:pic>
-      <p:pic>
-        <p:nvPicPr>
-          <p:cNvPr id="19" name="Graphic 18" descr="Computer">
-            <a:extLst>
-              <a:ext uri="{FF2B5EF4-FFF2-40B4-BE49-F238E27FC236}">
-                <a16:creationId xmlns:a16="http://schemas.microsoft.com/office/drawing/2014/main" id="{A860B149-8905-48A9-B088-786B188E10F2}"/>
-              </a:ext>
-            </a:extLst>
-          </p:cNvPr>
-          <p:cNvPicPr>
-            <a:picLocks noChangeAspect="1"/>
-          </p:cNvPicPr>
-          <p:nvPr/>
-        </p:nvPicPr>
-        <p:blipFill>
-          <a:blip r:embed="rId10">
-            <a:extLst>
-              <a:ext uri="{28A0092B-C50C-407E-A947-70E740481C1C}">
-                <a14:useLocalDpi xmlns:a14="http://schemas.microsoft.com/office/drawing/2010/main" val="0"/>
-              </a:ext>
-              <a:ext uri="{96DAC541-7B7A-43D3-8B79-37D633B846F1}">
-                <asvg:svgBlip xmlns:asvg="http://schemas.microsoft.com/office/drawing/2016/SVG/main" r:embed="rId11"/>
-              </a:ext>
-            </a:extLst>
-          </a:blip>
-          <a:stretch>
-            <a:fillRect/>
-          </a:stretch>
-        </p:blipFill>
-        <p:spPr>
-          <a:xfrm>
-            <a:off x="8930660" y="3185960"/>
-            <a:ext cx="1157840" cy="1157840"/>
-          </a:xfrm>
-          <a:prstGeom prst="rect">
-            <a:avLst/>
-          </a:prstGeom>
-        </p:spPr>
-      </p:pic>
-      <p:pic>
-        <p:nvPicPr>
-          <p:cNvPr id="20" name="Graphic 19" descr="Cloud Computing">
-            <a:extLst>
-              <a:ext uri="{FF2B5EF4-FFF2-40B4-BE49-F238E27FC236}">
-                <a16:creationId xmlns:a16="http://schemas.microsoft.com/office/drawing/2014/main" id="{1B898C7C-8957-4317-B54A-CCE3F3C4F5CF}"/>
-              </a:ext>
-            </a:extLst>
-          </p:cNvPr>
-          <p:cNvPicPr>
-            <a:picLocks noChangeAspect="1"/>
-          </p:cNvPicPr>
-          <p:nvPr/>
-        </p:nvPicPr>
-        <p:blipFill>
-          <a:blip r:embed="rId18">
-            <a:extLst>
-              <a:ext uri="{28A0092B-C50C-407E-A947-70E740481C1C}">
-                <a14:useLocalDpi xmlns:a14="http://schemas.microsoft.com/office/drawing/2010/main" val="0"/>
-              </a:ext>
-              <a:ext uri="{96DAC541-7B7A-43D3-8B79-37D633B846F1}">
-                <asvg:svgBlip xmlns:asvg="http://schemas.microsoft.com/office/drawing/2016/SVG/main" r:embed="rId19"/>
-              </a:ext>
-            </a:extLst>
-          </a:blip>
-          <a:stretch>
-            <a:fillRect/>
-          </a:stretch>
-        </p:blipFill>
-        <p:spPr>
-          <a:xfrm>
-            <a:off x="5420349" y="1208412"/>
-            <a:ext cx="1297636" cy="1297636"/>
-          </a:xfrm>
-          <a:prstGeom prst="rect">
-            <a:avLst/>
-          </a:prstGeom>
-        </p:spPr>
-      </p:pic>
-      <p:pic>
-        <p:nvPicPr>
-          <p:cNvPr id="21" name="Graphic 20" descr="Robot">
-            <a:extLst>
-              <a:ext uri="{FF2B5EF4-FFF2-40B4-BE49-F238E27FC236}">
-                <a16:creationId xmlns:a16="http://schemas.microsoft.com/office/drawing/2014/main" id="{43461E7A-D321-44CD-80AF-CABE9F54B26D}"/>
-              </a:ext>
-            </a:extLst>
-          </p:cNvPr>
-          <p:cNvPicPr>
-            <a:picLocks noChangeAspect="1"/>
-          </p:cNvPicPr>
-          <p:nvPr/>
-        </p:nvPicPr>
-        <p:blipFill>
-          <a:blip r:embed="rId12">
-            <a:extLst>
-              <a:ext uri="{28A0092B-C50C-407E-A947-70E740481C1C}">
-                <a14:useLocalDpi xmlns:a14="http://schemas.microsoft.com/office/drawing/2010/main" val="0"/>
-              </a:ext>
-              <a:ext uri="{96DAC541-7B7A-43D3-8B79-37D633B846F1}">
-                <asvg:svgBlip xmlns:asvg="http://schemas.microsoft.com/office/drawing/2016/SVG/main" r:embed="rId13"/>
-              </a:ext>
-            </a:extLst>
-          </a:blip>
-          <a:stretch>
-            <a:fillRect/>
-          </a:stretch>
-        </p:blipFill>
-        <p:spPr>
-          <a:xfrm>
-            <a:off x="3634740" y="4862352"/>
-            <a:ext cx="910605" cy="910605"/>
-          </a:xfrm>
-          <a:prstGeom prst="rect">
-            <a:avLst/>
-          </a:prstGeom>
-        </p:spPr>
-      </p:pic>
-      <p:pic>
-        <p:nvPicPr>
-          <p:cNvPr id="22" name="Graphic 21" descr="Gears">
-            <a:extLst>
-              <a:ext uri="{FF2B5EF4-FFF2-40B4-BE49-F238E27FC236}">
-                <a16:creationId xmlns:a16="http://schemas.microsoft.com/office/drawing/2014/main" id="{7A8956FE-5609-42D1-8A64-28A059B72E4B}"/>
-              </a:ext>
-            </a:extLst>
-          </p:cNvPr>
-          <p:cNvPicPr>
-            <a:picLocks noChangeAspect="1"/>
-          </p:cNvPicPr>
-          <p:nvPr/>
-        </p:nvPicPr>
-        <p:blipFill>
-          <a:blip r:embed="rId14">
-            <a:extLst>
-              <a:ext uri="{28A0092B-C50C-407E-A947-70E740481C1C}">
-                <a14:useLocalDpi xmlns:a14="http://schemas.microsoft.com/office/drawing/2010/main" val="0"/>
-              </a:ext>
-              <a:ext uri="{96DAC541-7B7A-43D3-8B79-37D633B846F1}">
-                <asvg:svgBlip xmlns:asvg="http://schemas.microsoft.com/office/drawing/2016/SVG/main" r:embed="rId15"/>
-              </a:ext>
-            </a:extLst>
-          </a:blip>
-          <a:stretch>
-            <a:fillRect/>
-          </a:stretch>
-        </p:blipFill>
-        <p:spPr>
-          <a:xfrm>
-            <a:off x="4242465" y="4301110"/>
-            <a:ext cx="491703" cy="491703"/>
-          </a:xfrm>
-          <a:prstGeom prst="rect">
-            <a:avLst/>
-          </a:prstGeom>
-        </p:spPr>
-      </p:pic>
-      <p:pic>
-        <p:nvPicPr>
-          <p:cNvPr id="23" name="Graphic 22" descr="Transfer">
-            <a:extLst>
-              <a:ext uri="{FF2B5EF4-FFF2-40B4-BE49-F238E27FC236}">
-                <a16:creationId xmlns:a16="http://schemas.microsoft.com/office/drawing/2014/main" id="{BF2FA6BA-CBDE-4AED-82CA-003FEDEEF999}"/>
-              </a:ext>
-            </a:extLst>
-          </p:cNvPr>
-          <p:cNvPicPr>
-            <a:picLocks noChangeAspect="1"/>
-          </p:cNvPicPr>
-          <p:nvPr/>
-        </p:nvPicPr>
-        <p:blipFill>
-          <a:blip r:embed="rId16">
-            <a:extLst>
-              <a:ext uri="{28A0092B-C50C-407E-A947-70E740481C1C}">
-                <a14:useLocalDpi xmlns:a14="http://schemas.microsoft.com/office/drawing/2010/main" val="0"/>
-              </a:ext>
-              <a:ext uri="{96DAC541-7B7A-43D3-8B79-37D633B846F1}">
-                <asvg:svgBlip xmlns:asvg="http://schemas.microsoft.com/office/drawing/2016/SVG/main" r:embed="rId17"/>
-              </a:ext>
-            </a:extLst>
-          </a:blip>
-          <a:stretch>
-            <a:fillRect/>
-          </a:stretch>
-        </p:blipFill>
-        <p:spPr>
-          <a:xfrm rot="18036836">
-            <a:off x="4508039" y="3258224"/>
-            <a:ext cx="1216002" cy="460956"/>
-          </a:xfrm>
-          <a:prstGeom prst="rect">
-            <a:avLst/>
-          </a:prstGeom>
-        </p:spPr>
-      </p:pic>
-      <p:pic>
-        <p:nvPicPr>
-          <p:cNvPr id="24" name="Graphic 23" descr="Computer">
-            <a:extLst>
-              <a:ext uri="{FF2B5EF4-FFF2-40B4-BE49-F238E27FC236}">
-                <a16:creationId xmlns:a16="http://schemas.microsoft.com/office/drawing/2014/main" id="{36CFC7F1-75E1-47B6-8EF7-DF80EA1B4E25}"/>
-              </a:ext>
-            </a:extLst>
-          </p:cNvPr>
-          <p:cNvPicPr>
-            <a:picLocks noChangeAspect="1"/>
-          </p:cNvPicPr>
-          <p:nvPr/>
-        </p:nvPicPr>
-        <p:blipFill>
-          <a:blip r:embed="rId10">
-            <a:extLst>
-              <a:ext uri="{28A0092B-C50C-407E-A947-70E740481C1C}">
-                <a14:useLocalDpi xmlns:a14="http://schemas.microsoft.com/office/drawing/2010/main" val="0"/>
-              </a:ext>
-              <a:ext uri="{96DAC541-7B7A-43D3-8B79-37D633B846F1}">
-                <asvg:svgBlip xmlns:asvg="http://schemas.microsoft.com/office/drawing/2016/SVG/main" r:embed="rId11"/>
-              </a:ext>
-            </a:extLst>
-          </a:blip>
-          <a:stretch>
-            <a:fillRect/>
-          </a:stretch>
-        </p:blipFill>
-        <p:spPr>
-          <a:xfrm>
-            <a:off x="6669093" y="4572364"/>
-            <a:ext cx="1157840" cy="1157840"/>
-          </a:xfrm>
-          <a:prstGeom prst="rect">
-            <a:avLst/>
-          </a:prstGeom>
-        </p:spPr>
-      </p:pic>
-      <p:pic>
-        <p:nvPicPr>
-          <p:cNvPr id="25" name="Graphic 24" descr="Robot">
-            <a:extLst>
-              <a:ext uri="{FF2B5EF4-FFF2-40B4-BE49-F238E27FC236}">
-                <a16:creationId xmlns:a16="http://schemas.microsoft.com/office/drawing/2014/main" id="{5E7FA51A-BA01-4AC7-8B1F-BFDAE988AA63}"/>
-              </a:ext>
-            </a:extLst>
-          </p:cNvPr>
-          <p:cNvPicPr>
-            <a:picLocks noChangeAspect="1"/>
-          </p:cNvPicPr>
-          <p:nvPr/>
-        </p:nvPicPr>
-        <p:blipFill>
-          <a:blip r:embed="rId12">
-            <a:extLst>
-              <a:ext uri="{28A0092B-C50C-407E-A947-70E740481C1C}">
-                <a14:useLocalDpi xmlns:a14="http://schemas.microsoft.com/office/drawing/2010/main" val="0"/>
-              </a:ext>
-              <a:ext uri="{96DAC541-7B7A-43D3-8B79-37D633B846F1}">
-                <asvg:svgBlip xmlns:asvg="http://schemas.microsoft.com/office/drawing/2016/SVG/main" r:embed="rId13"/>
-              </a:ext>
-            </a:extLst>
-          </a:blip>
-          <a:stretch>
-            <a:fillRect/>
-          </a:stretch>
-        </p:blipFill>
-        <p:spPr>
-          <a:xfrm>
-            <a:off x="6578971" y="4890596"/>
-            <a:ext cx="910605" cy="910605"/>
-          </a:xfrm>
-          <a:prstGeom prst="rect">
-            <a:avLst/>
-          </a:prstGeom>
-        </p:spPr>
-      </p:pic>
-      <p:pic>
-        <p:nvPicPr>
-          <p:cNvPr id="26" name="Graphic 25" descr="Gears">
-            <a:extLst>
-              <a:ext uri="{FF2B5EF4-FFF2-40B4-BE49-F238E27FC236}">
-                <a16:creationId xmlns:a16="http://schemas.microsoft.com/office/drawing/2014/main" id="{9A0CBF7B-7943-4E97-999F-90A880A07A50}"/>
-              </a:ext>
-            </a:extLst>
-          </p:cNvPr>
-          <p:cNvPicPr>
-            <a:picLocks noChangeAspect="1"/>
-          </p:cNvPicPr>
-          <p:nvPr/>
-        </p:nvPicPr>
-        <p:blipFill>
-          <a:blip r:embed="rId14">
-            <a:extLst>
-              <a:ext uri="{28A0092B-C50C-407E-A947-70E740481C1C}">
-                <a14:useLocalDpi xmlns:a14="http://schemas.microsoft.com/office/drawing/2010/main" val="0"/>
-              </a:ext>
-              <a:ext uri="{96DAC541-7B7A-43D3-8B79-37D633B846F1}">
-                <asvg:svgBlip xmlns:asvg="http://schemas.microsoft.com/office/drawing/2016/SVG/main" r:embed="rId15"/>
-              </a:ext>
-            </a:extLst>
-          </a:blip>
-          <a:stretch>
-            <a:fillRect/>
-          </a:stretch>
-        </p:blipFill>
-        <p:spPr>
-          <a:xfrm rot="19003372">
-            <a:off x="6732512" y="4297215"/>
-            <a:ext cx="491703" cy="491703"/>
-          </a:xfrm>
-          <a:prstGeom prst="rect">
-            <a:avLst/>
-          </a:prstGeom>
-        </p:spPr>
-      </p:pic>
-      <p:pic>
-        <p:nvPicPr>
-          <p:cNvPr id="27" name="Graphic 26" descr="Robot">
-            <a:extLst>
-              <a:ext uri="{FF2B5EF4-FFF2-40B4-BE49-F238E27FC236}">
-                <a16:creationId xmlns:a16="http://schemas.microsoft.com/office/drawing/2014/main" id="{56581128-3506-4BA7-8372-7AFC9BB0DACF}"/>
-              </a:ext>
-            </a:extLst>
-          </p:cNvPr>
-          <p:cNvPicPr>
-            <a:picLocks noChangeAspect="1"/>
-          </p:cNvPicPr>
-          <p:nvPr/>
-        </p:nvPicPr>
-        <p:blipFill>
-          <a:blip r:embed="rId12">
-            <a:extLst>
-              <a:ext uri="{28A0092B-C50C-407E-A947-70E740481C1C}">
-                <a14:useLocalDpi xmlns:a14="http://schemas.microsoft.com/office/drawing/2010/main" val="0"/>
-              </a:ext>
-              <a:ext uri="{96DAC541-7B7A-43D3-8B79-37D633B846F1}">
-                <asvg:svgBlip xmlns:asvg="http://schemas.microsoft.com/office/drawing/2016/SVG/main" r:embed="rId13"/>
-              </a:ext>
-            </a:extLst>
-          </a:blip>
-          <a:stretch>
-            <a:fillRect/>
-          </a:stretch>
-        </p:blipFill>
-        <p:spPr>
-          <a:xfrm flipH="1">
-            <a:off x="7914100" y="3396913"/>
-            <a:ext cx="884748" cy="910605"/>
-          </a:xfrm>
-          <a:prstGeom prst="rect">
-            <a:avLst/>
-          </a:prstGeom>
-        </p:spPr>
-      </p:pic>
-      <p:pic>
-        <p:nvPicPr>
-          <p:cNvPr id="28" name="Graphic 27" descr="Gears">
-            <a:extLst>
-              <a:ext uri="{FF2B5EF4-FFF2-40B4-BE49-F238E27FC236}">
-                <a16:creationId xmlns:a16="http://schemas.microsoft.com/office/drawing/2014/main" id="{C2DC27F4-FC31-4314-BF88-C62E00834792}"/>
-              </a:ext>
-            </a:extLst>
-          </p:cNvPr>
-          <p:cNvPicPr>
-            <a:picLocks noChangeAspect="1"/>
-          </p:cNvPicPr>
-          <p:nvPr/>
-        </p:nvPicPr>
-        <p:blipFill>
-          <a:blip r:embed="rId14">
-            <a:extLst>
-              <a:ext uri="{28A0092B-C50C-407E-A947-70E740481C1C}">
-                <a14:useLocalDpi xmlns:a14="http://schemas.microsoft.com/office/drawing/2010/main" val="0"/>
-              </a:ext>
-              <a:ext uri="{96DAC541-7B7A-43D3-8B79-37D633B846F1}">
-                <asvg:svgBlip xmlns:asvg="http://schemas.microsoft.com/office/drawing/2016/SVG/main" r:embed="rId15"/>
-              </a:ext>
-            </a:extLst>
-          </a:blip>
-          <a:stretch>
-            <a:fillRect/>
-          </a:stretch>
-        </p:blipFill>
-        <p:spPr>
-          <a:xfrm>
-            <a:off x="8353428" y="3151061"/>
-            <a:ext cx="494052" cy="491703"/>
-          </a:xfrm>
-          <a:prstGeom prst="rect">
-            <a:avLst/>
-          </a:prstGeom>
-        </p:spPr>
-      </p:pic>
-      <p:sp>
-        <p:nvSpPr>
-          <p:cNvPr id="29" name="Rectangle 28">
-            <a:extLst>
-              <a:ext uri="{FF2B5EF4-FFF2-40B4-BE49-F238E27FC236}">
-                <a16:creationId xmlns:a16="http://schemas.microsoft.com/office/drawing/2014/main" id="{D1F244FC-ECE3-413E-B670-9C3DEFF47C62}"/>
-              </a:ext>
-            </a:extLst>
-          </p:cNvPr>
-          <p:cNvSpPr/>
-          <p:nvPr/>
-        </p:nvSpPr>
-        <p:spPr>
-          <a:xfrm>
-            <a:off x="5624019" y="784020"/>
-            <a:ext cx="1338739" cy="350563"/>
-          </a:xfrm>
-          <a:prstGeom prst="rect">
-            <a:avLst/>
-          </a:prstGeom>
-          <a:noFill/>
-        </p:spPr>
-        <p:txBody>
-          <a:bodyPr wrap="square" lIns="91440" tIns="45720" rIns="91440" bIns="45720">
-            <a:spAutoFit/>
-          </a:bodyPr>
-          <a:lstStyle/>
-          <a:p>
-            <a:pPr algn="ctr"/>
-            <a:r>
-              <a:rPr lang="en-US" sz="1600" b="1" dirty="0">
-                <a:ln w="0"/>
-                <a:solidFill>
-                  <a:srgbClr val="FFC000"/>
-                </a:solidFill>
-                <a:effectLst>
-                  <a:outerShdw blurRad="38100" dist="19050" dir="2700000" algn="tl" rotWithShape="0">
-                    <a:schemeClr val="dk1">
-                      <a:alpha val="40000"/>
-                    </a:schemeClr>
-                  </a:outerShdw>
-                </a:effectLst>
-              </a:rPr>
-              <a:t>Doc Central</a:t>
-            </a:r>
-            <a:endParaRPr lang="en-US" sz="1600" b="1" cap="none" spc="0" dirty="0">
-              <a:ln w="0"/>
-              <a:solidFill>
-                <a:srgbClr val="FFC000"/>
-              </a:solidFill>
-              <a:effectLst>
-                <a:outerShdw blurRad="38100" dist="19050" dir="2700000" algn="tl" rotWithShape="0">
-                  <a:schemeClr val="dk1">
-                    <a:alpha val="40000"/>
-                  </a:schemeClr>
-                </a:outerShdw>
-              </a:effectLst>
-            </a:endParaRPr>
-          </a:p>
-        </p:txBody>
-      </p:sp>
-      <p:sp>
-        <p:nvSpPr>
-          <p:cNvPr id="30" name="Rectangle 29">
-            <a:extLst>
-              <a:ext uri="{FF2B5EF4-FFF2-40B4-BE49-F238E27FC236}">
-                <a16:creationId xmlns:a16="http://schemas.microsoft.com/office/drawing/2014/main" id="{BAAC02D0-9432-4B9C-A24C-662F2BB62829}"/>
-              </a:ext>
-            </a:extLst>
-          </p:cNvPr>
-          <p:cNvSpPr/>
-          <p:nvPr/>
-        </p:nvSpPr>
-        <p:spPr>
-          <a:xfrm>
-            <a:off x="2041381" y="4316381"/>
-            <a:ext cx="910605" cy="369332"/>
-          </a:xfrm>
-          <a:prstGeom prst="rect">
-            <a:avLst/>
-          </a:prstGeom>
-          <a:noFill/>
-        </p:spPr>
-        <p:txBody>
-          <a:bodyPr wrap="square" lIns="91440" tIns="45720" rIns="91440" bIns="45720">
-            <a:spAutoFit/>
-          </a:bodyPr>
-          <a:lstStyle/>
-          <a:p>
-            <a:pPr algn="ctr"/>
-            <a:r>
-              <a:rPr lang="en-US" b="1" dirty="0">
-                <a:ln w="0"/>
-                <a:solidFill>
-                  <a:srgbClr val="00B0F0"/>
-                </a:solidFill>
-                <a:effectLst>
-                  <a:outerShdw blurRad="38100" dist="19050" dir="2700000" algn="tl" rotWithShape="0">
-                    <a:schemeClr val="dk1">
-                      <a:alpha val="40000"/>
-                    </a:schemeClr>
-                  </a:outerShdw>
-                </a:effectLst>
-              </a:rPr>
-              <a:t>Author</a:t>
-            </a:r>
-            <a:endParaRPr lang="en-US" b="1" cap="none" spc="0" dirty="0">
-              <a:ln w="0"/>
-              <a:solidFill>
-                <a:srgbClr val="00B0F0"/>
-              </a:solidFill>
-              <a:effectLst>
-                <a:outerShdw blurRad="38100" dist="19050" dir="2700000" algn="tl" rotWithShape="0">
-                  <a:schemeClr val="dk1">
-                    <a:alpha val="40000"/>
-                  </a:schemeClr>
-                </a:outerShdw>
-              </a:effectLst>
-            </a:endParaRPr>
-          </a:p>
-        </p:txBody>
-      </p:sp>
-      <p:sp>
-        <p:nvSpPr>
-          <p:cNvPr id="31" name="Rectangle 30">
-            <a:extLst>
-              <a:ext uri="{FF2B5EF4-FFF2-40B4-BE49-F238E27FC236}">
-                <a16:creationId xmlns:a16="http://schemas.microsoft.com/office/drawing/2014/main" id="{5EFA5784-AEF6-488F-9E90-1C45BFDB5AB2}"/>
-              </a:ext>
-            </a:extLst>
-          </p:cNvPr>
-          <p:cNvSpPr/>
-          <p:nvPr/>
-        </p:nvSpPr>
-        <p:spPr>
-          <a:xfrm>
-            <a:off x="3538027" y="5842496"/>
-            <a:ext cx="1684213" cy="584775"/>
-          </a:xfrm>
-          <a:prstGeom prst="rect">
-            <a:avLst/>
-          </a:prstGeom>
-          <a:noFill/>
-        </p:spPr>
-        <p:txBody>
-          <a:bodyPr wrap="square" lIns="91440" tIns="45720" rIns="91440" bIns="45720">
-            <a:spAutoFit/>
-          </a:bodyPr>
-          <a:lstStyle/>
-          <a:p>
-            <a:pPr algn="ctr"/>
-            <a:r>
-              <a:rPr lang="en-US" sz="1600" i="1" dirty="0">
-                <a:ln w="0"/>
-                <a:solidFill>
-                  <a:srgbClr val="FFC000"/>
-                </a:solidFill>
-                <a:effectLst>
-                  <a:outerShdw blurRad="38100" dist="19050" dir="2700000" algn="tl" rotWithShape="0">
-                    <a:schemeClr val="dk1">
-                      <a:alpha val="40000"/>
-                    </a:schemeClr>
-                  </a:outerShdw>
-                </a:effectLst>
-              </a:rPr>
-              <a:t>Catalog process orchestrator</a:t>
-            </a:r>
-            <a:endParaRPr lang="en-US" sz="1600" i="1" cap="none" spc="0" dirty="0">
-              <a:ln w="0"/>
-              <a:solidFill>
-                <a:srgbClr val="FFC000"/>
-              </a:solidFill>
-              <a:effectLst>
-                <a:outerShdw blurRad="38100" dist="19050" dir="2700000" algn="tl" rotWithShape="0">
-                  <a:schemeClr val="dk1">
-                    <a:alpha val="40000"/>
-                  </a:schemeClr>
-                </a:outerShdw>
-              </a:effectLst>
-            </a:endParaRPr>
-          </a:p>
-        </p:txBody>
-      </p:sp>
-      <p:sp>
-        <p:nvSpPr>
-          <p:cNvPr id="32" name="Rectangle 31">
-            <a:extLst>
-              <a:ext uri="{FF2B5EF4-FFF2-40B4-BE49-F238E27FC236}">
-                <a16:creationId xmlns:a16="http://schemas.microsoft.com/office/drawing/2014/main" id="{19173F04-07D2-499F-9040-FEB266658FAD}"/>
-              </a:ext>
-            </a:extLst>
-          </p:cNvPr>
-          <p:cNvSpPr/>
-          <p:nvPr/>
-        </p:nvSpPr>
-        <p:spPr>
-          <a:xfrm>
-            <a:off x="9950201" y="4147104"/>
-            <a:ext cx="1346878" cy="369332"/>
-          </a:xfrm>
-          <a:prstGeom prst="rect">
-            <a:avLst/>
-          </a:prstGeom>
-          <a:noFill/>
-        </p:spPr>
-        <p:txBody>
-          <a:bodyPr wrap="square" lIns="91440" tIns="45720" rIns="91440" bIns="45720">
-            <a:spAutoFit/>
-          </a:bodyPr>
-          <a:lstStyle/>
-          <a:p>
-            <a:pPr algn="ctr"/>
-            <a:r>
-              <a:rPr lang="en-US" b="1" dirty="0">
-                <a:ln w="0"/>
-                <a:solidFill>
-                  <a:srgbClr val="00B0F0"/>
-                </a:solidFill>
-                <a:effectLst>
-                  <a:outerShdw blurRad="38100" dist="19050" dir="2700000" algn="tl" rotWithShape="0">
-                    <a:schemeClr val="dk1">
-                      <a:alpha val="40000"/>
-                    </a:schemeClr>
-                  </a:outerShdw>
-                </a:effectLst>
-              </a:rPr>
-              <a:t>Subscribers</a:t>
-            </a:r>
-            <a:endParaRPr lang="en-US" b="1" cap="none" spc="0" dirty="0">
-              <a:ln w="0"/>
-              <a:solidFill>
-                <a:srgbClr val="00B0F0"/>
-              </a:solidFill>
-              <a:effectLst>
-                <a:outerShdw blurRad="38100" dist="19050" dir="2700000" algn="tl" rotWithShape="0">
-                  <a:schemeClr val="dk1">
-                    <a:alpha val="40000"/>
-                  </a:schemeClr>
-                </a:outerShdw>
-              </a:effectLst>
-            </a:endParaRPr>
-          </a:p>
-        </p:txBody>
-      </p:sp>
-      <p:sp>
-        <p:nvSpPr>
-          <p:cNvPr id="33" name="Rectangle 32">
-            <a:extLst>
-              <a:ext uri="{FF2B5EF4-FFF2-40B4-BE49-F238E27FC236}">
-                <a16:creationId xmlns:a16="http://schemas.microsoft.com/office/drawing/2014/main" id="{FF115E28-EA90-4093-AF72-073BF1B0FFB2}"/>
-              </a:ext>
-            </a:extLst>
-          </p:cNvPr>
-          <p:cNvSpPr/>
-          <p:nvPr/>
-        </p:nvSpPr>
-        <p:spPr>
-          <a:xfrm>
-            <a:off x="6122929" y="5814643"/>
-            <a:ext cx="2405927" cy="584775"/>
-          </a:xfrm>
-          <a:prstGeom prst="rect">
-            <a:avLst/>
-          </a:prstGeom>
-          <a:noFill/>
-        </p:spPr>
-        <p:txBody>
-          <a:bodyPr wrap="square" lIns="91440" tIns="45720" rIns="91440" bIns="45720">
-            <a:spAutoFit/>
-          </a:bodyPr>
-          <a:lstStyle/>
-          <a:p>
-            <a:pPr algn="ctr"/>
-            <a:r>
-              <a:rPr lang="en-US" sz="1600" i="1" dirty="0">
-                <a:ln w="0"/>
-                <a:solidFill>
-                  <a:srgbClr val="FFC000"/>
-                </a:solidFill>
-                <a:effectLst>
-                  <a:outerShdw blurRad="38100" dist="19050" dir="2700000" algn="tl" rotWithShape="0">
-                    <a:schemeClr val="dk1">
-                      <a:alpha val="40000"/>
-                    </a:schemeClr>
-                  </a:outerShdw>
-                </a:effectLst>
-              </a:rPr>
-              <a:t>Extended process orchestrator</a:t>
-            </a:r>
-            <a:endParaRPr lang="en-US" sz="1600" i="1" cap="none" spc="0" dirty="0">
-              <a:ln w="0"/>
-              <a:solidFill>
-                <a:srgbClr val="FFC000"/>
-              </a:solidFill>
-              <a:effectLst>
-                <a:outerShdw blurRad="38100" dist="19050" dir="2700000" algn="tl" rotWithShape="0">
-                  <a:schemeClr val="dk1">
-                    <a:alpha val="40000"/>
-                  </a:schemeClr>
-                </a:outerShdw>
-              </a:effectLst>
-            </a:endParaRPr>
-          </a:p>
-        </p:txBody>
-      </p:sp>
-      <p:pic>
-        <p:nvPicPr>
-          <p:cNvPr id="34" name="Graphic 33" descr="Gauge">
-            <a:extLst>
-              <a:ext uri="{FF2B5EF4-FFF2-40B4-BE49-F238E27FC236}">
-                <a16:creationId xmlns:a16="http://schemas.microsoft.com/office/drawing/2014/main" id="{125A4A47-3622-44FE-AD46-728DB25A1D98}"/>
-              </a:ext>
-            </a:extLst>
-          </p:cNvPr>
-          <p:cNvPicPr>
-            <a:picLocks noChangeAspect="1"/>
-          </p:cNvPicPr>
-          <p:nvPr/>
-        </p:nvPicPr>
-        <p:blipFill>
-          <a:blip r:embed="rId8">
-            <a:extLst>
-              <a:ext uri="{28A0092B-C50C-407E-A947-70E740481C1C}">
-                <a14:useLocalDpi xmlns:a14="http://schemas.microsoft.com/office/drawing/2010/main" val="0"/>
-              </a:ext>
-              <a:ext uri="{96DAC541-7B7A-43D3-8B79-37D633B846F1}">
-                <asvg:svgBlip xmlns:asvg="http://schemas.microsoft.com/office/drawing/2016/SVG/main" r:embed="rId9"/>
-              </a:ext>
-            </a:extLst>
-          </a:blip>
-          <a:stretch>
-            <a:fillRect/>
-          </a:stretch>
-        </p:blipFill>
-        <p:spPr>
-          <a:xfrm>
-            <a:off x="9117745" y="4112935"/>
-            <a:ext cx="400386" cy="480058"/>
-          </a:xfrm>
-          <a:prstGeom prst="rect">
-            <a:avLst/>
-          </a:prstGeom>
-        </p:spPr>
-      </p:pic>
-      <p:sp>
-        <p:nvSpPr>
-          <p:cNvPr id="35" name="Rectangle 34">
-            <a:extLst>
-              <a:ext uri="{FF2B5EF4-FFF2-40B4-BE49-F238E27FC236}">
-                <a16:creationId xmlns:a16="http://schemas.microsoft.com/office/drawing/2014/main" id="{43C9F690-B596-4DD3-AC2F-CBDAA5102AC7}"/>
-              </a:ext>
-            </a:extLst>
-          </p:cNvPr>
-          <p:cNvSpPr/>
-          <p:nvPr/>
-        </p:nvSpPr>
-        <p:spPr>
-          <a:xfrm rot="19495022">
-            <a:off x="2459774" y="2377888"/>
-            <a:ext cx="1418957" cy="584775"/>
-          </a:xfrm>
-          <a:prstGeom prst="rect">
-            <a:avLst/>
-          </a:prstGeom>
-          <a:noFill/>
-        </p:spPr>
-        <p:txBody>
-          <a:bodyPr wrap="square" lIns="91440" tIns="45720" rIns="91440" bIns="45720">
-            <a:spAutoFit/>
-          </a:bodyPr>
-          <a:lstStyle/>
-          <a:p>
-            <a:pPr algn="ctr"/>
-            <a:r>
-              <a:rPr lang="en-US" sz="1600" i="1" dirty="0">
-                <a:ln w="0"/>
-                <a:solidFill>
-                  <a:srgbClr val="FFC000"/>
-                </a:solidFill>
-                <a:effectLst>
-                  <a:outerShdw blurRad="38100" dist="19050" dir="2700000" algn="tl" rotWithShape="0">
-                    <a:schemeClr val="dk1">
-                      <a:alpha val="40000"/>
-                    </a:schemeClr>
-                  </a:outerShdw>
-                </a:effectLst>
-              </a:rPr>
-              <a:t>Client process orchestrator</a:t>
-            </a:r>
-            <a:endParaRPr lang="en-US" sz="1600" i="1" cap="none" spc="0" dirty="0">
-              <a:ln w="0"/>
-              <a:solidFill>
-                <a:srgbClr val="FFC000"/>
-              </a:solidFill>
-              <a:effectLst>
-                <a:outerShdw blurRad="38100" dist="19050" dir="2700000" algn="tl" rotWithShape="0">
-                  <a:schemeClr val="dk1">
-                    <a:alpha val="40000"/>
-                  </a:schemeClr>
-                </a:outerShdw>
-              </a:effectLst>
-            </a:endParaRPr>
-          </a:p>
-        </p:txBody>
-      </p:sp>
-      <p:sp>
-        <p:nvSpPr>
-          <p:cNvPr id="36" name="Rectangle 35">
-            <a:extLst>
-              <a:ext uri="{FF2B5EF4-FFF2-40B4-BE49-F238E27FC236}">
-                <a16:creationId xmlns:a16="http://schemas.microsoft.com/office/drawing/2014/main" id="{540C06F4-ACAA-426E-932A-98A41B1E6E5E}"/>
-              </a:ext>
-            </a:extLst>
-          </p:cNvPr>
-          <p:cNvSpPr/>
-          <p:nvPr/>
-        </p:nvSpPr>
-        <p:spPr>
-          <a:xfrm rot="1955007">
-            <a:off x="8068014" y="2524874"/>
-            <a:ext cx="1578644" cy="584775"/>
-          </a:xfrm>
-          <a:prstGeom prst="rect">
-            <a:avLst/>
-          </a:prstGeom>
-          <a:noFill/>
-        </p:spPr>
-        <p:txBody>
-          <a:bodyPr wrap="square" lIns="91440" tIns="45720" rIns="91440" bIns="45720">
-            <a:spAutoFit/>
-          </a:bodyPr>
-          <a:lstStyle/>
-          <a:p>
-            <a:pPr algn="ctr"/>
-            <a:r>
-              <a:rPr lang="en-US" sz="1600" i="1" dirty="0">
-                <a:ln w="0"/>
-                <a:solidFill>
-                  <a:srgbClr val="FFC000"/>
-                </a:solidFill>
-                <a:effectLst>
-                  <a:outerShdw blurRad="38100" dist="19050" dir="2700000" algn="tl" rotWithShape="0">
-                    <a:schemeClr val="dk1">
-                      <a:alpha val="40000"/>
-                    </a:schemeClr>
-                  </a:outerShdw>
-                </a:effectLst>
-              </a:rPr>
-              <a:t>Client process orchestrator</a:t>
-            </a:r>
-            <a:endParaRPr lang="en-US" sz="1600" i="1" cap="none" spc="0" dirty="0">
-              <a:ln w="0"/>
-              <a:solidFill>
-                <a:srgbClr val="FFC000"/>
-              </a:solidFill>
-              <a:effectLst>
-                <a:outerShdw blurRad="38100" dist="19050" dir="2700000" algn="tl" rotWithShape="0">
-                  <a:schemeClr val="dk1">
-                    <a:alpha val="40000"/>
-                  </a:schemeClr>
-                </a:outerShdw>
-              </a:effectLst>
-            </a:endParaRPr>
-          </a:p>
-        </p:txBody>
-      </p:sp>
     </p:spTree>
     <p:extLst>
       <p:ext uri="{BB962C8B-B14F-4D97-AF65-F5344CB8AC3E}">
-        <p14:creationId xmlns:p14="http://schemas.microsoft.com/office/powerpoint/2010/main" val="3500561082"/>
+        <p14:creationId xmlns:p14="http://schemas.microsoft.com/office/powerpoint/2010/main" val="917969701"/>
       </p:ext>
     </p:extLst>
   </p:cSld>
@@ -7145,12 +8677,18 @@
         </p:spPr>
         <p:txBody>
           <a:bodyPr>
-            <a:normAutofit fontScale="92500" lnSpcReduction="10000"/>
+            <a:normAutofit fontScale="92500" lnSpcReduction="20000"/>
           </a:bodyPr>
           <a:lstStyle/>
           <a:p>
             <a:r>
-              <a:rPr lang="en-US" dirty="0"/>
+              <a:rPr lang="en-US" dirty="0">
+                <a:solidFill>
+                  <a:schemeClr val="accent2">
+                    <a:lumMod val="50000"/>
+                  </a:schemeClr>
+                </a:solidFill>
+              </a:rPr>
               <a:t>Client orchestrator runs at user desktop</a:t>
             </a:r>
           </a:p>
@@ -7202,8 +8740,16 @@
             </a:r>
           </a:p>
           <a:p>
-            <a:r>
-              <a:rPr lang="en-US" dirty="0"/>
+            <a:pPr lvl="1"/>
+            <a:endParaRPr lang="en-US" dirty="0"/>
+          </a:p>
+          <a:p>
+            <a:r>
+              <a:rPr lang="en-US" dirty="0">
+                <a:solidFill>
+                  <a:srgbClr val="00B050"/>
+                </a:solidFill>
+              </a:rPr>
               <a:t>Catalog Server orchestrator runs at a defined server machine</a:t>
             </a:r>
           </a:p>
@@ -7223,8 +8769,16 @@
             </a:r>
           </a:p>
           <a:p>
-            <a:r>
-              <a:rPr lang="en-US" dirty="0"/>
+            <a:pPr lvl="1"/>
+            <a:endParaRPr lang="en-US" dirty="0"/>
+          </a:p>
+          <a:p>
+            <a:r>
+              <a:rPr lang="en-US" dirty="0">
+                <a:solidFill>
+                  <a:srgbClr val="7030A0"/>
+                </a:solidFill>
+              </a:rPr>
               <a:t>Extended orchestrator runs at a defined server machine</a:t>
             </a:r>
           </a:p>
@@ -7253,6 +8807,153 @@
           </a:p>
         </p:txBody>
       </p:sp>
+      <p:pic>
+        <p:nvPicPr>
+          <p:cNvPr id="4" name="Graphic 3" descr="Robot">
+            <a:extLst>
+              <a:ext uri="{FF2B5EF4-FFF2-40B4-BE49-F238E27FC236}">
+                <a16:creationId xmlns:a16="http://schemas.microsoft.com/office/drawing/2014/main" id="{675EAC07-C4DE-49F0-9EE2-F4AE67E1B050}"/>
+              </a:ext>
+            </a:extLst>
+          </p:cNvPr>
+          <p:cNvPicPr>
+            <a:picLocks noChangeAspect="1"/>
+          </p:cNvPicPr>
+          <p:nvPr/>
+        </p:nvPicPr>
+        <p:blipFill>
+          <a:blip r:embed="rId2">
+            <a:extLst>
+              <a:ext uri="{28A0092B-C50C-407E-A947-70E740481C1C}">
+                <a14:useLocalDpi xmlns:a14="http://schemas.microsoft.com/office/drawing/2010/main" val="0"/>
+              </a:ext>
+              <a:ext uri="{96DAC541-7B7A-43D3-8B79-37D633B846F1}">
+                <asvg:svgBlip xmlns:asvg="http://schemas.microsoft.com/office/drawing/2016/SVG/main" r:embed="rId3"/>
+              </a:ext>
+            </a:extLst>
+          </a:blip>
+          <a:stretch>
+            <a:fillRect/>
+          </a:stretch>
+        </p:blipFill>
+        <p:spPr>
+          <a:xfrm>
+            <a:off x="213511" y="1941685"/>
+            <a:ext cx="677248" cy="689320"/>
+          </a:xfrm>
+          <a:prstGeom prst="rect">
+            <a:avLst/>
+          </a:prstGeom>
+        </p:spPr>
+      </p:pic>
+      <p:pic>
+        <p:nvPicPr>
+          <p:cNvPr id="5" name="Graphic 4" descr="Robot">
+            <a:extLst>
+              <a:ext uri="{FF2B5EF4-FFF2-40B4-BE49-F238E27FC236}">
+                <a16:creationId xmlns:a16="http://schemas.microsoft.com/office/drawing/2014/main" id="{7651A18C-A7DF-48CC-908B-9CDE966C1CD6}"/>
+              </a:ext>
+            </a:extLst>
+          </p:cNvPr>
+          <p:cNvPicPr>
+            <a:picLocks noChangeAspect="1"/>
+          </p:cNvPicPr>
+          <p:nvPr/>
+        </p:nvPicPr>
+        <p:blipFill>
+          <a:blip r:embed="rId4">
+            <a:extLst>
+              <a:ext uri="{28A0092B-C50C-407E-A947-70E740481C1C}">
+                <a14:useLocalDpi xmlns:a14="http://schemas.microsoft.com/office/drawing/2010/main" val="0"/>
+              </a:ext>
+              <a:ext uri="{96DAC541-7B7A-43D3-8B79-37D633B846F1}">
+                <asvg:svgBlip xmlns:asvg="http://schemas.microsoft.com/office/drawing/2016/SVG/main" r:embed="rId5"/>
+              </a:ext>
+            </a:extLst>
+          </a:blip>
+          <a:stretch>
+            <a:fillRect/>
+          </a:stretch>
+        </p:blipFill>
+        <p:spPr>
+          <a:xfrm>
+            <a:off x="197728" y="3303721"/>
+            <a:ext cx="677248" cy="689320"/>
+          </a:xfrm>
+          <a:prstGeom prst="rect">
+            <a:avLst/>
+          </a:prstGeom>
+        </p:spPr>
+      </p:pic>
+      <p:pic>
+        <p:nvPicPr>
+          <p:cNvPr id="6" name="Graphic 5" descr="Robot">
+            <a:extLst>
+              <a:ext uri="{FF2B5EF4-FFF2-40B4-BE49-F238E27FC236}">
+                <a16:creationId xmlns:a16="http://schemas.microsoft.com/office/drawing/2014/main" id="{FB249DFC-2474-4A98-ABED-DD744BB6F2EC}"/>
+              </a:ext>
+            </a:extLst>
+          </p:cNvPr>
+          <p:cNvPicPr>
+            <a:picLocks noChangeAspect="1"/>
+          </p:cNvPicPr>
+          <p:nvPr/>
+        </p:nvPicPr>
+        <p:blipFill>
+          <a:blip r:embed="rId6">
+            <a:extLst>
+              <a:ext uri="{28A0092B-C50C-407E-A947-70E740481C1C}">
+                <a14:useLocalDpi xmlns:a14="http://schemas.microsoft.com/office/drawing/2010/main" val="0"/>
+              </a:ext>
+              <a:ext uri="{96DAC541-7B7A-43D3-8B79-37D633B846F1}">
+                <asvg:svgBlip xmlns:asvg="http://schemas.microsoft.com/office/drawing/2016/SVG/main" r:embed="rId7"/>
+              </a:ext>
+            </a:extLst>
+          </a:blip>
+          <a:stretch>
+            <a:fillRect/>
+          </a:stretch>
+        </p:blipFill>
+        <p:spPr>
+          <a:xfrm>
+            <a:off x="198596" y="4665757"/>
+            <a:ext cx="677248" cy="689320"/>
+          </a:xfrm>
+          <a:prstGeom prst="rect">
+            <a:avLst/>
+          </a:prstGeom>
+        </p:spPr>
+      </p:pic>
+      <p:pic>
+        <p:nvPicPr>
+          <p:cNvPr id="7" name="Picture 6">
+            <a:extLst>
+              <a:ext uri="{FF2B5EF4-FFF2-40B4-BE49-F238E27FC236}">
+                <a16:creationId xmlns:a16="http://schemas.microsoft.com/office/drawing/2014/main" id="{DB236814-530A-4CB5-9778-1612D9DF7B84}"/>
+              </a:ext>
+            </a:extLst>
+          </p:cNvPr>
+          <p:cNvPicPr>
+            <a:picLocks noChangeAspect="1"/>
+          </p:cNvPicPr>
+          <p:nvPr/>
+        </p:nvPicPr>
+        <p:blipFill>
+          <a:blip r:embed="rId8"/>
+          <a:stretch>
+            <a:fillRect/>
+          </a:stretch>
+        </p:blipFill>
+        <p:spPr>
+          <a:xfrm>
+            <a:off x="11604466" y="113506"/>
+            <a:ext cx="496094" cy="496094"/>
+          </a:xfrm>
+          <a:prstGeom prst="rect">
+            <a:avLst/>
+          </a:prstGeom>
+        </p:spPr>
+      </p:pic>
     </p:spTree>
     <p:extLst>
       <p:ext uri="{BB962C8B-B14F-4D97-AF65-F5344CB8AC3E}">
@@ -7340,7 +9041,7 @@
         </p:spPr>
         <p:txBody>
           <a:bodyPr>
-            <a:normAutofit fontScale="92500" lnSpcReduction="10000"/>
+            <a:normAutofit fontScale="85000" lnSpcReduction="20000"/>
           </a:bodyPr>
           <a:lstStyle/>
           <a:p>
@@ -7369,6 +9070,10 @@
             </a:r>
           </a:p>
           <a:p>
+            <a:pPr lvl="1"/>
+            <a:endParaRPr lang="en-US" dirty="0"/>
+          </a:p>
+          <a:p>
             <a:r>
               <a:rPr lang="en-US" dirty="0" err="1"/>
               <a:t>Catalogdbfile</a:t>
@@ -7386,6 +9091,10 @@
             </a:r>
           </a:p>
           <a:p>
+            <a:pPr lvl="1"/>
+            <a:endParaRPr lang="en-US" dirty="0"/>
+          </a:p>
+          <a:p>
             <a:r>
               <a:rPr lang="en-US" dirty="0" err="1"/>
               <a:t>Clientdbfile</a:t>
@@ -7403,6 +9112,10 @@
             </a:r>
           </a:p>
           <a:p>
+            <a:pPr lvl="1"/>
+            <a:endParaRPr lang="en-US" dirty="0"/>
+          </a:p>
+          <a:p>
             <a:r>
               <a:rPr lang="en-US" dirty="0" err="1"/>
               <a:t>Extendedcatalogdbfiles</a:t>
@@ -7422,6 +9135,36 @@
           </a:p>
         </p:txBody>
       </p:sp>
+      <p:pic>
+        <p:nvPicPr>
+          <p:cNvPr id="4" name="Picture 3">
+            <a:extLst>
+              <a:ext uri="{FF2B5EF4-FFF2-40B4-BE49-F238E27FC236}">
+                <a16:creationId xmlns:a16="http://schemas.microsoft.com/office/drawing/2014/main" id="{AA08FD04-88F9-4B53-BF37-14B7A1D458E8}"/>
+              </a:ext>
+            </a:extLst>
+          </p:cNvPr>
+          <p:cNvPicPr>
+            <a:picLocks noChangeAspect="1"/>
+          </p:cNvPicPr>
+          <p:nvPr/>
+        </p:nvPicPr>
+        <p:blipFill>
+          <a:blip r:embed="rId2"/>
+          <a:stretch>
+            <a:fillRect/>
+          </a:stretch>
+        </p:blipFill>
+        <p:spPr>
+          <a:xfrm>
+            <a:off x="11604466" y="113506"/>
+            <a:ext cx="496094" cy="496094"/>
+          </a:xfrm>
+          <a:prstGeom prst="rect">
+            <a:avLst/>
+          </a:prstGeom>
+        </p:spPr>
+      </p:pic>
     </p:spTree>
     <p:extLst>
       <p:ext uri="{BB962C8B-B14F-4D97-AF65-F5344CB8AC3E}">
@@ -7728,4 +9471,299 @@
     </a:ext>
   </a:extLst>
 </a:theme>
+</file>
+
+<file path=ppt/theme/theme2.xml><?xml version="1.0" encoding="utf-8"?>
+<a:theme xmlns:a="http://schemas.openxmlformats.org/drawingml/2006/main" name="Office Theme">
+  <a:themeElements>
+    <a:clrScheme name="Office">
+      <a:dk1>
+        <a:sysClr val="windowText" lastClr="000000"/>
+      </a:dk1>
+      <a:lt1>
+        <a:sysClr val="window" lastClr="FFFFFF"/>
+      </a:lt1>
+      <a:dk2>
+        <a:srgbClr val="44546A"/>
+      </a:dk2>
+      <a:lt2>
+        <a:srgbClr val="E7E6E6"/>
+      </a:lt2>
+      <a:accent1>
+        <a:srgbClr val="4472C4"/>
+      </a:accent1>
+      <a:accent2>
+        <a:srgbClr val="ED7D31"/>
+      </a:accent2>
+      <a:accent3>
+        <a:srgbClr val="A5A5A5"/>
+      </a:accent3>
+      <a:accent4>
+        <a:srgbClr val="FFC000"/>
+      </a:accent4>
+      <a:accent5>
+        <a:srgbClr val="5B9BD5"/>
+      </a:accent5>
+      <a:accent6>
+        <a:srgbClr val="70AD47"/>
+      </a:accent6>
+      <a:hlink>
+        <a:srgbClr val="0563C1"/>
+      </a:hlink>
+      <a:folHlink>
+        <a:srgbClr val="954F72"/>
+      </a:folHlink>
+    </a:clrScheme>
+    <a:fontScheme name="Office">
+      <a:majorFont>
+        <a:latin typeface="Calibri Light" panose="020F0302020204030204"/>
+        <a:ea typeface=""/>
+        <a:cs typeface=""/>
+        <a:font script="Jpan" typeface="游ゴシック Light"/>
+        <a:font script="Hang" typeface="맑은 고딕"/>
+        <a:font script="Hans" typeface="等线 Light"/>
+        <a:font script="Hant" typeface="新細明體"/>
+        <a:font script="Arab" typeface="Times New Roman"/>
+        <a:font script="Hebr" typeface="Times New Roman"/>
+        <a:font script="Thai" typeface="Angsana New"/>
+        <a:font script="Ethi" typeface="Nyala"/>
+        <a:font script="Beng" typeface="Vrinda"/>
+        <a:font script="Gujr" typeface="Shruti"/>
+        <a:font script="Khmr" typeface="MoolBoran"/>
+        <a:font script="Knda" typeface="Tunga"/>
+        <a:font script="Guru" typeface="Raavi"/>
+        <a:font script="Cans" typeface="Euphemia"/>
+        <a:font script="Cher" typeface="Plantagenet Cherokee"/>
+        <a:font script="Yiii" typeface="Microsoft Yi Baiti"/>
+        <a:font script="Tibt" typeface="Microsoft Himalaya"/>
+        <a:font script="Thaa" typeface="MV Boli"/>
+        <a:font script="Deva" typeface="Mangal"/>
+        <a:font script="Telu" typeface="Gautami"/>
+        <a:font script="Taml" typeface="Latha"/>
+        <a:font script="Syrc" typeface="Estrangelo Edessa"/>
+        <a:font script="Orya" typeface="Kalinga"/>
+        <a:font script="Mlym" typeface="Kartika"/>
+        <a:font script="Laoo" typeface="DokChampa"/>
+        <a:font script="Sinh" typeface="Iskoola Pota"/>
+        <a:font script="Mong" typeface="Mongolian Baiti"/>
+        <a:font script="Viet" typeface="Times New Roman"/>
+        <a:font script="Uigh" typeface="Microsoft Uighur"/>
+        <a:font script="Geor" typeface="Sylfaen"/>
+        <a:font script="Armn" typeface="Arial"/>
+        <a:font script="Bugi" typeface="Leelawadee UI"/>
+        <a:font script="Bopo" typeface="Microsoft JhengHei"/>
+        <a:font script="Java" typeface="Javanese Text"/>
+        <a:font script="Lisu" typeface="Segoe UI"/>
+        <a:font script="Mymr" typeface="Myanmar Text"/>
+        <a:font script="Nkoo" typeface="Ebrima"/>
+        <a:font script="Olck" typeface="Nirmala UI"/>
+        <a:font script="Osma" typeface="Ebrima"/>
+        <a:font script="Phag" typeface="Phagspa"/>
+        <a:font script="Syrn" typeface="Estrangelo Edessa"/>
+        <a:font script="Syrj" typeface="Estrangelo Edessa"/>
+        <a:font script="Syre" typeface="Estrangelo Edessa"/>
+        <a:font script="Sora" typeface="Nirmala UI"/>
+        <a:font script="Tale" typeface="Microsoft Tai Le"/>
+        <a:font script="Talu" typeface="Microsoft New Tai Lue"/>
+        <a:font script="Tfng" typeface="Ebrima"/>
+      </a:majorFont>
+      <a:minorFont>
+        <a:latin typeface="Calibri" panose="020F0502020204030204"/>
+        <a:ea typeface=""/>
+        <a:cs typeface=""/>
+        <a:font script="Jpan" typeface="游ゴシック"/>
+        <a:font script="Hang" typeface="맑은 고딕"/>
+        <a:font script="Hans" typeface="等线"/>
+        <a:font script="Hant" typeface="新細明體"/>
+        <a:font script="Arab" typeface="Arial"/>
+        <a:font script="Hebr" typeface="Arial"/>
+        <a:font script="Thai" typeface="Cordia New"/>
+        <a:font script="Ethi" typeface="Nyala"/>
+        <a:font script="Beng" typeface="Vrinda"/>
+        <a:font script="Gujr" typeface="Shruti"/>
+        <a:font script="Khmr" typeface="DaunPenh"/>
+        <a:font script="Knda" typeface="Tunga"/>
+        <a:font script="Guru" typeface="Raavi"/>
+        <a:font script="Cans" typeface="Euphemia"/>
+        <a:font script="Cher" typeface="Plantagenet Cherokee"/>
+        <a:font script="Yiii" typeface="Microsoft Yi Baiti"/>
+        <a:font script="Tibt" typeface="Microsoft Himalaya"/>
+        <a:font script="Thaa" typeface="MV Boli"/>
+        <a:font script="Deva" typeface="Mangal"/>
+        <a:font script="Telu" typeface="Gautami"/>
+        <a:font script="Taml" typeface="Latha"/>
+        <a:font script="Syrc" typeface="Estrangelo Edessa"/>
+        <a:font script="Orya" typeface="Kalinga"/>
+        <a:font script="Mlym" typeface="Kartika"/>
+        <a:font script="Laoo" typeface="DokChampa"/>
+        <a:font script="Sinh" typeface="Iskoola Pota"/>
+        <a:font script="Mong" typeface="Mongolian Baiti"/>
+        <a:font script="Viet" typeface="Arial"/>
+        <a:font script="Uigh" typeface="Microsoft Uighur"/>
+        <a:font script="Geor" typeface="Sylfaen"/>
+        <a:font script="Armn" typeface="Arial"/>
+        <a:font script="Bugi" typeface="Leelawadee UI"/>
+        <a:font script="Bopo" typeface="Microsoft JhengHei"/>
+        <a:font script="Java" typeface="Javanese Text"/>
+        <a:font script="Lisu" typeface="Segoe UI"/>
+        <a:font script="Mymr" typeface="Myanmar Text"/>
+        <a:font script="Nkoo" typeface="Ebrima"/>
+        <a:font script="Olck" typeface="Nirmala UI"/>
+        <a:font script="Osma" typeface="Ebrima"/>
+        <a:font script="Phag" typeface="Phagspa"/>
+        <a:font script="Syrn" typeface="Estrangelo Edessa"/>
+        <a:font script="Syrj" typeface="Estrangelo Edessa"/>
+        <a:font script="Syre" typeface="Estrangelo Edessa"/>
+        <a:font script="Sora" typeface="Nirmala UI"/>
+        <a:font script="Tale" typeface="Microsoft Tai Le"/>
+        <a:font script="Talu" typeface="Microsoft New Tai Lue"/>
+        <a:font script="Tfng" typeface="Ebrima"/>
+      </a:minorFont>
+    </a:fontScheme>
+    <a:fmtScheme name="Office">
+      <a:fillStyleLst>
+        <a:solidFill>
+          <a:schemeClr val="phClr"/>
+        </a:solidFill>
+        <a:gradFill rotWithShape="1">
+          <a:gsLst>
+            <a:gs pos="0">
+              <a:schemeClr val="phClr">
+                <a:lumMod val="110000"/>
+                <a:satMod val="105000"/>
+                <a:tint val="67000"/>
+              </a:schemeClr>
+            </a:gs>
+            <a:gs pos="50000">
+              <a:schemeClr val="phClr">
+                <a:lumMod val="105000"/>
+                <a:satMod val="103000"/>
+                <a:tint val="73000"/>
+              </a:schemeClr>
+            </a:gs>
+            <a:gs pos="100000">
+              <a:schemeClr val="phClr">
+                <a:lumMod val="105000"/>
+                <a:satMod val="109000"/>
+                <a:tint val="81000"/>
+              </a:schemeClr>
+            </a:gs>
+          </a:gsLst>
+          <a:lin ang="5400000" scaled="0"/>
+        </a:gradFill>
+        <a:gradFill rotWithShape="1">
+          <a:gsLst>
+            <a:gs pos="0">
+              <a:schemeClr val="phClr">
+                <a:satMod val="103000"/>
+                <a:lumMod val="102000"/>
+                <a:tint val="94000"/>
+              </a:schemeClr>
+            </a:gs>
+            <a:gs pos="50000">
+              <a:schemeClr val="phClr">
+                <a:satMod val="110000"/>
+                <a:lumMod val="100000"/>
+                <a:shade val="100000"/>
+              </a:schemeClr>
+            </a:gs>
+            <a:gs pos="100000">
+              <a:schemeClr val="phClr">
+                <a:lumMod val="99000"/>
+                <a:satMod val="120000"/>
+                <a:shade val="78000"/>
+              </a:schemeClr>
+            </a:gs>
+          </a:gsLst>
+          <a:lin ang="5400000" scaled="0"/>
+        </a:gradFill>
+      </a:fillStyleLst>
+      <a:lnStyleLst>
+        <a:ln w="6350" cap="flat" cmpd="sng" algn="ctr">
+          <a:solidFill>
+            <a:schemeClr val="phClr"/>
+          </a:solidFill>
+          <a:prstDash val="solid"/>
+          <a:miter lim="800000"/>
+        </a:ln>
+        <a:ln w="12700" cap="flat" cmpd="sng" algn="ctr">
+          <a:solidFill>
+            <a:schemeClr val="phClr"/>
+          </a:solidFill>
+          <a:prstDash val="solid"/>
+          <a:miter lim="800000"/>
+        </a:ln>
+        <a:ln w="19050" cap="flat" cmpd="sng" algn="ctr">
+          <a:solidFill>
+            <a:schemeClr val="phClr"/>
+          </a:solidFill>
+          <a:prstDash val="solid"/>
+          <a:miter lim="800000"/>
+        </a:ln>
+      </a:lnStyleLst>
+      <a:effectStyleLst>
+        <a:effectStyle>
+          <a:effectLst/>
+        </a:effectStyle>
+        <a:effectStyle>
+          <a:effectLst/>
+        </a:effectStyle>
+        <a:effectStyle>
+          <a:effectLst>
+            <a:outerShdw blurRad="57150" dist="19050" dir="5400000" algn="ctr" rotWithShape="0">
+              <a:srgbClr val="000000">
+                <a:alpha val="63000"/>
+              </a:srgbClr>
+            </a:outerShdw>
+          </a:effectLst>
+        </a:effectStyle>
+      </a:effectStyleLst>
+      <a:bgFillStyleLst>
+        <a:solidFill>
+          <a:schemeClr val="phClr"/>
+        </a:solidFill>
+        <a:solidFill>
+          <a:schemeClr val="phClr">
+            <a:tint val="95000"/>
+            <a:satMod val="170000"/>
+          </a:schemeClr>
+        </a:solidFill>
+        <a:gradFill rotWithShape="1">
+          <a:gsLst>
+            <a:gs pos="0">
+              <a:schemeClr val="phClr">
+                <a:tint val="93000"/>
+                <a:satMod val="150000"/>
+                <a:shade val="98000"/>
+                <a:lumMod val="102000"/>
+              </a:schemeClr>
+            </a:gs>
+            <a:gs pos="50000">
+              <a:schemeClr val="phClr">
+                <a:tint val="98000"/>
+                <a:satMod val="130000"/>
+                <a:shade val="90000"/>
+                <a:lumMod val="103000"/>
+              </a:schemeClr>
+            </a:gs>
+            <a:gs pos="100000">
+              <a:schemeClr val="phClr">
+                <a:shade val="63000"/>
+                <a:satMod val="120000"/>
+              </a:schemeClr>
+            </a:gs>
+          </a:gsLst>
+          <a:lin ang="5400000" scaled="0"/>
+        </a:gradFill>
+      </a:bgFillStyleLst>
+    </a:fmtScheme>
+  </a:themeElements>
+  <a:objectDefaults/>
+  <a:extraClrSchemeLst/>
+  <a:extLst>
+    <a:ext uri="{05A4C25C-085E-4340-85A3-A5531E510DB2}">
+      <thm15:themeFamily xmlns:thm15="http://schemas.microsoft.com/office/thememl/2012/main" name="Office Theme" id="{62F939B6-93AF-4DB8-9C6B-D6C7DFDC589F}" vid="{4A3C46E8-61CC-4603-A589-7422A47A8E4A}"/>
+    </a:ext>
+  </a:extLst>
+</a:theme>
 </file>
--- a/Documents/CollabTracker_Intro.pptx
+++ b/Documents/CollabTracker_Intro.pptx
@@ -19,11 +19,11 @@
     <p:sldId id="264" r:id="rId10"/>
     <p:sldId id="265" r:id="rId11"/>
     <p:sldId id="266" r:id="rId12"/>
-    <p:sldId id="267" r:id="rId13"/>
-    <p:sldId id="268" r:id="rId14"/>
-    <p:sldId id="269" r:id="rId15"/>
-    <p:sldId id="270" r:id="rId16"/>
-    <p:sldId id="271" r:id="rId17"/>
+    <p:sldId id="269" r:id="rId13"/>
+    <p:sldId id="270" r:id="rId14"/>
+    <p:sldId id="271" r:id="rId15"/>
+    <p:sldId id="267" r:id="rId16"/>
+    <p:sldId id="268" r:id="rId17"/>
     <p:sldId id="272" r:id="rId18"/>
   </p:sldIdLst>
   <p:sldSz cx="12192000" cy="6858000"/>
@@ -213,7 +213,7 @@
           <a:p>
             <a:fld id="{FA97718F-89D6-460F-AB35-7901F2BF1BD4}" type="datetimeFigureOut">
               <a:rPr lang="en-US" smtClean="0"/>
-              <a:t>7/16/2020</a:t>
+              <a:t>7/17/2020</a:t>
             </a:fld>
             <a:endParaRPr lang="en-US"/>
           </a:p>
@@ -711,7 +711,7 @@
           <a:p>
             <a:fld id="{2C09F9E3-B427-4D6B-BB15-3B05BCFAB196}" type="datetimeFigureOut">
               <a:rPr lang="en-US" smtClean="0"/>
-              <a:t>7/16/2020</a:t>
+              <a:t>7/17/2020</a:t>
             </a:fld>
             <a:endParaRPr lang="en-US"/>
           </a:p>
@@ -909,7 +909,7 @@
           <a:p>
             <a:fld id="{2C09F9E3-B427-4D6B-BB15-3B05BCFAB196}" type="datetimeFigureOut">
               <a:rPr lang="en-US" smtClean="0"/>
-              <a:t>7/16/2020</a:t>
+              <a:t>7/17/2020</a:t>
             </a:fld>
             <a:endParaRPr lang="en-US"/>
           </a:p>
@@ -1117,7 +1117,7 @@
           <a:p>
             <a:fld id="{2C09F9E3-B427-4D6B-BB15-3B05BCFAB196}" type="datetimeFigureOut">
               <a:rPr lang="en-US" smtClean="0"/>
-              <a:t>7/16/2020</a:t>
+              <a:t>7/17/2020</a:t>
             </a:fld>
             <a:endParaRPr lang="en-US"/>
           </a:p>
@@ -1315,7 +1315,7 @@
           <a:p>
             <a:fld id="{2C09F9E3-B427-4D6B-BB15-3B05BCFAB196}" type="datetimeFigureOut">
               <a:rPr lang="en-US" smtClean="0"/>
-              <a:t>7/16/2020</a:t>
+              <a:t>7/17/2020</a:t>
             </a:fld>
             <a:endParaRPr lang="en-US"/>
           </a:p>
@@ -1590,7 +1590,7 @@
           <a:p>
             <a:fld id="{2C09F9E3-B427-4D6B-BB15-3B05BCFAB196}" type="datetimeFigureOut">
               <a:rPr lang="en-US" smtClean="0"/>
-              <a:t>7/16/2020</a:t>
+              <a:t>7/17/2020</a:t>
             </a:fld>
             <a:endParaRPr lang="en-US"/>
           </a:p>
@@ -1855,7 +1855,7 @@
           <a:p>
             <a:fld id="{2C09F9E3-B427-4D6B-BB15-3B05BCFAB196}" type="datetimeFigureOut">
               <a:rPr lang="en-US" smtClean="0"/>
-              <a:t>7/16/2020</a:t>
+              <a:t>7/17/2020</a:t>
             </a:fld>
             <a:endParaRPr lang="en-US"/>
           </a:p>
@@ -2267,7 +2267,7 @@
           <a:p>
             <a:fld id="{2C09F9E3-B427-4D6B-BB15-3B05BCFAB196}" type="datetimeFigureOut">
               <a:rPr lang="en-US" smtClean="0"/>
-              <a:t>7/16/2020</a:t>
+              <a:t>7/17/2020</a:t>
             </a:fld>
             <a:endParaRPr lang="en-US"/>
           </a:p>
@@ -2408,7 +2408,7 @@
           <a:p>
             <a:fld id="{2C09F9E3-B427-4D6B-BB15-3B05BCFAB196}" type="datetimeFigureOut">
               <a:rPr lang="en-US" smtClean="0"/>
-              <a:t>7/16/2020</a:t>
+              <a:t>7/17/2020</a:t>
             </a:fld>
             <a:endParaRPr lang="en-US"/>
           </a:p>
@@ -2521,7 +2521,7 @@
           <a:p>
             <a:fld id="{2C09F9E3-B427-4D6B-BB15-3B05BCFAB196}" type="datetimeFigureOut">
               <a:rPr lang="en-US" smtClean="0"/>
-              <a:t>7/16/2020</a:t>
+              <a:t>7/17/2020</a:t>
             </a:fld>
             <a:endParaRPr lang="en-US"/>
           </a:p>
@@ -2832,7 +2832,7 @@
           <a:p>
             <a:fld id="{2C09F9E3-B427-4D6B-BB15-3B05BCFAB196}" type="datetimeFigureOut">
               <a:rPr lang="en-US" smtClean="0"/>
-              <a:t>7/16/2020</a:t>
+              <a:t>7/17/2020</a:t>
             </a:fld>
             <a:endParaRPr lang="en-US"/>
           </a:p>
@@ -3120,7 +3120,7 @@
           <a:p>
             <a:fld id="{2C09F9E3-B427-4D6B-BB15-3B05BCFAB196}" type="datetimeFigureOut">
               <a:rPr lang="en-US" smtClean="0"/>
-              <a:t>7/16/2020</a:t>
+              <a:t>7/17/2020</a:t>
             </a:fld>
             <a:endParaRPr lang="en-US"/>
           </a:p>
@@ -3366,7 +3366,7 @@
           <a:p>
             <a:fld id="{2C09F9E3-B427-4D6B-BB15-3B05BCFAB196}" type="datetimeFigureOut">
               <a:rPr lang="en-US" smtClean="0"/>
-              <a:t>7/16/2020</a:t>
+              <a:t>7/17/2020</a:t>
             </a:fld>
             <a:endParaRPr lang="en-US"/>
           </a:p>
@@ -4378,13 +4378,10 @@
           <a:lstStyle/>
           <a:p>
             <a:r>
-              <a:rPr lang="en-US" dirty="0" err="1"/>
-              <a:t>Sourcecode</a:t>
-            </a:r>
-            <a:r>
-              <a:rPr lang="en-US" dirty="0"/>
-              <a:t> Organization</a:t>
-            </a:r>
+              <a:rPr lang="en-US"/>
+              <a:t>How to install?</a:t>
+            </a:r>
+            <a:endParaRPr lang="en-US" dirty="0"/>
           </a:p>
         </p:txBody>
       </p:sp>
@@ -4401,13 +4398,13 @@
             <a:spLocks noGrp="1"/>
           </p:cNvSpPr>
           <p:nvPr>
-            <p:ph sz="half" idx="1"/>
-          </p:nvPr>
-        </p:nvSpPr>
-        <p:spPr>
-          <a:xfrm>
-            <a:off x="838200" y="1591945"/>
-            <a:ext cx="5181600" cy="4351338"/>
+            <p:ph idx="1"/>
+          </p:nvPr>
+        </p:nvSpPr>
+        <p:spPr>
+          <a:xfrm>
+            <a:off x="838200" y="1500504"/>
+            <a:ext cx="10515600" cy="5276215"/>
           </a:xfrm>
         </p:spPr>
         <p:txBody>
@@ -4416,261 +4413,115 @@
           </a:bodyPr>
           <a:lstStyle/>
           <a:p>
-            <a:r>
-              <a:rPr lang="en-US" sz="1400" b="1" dirty="0"/>
-              <a:t>Master Project - </a:t>
-            </a:r>
-            <a:r>
-              <a:rPr lang="en-US" sz="1400" b="1" dirty="0" err="1"/>
-              <a:t>ColbTrkerProj</a:t>
-            </a:r>
-            <a:r>
-              <a:rPr lang="en-US" sz="1400" b="1" dirty="0"/>
-              <a:t>:</a:t>
+            <a:pPr lvl="0"/>
+            <a:r>
+              <a:rPr lang="en-US" sz="2000" dirty="0"/>
+              <a:t>Choose the computers to execute catalog server and extended server orchestrators.</a:t>
+            </a:r>
+          </a:p>
+          <a:p>
+            <a:pPr lvl="0"/>
+            <a:r>
+              <a:rPr lang="en-US" sz="2000" dirty="0"/>
+              <a:t>Set the computers’ (user desktop, catalog server and extended orchestrator) environmental variable PATH to include java installation location.</a:t>
+            </a:r>
+          </a:p>
+          <a:p>
+            <a:pPr lvl="0"/>
+            <a:r>
+              <a:rPr lang="en-US" sz="2000" dirty="0"/>
+              <a:t>Set up the servers and then the desktop users using the installation package. The installation package is downloadable from GitHub </a:t>
+            </a:r>
+            <a:r>
+              <a:rPr lang="en-US" sz="2000" u="sng" dirty="0">
+                <a:hlinkClick r:id="rId2"/>
+              </a:rPr>
+              <a:t>https://github.com/vibeeshK/CollabTracker</a:t>
+            </a:r>
+            <a:r>
+              <a:rPr lang="en-US" sz="2000" dirty="0"/>
+              <a:t> file: CollabTrackerInstaller_1.x.jar. It performs the following:</a:t>
             </a:r>
           </a:p>
           <a:p>
             <a:pPr lvl="1"/>
             <a:r>
-              <a:rPr lang="en-US" sz="1400" dirty="0"/>
-              <a:t>The source code packages are modularly organized within this Multi-module Maven project for easier maintenance and enhancements.</a:t>
-            </a:r>
-          </a:p>
-          <a:p>
-            <a:r>
-              <a:rPr lang="en-US" sz="1400" b="1" dirty="0" err="1"/>
-              <a:t>Mdule</a:t>
-            </a:r>
-            <a:r>
-              <a:rPr lang="en-US" sz="1400" b="1" dirty="0"/>
-              <a:t> - </a:t>
-            </a:r>
-            <a:r>
-              <a:rPr lang="en-US" sz="1400" b="1" dirty="0" err="1"/>
-              <a:t>ColbTrk</a:t>
-            </a:r>
-            <a:r>
-              <a:rPr lang="en-US" sz="1400" b="1" dirty="0"/>
-              <a:t> (Base Components):</a:t>
+              <a:rPr lang="en-US" sz="1800" dirty="0"/>
+              <a:t>Captures the Installation folder path, Desktop User name who will be using the application and also the proxy IP and port details.</a:t>
             </a:r>
           </a:p>
           <a:p>
             <a:pPr lvl="1"/>
             <a:r>
-              <a:rPr lang="en-US" sz="1400" dirty="0"/>
-              <a:t>Contains the base components to handle the Desktop and Doc Central processes.</a:t>
+              <a:rPr lang="en-US" sz="1800" dirty="0"/>
+              <a:t>Sets the property files - Common, Client, System, Server and </a:t>
+            </a:r>
+            <a:r>
+              <a:rPr lang="en-US" sz="1800" dirty="0" err="1"/>
+              <a:t>Extendedserver</a:t>
+            </a:r>
+            <a:r>
+              <a:rPr lang="en-US" sz="1800" dirty="0"/>
+              <a:t> with user’s choices.</a:t>
             </a:r>
           </a:p>
           <a:p>
             <a:pPr lvl="1"/>
             <a:r>
-              <a:rPr lang="en-US" sz="1400" dirty="0"/>
-              <a:t>Common routines that simplifies the work of business layer</a:t>
-            </a:r>
-          </a:p>
-          <a:p>
-            <a:pPr lvl="1"/>
-            <a:r>
-              <a:rPr lang="en-US" sz="1400" dirty="0"/>
-              <a:t>Abstracts of content handlers with generic functions</a:t>
-            </a:r>
-          </a:p>
-          <a:p>
-            <a:pPr lvl="1"/>
-            <a:r>
-              <a:rPr lang="en-US" sz="1400" dirty="0"/>
-              <a:t>Interface definitions to standardize Remote processing and OS handling</a:t>
-            </a:r>
-          </a:p>
-          <a:p>
-            <a:pPr lvl="1"/>
-            <a:r>
-              <a:rPr lang="en-US" sz="1400" dirty="0"/>
-              <a:t>Dynamic loaders of content handlers, OS handlers and Remote processors.</a:t>
-            </a:r>
-          </a:p>
-          <a:p>
-            <a:pPr lvl="1"/>
-            <a:r>
-              <a:rPr lang="en-US" sz="1400" dirty="0"/>
-              <a:t>Refreshers to synch up newer versions of content handlers without manual intervention.</a:t>
-            </a:r>
-          </a:p>
-          <a:p>
-            <a:pPr lvl="1"/>
-            <a:r>
-              <a:rPr lang="en-US" sz="1400" dirty="0" err="1"/>
-              <a:t>ReviewHandlers</a:t>
-            </a:r>
-            <a:r>
-              <a:rPr lang="en-US" sz="1400" dirty="0"/>
-              <a:t> through which the users can log remarks directly on the artifacts.</a:t>
-            </a:r>
-          </a:p>
-          <a:p>
-            <a:r>
-              <a:rPr lang="en-US" sz="1400" b="1" dirty="0"/>
-              <a:t>Module - Content Handlers:</a:t>
-            </a:r>
-          </a:p>
-          <a:p>
-            <a:pPr lvl="1"/>
-            <a:r>
-              <a:rPr lang="en-US" sz="1400" dirty="0"/>
-              <a:t>Provides the handling mechanism for each content type at client desktops and at catalog servers.</a:t>
-            </a:r>
-          </a:p>
-        </p:txBody>
-      </p:sp>
-      <p:sp>
-        <p:nvSpPr>
-          <p:cNvPr id="4" name="Content Placeholder 3">
-            <a:extLst>
-              <a:ext uri="{FF2B5EF4-FFF2-40B4-BE49-F238E27FC236}">
-                <a16:creationId xmlns:a16="http://schemas.microsoft.com/office/drawing/2014/main" id="{A3E98A54-904E-43C9-90AF-0858DCF8E197}"/>
-              </a:ext>
-            </a:extLst>
-          </p:cNvPr>
-          <p:cNvSpPr>
-            <a:spLocks noGrp="1"/>
-          </p:cNvSpPr>
-          <p:nvPr>
-            <p:ph sz="half" idx="2"/>
-          </p:nvPr>
-        </p:nvSpPr>
-        <p:spPr>
-          <a:xfrm>
-            <a:off x="6172200" y="1591945"/>
-            <a:ext cx="5181600" cy="4351338"/>
-          </a:xfrm>
-        </p:spPr>
-        <p:txBody>
-          <a:bodyPr>
-            <a:noAutofit/>
-          </a:bodyPr>
-          <a:lstStyle/>
-          <a:p>
-            <a:r>
-              <a:rPr lang="en-US" sz="1400" b="1" dirty="0"/>
-              <a:t>Module - OS Handlers:</a:t>
-            </a:r>
-          </a:p>
-          <a:p>
-            <a:pPr lvl="1"/>
-            <a:r>
-              <a:rPr lang="en-US" sz="1400" dirty="0"/>
-              <a:t>File viewing at user’s desktop. Readily available for Windows and can be easily extended on other systems.</a:t>
-            </a:r>
-          </a:p>
-          <a:p>
-            <a:r>
-              <a:rPr lang="en-US" sz="1400" b="1" dirty="0"/>
-              <a:t>Module - Remote Accessors:</a:t>
-            </a:r>
-          </a:p>
-          <a:p>
-            <a:pPr lvl="1"/>
-            <a:r>
-              <a:rPr lang="en-US" sz="1400" dirty="0"/>
-              <a:t>Enables interactions with different document collaboration tools viz. Windows file system, Google Drives, WebDAV enabled portals in a consistent manner.</a:t>
-            </a:r>
-          </a:p>
-          <a:p>
-            <a:pPr lvl="1"/>
-            <a:r>
-              <a:rPr lang="en-US" sz="1400" dirty="0"/>
-              <a:t>Few remote accessors viz. </a:t>
-            </a:r>
-            <a:r>
-              <a:rPr lang="en-US" sz="1400" dirty="0" err="1"/>
-              <a:t>GoogleDrive</a:t>
-            </a:r>
-            <a:r>
-              <a:rPr lang="en-US" sz="1400" dirty="0"/>
-              <a:t> accessor incorporate content location caching to speed up the process.</a:t>
-            </a:r>
-          </a:p>
-          <a:p>
-            <a:r>
-              <a:rPr lang="en-US" sz="1400" b="1" dirty="0"/>
-              <a:t>Module - Extended Server Components:</a:t>
-            </a:r>
-          </a:p>
-          <a:p>
-            <a:pPr lvl="1"/>
-            <a:r>
-              <a:rPr lang="en-US" sz="1400" dirty="0"/>
-              <a:t>Provides the Orchestrators for Extended processing of special contents.</a:t>
-            </a:r>
-          </a:p>
-          <a:p>
-            <a:r>
-              <a:rPr lang="en-US" sz="1400" b="1" dirty="0"/>
-              <a:t>Module – Extended Handlers:</a:t>
-            </a:r>
-          </a:p>
-          <a:p>
-            <a:pPr lvl="1"/>
-            <a:r>
-              <a:rPr lang="en-US" sz="1400" dirty="0"/>
-              <a:t>Implementations of the extended processing of special contents that require unique enrichments at server side.</a:t>
-            </a:r>
-          </a:p>
-          <a:p>
-            <a:r>
-              <a:rPr lang="en-US" sz="1400" b="1" dirty="0"/>
-              <a:t>Modules - </a:t>
-            </a:r>
-            <a:r>
-              <a:rPr lang="en-US" sz="1400" b="1" dirty="0" err="1"/>
-              <a:t>CommonOpenCldFns</a:t>
-            </a:r>
-            <a:r>
-              <a:rPr lang="en-US" sz="1400" b="1" dirty="0"/>
-              <a:t> and </a:t>
-            </a:r>
-            <a:r>
-              <a:rPr lang="en-US" sz="1400" b="1" dirty="0" err="1"/>
-              <a:t>XtdCommonOpenCldFns</a:t>
-            </a:r>
-            <a:endParaRPr lang="en-US" sz="1400" dirty="0"/>
-          </a:p>
-          <a:p>
-            <a:pPr lvl="1"/>
-            <a:r>
-              <a:rPr lang="en-US" sz="1400" dirty="0"/>
-              <a:t>Packages commonly used methods.</a:t>
-            </a:r>
-          </a:p>
-          <a:p>
-            <a:r>
-              <a:rPr lang="en-US" sz="1400" b="1" dirty="0"/>
-              <a:t>Project – </a:t>
-            </a:r>
-            <a:r>
-              <a:rPr lang="en-US" sz="1400" b="1" dirty="0" err="1"/>
-              <a:t>ZColbTrkInstaller</a:t>
-            </a:r>
-            <a:endParaRPr lang="en-US" sz="1400" b="1" dirty="0"/>
-          </a:p>
-          <a:p>
-            <a:pPr lvl="1"/>
-            <a:r>
-              <a:rPr lang="en-US" sz="1400" dirty="0"/>
-              <a:t>Packages installation executables.</a:t>
-            </a:r>
-          </a:p>
-          <a:p>
-            <a:endParaRPr lang="en-US" sz="1400" dirty="0"/>
+              <a:rPr lang="en-US" sz="1800" dirty="0"/>
+              <a:t>Stores the executables in the installation folder and maps the working folder to user specific folder (i.e. c:\users\Vibeesh).</a:t>
+            </a:r>
+          </a:p>
+          <a:p>
+            <a:pPr lvl="0"/>
+            <a:r>
+              <a:rPr lang="en-US" sz="2000" dirty="0"/>
+              <a:t>Unless you intend to implement a new custom content type for your own users, you don’t have to set up a platform server. In that case you can suppress the periodic refresh by setting the flag </a:t>
+            </a:r>
+            <a:r>
+              <a:rPr lang="en-US" sz="2000" dirty="0" err="1"/>
+              <a:t>suppressSysCompRefresh</a:t>
+            </a:r>
+            <a:r>
+              <a:rPr lang="en-US" sz="2000" dirty="0"/>
+              <a:t> in </a:t>
+            </a:r>
+            <a:r>
+              <a:rPr lang="en-US" sz="2000" dirty="0" err="1"/>
+              <a:t>commons.properties</a:t>
+            </a:r>
+            <a:r>
+              <a:rPr lang="en-US" sz="2000" dirty="0"/>
+              <a:t>.</a:t>
+            </a:r>
+          </a:p>
+          <a:p>
+            <a:pPr lvl="0"/>
+            <a:r>
+              <a:rPr lang="en-US" sz="2000" dirty="0"/>
+              <a:t>The default installation points the demo root </a:t>
+            </a:r>
+            <a:r>
+              <a:rPr lang="en-US" sz="2000" dirty="0" err="1"/>
+              <a:t>DemoGShContentRoot</a:t>
+            </a:r>
+            <a:r>
+              <a:rPr lang="en-US" sz="2000" dirty="0"/>
+              <a:t> at Google drive with public read access. </a:t>
+            </a:r>
+            <a:r>
+              <a:rPr lang="en-US" sz="2000" i="1" u="sng" dirty="0"/>
+              <a:t>Hence, with the installation steps so far, one can start training with the tool.</a:t>
+            </a:r>
           </a:p>
         </p:txBody>
       </p:sp>
       <p:pic>
         <p:nvPicPr>
-          <p:cNvPr id="5" name="Picture 4">
-            <a:extLst>
-              <a:ext uri="{FF2B5EF4-FFF2-40B4-BE49-F238E27FC236}">
-                <a16:creationId xmlns:a16="http://schemas.microsoft.com/office/drawing/2014/main" id="{0E5368B5-ECBC-4A4C-A366-B0EC0E3C3B4C}"/>
+          <p:cNvPr id="4" name="Picture 3">
+            <a:extLst>
+              <a:ext uri="{FF2B5EF4-FFF2-40B4-BE49-F238E27FC236}">
+                <a16:creationId xmlns:a16="http://schemas.microsoft.com/office/drawing/2014/main" id="{7CC6FEBE-821D-4474-9DA4-A653B5848226}"/>
               </a:ext>
             </a:extLst>
           </p:cNvPr>
@@ -4680,7 +4531,7 @@
           <p:nvPr/>
         </p:nvPicPr>
         <p:blipFill>
-          <a:blip r:embed="rId2"/>
+          <a:blip r:embed="rId3"/>
           <a:stretch>
             <a:fillRect/>
           </a:stretch>
@@ -4698,7 +4549,7 @@
     </p:spTree>
     <p:extLst>
       <p:ext uri="{BB962C8B-B14F-4D97-AF65-F5344CB8AC3E}">
-        <p14:creationId xmlns:p14="http://schemas.microsoft.com/office/powerpoint/2010/main" val="3005285128"/>
+        <p14:creationId xmlns:p14="http://schemas.microsoft.com/office/powerpoint/2010/main" val="1813607402"/>
       </p:ext>
     </p:extLst>
   </p:cSld>
@@ -4749,9 +4600,10 @@
           <a:lstStyle/>
           <a:p>
             <a:r>
-              <a:rPr lang="en-US" dirty="0"/>
-              <a:t>Technology stack</a:t>
-            </a:r>
+              <a:rPr lang="en-US"/>
+              <a:t>Administrator initial activities:</a:t>
+            </a:r>
+            <a:endParaRPr lang="en-US" dirty="0"/>
           </a:p>
         </p:txBody>
       </p:sp>
@@ -4783,109 +4635,172 @@
           </a:bodyPr>
           <a:lstStyle/>
           <a:p>
-            <a:r>
-              <a:rPr lang="en-US" sz="1800" b="1" dirty="0" err="1"/>
-              <a:t>jdk</a:t>
-            </a:r>
-            <a:r>
-              <a:rPr lang="en-US" sz="1800" b="1" dirty="0"/>
-              <a:t> 1.8		</a:t>
-            </a:r>
+            <a:pPr lvl="0"/>
             <a:r>
               <a:rPr lang="en-US" sz="1800" dirty="0"/>
-              <a:t>Java Development Kit</a:t>
-            </a:r>
-          </a:p>
-          <a:p>
-            <a:r>
-              <a:rPr lang="en-US" sz="1800" b="1" dirty="0"/>
-              <a:t>SWT</a:t>
+              <a:t>At the root server side replicate the model folders of </a:t>
+            </a:r>
+            <a:r>
+              <a:rPr lang="en-US" sz="1800" dirty="0" err="1"/>
+              <a:t>DemoRoot</a:t>
             </a:r>
             <a:r>
               <a:rPr lang="en-US" sz="1800" dirty="0"/>
-              <a:t>		Standard Widget Toolkit, a </a:t>
-            </a:r>
-            <a:r>
-              <a:rPr lang="en-US" sz="1800" dirty="0" err="1"/>
-              <a:t>llightweight</a:t>
-            </a:r>
+              <a:t> and provide access to users as below:</a:t>
+            </a:r>
+          </a:p>
+          <a:p>
+            <a:pPr lvl="1"/>
+            <a:r>
+              <a:rPr lang="en-US" sz="1600" dirty="0"/>
+              <a:t>1_allmembersreadable: 	Contains artifacts, catalog publications and requests’ responses folders. All users shall be provided read access to this folder.</a:t>
+            </a:r>
+          </a:p>
+          <a:p>
+            <a:pPr lvl="1"/>
+            <a:r>
+              <a:rPr lang="en-US" sz="1600" dirty="0"/>
+              <a:t>2_contributorswritable: 	Contains request drop box and content drop box. Provide write access on the request drop box to all contributors to place their requests. Create subfolders within content drop box with the names of the contributors and provide write access to the corresponding personnel to place their contents.</a:t>
+            </a:r>
+          </a:p>
+          <a:p>
+            <a:pPr lvl="2"/>
+            <a:r>
+              <a:rPr lang="en-US" sz="1100" dirty="0"/>
+              <a:t>&lt;INSTALL_PATH&gt;</a:t>
+            </a:r>
+            <a:r>
+              <a:rPr lang="en-US" sz="1400" dirty="0"/>
+              <a:t>\</a:t>
+            </a:r>
+            <a:r>
+              <a:rPr lang="en-US" sz="1400" dirty="0" err="1"/>
+              <a:t>WindowsRoots</a:t>
+            </a:r>
+            <a:r>
+              <a:rPr lang="en-US" sz="1400" dirty="0"/>
+              <a:t>\</a:t>
+            </a:r>
+            <a:r>
+              <a:rPr lang="en-US" sz="1400" dirty="0" err="1"/>
+              <a:t>DemoWinContentRoot</a:t>
+            </a:r>
+            <a:r>
+              <a:rPr lang="en-US" sz="1400" dirty="0"/>
+              <a:t>\2_contributorswritable \</a:t>
+            </a:r>
+            <a:r>
+              <a:rPr lang="en-US" sz="1400" dirty="0" err="1"/>
+              <a:t>contentdropbox</a:t>
+            </a:r>
+            <a:r>
+              <a:rPr lang="en-US" sz="1400" dirty="0"/>
+              <a:t>\&lt;</a:t>
+            </a:r>
+            <a:r>
+              <a:rPr lang="en-US" sz="1400" dirty="0" err="1"/>
+              <a:t>ApplicationUserName</a:t>
+            </a:r>
+            <a:r>
+              <a:rPr lang="en-US" sz="1400" dirty="0"/>
+              <a:t>&gt;</a:t>
+            </a:r>
+          </a:p>
+          <a:p>
+            <a:pPr lvl="2"/>
+            <a:r>
+              <a:rPr lang="en-US" sz="1400" dirty="0"/>
+              <a:t>e.g. </a:t>
+            </a:r>
+            <a:r>
+              <a:rPr lang="en-US" sz="1100" dirty="0"/>
+              <a:t>C:\Kannan\Java\ColbTrk</a:t>
+            </a:r>
+            <a:r>
+              <a:rPr lang="en-US" sz="1400" dirty="0"/>
+              <a:t>\WindowsRoots\DemoWinContentRoot\2_contributorswritable\contentdropbox\DEMOUSER</a:t>
+            </a:r>
+          </a:p>
+          <a:p>
+            <a:pPr lvl="1"/>
+            <a:r>
+              <a:rPr lang="en-US" sz="1600" dirty="0"/>
+              <a:t>3_behindscene: 	Contains housekeeping folders.</a:t>
+            </a:r>
+          </a:p>
+          <a:p>
+            <a:pPr lvl="0"/>
             <a:r>
               <a:rPr lang="en-US" sz="1800" dirty="0"/>
-              <a:t> framework for desktop UI</a:t>
-            </a:r>
-          </a:p>
-          <a:p>
-            <a:r>
-              <a:rPr lang="en-US" sz="1800" b="1" dirty="0"/>
-              <a:t>SQLite		</a:t>
-            </a:r>
+              <a:t>Configure the relevance structure appropriate to the team in the catalog master database. Add contributing users with ADMIN login using the user-maintenance content type. Few common purpose user IDs are factory set e.g. ADMIN, DEMOUSER, XTDSTDPROC, XTDTMSHPROC, XTDDECKERLITE, XTDDECKERGRPR.</a:t>
+            </a:r>
+          </a:p>
+          <a:p>
+            <a:pPr lvl="0"/>
             <a:r>
               <a:rPr lang="en-US" sz="1800" dirty="0"/>
-              <a:t>Serverless self-contained database engine for tracking the drafts one creates, to publish the 		available artifacts catalog to all participants, to track the subscriptions at subscribers’ 			desktops and  to hold the Content Type configurations.</a:t>
-            </a:r>
-          </a:p>
-          <a:p>
-            <a:r>
-              <a:rPr lang="en-US" sz="1800" b="1" dirty="0"/>
-              <a:t>Google APIs	</a:t>
-            </a:r>
-            <a:r>
-              <a:rPr lang="en-US" sz="1800" dirty="0"/>
-              <a:t>For accessing a Google Drive based doc central</a:t>
-            </a:r>
-          </a:p>
-          <a:p>
-            <a:r>
-              <a:rPr lang="en-US" sz="1800" b="1" dirty="0"/>
-              <a:t>Sardine	</a:t>
-            </a:r>
-            <a:r>
-              <a:rPr lang="en-US" sz="1800" dirty="0"/>
-              <a:t>For accessing WebDAV enabled doc central</a:t>
-            </a:r>
-          </a:p>
-          <a:p>
-            <a:r>
-              <a:rPr lang="en-US" sz="1800" b="1" dirty="0"/>
-              <a:t>Apache POI	</a:t>
-            </a:r>
-            <a:r>
-              <a:rPr lang="en-US" sz="1800" dirty="0"/>
-              <a:t>For rolling up excel artifacts</a:t>
-            </a:r>
-          </a:p>
-          <a:p>
-            <a:r>
-              <a:rPr lang="en-US" sz="1800" b="1" dirty="0"/>
-              <a:t>Log4J		</a:t>
-            </a:r>
-            <a:r>
-              <a:rPr lang="en-US" sz="1800" dirty="0"/>
-              <a:t>Error Logging</a:t>
-            </a:r>
-          </a:p>
-          <a:p>
-            <a:r>
-              <a:rPr lang="en-US" sz="1800" b="1" dirty="0"/>
-              <a:t>Maven		</a:t>
-            </a:r>
-            <a:r>
-              <a:rPr lang="en-US" sz="1800" dirty="0"/>
-              <a:t>For version control of external repositories.</a:t>
-            </a:r>
-          </a:p>
-          <a:p>
-            <a:r>
-              <a:rPr lang="en-US" sz="1800" b="1" dirty="0" err="1"/>
-              <a:t>Izpack</a:t>
-            </a:r>
-            <a:r>
-              <a:rPr lang="en-US" sz="1800" b="1" dirty="0"/>
-              <a:t>		</a:t>
-            </a:r>
-            <a:r>
-              <a:rPr lang="en-US" sz="1800" dirty="0"/>
-              <a:t>For packaging and installation</a:t>
+              <a:t>Assign a server processing machine to execute the Server Orchestrator to perform housekeeping operations on the Doc Central contents. </a:t>
+            </a:r>
+          </a:p>
+          <a:p>
+            <a:pPr lvl="1"/>
+            <a:r>
+              <a:rPr lang="en-US" sz="1600" dirty="0"/>
+              <a:t>Install the </a:t>
+            </a:r>
+            <a:r>
+              <a:rPr lang="en-US" sz="1600" dirty="0" err="1"/>
+              <a:t>CollabTracker</a:t>
+            </a:r>
+            <a:r>
+              <a:rPr lang="en-US" sz="1600" dirty="0"/>
+              <a:t> on this machine and configure the trigger mechanism to initiate the Server Orchestrator.</a:t>
+            </a:r>
+          </a:p>
+          <a:p>
+            <a:pPr lvl="1"/>
+            <a:r>
+              <a:rPr lang="en-US" sz="1600" dirty="0"/>
+              <a:t>Copy the model </a:t>
+            </a:r>
+            <a:r>
+              <a:rPr lang="en-US" sz="1600" dirty="0" err="1"/>
+              <a:t>catalogMasterDb</a:t>
+            </a:r>
+            <a:r>
+              <a:rPr lang="en-US" sz="1600" dirty="0"/>
+              <a:t> file from </a:t>
+            </a:r>
+            <a:r>
+              <a:rPr lang="en-US" sz="1600" dirty="0" err="1"/>
+              <a:t>catalogMasterDbFileOf</a:t>
+            </a:r>
+            <a:r>
+              <a:rPr lang="en-US" sz="1600" dirty="0"/>
+              <a:t>&lt;</a:t>
+            </a:r>
+            <a:r>
+              <a:rPr lang="en-US" sz="1600" dirty="0" err="1"/>
+              <a:t>DemoWinContentRoot</a:t>
+            </a:r>
+            <a:r>
+              <a:rPr lang="en-US" sz="1600" dirty="0"/>
+              <a:t>&gt; into the new root specific file.</a:t>
+            </a:r>
+          </a:p>
+          <a:p>
+            <a:pPr lvl="1"/>
+            <a:r>
+              <a:rPr lang="en-US" sz="1600" dirty="0"/>
+              <a:t>Update the tables Relevance and Users in the </a:t>
+            </a:r>
+            <a:r>
+              <a:rPr lang="en-US" sz="1600" dirty="0" err="1"/>
+              <a:t>catalogDb</a:t>
+            </a:r>
+            <a:r>
+              <a:rPr lang="en-US" sz="1600" dirty="0"/>
+              <a:t> as per need.</a:t>
             </a:r>
           </a:p>
         </p:txBody>
@@ -4895,7 +4810,7 @@
           <p:cNvPr id="4" name="Picture 3">
             <a:extLst>
               <a:ext uri="{FF2B5EF4-FFF2-40B4-BE49-F238E27FC236}">
-                <a16:creationId xmlns:a16="http://schemas.microsoft.com/office/drawing/2014/main" id="{70C945FB-9F13-4719-ABD5-0CD79642E395}"/>
+                <a16:creationId xmlns:a16="http://schemas.microsoft.com/office/drawing/2014/main" id="{2C4C8DF9-CB44-4C36-9C3C-993DAA16311A}"/>
               </a:ext>
             </a:extLst>
           </p:cNvPr>
@@ -4923,7 +4838,7 @@
     </p:spTree>
     <p:extLst>
       <p:ext uri="{BB962C8B-B14F-4D97-AF65-F5344CB8AC3E}">
-        <p14:creationId xmlns:p14="http://schemas.microsoft.com/office/powerpoint/2010/main" val="3303239355"/>
+        <p14:creationId xmlns:p14="http://schemas.microsoft.com/office/powerpoint/2010/main" val="899106595"/>
       </p:ext>
     </p:extLst>
   </p:cSld>
@@ -4975,7 +4890,7 @@
           <a:p>
             <a:r>
               <a:rPr lang="en-US"/>
-              <a:t>How to install?</a:t>
+              <a:t>Administrator initial activities (continued):</a:t>
             </a:r>
             <a:endParaRPr lang="en-US" dirty="0"/>
           </a:p>
@@ -4999,8 +4914,8 @@
         </p:nvSpPr>
         <p:spPr>
           <a:xfrm>
-            <a:off x="838200" y="1500504"/>
-            <a:ext cx="10515600" cy="5276215"/>
+            <a:off x="838200" y="1500505"/>
+            <a:ext cx="10515600" cy="4351338"/>
           </a:xfrm>
         </p:spPr>
         <p:txBody>
@@ -5011,100 +4926,80 @@
           <a:p>
             <a:pPr lvl="0"/>
             <a:r>
-              <a:rPr lang="en-US" sz="2000" dirty="0"/>
-              <a:t>Choose the computers to execute catalog server and extended server orchestrators.</a:t>
+              <a:rPr lang="en-US" sz="1800"/>
+              <a:t>Admin shall run the server orchestrator first so the catalog publication gets initiated and all other users can initiate sync ups before starting to contribute.</a:t>
             </a:r>
           </a:p>
           <a:p>
             <a:pPr lvl="0"/>
             <a:r>
-              <a:rPr lang="en-US" sz="2000" dirty="0"/>
-              <a:t>Set the computers’ (user desktop, catalog server and extended orchestrator) environmental variable PATH to include java installation location.</a:t>
+              <a:rPr lang="en-US" sz="1800"/>
+              <a:t>Set up authorized contributors using User Maintenance content type.</a:t>
             </a:r>
           </a:p>
           <a:p>
             <a:pPr lvl="0"/>
             <a:r>
-              <a:rPr lang="en-US" sz="2000" dirty="0"/>
-              <a:t>Set up the servers and then the desktop users using the installation package. The installation package is downloadable from GitHub </a:t>
-            </a:r>
-            <a:r>
-              <a:rPr lang="en-US" sz="2000" u="sng" dirty="0">
-                <a:hlinkClick r:id="rId2"/>
-              </a:rPr>
-              <a:t>https://github.com/vibeeshK/CollabTracker</a:t>
-            </a:r>
-            <a:r>
-              <a:rPr lang="en-US" sz="2000" dirty="0"/>
-              <a:t> file: CollabTrackerInstaller_1.x.jar. It performs the following:</a:t>
+              <a:rPr lang="en-US" sz="1800"/>
+              <a:t>Assign as many extended machines to execute the Extended Server Orchestrators to handle extended functions of the doc central contents.</a:t>
             </a:r>
           </a:p>
           <a:p>
             <a:pPr lvl="1"/>
             <a:r>
-              <a:rPr lang="en-US" sz="1800" dirty="0"/>
-              <a:t>Captures the Installation folder path, Desktop User name who will be using the application and also the proxy IP and port details.</a:t>
+              <a:rPr lang="en-US" sz="1600"/>
+              <a:t>Install the CollabTracker on this machine and configure the trigger mechanism to initiate the Extended Orchestrators.</a:t>
             </a:r>
           </a:p>
           <a:p>
             <a:pPr lvl="1"/>
             <a:r>
-              <a:rPr lang="en-US" sz="1800" dirty="0"/>
-              <a:t>Sets the property files - Common, Client, System, Server and </a:t>
-            </a:r>
-            <a:r>
-              <a:rPr lang="en-US" sz="1800" dirty="0" err="1"/>
-              <a:t>Extendedserver</a:t>
-            </a:r>
-            <a:r>
-              <a:rPr lang="en-US" sz="1800" dirty="0"/>
-              <a:t> with user’s choices.</a:t>
+              <a:rPr lang="en-US" sz="1600"/>
+              <a:t>Copy the folder extdSrvrDeckrLite with its content i.e. its own clientdb file.</a:t>
             </a:r>
           </a:p>
           <a:p>
             <a:pPr lvl="1"/>
             <a:r>
-              <a:rPr lang="en-US" sz="1800" dirty="0"/>
-              <a:t>Stores the executables in the installation folder and maps the working folder to user specific folder (i.e. c:\users\Vibeesh).</a:t>
+              <a:rPr lang="en-US" sz="1600"/>
+              <a:t>Ensure the placement of the extended catalog db file such as &lt;catalogXtdTmCapture&gt;DbFileOf&lt;DemoGShContentRoot&gt; in extendedcatalogdbfiles folder.</a:t>
             </a:r>
           </a:p>
           <a:p>
             <a:pPr lvl="0"/>
             <a:r>
-              <a:rPr lang="en-US" sz="2000" dirty="0"/>
-              <a:t>Unless you intend to implement a new custom content type for your own users, you don’t have to set up a platform server. In that case you can suppress the periodic refresh by setting the flag </a:t>
-            </a:r>
-            <a:r>
-              <a:rPr lang="en-US" sz="2000" dirty="0" err="1"/>
-              <a:t>suppressSysCompRefresh</a:t>
-            </a:r>
-            <a:r>
-              <a:rPr lang="en-US" sz="2000" dirty="0"/>
-              <a:t> in </a:t>
-            </a:r>
-            <a:r>
-              <a:rPr lang="en-US" sz="2000" dirty="0" err="1"/>
-              <a:t>commons.properties</a:t>
-            </a:r>
-            <a:r>
-              <a:rPr lang="en-US" sz="2000" dirty="0"/>
-              <a:t>.</a:t>
-            </a:r>
-          </a:p>
-          <a:p>
-            <a:pPr lvl="0"/>
-            <a:r>
-              <a:rPr lang="en-US" sz="2000" dirty="0"/>
-              <a:t>The default installation points the demo content root </a:t>
-            </a:r>
-            <a:r>
-              <a:rPr lang="en-US" sz="2000" dirty="0" err="1"/>
-              <a:t>DemoGShContentRoot</a:t>
-            </a:r>
-            <a:r>
-              <a:rPr lang="en-US" sz="2000" dirty="0"/>
-              <a:t> at google drive. You can train yourself using this root.</a:t>
-            </a:r>
+              <a:rPr lang="en-US" sz="1800"/>
+              <a:t>Optionally, further customization can be done through updating </a:t>
+            </a:r>
+            <a:r>
+              <a:rPr lang="en-US" sz="1800" i="1"/>
+              <a:t>properties</a:t>
+            </a:r>
+            <a:r>
+              <a:rPr lang="en-US" sz="1800"/>
+              <a:t> files placed in the config folder viz. Common, Client, Server, ExtendedServer etc.</a:t>
+            </a:r>
+          </a:p>
+          <a:p>
+            <a:r>
+              <a:rPr lang="en-US" sz="1800"/>
+              <a:t>User desktop side triggering:</a:t>
+            </a:r>
+          </a:p>
+          <a:p>
+            <a:pPr lvl="1"/>
+            <a:r>
+              <a:rPr lang="en-US" sz="1600"/>
+              <a:t>Once the admin completes the server side set up, users can invoke the client UI and view published contents via catalog display.</a:t>
+            </a:r>
+          </a:p>
+          <a:p>
+            <a:pPr lvl="1"/>
+            <a:r>
+              <a:rPr lang="en-US" sz="1600"/>
+              <a:t>The client processor needs to be triggered so the user side contents are in sync with server side.</a:t>
+            </a:r>
+            <a:endParaRPr lang="en-US" sz="1600" dirty="0"/>
           </a:p>
         </p:txBody>
       </p:sp>
@@ -5113,7 +5008,7 @@
           <p:cNvPr id="4" name="Picture 3">
             <a:extLst>
               <a:ext uri="{FF2B5EF4-FFF2-40B4-BE49-F238E27FC236}">
-                <a16:creationId xmlns:a16="http://schemas.microsoft.com/office/drawing/2014/main" id="{7CC6FEBE-821D-4474-9DA4-A653B5848226}"/>
+                <a16:creationId xmlns:a16="http://schemas.microsoft.com/office/drawing/2014/main" id="{D6D1AB90-5A72-4E04-8F72-2C4203AE319C}"/>
               </a:ext>
             </a:extLst>
           </p:cNvPr>
@@ -5123,7 +5018,7 @@
           <p:nvPr/>
         </p:nvPicPr>
         <p:blipFill>
-          <a:blip r:embed="rId3"/>
+          <a:blip r:embed="rId2"/>
           <a:stretch>
             <a:fillRect/>
           </a:stretch>
@@ -5141,7 +5036,7 @@
     </p:spTree>
     <p:extLst>
       <p:ext uri="{BB962C8B-B14F-4D97-AF65-F5344CB8AC3E}">
-        <p14:creationId xmlns:p14="http://schemas.microsoft.com/office/powerpoint/2010/main" val="1813607402"/>
+        <p14:creationId xmlns:p14="http://schemas.microsoft.com/office/powerpoint/2010/main" val="2826614512"/>
       </p:ext>
     </p:extLst>
   </p:cSld>
@@ -5192,10 +5087,13 @@
           <a:lstStyle/>
           <a:p>
             <a:r>
-              <a:rPr lang="en-US"/>
-              <a:t>Administrator initial activities:</a:t>
-            </a:r>
-            <a:endParaRPr lang="en-US" dirty="0"/>
+              <a:rPr lang="en-US" dirty="0" err="1"/>
+              <a:t>Sourcecode</a:t>
+            </a:r>
+            <a:r>
+              <a:rPr lang="en-US" dirty="0"/>
+              <a:t> Organization</a:t>
+            </a:r>
           </a:p>
         </p:txBody>
       </p:sp>
@@ -5212,13 +5110,13 @@
             <a:spLocks noGrp="1"/>
           </p:cNvSpPr>
           <p:nvPr>
-            <p:ph idx="1"/>
-          </p:nvPr>
-        </p:nvSpPr>
-        <p:spPr>
-          <a:xfrm>
-            <a:off x="838200" y="1500505"/>
-            <a:ext cx="10515600" cy="4351338"/>
+            <p:ph sz="half" idx="1"/>
+          </p:nvPr>
+        </p:nvSpPr>
+        <p:spPr>
+          <a:xfrm>
+            <a:off x="838200" y="1591945"/>
+            <a:ext cx="5181600" cy="4351338"/>
           </a:xfrm>
         </p:spPr>
         <p:txBody>
@@ -5227,182 +5125,261 @@
           </a:bodyPr>
           <a:lstStyle/>
           <a:p>
-            <a:pPr lvl="0"/>
-            <a:r>
-              <a:rPr lang="en-US" sz="1800" dirty="0"/>
-              <a:t>At the root server side replicate the model folders of </a:t>
-            </a:r>
-            <a:r>
-              <a:rPr lang="en-US" sz="1800" dirty="0" err="1"/>
-              <a:t>DemoRoot</a:t>
-            </a:r>
-            <a:r>
-              <a:rPr lang="en-US" sz="1800" dirty="0"/>
-              <a:t> and provide access to users as below:</a:t>
+            <a:r>
+              <a:rPr lang="en-US" sz="1400" b="1" dirty="0"/>
+              <a:t>Master Project - </a:t>
+            </a:r>
+            <a:r>
+              <a:rPr lang="en-US" sz="1400" b="1" dirty="0" err="1"/>
+              <a:t>ColbTrkerProj</a:t>
+            </a:r>
+            <a:r>
+              <a:rPr lang="en-US" sz="1400" b="1" dirty="0"/>
+              <a:t>:</a:t>
             </a:r>
           </a:p>
           <a:p>
             <a:pPr lvl="1"/>
             <a:r>
-              <a:rPr lang="en-US" sz="1600" dirty="0"/>
-              <a:t>1_allmembersreadable: 	Contains artifacts, catalog publications and requests’ responses folders. All users shall be provided read access to this folder.</a:t>
+              <a:rPr lang="en-US" sz="1400" dirty="0"/>
+              <a:t>The source code packages are modularly organized within this Multi-module Maven project for easier maintenance and enhancements.</a:t>
+            </a:r>
+          </a:p>
+          <a:p>
+            <a:r>
+              <a:rPr lang="en-US" sz="1400" b="1" dirty="0" err="1"/>
+              <a:t>Mdule</a:t>
+            </a:r>
+            <a:r>
+              <a:rPr lang="en-US" sz="1400" b="1" dirty="0"/>
+              <a:t> - </a:t>
+            </a:r>
+            <a:r>
+              <a:rPr lang="en-US" sz="1400" b="1" dirty="0" err="1"/>
+              <a:t>ColbTrk</a:t>
+            </a:r>
+            <a:r>
+              <a:rPr lang="en-US" sz="1400" b="1" dirty="0"/>
+              <a:t> (Base Components):</a:t>
             </a:r>
           </a:p>
           <a:p>
             <a:pPr lvl="1"/>
             <a:r>
-              <a:rPr lang="en-US" sz="1600" dirty="0"/>
-              <a:t>2_contributorswritable: 	Contains request drop box and content drop box. Provide write access on the request drop box to all contributors to place their requests. Create subfolders within content drop box with the names of the contributors and provide write access to the corresponding personnel to place their contents.</a:t>
-            </a:r>
-          </a:p>
-          <a:p>
-            <a:pPr lvl="2"/>
-            <a:r>
-              <a:rPr lang="en-US" sz="1100" dirty="0"/>
-              <a:t>&lt;INSTALL_PATH&gt;</a:t>
-            </a:r>
-            <a:r>
               <a:rPr lang="en-US" sz="1400" dirty="0"/>
-              <a:t>\</a:t>
-            </a:r>
+              <a:t>Contains the base components to handle the Desktop and Doc Central processes.</a:t>
+            </a:r>
+          </a:p>
+          <a:p>
+            <a:pPr lvl="1"/>
+            <a:r>
+              <a:rPr lang="en-US" sz="1400" dirty="0"/>
+              <a:t>Common routines that simplifies the work of business layer</a:t>
+            </a:r>
+          </a:p>
+          <a:p>
+            <a:pPr lvl="1"/>
+            <a:r>
+              <a:rPr lang="en-US" sz="1400" dirty="0"/>
+              <a:t>Abstracts of content handlers with generic functions</a:t>
+            </a:r>
+          </a:p>
+          <a:p>
+            <a:pPr lvl="1"/>
+            <a:r>
+              <a:rPr lang="en-US" sz="1400" dirty="0"/>
+              <a:t>Interface definitions to standardize Remote processing and OS handling</a:t>
+            </a:r>
+          </a:p>
+          <a:p>
+            <a:pPr lvl="1"/>
+            <a:r>
+              <a:rPr lang="en-US" sz="1400" dirty="0"/>
+              <a:t>Dynamic loaders of content handlers, OS handlers and Remote processors.</a:t>
+            </a:r>
+          </a:p>
+          <a:p>
+            <a:pPr lvl="1"/>
+            <a:r>
+              <a:rPr lang="en-US" sz="1400" dirty="0"/>
+              <a:t>Refreshers to synch up newer versions of content handlers without manual intervention.</a:t>
+            </a:r>
+          </a:p>
+          <a:p>
+            <a:pPr lvl="1"/>
             <a:r>
               <a:rPr lang="en-US" sz="1400" dirty="0" err="1"/>
-              <a:t>WindowsRoots</a:t>
+              <a:t>ReviewHandlers</a:t>
             </a:r>
             <a:r>
               <a:rPr lang="en-US" sz="1400" dirty="0"/>
-              <a:t>\</a:t>
+              <a:t> through which the users can log remarks directly on the artifacts.</a:t>
+            </a:r>
+          </a:p>
+          <a:p>
+            <a:r>
+              <a:rPr lang="en-US" sz="1400" b="1" dirty="0"/>
+              <a:t>Module - Content Handlers:</a:t>
+            </a:r>
+          </a:p>
+          <a:p>
+            <a:pPr lvl="1"/>
+            <a:r>
+              <a:rPr lang="en-US" sz="1400" dirty="0"/>
+              <a:t>Provides the handling mechanism for each content type at client desktops and at catalog servers.</a:t>
+            </a:r>
+          </a:p>
+        </p:txBody>
+      </p:sp>
+      <p:sp>
+        <p:nvSpPr>
+          <p:cNvPr id="4" name="Content Placeholder 3">
+            <a:extLst>
+              <a:ext uri="{FF2B5EF4-FFF2-40B4-BE49-F238E27FC236}">
+                <a16:creationId xmlns:a16="http://schemas.microsoft.com/office/drawing/2014/main" id="{A3E98A54-904E-43C9-90AF-0858DCF8E197}"/>
+              </a:ext>
+            </a:extLst>
+          </p:cNvPr>
+          <p:cNvSpPr>
+            <a:spLocks noGrp="1"/>
+          </p:cNvSpPr>
+          <p:nvPr>
+            <p:ph sz="half" idx="2"/>
+          </p:nvPr>
+        </p:nvSpPr>
+        <p:spPr>
+          <a:xfrm>
+            <a:off x="6172200" y="1591945"/>
+            <a:ext cx="5181600" cy="4351338"/>
+          </a:xfrm>
+        </p:spPr>
+        <p:txBody>
+          <a:bodyPr>
+            <a:noAutofit/>
+          </a:bodyPr>
+          <a:lstStyle/>
+          <a:p>
+            <a:r>
+              <a:rPr lang="en-US" sz="1400" b="1" dirty="0"/>
+              <a:t>Module - OS Handlers:</a:t>
+            </a:r>
+          </a:p>
+          <a:p>
+            <a:pPr lvl="1"/>
+            <a:r>
+              <a:rPr lang="en-US" sz="1400" dirty="0"/>
+              <a:t>File viewing at user’s desktop. Readily available for Windows and can be easily extended on other systems.</a:t>
+            </a:r>
+          </a:p>
+          <a:p>
+            <a:r>
+              <a:rPr lang="en-US" sz="1400" b="1" dirty="0"/>
+              <a:t>Module - Remote Accessors:</a:t>
+            </a:r>
+          </a:p>
+          <a:p>
+            <a:pPr lvl="1"/>
+            <a:r>
+              <a:rPr lang="en-US" sz="1400" dirty="0"/>
+              <a:t>Enables interactions with different document collaboration tools viz. Windows file system, Google Drives, WebDAV enabled portals in a consistent manner.</a:t>
+            </a:r>
+          </a:p>
+          <a:p>
+            <a:pPr lvl="1"/>
+            <a:r>
+              <a:rPr lang="en-US" sz="1400" dirty="0"/>
+              <a:t>Few remote accessors viz. </a:t>
             </a:r>
             <a:r>
               <a:rPr lang="en-US" sz="1400" dirty="0" err="1"/>
-              <a:t>DemoWinContentRoot</a:t>
+              <a:t>GoogleDrive</a:t>
             </a:r>
             <a:r>
               <a:rPr lang="en-US" sz="1400" dirty="0"/>
-              <a:t>\2_contributorswritable \</a:t>
-            </a:r>
-            <a:r>
-              <a:rPr lang="en-US" sz="1400" dirty="0" err="1"/>
-              <a:t>contentdropbox</a:t>
-            </a:r>
+              <a:t> accessor incorporate content location caching to speed up the process.</a:t>
+            </a:r>
+          </a:p>
+          <a:p>
+            <a:r>
+              <a:rPr lang="en-US" sz="1400" b="1" dirty="0"/>
+              <a:t>Module - Extended Server Components:</a:t>
+            </a:r>
+          </a:p>
+          <a:p>
+            <a:pPr lvl="1"/>
             <a:r>
               <a:rPr lang="en-US" sz="1400" dirty="0"/>
-              <a:t>\&lt;</a:t>
-            </a:r>
-            <a:r>
-              <a:rPr lang="en-US" sz="1400" dirty="0" err="1"/>
-              <a:t>ApplicationUserName</a:t>
-            </a:r>
+              <a:t>Provides the Orchestrators for Extended processing of special contents.</a:t>
+            </a:r>
+          </a:p>
+          <a:p>
+            <a:r>
+              <a:rPr lang="en-US" sz="1400" b="1" dirty="0"/>
+              <a:t>Module – Extended Handlers:</a:t>
+            </a:r>
+          </a:p>
+          <a:p>
+            <a:pPr lvl="1"/>
             <a:r>
               <a:rPr lang="en-US" sz="1400" dirty="0"/>
-              <a:t>&gt;</a:t>
-            </a:r>
-          </a:p>
-          <a:p>
-            <a:pPr lvl="2"/>
+              <a:t>Implementations of the extended processing of special contents that require unique enrichments at server side.</a:t>
+            </a:r>
+          </a:p>
+          <a:p>
+            <a:r>
+              <a:rPr lang="en-US" sz="1400" b="1" dirty="0"/>
+              <a:t>Modules - </a:t>
+            </a:r>
+            <a:r>
+              <a:rPr lang="en-US" sz="1400" b="1" dirty="0" err="1"/>
+              <a:t>CommonOpenCldFns</a:t>
+            </a:r>
+            <a:r>
+              <a:rPr lang="en-US" sz="1400" b="1" dirty="0"/>
+              <a:t> and </a:t>
+            </a:r>
+            <a:r>
+              <a:rPr lang="en-US" sz="1400" b="1" dirty="0" err="1"/>
+              <a:t>XtdCommonOpenCldFns</a:t>
+            </a:r>
+            <a:endParaRPr lang="en-US" sz="1400" dirty="0"/>
+          </a:p>
+          <a:p>
+            <a:pPr lvl="1"/>
             <a:r>
               <a:rPr lang="en-US" sz="1400" dirty="0"/>
-              <a:t>e.g. </a:t>
-            </a:r>
-            <a:r>
-              <a:rPr lang="en-US" sz="1100" dirty="0"/>
-              <a:t>C:\Kannan\Java\ColbTrk</a:t>
-            </a:r>
+              <a:t>Packages commonly used methods.</a:t>
+            </a:r>
+          </a:p>
+          <a:p>
+            <a:r>
+              <a:rPr lang="en-US" sz="1400" b="1" dirty="0"/>
+              <a:t>Project – </a:t>
+            </a:r>
+            <a:r>
+              <a:rPr lang="en-US" sz="1400" b="1" dirty="0" err="1"/>
+              <a:t>ZColbTrkInstaller</a:t>
+            </a:r>
+            <a:endParaRPr lang="en-US" sz="1400" b="1" dirty="0"/>
+          </a:p>
+          <a:p>
+            <a:pPr lvl="1"/>
             <a:r>
               <a:rPr lang="en-US" sz="1400" dirty="0"/>
-              <a:t>\WindowsRoots\DemoWinContentRoot\2_contributorswritable\contentdropbox\DEMOUSER</a:t>
-            </a:r>
-          </a:p>
-          <a:p>
-            <a:pPr lvl="1"/>
-            <a:r>
-              <a:rPr lang="en-US" sz="1600" dirty="0"/>
-              <a:t>3_behindscene: 	Contains housekeeping folders.</a:t>
-            </a:r>
-          </a:p>
-          <a:p>
-            <a:pPr lvl="0"/>
-            <a:r>
-              <a:rPr lang="en-US" sz="1800" dirty="0"/>
-              <a:t>Configure the relevance structure appropriate to the team in the catalog master database. Add contributing users with ADMIN login using the user-maintenance content type. Few common purpose user IDs are factory set e.g. ADMIN, DEMOUSER, XTDSTDPROC, XTDTMSHPROC, XTDDECKERLITE, XTDDECKERGRPR.</a:t>
-            </a:r>
-          </a:p>
-          <a:p>
-            <a:pPr lvl="0"/>
-            <a:r>
-              <a:rPr lang="en-US" sz="1800" dirty="0"/>
-              <a:t>Assign a server processing machine to execute the Server Orchestrator to perform housekeeping operations on the Doc Central contents. </a:t>
-            </a:r>
-          </a:p>
-          <a:p>
-            <a:pPr lvl="1"/>
-            <a:r>
-              <a:rPr lang="en-US" sz="1600" dirty="0"/>
-              <a:t>Install the </a:t>
-            </a:r>
-            <a:r>
-              <a:rPr lang="en-US" sz="1600" dirty="0" err="1"/>
-              <a:t>CollabTracker</a:t>
-            </a:r>
-            <a:r>
-              <a:rPr lang="en-US" sz="1600" dirty="0"/>
-              <a:t> on this machine and configure the trigger mechanism to initiate the Server Orchestrator.</a:t>
-            </a:r>
-          </a:p>
-          <a:p>
-            <a:pPr lvl="1"/>
-            <a:r>
-              <a:rPr lang="en-US" sz="1600" dirty="0"/>
-              <a:t>Copy the model </a:t>
-            </a:r>
-            <a:r>
-              <a:rPr lang="en-US" sz="1600" dirty="0" err="1"/>
-              <a:t>catalogMasterDb</a:t>
-            </a:r>
-            <a:r>
-              <a:rPr lang="en-US" sz="1600" dirty="0"/>
-              <a:t> file from </a:t>
-            </a:r>
-            <a:r>
-              <a:rPr lang="en-US" sz="1600" dirty="0" err="1"/>
-              <a:t>catalogMasterDbFileOf</a:t>
-            </a:r>
-            <a:r>
-              <a:rPr lang="en-US" sz="1600" dirty="0"/>
-              <a:t>&lt;</a:t>
-            </a:r>
-            <a:r>
-              <a:rPr lang="en-US" sz="1600" dirty="0" err="1"/>
-              <a:t>DemoWinContentRoot</a:t>
-            </a:r>
-            <a:r>
-              <a:rPr lang="en-US" sz="1600" dirty="0"/>
-              <a:t>&gt; into the new root specific file.</a:t>
-            </a:r>
-          </a:p>
-          <a:p>
-            <a:pPr lvl="1"/>
-            <a:r>
-              <a:rPr lang="en-US" sz="1600" dirty="0"/>
-              <a:t>Update the tables Relevance and Users in the </a:t>
-            </a:r>
-            <a:r>
-              <a:rPr lang="en-US" sz="1600" dirty="0" err="1"/>
-              <a:t>catalogDb</a:t>
-            </a:r>
-            <a:r>
-              <a:rPr lang="en-US" sz="1600" dirty="0"/>
-              <a:t> as per need.</a:t>
-            </a:r>
+              <a:t>Packages installation executables.</a:t>
+            </a:r>
+          </a:p>
+          <a:p>
+            <a:endParaRPr lang="en-US" sz="1400" dirty="0"/>
           </a:p>
         </p:txBody>
       </p:sp>
       <p:pic>
         <p:nvPicPr>
-          <p:cNvPr id="4" name="Picture 3">
-            <a:extLst>
-              <a:ext uri="{FF2B5EF4-FFF2-40B4-BE49-F238E27FC236}">
-                <a16:creationId xmlns:a16="http://schemas.microsoft.com/office/drawing/2014/main" id="{2C4C8DF9-CB44-4C36-9C3C-993DAA16311A}"/>
+          <p:cNvPr id="5" name="Picture 4">
+            <a:extLst>
+              <a:ext uri="{FF2B5EF4-FFF2-40B4-BE49-F238E27FC236}">
+                <a16:creationId xmlns:a16="http://schemas.microsoft.com/office/drawing/2014/main" id="{0E5368B5-ECBC-4A4C-A366-B0EC0E3C3B4C}"/>
               </a:ext>
             </a:extLst>
           </p:cNvPr>
@@ -5430,7 +5407,7 @@
     </p:spTree>
     <p:extLst>
       <p:ext uri="{BB962C8B-B14F-4D97-AF65-F5344CB8AC3E}">
-        <p14:creationId xmlns:p14="http://schemas.microsoft.com/office/powerpoint/2010/main" val="899106595"/>
+        <p14:creationId xmlns:p14="http://schemas.microsoft.com/office/powerpoint/2010/main" val="3005285128"/>
       </p:ext>
     </p:extLst>
   </p:cSld>
@@ -5481,10 +5458,9 @@
           <a:lstStyle/>
           <a:p>
             <a:r>
-              <a:rPr lang="en-US"/>
-              <a:t>Administrator initial activities (continued):</a:t>
-            </a:r>
-            <a:endParaRPr lang="en-US" dirty="0"/>
+              <a:rPr lang="en-US" dirty="0"/>
+              <a:t>Technology stack</a:t>
+            </a:r>
           </a:p>
         </p:txBody>
       </p:sp>
@@ -5516,82 +5492,112 @@
           </a:bodyPr>
           <a:lstStyle/>
           <a:p>
-            <a:pPr lvl="0"/>
-            <a:r>
-              <a:rPr lang="en-US" sz="1800"/>
-              <a:t>Admin shall run the server orchestrator first so the catalog publication gets initiated and all other users can initiate sync ups before starting to contribute.</a:t>
-            </a:r>
-          </a:p>
-          <a:p>
-            <a:pPr lvl="0"/>
-            <a:r>
-              <a:rPr lang="en-US" sz="1800"/>
-              <a:t>Set up authorized contributors using User Maintenance content type.</a:t>
-            </a:r>
-          </a:p>
-          <a:p>
-            <a:pPr lvl="0"/>
-            <a:r>
-              <a:rPr lang="en-US" sz="1800"/>
-              <a:t>Assign as many extended machines to execute the Extended Server Orchestrators to handle extended functions of the doc central contents.</a:t>
-            </a:r>
-          </a:p>
-          <a:p>
-            <a:pPr lvl="1"/>
-            <a:r>
-              <a:rPr lang="en-US" sz="1600"/>
-              <a:t>Install the CollabTracker on this machine and configure the trigger mechanism to initiate the Extended Orchestrators.</a:t>
-            </a:r>
-          </a:p>
-          <a:p>
-            <a:pPr lvl="1"/>
-            <a:r>
-              <a:rPr lang="en-US" sz="1600"/>
-              <a:t>Copy the folder extdSrvrDeckrLite with its content i.e. its own clientdb file.</a:t>
-            </a:r>
-          </a:p>
-          <a:p>
-            <a:pPr lvl="1"/>
-            <a:r>
-              <a:rPr lang="en-US" sz="1600"/>
-              <a:t>Ensure the placement of the extended catalog db file such as &lt;catalogXtdTmCapture&gt;DbFileOf&lt;DemoGShContentRoot&gt; in extendedcatalogdbfiles folder.</a:t>
-            </a:r>
-          </a:p>
-          <a:p>
-            <a:pPr lvl="0"/>
-            <a:r>
-              <a:rPr lang="en-US" sz="1800"/>
-              <a:t>Optionally, further customization can be done through updating </a:t>
-            </a:r>
-            <a:r>
-              <a:rPr lang="en-US" sz="1800" i="1"/>
-              <a:t>properties</a:t>
-            </a:r>
-            <a:r>
-              <a:rPr lang="en-US" sz="1800"/>
-              <a:t> files placed in the config folder viz. Common, Client, Server, ExtendedServer etc.</a:t>
-            </a:r>
-          </a:p>
-          <a:p>
-            <a:r>
-              <a:rPr lang="en-US" sz="1800"/>
-              <a:t>User desktop side triggering:</a:t>
-            </a:r>
-          </a:p>
-          <a:p>
-            <a:pPr lvl="1"/>
-            <a:r>
-              <a:rPr lang="en-US" sz="1600"/>
-              <a:t>Once the admin completes the server side set up, users can invoke the client UI and view published contents via catalog display.</a:t>
-            </a:r>
-          </a:p>
-          <a:p>
-            <a:pPr lvl="1"/>
-            <a:r>
-              <a:rPr lang="en-US" sz="1600"/>
-              <a:t>The client processor needs to be triggered so the user side contents are in sync with server side.</a:t>
-            </a:r>
-            <a:endParaRPr lang="en-US" sz="1600" dirty="0"/>
+            <a:r>
+              <a:rPr lang="en-US" sz="1800" b="1" dirty="0" err="1"/>
+              <a:t>jdk</a:t>
+            </a:r>
+            <a:r>
+              <a:rPr lang="en-US" sz="1800" b="1" dirty="0"/>
+              <a:t> 1.8		</a:t>
+            </a:r>
+            <a:r>
+              <a:rPr lang="en-US" sz="1800" dirty="0"/>
+              <a:t>Java Development Kit</a:t>
+            </a:r>
+          </a:p>
+          <a:p>
+            <a:r>
+              <a:rPr lang="en-US" sz="1800" b="1" dirty="0"/>
+              <a:t>SWT</a:t>
+            </a:r>
+            <a:r>
+              <a:rPr lang="en-US" sz="1800" dirty="0"/>
+              <a:t>		Standard Widget Toolkit, a lightweight framework for desktop UI</a:t>
+            </a:r>
+          </a:p>
+          <a:p>
+            <a:r>
+              <a:rPr lang="en-US" sz="1800" b="1" dirty="0"/>
+              <a:t>SQLite		</a:t>
+            </a:r>
+            <a:r>
+              <a:rPr lang="en-US" sz="1800" dirty="0"/>
+              <a:t>Serverless self-contained database engine for storing and exchanging data.</a:t>
+            </a:r>
+          </a:p>
+          <a:p>
+            <a:r>
+              <a:rPr lang="en-US" sz="1800" b="1" dirty="0"/>
+              <a:t>Google APIs	</a:t>
+            </a:r>
+            <a:r>
+              <a:rPr lang="en-US" sz="1800" dirty="0"/>
+              <a:t>For accessing Google Drive based doc centrals</a:t>
+            </a:r>
+          </a:p>
+          <a:p>
+            <a:r>
+              <a:rPr lang="en-US" sz="1800" b="1" dirty="0"/>
+              <a:t>Sardine	</a:t>
+            </a:r>
+            <a:r>
+              <a:rPr lang="en-US" sz="1800" dirty="0"/>
+              <a:t>For accessing WebDAV enabled doc centrals</a:t>
+            </a:r>
+          </a:p>
+          <a:p>
+            <a:r>
+              <a:rPr lang="en-US" sz="1800" b="1" dirty="0"/>
+              <a:t>Apache POI	</a:t>
+            </a:r>
+            <a:r>
+              <a:rPr lang="en-US" sz="1800" dirty="0"/>
+              <a:t>For rolling up excel artifacts</a:t>
+            </a:r>
+          </a:p>
+          <a:p>
+            <a:r>
+              <a:rPr lang="en-US" sz="1800" b="1" dirty="0"/>
+              <a:t>Log4J		</a:t>
+            </a:r>
+            <a:r>
+              <a:rPr lang="en-US" sz="1800" dirty="0"/>
+              <a:t>Error Logging</a:t>
+            </a:r>
+          </a:p>
+          <a:p>
+            <a:r>
+              <a:rPr lang="en-US" sz="1800" b="1" dirty="0"/>
+              <a:t>Maven		</a:t>
+            </a:r>
+            <a:r>
+              <a:rPr lang="en-US" sz="1800" dirty="0"/>
+              <a:t>For organizing project modules and dependency setting with external repositories.</a:t>
+            </a:r>
+          </a:p>
+          <a:p>
+            <a:r>
+              <a:rPr lang="en-US" sz="1800" b="1" dirty="0"/>
+              <a:t>Eclipse	Neon</a:t>
+            </a:r>
+            <a:r>
+              <a:rPr lang="en-US" sz="1800" dirty="0"/>
+              <a:t>	IDE</a:t>
+            </a:r>
+          </a:p>
+          <a:p>
+            <a:r>
+              <a:rPr lang="en-US" sz="1800" b="1" dirty="0" err="1"/>
+              <a:t>Izpack</a:t>
+            </a:r>
+            <a:r>
+              <a:rPr lang="en-US" sz="1800" b="1" dirty="0"/>
+              <a:t>		</a:t>
+            </a:r>
+            <a:r>
+              <a:rPr lang="en-US" sz="1800" dirty="0"/>
+              <a:t>For packaging and installation</a:t>
+            </a:r>
           </a:p>
         </p:txBody>
       </p:sp>
@@ -5600,7 +5606,7 @@
           <p:cNvPr id="4" name="Picture 3">
             <a:extLst>
               <a:ext uri="{FF2B5EF4-FFF2-40B4-BE49-F238E27FC236}">
-                <a16:creationId xmlns:a16="http://schemas.microsoft.com/office/drawing/2014/main" id="{D6D1AB90-5A72-4E04-8F72-2C4203AE319C}"/>
+                <a16:creationId xmlns:a16="http://schemas.microsoft.com/office/drawing/2014/main" id="{70C945FB-9F13-4719-ABD5-0CD79642E395}"/>
               </a:ext>
             </a:extLst>
           </p:cNvPr>
@@ -5628,7 +5634,7 @@
     </p:spTree>
     <p:extLst>
       <p:ext uri="{BB962C8B-B14F-4D97-AF65-F5344CB8AC3E}">
-        <p14:creationId xmlns:p14="http://schemas.microsoft.com/office/powerpoint/2010/main" val="2826614512"/>
+        <p14:creationId xmlns:p14="http://schemas.microsoft.com/office/powerpoint/2010/main" val="3303239355"/>
       </p:ext>
     </p:extLst>
   </p:cSld>

--- a/Documents/CollabTracker_Intro.pptx
+++ b/Documents/CollabTracker_Intro.pptx
@@ -213,7 +213,7 @@
           <a:p>
             <a:fld id="{FA97718F-89D6-460F-AB35-7901F2BF1BD4}" type="datetimeFigureOut">
               <a:rPr lang="en-US" smtClean="0"/>
-              <a:t>7/17/2020</a:t>
+              <a:t>7/18/2020</a:t>
             </a:fld>
             <a:endParaRPr lang="en-US"/>
           </a:p>
@@ -711,7 +711,7 @@
           <a:p>
             <a:fld id="{2C09F9E3-B427-4D6B-BB15-3B05BCFAB196}" type="datetimeFigureOut">
               <a:rPr lang="en-US" smtClean="0"/>
-              <a:t>7/17/2020</a:t>
+              <a:t>7/18/2020</a:t>
             </a:fld>
             <a:endParaRPr lang="en-US"/>
           </a:p>
@@ -909,7 +909,7 @@
           <a:p>
             <a:fld id="{2C09F9E3-B427-4D6B-BB15-3B05BCFAB196}" type="datetimeFigureOut">
               <a:rPr lang="en-US" smtClean="0"/>
-              <a:t>7/17/2020</a:t>
+              <a:t>7/18/2020</a:t>
             </a:fld>
             <a:endParaRPr lang="en-US"/>
           </a:p>
@@ -1117,7 +1117,7 @@
           <a:p>
             <a:fld id="{2C09F9E3-B427-4D6B-BB15-3B05BCFAB196}" type="datetimeFigureOut">
               <a:rPr lang="en-US" smtClean="0"/>
-              <a:t>7/17/2020</a:t>
+              <a:t>7/18/2020</a:t>
             </a:fld>
             <a:endParaRPr lang="en-US"/>
           </a:p>
@@ -1315,7 +1315,7 @@
           <a:p>
             <a:fld id="{2C09F9E3-B427-4D6B-BB15-3B05BCFAB196}" type="datetimeFigureOut">
               <a:rPr lang="en-US" smtClean="0"/>
-              <a:t>7/17/2020</a:t>
+              <a:t>7/18/2020</a:t>
             </a:fld>
             <a:endParaRPr lang="en-US"/>
           </a:p>
@@ -1590,7 +1590,7 @@
           <a:p>
             <a:fld id="{2C09F9E3-B427-4D6B-BB15-3B05BCFAB196}" type="datetimeFigureOut">
               <a:rPr lang="en-US" smtClean="0"/>
-              <a:t>7/17/2020</a:t>
+              <a:t>7/18/2020</a:t>
             </a:fld>
             <a:endParaRPr lang="en-US"/>
           </a:p>
@@ -1855,7 +1855,7 @@
           <a:p>
             <a:fld id="{2C09F9E3-B427-4D6B-BB15-3B05BCFAB196}" type="datetimeFigureOut">
               <a:rPr lang="en-US" smtClean="0"/>
-              <a:t>7/17/2020</a:t>
+              <a:t>7/18/2020</a:t>
             </a:fld>
             <a:endParaRPr lang="en-US"/>
           </a:p>
@@ -2267,7 +2267,7 @@
           <a:p>
             <a:fld id="{2C09F9E3-B427-4D6B-BB15-3B05BCFAB196}" type="datetimeFigureOut">
               <a:rPr lang="en-US" smtClean="0"/>
-              <a:t>7/17/2020</a:t>
+              <a:t>7/18/2020</a:t>
             </a:fld>
             <a:endParaRPr lang="en-US"/>
           </a:p>
@@ -2408,7 +2408,7 @@
           <a:p>
             <a:fld id="{2C09F9E3-B427-4D6B-BB15-3B05BCFAB196}" type="datetimeFigureOut">
               <a:rPr lang="en-US" smtClean="0"/>
-              <a:t>7/17/2020</a:t>
+              <a:t>7/18/2020</a:t>
             </a:fld>
             <a:endParaRPr lang="en-US"/>
           </a:p>
@@ -2521,7 +2521,7 @@
           <a:p>
             <a:fld id="{2C09F9E3-B427-4D6B-BB15-3B05BCFAB196}" type="datetimeFigureOut">
               <a:rPr lang="en-US" smtClean="0"/>
-              <a:t>7/17/2020</a:t>
+              <a:t>7/18/2020</a:t>
             </a:fld>
             <a:endParaRPr lang="en-US"/>
           </a:p>
@@ -2832,7 +2832,7 @@
           <a:p>
             <a:fld id="{2C09F9E3-B427-4D6B-BB15-3B05BCFAB196}" type="datetimeFigureOut">
               <a:rPr lang="en-US" smtClean="0"/>
-              <a:t>7/17/2020</a:t>
+              <a:t>7/18/2020</a:t>
             </a:fld>
             <a:endParaRPr lang="en-US"/>
           </a:p>
@@ -3120,7 +3120,7 @@
           <a:p>
             <a:fld id="{2C09F9E3-B427-4D6B-BB15-3B05BCFAB196}" type="datetimeFigureOut">
               <a:rPr lang="en-US" smtClean="0"/>
-              <a:t>7/17/2020</a:t>
+              <a:t>7/18/2020</a:t>
             </a:fld>
             <a:endParaRPr lang="en-US"/>
           </a:p>
@@ -3366,7 +3366,7 @@
           <a:p>
             <a:fld id="{2C09F9E3-B427-4D6B-BB15-3B05BCFAB196}" type="datetimeFigureOut">
               <a:rPr lang="en-US" smtClean="0"/>
-              <a:t>7/17/2020</a:t>
+              <a:t>7/18/2020</a:t>
             </a:fld>
             <a:endParaRPr lang="en-US"/>
           </a:p>
@@ -4062,6 +4062,123 @@
           </a:prstGeom>
         </p:spPr>
       </p:pic>
+      <p:pic>
+        <p:nvPicPr>
+          <p:cNvPr id="5" name="Graphic 4" descr="Gears">
+            <a:extLst>
+              <a:ext uri="{FF2B5EF4-FFF2-40B4-BE49-F238E27FC236}">
+                <a16:creationId xmlns:a16="http://schemas.microsoft.com/office/drawing/2014/main" id="{8399AD8E-C426-4F19-947C-D846CB136A74}"/>
+              </a:ext>
+            </a:extLst>
+          </p:cNvPr>
+          <p:cNvPicPr>
+            <a:picLocks noChangeAspect="1"/>
+          </p:cNvPicPr>
+          <p:nvPr/>
+        </p:nvPicPr>
+        <p:blipFill>
+          <a:blip r:embed="rId3">
+            <a:extLst>
+              <a:ext uri="{28A0092B-C50C-407E-A947-70E740481C1C}">
+                <a14:useLocalDpi xmlns:a14="http://schemas.microsoft.com/office/drawing/2010/main" val="0"/>
+              </a:ext>
+              <a:ext uri="{96DAC541-7B7A-43D3-8B79-37D633B846F1}">
+                <asvg:svgBlip xmlns:asvg="http://schemas.microsoft.com/office/drawing/2016/SVG/main" r:embed="rId4"/>
+              </a:ext>
+            </a:extLst>
+          </a:blip>
+          <a:stretch>
+            <a:fillRect/>
+          </a:stretch>
+        </p:blipFill>
+        <p:spPr>
+          <a:xfrm>
+            <a:off x="6057148" y="732670"/>
+            <a:ext cx="491703" cy="491703"/>
+          </a:xfrm>
+          <a:prstGeom prst="rect">
+            <a:avLst/>
+          </a:prstGeom>
+        </p:spPr>
+      </p:pic>
+      <p:pic>
+        <p:nvPicPr>
+          <p:cNvPr id="6" name="Graphic 5" descr="Gears">
+            <a:extLst>
+              <a:ext uri="{FF2B5EF4-FFF2-40B4-BE49-F238E27FC236}">
+                <a16:creationId xmlns:a16="http://schemas.microsoft.com/office/drawing/2014/main" id="{A707DDE2-2EA1-407C-89FC-3DA017E75199}"/>
+              </a:ext>
+            </a:extLst>
+          </p:cNvPr>
+          <p:cNvPicPr>
+            <a:picLocks noChangeAspect="1"/>
+          </p:cNvPicPr>
+          <p:nvPr/>
+        </p:nvPicPr>
+        <p:blipFill>
+          <a:blip r:embed="rId5">
+            <a:extLst>
+              <a:ext uri="{28A0092B-C50C-407E-A947-70E740481C1C}">
+                <a14:useLocalDpi xmlns:a14="http://schemas.microsoft.com/office/drawing/2010/main" val="0"/>
+              </a:ext>
+              <a:ext uri="{96DAC541-7B7A-43D3-8B79-37D633B846F1}">
+                <asvg:svgBlip xmlns:asvg="http://schemas.microsoft.com/office/drawing/2016/SVG/main" r:embed="rId6"/>
+              </a:ext>
+            </a:extLst>
+          </a:blip>
+          <a:stretch>
+            <a:fillRect/>
+          </a:stretch>
+        </p:blipFill>
+        <p:spPr>
+          <a:xfrm>
+            <a:off x="7229971" y="732669"/>
+            <a:ext cx="491703" cy="491703"/>
+          </a:xfrm>
+          <a:prstGeom prst="rect">
+            <a:avLst/>
+          </a:prstGeom>
+        </p:spPr>
+      </p:pic>
+      <p:pic>
+        <p:nvPicPr>
+          <p:cNvPr id="7" name="Graphic 6" descr="Gears">
+            <a:extLst>
+              <a:ext uri="{FF2B5EF4-FFF2-40B4-BE49-F238E27FC236}">
+                <a16:creationId xmlns:a16="http://schemas.microsoft.com/office/drawing/2014/main" id="{CE35EDB5-378E-4BFF-8F64-250ECF793556}"/>
+              </a:ext>
+            </a:extLst>
+          </p:cNvPr>
+          <p:cNvPicPr>
+            <a:picLocks noChangeAspect="1"/>
+          </p:cNvPicPr>
+          <p:nvPr/>
+        </p:nvPicPr>
+        <p:blipFill>
+          <a:blip r:embed="rId7">
+            <a:extLst>
+              <a:ext uri="{28A0092B-C50C-407E-A947-70E740481C1C}">
+                <a14:useLocalDpi xmlns:a14="http://schemas.microsoft.com/office/drawing/2010/main" val="0"/>
+              </a:ext>
+              <a:ext uri="{96DAC541-7B7A-43D3-8B79-37D633B846F1}">
+                <asvg:svgBlip xmlns:asvg="http://schemas.microsoft.com/office/drawing/2016/SVG/main" r:embed="rId8"/>
+              </a:ext>
+            </a:extLst>
+          </a:blip>
+          <a:stretch>
+            <a:fillRect/>
+          </a:stretch>
+        </p:blipFill>
+        <p:spPr>
+          <a:xfrm>
+            <a:off x="8364136" y="735830"/>
+            <a:ext cx="491703" cy="491703"/>
+          </a:xfrm>
+          <a:prstGeom prst="rect">
+            <a:avLst/>
+          </a:prstGeom>
+        </p:spPr>
+      </p:pic>
     </p:spTree>
     <p:extLst>
       <p:ext uri="{BB962C8B-B14F-4D97-AF65-F5344CB8AC3E}">
@@ -4318,6 +4435,123 @@
           <a:xfrm>
             <a:off x="11604466" y="113506"/>
             <a:ext cx="496094" cy="496094"/>
+          </a:xfrm>
+          <a:prstGeom prst="rect">
+            <a:avLst/>
+          </a:prstGeom>
+        </p:spPr>
+      </p:pic>
+      <p:pic>
+        <p:nvPicPr>
+          <p:cNvPr id="5" name="Graphic 4" descr="Gears">
+            <a:extLst>
+              <a:ext uri="{FF2B5EF4-FFF2-40B4-BE49-F238E27FC236}">
+                <a16:creationId xmlns:a16="http://schemas.microsoft.com/office/drawing/2014/main" id="{0B17E6F9-5248-4DBA-AADA-C86FDAFCD4B2}"/>
+              </a:ext>
+            </a:extLst>
+          </p:cNvPr>
+          <p:cNvPicPr>
+            <a:picLocks noChangeAspect="1"/>
+          </p:cNvPicPr>
+          <p:nvPr/>
+        </p:nvPicPr>
+        <p:blipFill>
+          <a:blip r:embed="rId3">
+            <a:extLst>
+              <a:ext uri="{28A0092B-C50C-407E-A947-70E740481C1C}">
+                <a14:useLocalDpi xmlns:a14="http://schemas.microsoft.com/office/drawing/2010/main" val="0"/>
+              </a:ext>
+              <a:ext uri="{96DAC541-7B7A-43D3-8B79-37D633B846F1}">
+                <asvg:svgBlip xmlns:asvg="http://schemas.microsoft.com/office/drawing/2016/SVG/main" r:embed="rId4"/>
+              </a:ext>
+            </a:extLst>
+          </a:blip>
+          <a:stretch>
+            <a:fillRect/>
+          </a:stretch>
+        </p:blipFill>
+        <p:spPr>
+          <a:xfrm>
+            <a:off x="7281097" y="837173"/>
+            <a:ext cx="491703" cy="491703"/>
+          </a:xfrm>
+          <a:prstGeom prst="rect">
+            <a:avLst/>
+          </a:prstGeom>
+        </p:spPr>
+      </p:pic>
+      <p:pic>
+        <p:nvPicPr>
+          <p:cNvPr id="6" name="Graphic 5" descr="Gears">
+            <a:extLst>
+              <a:ext uri="{FF2B5EF4-FFF2-40B4-BE49-F238E27FC236}">
+                <a16:creationId xmlns:a16="http://schemas.microsoft.com/office/drawing/2014/main" id="{9B702FB3-C78B-4F44-83F6-814218DA0CB4}"/>
+              </a:ext>
+            </a:extLst>
+          </p:cNvPr>
+          <p:cNvPicPr>
+            <a:picLocks noChangeAspect="1"/>
+          </p:cNvPicPr>
+          <p:nvPr/>
+        </p:nvPicPr>
+        <p:blipFill>
+          <a:blip r:embed="rId5">
+            <a:extLst>
+              <a:ext uri="{28A0092B-C50C-407E-A947-70E740481C1C}">
+                <a14:useLocalDpi xmlns:a14="http://schemas.microsoft.com/office/drawing/2010/main" val="0"/>
+              </a:ext>
+              <a:ext uri="{96DAC541-7B7A-43D3-8B79-37D633B846F1}">
+                <asvg:svgBlip xmlns:asvg="http://schemas.microsoft.com/office/drawing/2016/SVG/main" r:embed="rId6"/>
+              </a:ext>
+            </a:extLst>
+          </a:blip>
+          <a:stretch>
+            <a:fillRect/>
+          </a:stretch>
+        </p:blipFill>
+        <p:spPr>
+          <a:xfrm>
+            <a:off x="8453920" y="837172"/>
+            <a:ext cx="491703" cy="491703"/>
+          </a:xfrm>
+          <a:prstGeom prst="rect">
+            <a:avLst/>
+          </a:prstGeom>
+        </p:spPr>
+      </p:pic>
+      <p:pic>
+        <p:nvPicPr>
+          <p:cNvPr id="7" name="Graphic 6" descr="Gears">
+            <a:extLst>
+              <a:ext uri="{FF2B5EF4-FFF2-40B4-BE49-F238E27FC236}">
+                <a16:creationId xmlns:a16="http://schemas.microsoft.com/office/drawing/2014/main" id="{C193CDD2-F975-4BB8-94B8-56980B401140}"/>
+              </a:ext>
+            </a:extLst>
+          </p:cNvPr>
+          <p:cNvPicPr>
+            <a:picLocks noChangeAspect="1"/>
+          </p:cNvPicPr>
+          <p:nvPr/>
+        </p:nvPicPr>
+        <p:blipFill>
+          <a:blip r:embed="rId7">
+            <a:extLst>
+              <a:ext uri="{28A0092B-C50C-407E-A947-70E740481C1C}">
+                <a14:useLocalDpi xmlns:a14="http://schemas.microsoft.com/office/drawing/2010/main" val="0"/>
+              </a:ext>
+              <a:ext uri="{96DAC541-7B7A-43D3-8B79-37D633B846F1}">
+                <asvg:svgBlip xmlns:asvg="http://schemas.microsoft.com/office/drawing/2016/SVG/main" r:embed="rId8"/>
+              </a:ext>
+            </a:extLst>
+          </a:blip>
+          <a:stretch>
+            <a:fillRect/>
+          </a:stretch>
+        </p:blipFill>
+        <p:spPr>
+          <a:xfrm>
+            <a:off x="9588085" y="840333"/>
+            <a:ext cx="491703" cy="491703"/>
           </a:xfrm>
           <a:prstGeom prst="rect">
             <a:avLst/>
@@ -6128,6 +6362,180 @@
   <p:clrMapOvr>
     <a:masterClrMapping/>
   </p:clrMapOvr>
+  <p:timing>
+    <p:tnLst>
+      <p:par>
+        <p:cTn id="1" dur="indefinite" restart="never" nodeType="tmRoot">
+          <p:childTnLst>
+            <p:seq concurrent="1" nextAc="seek">
+              <p:cTn id="2" dur="indefinite" nodeType="mainSeq">
+                <p:childTnLst>
+                  <p:par>
+                    <p:cTn id="3" fill="hold">
+                      <p:stCondLst>
+                        <p:cond delay="indefinite"/>
+                      </p:stCondLst>
+                      <p:childTnLst>
+                        <p:par>
+                          <p:cTn id="4" fill="hold">
+                            <p:stCondLst>
+                              <p:cond delay="0"/>
+                            </p:stCondLst>
+                            <p:childTnLst>
+                              <p:par>
+                                <p:cTn id="5" presetID="1" presetClass="entr" presetSubtype="0" fill="hold" nodeType="clickEffect">
+                                  <p:stCondLst>
+                                    <p:cond delay="0"/>
+                                  </p:stCondLst>
+                                  <p:childTnLst>
+                                    <p:set>
+                                      <p:cBhvr>
+                                        <p:cTn id="6" dur="1" fill="hold">
+                                          <p:stCondLst>
+                                            <p:cond delay="0"/>
+                                          </p:stCondLst>
+                                        </p:cTn>
+                                        <p:tgtEl>
+                                          <p:spTgt spid="11"/>
+                                        </p:tgtEl>
+                                        <p:attrNameLst>
+                                          <p:attrName>style.visibility</p:attrName>
+                                        </p:attrNameLst>
+                                      </p:cBhvr>
+                                      <p:to>
+                                        <p:strVal val="visible"/>
+                                      </p:to>
+                                    </p:set>
+                                  </p:childTnLst>
+                                </p:cTn>
+                              </p:par>
+                              <p:par>
+                                <p:cTn id="7" presetID="1" presetClass="entr" presetSubtype="0" fill="hold" nodeType="withEffect">
+                                  <p:stCondLst>
+                                    <p:cond delay="0"/>
+                                  </p:stCondLst>
+                                  <p:childTnLst>
+                                    <p:set>
+                                      <p:cBhvr>
+                                        <p:cTn id="8" dur="1" fill="hold">
+                                          <p:stCondLst>
+                                            <p:cond delay="0"/>
+                                          </p:stCondLst>
+                                        </p:cTn>
+                                        <p:tgtEl>
+                                          <p:spTgt spid="7"/>
+                                        </p:tgtEl>
+                                        <p:attrNameLst>
+                                          <p:attrName>style.visibility</p:attrName>
+                                        </p:attrNameLst>
+                                      </p:cBhvr>
+                                      <p:to>
+                                        <p:strVal val="visible"/>
+                                      </p:to>
+                                    </p:set>
+                                  </p:childTnLst>
+                                </p:cTn>
+                              </p:par>
+                              <p:par>
+                                <p:cTn id="9" presetID="1" presetClass="entr" presetSubtype="0" fill="hold" nodeType="withEffect">
+                                  <p:stCondLst>
+                                    <p:cond delay="0"/>
+                                  </p:stCondLst>
+                                  <p:childTnLst>
+                                    <p:set>
+                                      <p:cBhvr>
+                                        <p:cTn id="10" dur="1" fill="hold">
+                                          <p:stCondLst>
+                                            <p:cond delay="0"/>
+                                          </p:stCondLst>
+                                        </p:cTn>
+                                        <p:tgtEl>
+                                          <p:spTgt spid="5"/>
+                                        </p:tgtEl>
+                                        <p:attrNameLst>
+                                          <p:attrName>style.visibility</p:attrName>
+                                        </p:attrNameLst>
+                                      </p:cBhvr>
+                                      <p:to>
+                                        <p:strVal val="visible"/>
+                                      </p:to>
+                                    </p:set>
+                                  </p:childTnLst>
+                                </p:cTn>
+                              </p:par>
+                            </p:childTnLst>
+                          </p:cTn>
+                        </p:par>
+                      </p:childTnLst>
+                    </p:cTn>
+                  </p:par>
+                  <p:par>
+                    <p:cTn id="11" fill="hold">
+                      <p:stCondLst>
+                        <p:cond delay="indefinite"/>
+                      </p:stCondLst>
+                      <p:childTnLst>
+                        <p:par>
+                          <p:cTn id="12" fill="hold">
+                            <p:stCondLst>
+                              <p:cond delay="0"/>
+                            </p:stCondLst>
+                            <p:childTnLst>
+                              <p:par>
+                                <p:cTn id="13" presetID="1" presetClass="entr" presetSubtype="0" fill="hold" nodeType="clickEffect">
+                                  <p:stCondLst>
+                                    <p:cond delay="0"/>
+                                  </p:stCondLst>
+                                  <p:childTnLst>
+                                    <p:set>
+                                      <p:cBhvr>
+                                        <p:cTn id="14" dur="1" fill="hold">
+                                          <p:stCondLst>
+                                            <p:cond delay="0"/>
+                                          </p:stCondLst>
+                                        </p:cTn>
+                                        <p:tgtEl>
+                                          <p:spTgt spid="9"/>
+                                        </p:tgtEl>
+                                        <p:attrNameLst>
+                                          <p:attrName>style.visibility</p:attrName>
+                                        </p:attrNameLst>
+                                      </p:cBhvr>
+                                      <p:to>
+                                        <p:strVal val="visible"/>
+                                      </p:to>
+                                    </p:set>
+                                  </p:childTnLst>
+                                </p:cTn>
+                              </p:par>
+                            </p:childTnLst>
+                          </p:cTn>
+                        </p:par>
+                      </p:childTnLst>
+                    </p:cTn>
+                  </p:par>
+                </p:childTnLst>
+              </p:cTn>
+              <p:prevCondLst>
+                <p:cond evt="onPrev" delay="0">
+                  <p:tgtEl>
+                    <p:sldTgt/>
+                  </p:tgtEl>
+                </p:cond>
+              </p:prevCondLst>
+              <p:nextCondLst>
+                <p:cond evt="onNext" delay="0">
+                  <p:tgtEl>
+                    <p:sldTgt/>
+                  </p:tgtEl>
+                </p:cond>
+              </p:nextCondLst>
+            </p:seq>
+          </p:childTnLst>
+        </p:cTn>
+      </p:par>
+    </p:tnLst>
+  </p:timing>
 </p:sld>
 </file>
 
@@ -8069,6 +8477,1018 @@
   <p:clrMapOvr>
     <a:masterClrMapping/>
   </p:clrMapOvr>
+  <p:timing>
+    <p:tnLst>
+      <p:par>
+        <p:cTn id="1" dur="indefinite" restart="never" nodeType="tmRoot">
+          <p:childTnLst>
+            <p:seq concurrent="1" nextAc="seek">
+              <p:cTn id="2" dur="indefinite" nodeType="mainSeq">
+                <p:childTnLst>
+                  <p:par>
+                    <p:cTn id="3" fill="hold">
+                      <p:stCondLst>
+                        <p:cond delay="indefinite"/>
+                      </p:stCondLst>
+                      <p:childTnLst>
+                        <p:par>
+                          <p:cTn id="4" fill="hold">
+                            <p:stCondLst>
+                              <p:cond delay="0"/>
+                            </p:stCondLst>
+                            <p:childTnLst>
+                              <p:par>
+                                <p:cTn id="5" presetID="1" presetClass="entr" presetSubtype="0" fill="hold" grpId="0" nodeType="clickEffect">
+                                  <p:stCondLst>
+                                    <p:cond delay="0"/>
+                                  </p:stCondLst>
+                                  <p:childTnLst>
+                                    <p:set>
+                                      <p:cBhvr>
+                                        <p:cTn id="6" dur="1" fill="hold">
+                                          <p:stCondLst>
+                                            <p:cond delay="0"/>
+                                          </p:stCondLst>
+                                        </p:cTn>
+                                        <p:tgtEl>
+                                          <p:spTgt spid="51"/>
+                                        </p:tgtEl>
+                                        <p:attrNameLst>
+                                          <p:attrName>style.visibility</p:attrName>
+                                        </p:attrNameLst>
+                                      </p:cBhvr>
+                                      <p:to>
+                                        <p:strVal val="visible"/>
+                                      </p:to>
+                                    </p:set>
+                                  </p:childTnLst>
+                                </p:cTn>
+                              </p:par>
+                            </p:childTnLst>
+                          </p:cTn>
+                        </p:par>
+                      </p:childTnLst>
+                    </p:cTn>
+                  </p:par>
+                  <p:par>
+                    <p:cTn id="7" fill="hold">
+                      <p:stCondLst>
+                        <p:cond delay="indefinite"/>
+                      </p:stCondLst>
+                      <p:childTnLst>
+                        <p:par>
+                          <p:cTn id="8" fill="hold">
+                            <p:stCondLst>
+                              <p:cond delay="0"/>
+                            </p:stCondLst>
+                            <p:childTnLst>
+                              <p:par>
+                                <p:cTn id="9" presetID="1" presetClass="entr" presetSubtype="0" fill="hold" nodeType="clickEffect">
+                                  <p:stCondLst>
+                                    <p:cond delay="0"/>
+                                  </p:stCondLst>
+                                  <p:childTnLst>
+                                    <p:set>
+                                      <p:cBhvr>
+                                        <p:cTn id="10" dur="1" fill="hold">
+                                          <p:stCondLst>
+                                            <p:cond delay="0"/>
+                                          </p:stCondLst>
+                                        </p:cTn>
+                                        <p:tgtEl>
+                                          <p:spTgt spid="13"/>
+                                        </p:tgtEl>
+                                        <p:attrNameLst>
+                                          <p:attrName>style.visibility</p:attrName>
+                                        </p:attrNameLst>
+                                      </p:cBhvr>
+                                      <p:to>
+                                        <p:strVal val="visible"/>
+                                      </p:to>
+                                    </p:set>
+                                  </p:childTnLst>
+                                </p:cTn>
+                              </p:par>
+                              <p:par>
+                                <p:cTn id="11" presetID="1" presetClass="entr" presetSubtype="0" fill="hold" nodeType="withEffect">
+                                  <p:stCondLst>
+                                    <p:cond delay="0"/>
+                                  </p:stCondLst>
+                                  <p:childTnLst>
+                                    <p:set>
+                                      <p:cBhvr>
+                                        <p:cTn id="12" dur="1" fill="hold">
+                                          <p:stCondLst>
+                                            <p:cond delay="0"/>
+                                          </p:stCondLst>
+                                        </p:cTn>
+                                        <p:tgtEl>
+                                          <p:spTgt spid="14"/>
+                                        </p:tgtEl>
+                                        <p:attrNameLst>
+                                          <p:attrName>style.visibility</p:attrName>
+                                        </p:attrNameLst>
+                                      </p:cBhvr>
+                                      <p:to>
+                                        <p:strVal val="visible"/>
+                                      </p:to>
+                                    </p:set>
+                                  </p:childTnLst>
+                                </p:cTn>
+                              </p:par>
+                              <p:par>
+                                <p:cTn id="13" presetID="1" presetClass="entr" presetSubtype="0" fill="hold" nodeType="withEffect">
+                                  <p:stCondLst>
+                                    <p:cond delay="0"/>
+                                  </p:stCondLst>
+                                  <p:childTnLst>
+                                    <p:set>
+                                      <p:cBhvr>
+                                        <p:cTn id="14" dur="1" fill="hold">
+                                          <p:stCondLst>
+                                            <p:cond delay="0"/>
+                                          </p:stCondLst>
+                                        </p:cTn>
+                                        <p:tgtEl>
+                                          <p:spTgt spid="15"/>
+                                        </p:tgtEl>
+                                        <p:attrNameLst>
+                                          <p:attrName>style.visibility</p:attrName>
+                                        </p:attrNameLst>
+                                      </p:cBhvr>
+                                      <p:to>
+                                        <p:strVal val="visible"/>
+                                      </p:to>
+                                    </p:set>
+                                  </p:childTnLst>
+                                </p:cTn>
+                              </p:par>
+                              <p:par>
+                                <p:cTn id="15" presetID="1" presetClass="entr" presetSubtype="0" fill="hold" grpId="0" nodeType="withEffect">
+                                  <p:stCondLst>
+                                    <p:cond delay="0"/>
+                                  </p:stCondLst>
+                                  <p:childTnLst>
+                                    <p:set>
+                                      <p:cBhvr>
+                                        <p:cTn id="16" dur="1" fill="hold">
+                                          <p:stCondLst>
+                                            <p:cond delay="0"/>
+                                          </p:stCondLst>
+                                        </p:cTn>
+                                        <p:tgtEl>
+                                          <p:spTgt spid="30"/>
+                                        </p:tgtEl>
+                                        <p:attrNameLst>
+                                          <p:attrName>style.visibility</p:attrName>
+                                        </p:attrNameLst>
+                                      </p:cBhvr>
+                                      <p:to>
+                                        <p:strVal val="visible"/>
+                                      </p:to>
+                                    </p:set>
+                                  </p:childTnLst>
+                                </p:cTn>
+                              </p:par>
+                              <p:par>
+                                <p:cTn id="17" presetID="1" presetClass="entr" presetSubtype="0" fill="hold" grpId="0" nodeType="withEffect">
+                                  <p:stCondLst>
+                                    <p:cond delay="0"/>
+                                  </p:stCondLst>
+                                  <p:childTnLst>
+                                    <p:set>
+                                      <p:cBhvr>
+                                        <p:cTn id="18" dur="1" fill="hold">
+                                          <p:stCondLst>
+                                            <p:cond delay="0"/>
+                                          </p:stCondLst>
+                                        </p:cTn>
+                                        <p:tgtEl>
+                                          <p:spTgt spid="35"/>
+                                        </p:tgtEl>
+                                        <p:attrNameLst>
+                                          <p:attrName>style.visibility</p:attrName>
+                                        </p:attrNameLst>
+                                      </p:cBhvr>
+                                      <p:to>
+                                        <p:strVal val="visible"/>
+                                      </p:to>
+                                    </p:set>
+                                  </p:childTnLst>
+                                </p:cTn>
+                              </p:par>
+                              <p:par>
+                                <p:cTn id="19" presetID="1" presetClass="entr" presetSubtype="0" fill="hold" nodeType="withEffect">
+                                  <p:stCondLst>
+                                    <p:cond delay="0"/>
+                                  </p:stCondLst>
+                                  <p:childTnLst>
+                                    <p:set>
+                                      <p:cBhvr>
+                                        <p:cTn id="20" dur="1" fill="hold">
+                                          <p:stCondLst>
+                                            <p:cond delay="0"/>
+                                          </p:stCondLst>
+                                        </p:cTn>
+                                        <p:tgtEl>
+                                          <p:spTgt spid="48"/>
+                                        </p:tgtEl>
+                                        <p:attrNameLst>
+                                          <p:attrName>style.visibility</p:attrName>
+                                        </p:attrNameLst>
+                                      </p:cBhvr>
+                                      <p:to>
+                                        <p:strVal val="visible"/>
+                                      </p:to>
+                                    </p:set>
+                                  </p:childTnLst>
+                                </p:cTn>
+                              </p:par>
+                              <p:par>
+                                <p:cTn id="21" presetID="1" presetClass="entr" presetSubtype="0" fill="hold" nodeType="withEffect">
+                                  <p:stCondLst>
+                                    <p:cond delay="0"/>
+                                  </p:stCondLst>
+                                  <p:childTnLst>
+                                    <p:set>
+                                      <p:cBhvr>
+                                        <p:cTn id="22" dur="1" fill="hold">
+                                          <p:stCondLst>
+                                            <p:cond delay="0"/>
+                                          </p:stCondLst>
+                                        </p:cTn>
+                                        <p:tgtEl>
+                                          <p:spTgt spid="7"/>
+                                        </p:tgtEl>
+                                        <p:attrNameLst>
+                                          <p:attrName>style.visibility</p:attrName>
+                                        </p:attrNameLst>
+                                      </p:cBhvr>
+                                      <p:to>
+                                        <p:strVal val="visible"/>
+                                      </p:to>
+                                    </p:set>
+                                  </p:childTnLst>
+                                </p:cTn>
+                              </p:par>
+                              <p:par>
+                                <p:cTn id="23" presetID="1" presetClass="entr" presetSubtype="0" fill="hold" nodeType="withEffect">
+                                  <p:stCondLst>
+                                    <p:cond delay="0"/>
+                                  </p:stCondLst>
+                                  <p:childTnLst>
+                                    <p:set>
+                                      <p:cBhvr>
+                                        <p:cTn id="24" dur="1" fill="hold">
+                                          <p:stCondLst>
+                                            <p:cond delay="0"/>
+                                          </p:stCondLst>
+                                        </p:cTn>
+                                        <p:tgtEl>
+                                          <p:spTgt spid="50"/>
+                                        </p:tgtEl>
+                                        <p:attrNameLst>
+                                          <p:attrName>style.visibility</p:attrName>
+                                        </p:attrNameLst>
+                                      </p:cBhvr>
+                                      <p:to>
+                                        <p:strVal val="visible"/>
+                                      </p:to>
+                                    </p:set>
+                                  </p:childTnLst>
+                                </p:cTn>
+                              </p:par>
+                            </p:childTnLst>
+                          </p:cTn>
+                        </p:par>
+                      </p:childTnLst>
+                    </p:cTn>
+                  </p:par>
+                  <p:par>
+                    <p:cTn id="25" fill="hold">
+                      <p:stCondLst>
+                        <p:cond delay="indefinite"/>
+                      </p:stCondLst>
+                      <p:childTnLst>
+                        <p:par>
+                          <p:cTn id="26" fill="hold">
+                            <p:stCondLst>
+                              <p:cond delay="0"/>
+                            </p:stCondLst>
+                            <p:childTnLst>
+                              <p:par>
+                                <p:cTn id="27" presetID="1" presetClass="entr" presetSubtype="0" fill="hold" nodeType="clickEffect">
+                                  <p:stCondLst>
+                                    <p:cond delay="0"/>
+                                  </p:stCondLst>
+                                  <p:childTnLst>
+                                    <p:set>
+                                      <p:cBhvr>
+                                        <p:cTn id="28" dur="1" fill="hold">
+                                          <p:stCondLst>
+                                            <p:cond delay="0"/>
+                                          </p:stCondLst>
+                                        </p:cTn>
+                                        <p:tgtEl>
+                                          <p:spTgt spid="16"/>
+                                        </p:tgtEl>
+                                        <p:attrNameLst>
+                                          <p:attrName>style.visibility</p:attrName>
+                                        </p:attrNameLst>
+                                      </p:cBhvr>
+                                      <p:to>
+                                        <p:strVal val="visible"/>
+                                      </p:to>
+                                    </p:set>
+                                  </p:childTnLst>
+                                </p:cTn>
+                              </p:par>
+                              <p:par>
+                                <p:cTn id="29" presetID="1" presetClass="entr" presetSubtype="0" fill="hold" nodeType="withEffect">
+                                  <p:stCondLst>
+                                    <p:cond delay="0"/>
+                                  </p:stCondLst>
+                                  <p:childTnLst>
+                                    <p:set>
+                                      <p:cBhvr>
+                                        <p:cTn id="30" dur="1" fill="hold">
+                                          <p:stCondLst>
+                                            <p:cond delay="0"/>
+                                          </p:stCondLst>
+                                        </p:cTn>
+                                        <p:tgtEl>
+                                          <p:spTgt spid="10"/>
+                                        </p:tgtEl>
+                                        <p:attrNameLst>
+                                          <p:attrName>style.visibility</p:attrName>
+                                        </p:attrNameLst>
+                                      </p:cBhvr>
+                                      <p:to>
+                                        <p:strVal val="visible"/>
+                                      </p:to>
+                                    </p:set>
+                                  </p:childTnLst>
+                                </p:cTn>
+                              </p:par>
+                              <p:par>
+                                <p:cTn id="31" presetID="1" presetClass="entr" presetSubtype="0" fill="hold" nodeType="withEffect">
+                                  <p:stCondLst>
+                                    <p:cond delay="0"/>
+                                  </p:stCondLst>
+                                  <p:childTnLst>
+                                    <p:set>
+                                      <p:cBhvr>
+                                        <p:cTn id="32" dur="1" fill="hold">
+                                          <p:stCondLst>
+                                            <p:cond delay="0"/>
+                                          </p:stCondLst>
+                                        </p:cTn>
+                                        <p:tgtEl>
+                                          <p:spTgt spid="20"/>
+                                        </p:tgtEl>
+                                        <p:attrNameLst>
+                                          <p:attrName>style.visibility</p:attrName>
+                                        </p:attrNameLst>
+                                      </p:cBhvr>
+                                      <p:to>
+                                        <p:strVal val="visible"/>
+                                      </p:to>
+                                    </p:set>
+                                  </p:childTnLst>
+                                </p:cTn>
+                              </p:par>
+                              <p:par>
+                                <p:cTn id="33" presetID="1" presetClass="entr" presetSubtype="0" fill="hold" grpId="0" nodeType="withEffect">
+                                  <p:stCondLst>
+                                    <p:cond delay="0"/>
+                                  </p:stCondLst>
+                                  <p:childTnLst>
+                                    <p:set>
+                                      <p:cBhvr>
+                                        <p:cTn id="34" dur="1" fill="hold">
+                                          <p:stCondLst>
+                                            <p:cond delay="0"/>
+                                          </p:stCondLst>
+                                        </p:cTn>
+                                        <p:tgtEl>
+                                          <p:spTgt spid="29"/>
+                                        </p:tgtEl>
+                                        <p:attrNameLst>
+                                          <p:attrName>style.visibility</p:attrName>
+                                        </p:attrNameLst>
+                                      </p:cBhvr>
+                                      <p:to>
+                                        <p:strVal val="visible"/>
+                                      </p:to>
+                                    </p:set>
+                                  </p:childTnLst>
+                                </p:cTn>
+                              </p:par>
+                            </p:childTnLst>
+                          </p:cTn>
+                        </p:par>
+                      </p:childTnLst>
+                    </p:cTn>
+                  </p:par>
+                  <p:par>
+                    <p:cTn id="35" fill="hold">
+                      <p:stCondLst>
+                        <p:cond delay="indefinite"/>
+                      </p:stCondLst>
+                      <p:childTnLst>
+                        <p:par>
+                          <p:cTn id="36" fill="hold">
+                            <p:stCondLst>
+                              <p:cond delay="0"/>
+                            </p:stCondLst>
+                            <p:childTnLst>
+                              <p:par>
+                                <p:cTn id="37" presetID="1" presetClass="entr" presetSubtype="0" fill="hold" nodeType="clickEffect">
+                                  <p:stCondLst>
+                                    <p:cond delay="0"/>
+                                  </p:stCondLst>
+                                  <p:childTnLst>
+                                    <p:set>
+                                      <p:cBhvr>
+                                        <p:cTn id="38" dur="1" fill="hold">
+                                          <p:stCondLst>
+                                            <p:cond delay="0"/>
+                                          </p:stCondLst>
+                                        </p:cTn>
+                                        <p:tgtEl>
+                                          <p:spTgt spid="23"/>
+                                        </p:tgtEl>
+                                        <p:attrNameLst>
+                                          <p:attrName>style.visibility</p:attrName>
+                                        </p:attrNameLst>
+                                      </p:cBhvr>
+                                      <p:to>
+                                        <p:strVal val="visible"/>
+                                      </p:to>
+                                    </p:set>
+                                  </p:childTnLst>
+                                </p:cTn>
+                              </p:par>
+                              <p:par>
+                                <p:cTn id="39" presetID="1" presetClass="entr" presetSubtype="0" fill="hold" nodeType="withEffect">
+                                  <p:stCondLst>
+                                    <p:cond delay="0"/>
+                                  </p:stCondLst>
+                                  <p:childTnLst>
+                                    <p:set>
+                                      <p:cBhvr>
+                                        <p:cTn id="40" dur="1" fill="hold">
+                                          <p:stCondLst>
+                                            <p:cond delay="0"/>
+                                          </p:stCondLst>
+                                        </p:cTn>
+                                        <p:tgtEl>
+                                          <p:spTgt spid="22"/>
+                                        </p:tgtEl>
+                                        <p:attrNameLst>
+                                          <p:attrName>style.visibility</p:attrName>
+                                        </p:attrNameLst>
+                                      </p:cBhvr>
+                                      <p:to>
+                                        <p:strVal val="visible"/>
+                                      </p:to>
+                                    </p:set>
+                                  </p:childTnLst>
+                                </p:cTn>
+                              </p:par>
+                              <p:par>
+                                <p:cTn id="41" presetID="1" presetClass="entr" presetSubtype="0" fill="hold" nodeType="withEffect">
+                                  <p:stCondLst>
+                                    <p:cond delay="0"/>
+                                  </p:stCondLst>
+                                  <p:childTnLst>
+                                    <p:set>
+                                      <p:cBhvr>
+                                        <p:cTn id="42" dur="1" fill="hold">
+                                          <p:stCondLst>
+                                            <p:cond delay="0"/>
+                                          </p:stCondLst>
+                                        </p:cTn>
+                                        <p:tgtEl>
+                                          <p:spTgt spid="21"/>
+                                        </p:tgtEl>
+                                        <p:attrNameLst>
+                                          <p:attrName>style.visibility</p:attrName>
+                                        </p:attrNameLst>
+                                      </p:cBhvr>
+                                      <p:to>
+                                        <p:strVal val="visible"/>
+                                      </p:to>
+                                    </p:set>
+                                  </p:childTnLst>
+                                </p:cTn>
+                              </p:par>
+                              <p:par>
+                                <p:cTn id="43" presetID="1" presetClass="entr" presetSubtype="0" fill="hold" grpId="0" nodeType="withEffect">
+                                  <p:stCondLst>
+                                    <p:cond delay="0"/>
+                                  </p:stCondLst>
+                                  <p:childTnLst>
+                                    <p:set>
+                                      <p:cBhvr>
+                                        <p:cTn id="44" dur="1" fill="hold">
+                                          <p:stCondLst>
+                                            <p:cond delay="0"/>
+                                          </p:stCondLst>
+                                        </p:cTn>
+                                        <p:tgtEl>
+                                          <p:spTgt spid="31"/>
+                                        </p:tgtEl>
+                                        <p:attrNameLst>
+                                          <p:attrName>style.visibility</p:attrName>
+                                        </p:attrNameLst>
+                                      </p:cBhvr>
+                                      <p:to>
+                                        <p:strVal val="visible"/>
+                                      </p:to>
+                                    </p:set>
+                                  </p:childTnLst>
+                                </p:cTn>
+                              </p:par>
+                              <p:par>
+                                <p:cTn id="45" presetID="1" presetClass="entr" presetSubtype="0" fill="hold" nodeType="withEffect">
+                                  <p:stCondLst>
+                                    <p:cond delay="0"/>
+                                  </p:stCondLst>
+                                  <p:childTnLst>
+                                    <p:set>
+                                      <p:cBhvr>
+                                        <p:cTn id="46" dur="1" fill="hold">
+                                          <p:stCondLst>
+                                            <p:cond delay="0"/>
+                                          </p:stCondLst>
+                                        </p:cTn>
+                                        <p:tgtEl>
+                                          <p:spTgt spid="12"/>
+                                        </p:tgtEl>
+                                        <p:attrNameLst>
+                                          <p:attrName>style.visibility</p:attrName>
+                                        </p:attrNameLst>
+                                      </p:cBhvr>
+                                      <p:to>
+                                        <p:strVal val="visible"/>
+                                      </p:to>
+                                    </p:set>
+                                  </p:childTnLst>
+                                </p:cTn>
+                              </p:par>
+                            </p:childTnLst>
+                          </p:cTn>
+                        </p:par>
+                      </p:childTnLst>
+                    </p:cTn>
+                  </p:par>
+                  <p:par>
+                    <p:cTn id="47" fill="hold">
+                      <p:stCondLst>
+                        <p:cond delay="indefinite"/>
+                      </p:stCondLst>
+                      <p:childTnLst>
+                        <p:par>
+                          <p:cTn id="48" fill="hold">
+                            <p:stCondLst>
+                              <p:cond delay="0"/>
+                            </p:stCondLst>
+                            <p:childTnLst>
+                              <p:par>
+                                <p:cTn id="49" presetID="1" presetClass="entr" presetSubtype="0" fill="hold" nodeType="clickEffect">
+                                  <p:stCondLst>
+                                    <p:cond delay="0"/>
+                                  </p:stCondLst>
+                                  <p:childTnLst>
+                                    <p:set>
+                                      <p:cBhvr>
+                                        <p:cTn id="50" dur="1" fill="hold">
+                                          <p:stCondLst>
+                                            <p:cond delay="0"/>
+                                          </p:stCondLst>
+                                        </p:cTn>
+                                        <p:tgtEl>
+                                          <p:spTgt spid="24"/>
+                                        </p:tgtEl>
+                                        <p:attrNameLst>
+                                          <p:attrName>style.visibility</p:attrName>
+                                        </p:attrNameLst>
+                                      </p:cBhvr>
+                                      <p:to>
+                                        <p:strVal val="visible"/>
+                                      </p:to>
+                                    </p:set>
+                                  </p:childTnLst>
+                                </p:cTn>
+                              </p:par>
+                              <p:par>
+                                <p:cTn id="51" presetID="1" presetClass="entr" presetSubtype="0" fill="hold" nodeType="withEffect">
+                                  <p:stCondLst>
+                                    <p:cond delay="0"/>
+                                  </p:stCondLst>
+                                  <p:childTnLst>
+                                    <p:set>
+                                      <p:cBhvr>
+                                        <p:cTn id="52" dur="1" fill="hold">
+                                          <p:stCondLst>
+                                            <p:cond delay="0"/>
+                                          </p:stCondLst>
+                                        </p:cTn>
+                                        <p:tgtEl>
+                                          <p:spTgt spid="25"/>
+                                        </p:tgtEl>
+                                        <p:attrNameLst>
+                                          <p:attrName>style.visibility</p:attrName>
+                                        </p:attrNameLst>
+                                      </p:cBhvr>
+                                      <p:to>
+                                        <p:strVal val="visible"/>
+                                      </p:to>
+                                    </p:set>
+                                  </p:childTnLst>
+                                </p:cTn>
+                              </p:par>
+                              <p:par>
+                                <p:cTn id="53" presetID="1" presetClass="entr" presetSubtype="0" fill="hold" nodeType="withEffect">
+                                  <p:stCondLst>
+                                    <p:cond delay="0"/>
+                                  </p:stCondLst>
+                                  <p:childTnLst>
+                                    <p:set>
+                                      <p:cBhvr>
+                                        <p:cTn id="54" dur="1" fill="hold">
+                                          <p:stCondLst>
+                                            <p:cond delay="0"/>
+                                          </p:stCondLst>
+                                        </p:cTn>
+                                        <p:tgtEl>
+                                          <p:spTgt spid="26"/>
+                                        </p:tgtEl>
+                                        <p:attrNameLst>
+                                          <p:attrName>style.visibility</p:attrName>
+                                        </p:attrNameLst>
+                                      </p:cBhvr>
+                                      <p:to>
+                                        <p:strVal val="visible"/>
+                                      </p:to>
+                                    </p:set>
+                                  </p:childTnLst>
+                                </p:cTn>
+                              </p:par>
+                              <p:par>
+                                <p:cTn id="55" presetID="1" presetClass="entr" presetSubtype="0" fill="hold" nodeType="withEffect">
+                                  <p:stCondLst>
+                                    <p:cond delay="0"/>
+                                  </p:stCondLst>
+                                  <p:childTnLst>
+                                    <p:set>
+                                      <p:cBhvr>
+                                        <p:cTn id="56" dur="1" fill="hold">
+                                          <p:stCondLst>
+                                            <p:cond delay="0"/>
+                                          </p:stCondLst>
+                                        </p:cTn>
+                                        <p:tgtEl>
+                                          <p:spTgt spid="17"/>
+                                        </p:tgtEl>
+                                        <p:attrNameLst>
+                                          <p:attrName>style.visibility</p:attrName>
+                                        </p:attrNameLst>
+                                      </p:cBhvr>
+                                      <p:to>
+                                        <p:strVal val="visible"/>
+                                      </p:to>
+                                    </p:set>
+                                  </p:childTnLst>
+                                </p:cTn>
+                              </p:par>
+                              <p:par>
+                                <p:cTn id="57" presetID="1" presetClass="entr" presetSubtype="0" fill="hold" grpId="0" nodeType="withEffect">
+                                  <p:stCondLst>
+                                    <p:cond delay="0"/>
+                                  </p:stCondLst>
+                                  <p:childTnLst>
+                                    <p:set>
+                                      <p:cBhvr>
+                                        <p:cTn id="58" dur="1" fill="hold">
+                                          <p:stCondLst>
+                                            <p:cond delay="0"/>
+                                          </p:stCondLst>
+                                        </p:cTn>
+                                        <p:tgtEl>
+                                          <p:spTgt spid="33"/>
+                                        </p:tgtEl>
+                                        <p:attrNameLst>
+                                          <p:attrName>style.visibility</p:attrName>
+                                        </p:attrNameLst>
+                                      </p:cBhvr>
+                                      <p:to>
+                                        <p:strVal val="visible"/>
+                                      </p:to>
+                                    </p:set>
+                                  </p:childTnLst>
+                                </p:cTn>
+                              </p:par>
+                            </p:childTnLst>
+                          </p:cTn>
+                        </p:par>
+                      </p:childTnLst>
+                    </p:cTn>
+                  </p:par>
+                  <p:par>
+                    <p:cTn id="59" fill="hold">
+                      <p:stCondLst>
+                        <p:cond delay="indefinite"/>
+                      </p:stCondLst>
+                      <p:childTnLst>
+                        <p:par>
+                          <p:cTn id="60" fill="hold">
+                            <p:stCondLst>
+                              <p:cond delay="0"/>
+                            </p:stCondLst>
+                            <p:childTnLst>
+                              <p:par>
+                                <p:cTn id="61" presetID="1" presetClass="entr" presetSubtype="0" fill="hold" nodeType="clickEffect">
+                                  <p:stCondLst>
+                                    <p:cond delay="0"/>
+                                  </p:stCondLst>
+                                  <p:childTnLst>
+                                    <p:set>
+                                      <p:cBhvr>
+                                        <p:cTn id="62" dur="1" fill="hold">
+                                          <p:stCondLst>
+                                            <p:cond delay="0"/>
+                                          </p:stCondLst>
+                                        </p:cTn>
+                                        <p:tgtEl>
+                                          <p:spTgt spid="18"/>
+                                        </p:tgtEl>
+                                        <p:attrNameLst>
+                                          <p:attrName>style.visibility</p:attrName>
+                                        </p:attrNameLst>
+                                      </p:cBhvr>
+                                      <p:to>
+                                        <p:strVal val="visible"/>
+                                      </p:to>
+                                    </p:set>
+                                  </p:childTnLst>
+                                </p:cTn>
+                              </p:par>
+                              <p:par>
+                                <p:cTn id="63" presetID="1" presetClass="entr" presetSubtype="0" fill="hold" nodeType="withEffect">
+                                  <p:stCondLst>
+                                    <p:cond delay="0"/>
+                                  </p:stCondLst>
+                                  <p:childTnLst>
+                                    <p:set>
+                                      <p:cBhvr>
+                                        <p:cTn id="64" dur="1" fill="hold">
+                                          <p:stCondLst>
+                                            <p:cond delay="0"/>
+                                          </p:stCondLst>
+                                        </p:cTn>
+                                        <p:tgtEl>
+                                          <p:spTgt spid="27"/>
+                                        </p:tgtEl>
+                                        <p:attrNameLst>
+                                          <p:attrName>style.visibility</p:attrName>
+                                        </p:attrNameLst>
+                                      </p:cBhvr>
+                                      <p:to>
+                                        <p:strVal val="visible"/>
+                                      </p:to>
+                                    </p:set>
+                                  </p:childTnLst>
+                                </p:cTn>
+                              </p:par>
+                              <p:par>
+                                <p:cTn id="65" presetID="1" presetClass="entr" presetSubtype="0" fill="hold" nodeType="withEffect">
+                                  <p:stCondLst>
+                                    <p:cond delay="0"/>
+                                  </p:stCondLst>
+                                  <p:childTnLst>
+                                    <p:set>
+                                      <p:cBhvr>
+                                        <p:cTn id="66" dur="1" fill="hold">
+                                          <p:stCondLst>
+                                            <p:cond delay="0"/>
+                                          </p:stCondLst>
+                                        </p:cTn>
+                                        <p:tgtEl>
+                                          <p:spTgt spid="28"/>
+                                        </p:tgtEl>
+                                        <p:attrNameLst>
+                                          <p:attrName>style.visibility</p:attrName>
+                                        </p:attrNameLst>
+                                      </p:cBhvr>
+                                      <p:to>
+                                        <p:strVal val="visible"/>
+                                      </p:to>
+                                    </p:set>
+                                  </p:childTnLst>
+                                </p:cTn>
+                              </p:par>
+                              <p:par>
+                                <p:cTn id="67" presetID="1" presetClass="entr" presetSubtype="0" fill="hold" grpId="0" nodeType="withEffect">
+                                  <p:stCondLst>
+                                    <p:cond delay="0"/>
+                                  </p:stCondLst>
+                                  <p:childTnLst>
+                                    <p:set>
+                                      <p:cBhvr>
+                                        <p:cTn id="68" dur="1" fill="hold">
+                                          <p:stCondLst>
+                                            <p:cond delay="0"/>
+                                          </p:stCondLst>
+                                        </p:cTn>
+                                        <p:tgtEl>
+                                          <p:spTgt spid="32"/>
+                                        </p:tgtEl>
+                                        <p:attrNameLst>
+                                          <p:attrName>style.visibility</p:attrName>
+                                        </p:attrNameLst>
+                                      </p:cBhvr>
+                                      <p:to>
+                                        <p:strVal val="visible"/>
+                                      </p:to>
+                                    </p:set>
+                                  </p:childTnLst>
+                                </p:cTn>
+                              </p:par>
+                              <p:par>
+                                <p:cTn id="69" presetID="1" presetClass="entr" presetSubtype="0" fill="hold" grpId="0" nodeType="withEffect">
+                                  <p:stCondLst>
+                                    <p:cond delay="0"/>
+                                  </p:stCondLst>
+                                  <p:childTnLst>
+                                    <p:set>
+                                      <p:cBhvr>
+                                        <p:cTn id="70" dur="1" fill="hold">
+                                          <p:stCondLst>
+                                            <p:cond delay="0"/>
+                                          </p:stCondLst>
+                                        </p:cTn>
+                                        <p:tgtEl>
+                                          <p:spTgt spid="36"/>
+                                        </p:tgtEl>
+                                        <p:attrNameLst>
+                                          <p:attrName>style.visibility</p:attrName>
+                                        </p:attrNameLst>
+                                      </p:cBhvr>
+                                      <p:to>
+                                        <p:strVal val="visible"/>
+                                      </p:to>
+                                    </p:set>
+                                  </p:childTnLst>
+                                </p:cTn>
+                              </p:par>
+                              <p:par>
+                                <p:cTn id="71" presetID="1" presetClass="entr" presetSubtype="0" fill="hold" nodeType="withEffect">
+                                  <p:stCondLst>
+                                    <p:cond delay="0"/>
+                                  </p:stCondLst>
+                                  <p:childTnLst>
+                                    <p:set>
+                                      <p:cBhvr>
+                                        <p:cTn id="72" dur="1" fill="hold">
+                                          <p:stCondLst>
+                                            <p:cond delay="0"/>
+                                          </p:stCondLst>
+                                        </p:cTn>
+                                        <p:tgtEl>
+                                          <p:spTgt spid="43"/>
+                                        </p:tgtEl>
+                                        <p:attrNameLst>
+                                          <p:attrName>style.visibility</p:attrName>
+                                        </p:attrNameLst>
+                                      </p:cBhvr>
+                                      <p:to>
+                                        <p:strVal val="visible"/>
+                                      </p:to>
+                                    </p:set>
+                                  </p:childTnLst>
+                                </p:cTn>
+                              </p:par>
+                              <p:par>
+                                <p:cTn id="73" presetID="1" presetClass="entr" presetSubtype="0" fill="hold" nodeType="withEffect">
+                                  <p:stCondLst>
+                                    <p:cond delay="0"/>
+                                  </p:stCondLst>
+                                  <p:childTnLst>
+                                    <p:set>
+                                      <p:cBhvr>
+                                        <p:cTn id="74" dur="1" fill="hold">
+                                          <p:stCondLst>
+                                            <p:cond delay="0"/>
+                                          </p:stCondLst>
+                                        </p:cTn>
+                                        <p:tgtEl>
+                                          <p:spTgt spid="44"/>
+                                        </p:tgtEl>
+                                        <p:attrNameLst>
+                                          <p:attrName>style.visibility</p:attrName>
+                                        </p:attrNameLst>
+                                      </p:cBhvr>
+                                      <p:to>
+                                        <p:strVal val="visible"/>
+                                      </p:to>
+                                    </p:set>
+                                  </p:childTnLst>
+                                </p:cTn>
+                              </p:par>
+                              <p:par>
+                                <p:cTn id="75" presetID="1" presetClass="entr" presetSubtype="0" fill="hold" nodeType="withEffect">
+                                  <p:stCondLst>
+                                    <p:cond delay="0"/>
+                                  </p:stCondLst>
+                                  <p:childTnLst>
+                                    <p:set>
+                                      <p:cBhvr>
+                                        <p:cTn id="76" dur="1" fill="hold">
+                                          <p:stCondLst>
+                                            <p:cond delay="0"/>
+                                          </p:stCondLst>
+                                        </p:cTn>
+                                        <p:tgtEl>
+                                          <p:spTgt spid="45"/>
+                                        </p:tgtEl>
+                                        <p:attrNameLst>
+                                          <p:attrName>style.visibility</p:attrName>
+                                        </p:attrNameLst>
+                                      </p:cBhvr>
+                                      <p:to>
+                                        <p:strVal val="visible"/>
+                                      </p:to>
+                                    </p:set>
+                                  </p:childTnLst>
+                                </p:cTn>
+                              </p:par>
+                              <p:par>
+                                <p:cTn id="77" presetID="1" presetClass="entr" presetSubtype="0" fill="hold" nodeType="withEffect">
+                                  <p:stCondLst>
+                                    <p:cond delay="0"/>
+                                  </p:stCondLst>
+                                  <p:childTnLst>
+                                    <p:set>
+                                      <p:cBhvr>
+                                        <p:cTn id="78" dur="1" fill="hold">
+                                          <p:stCondLst>
+                                            <p:cond delay="0"/>
+                                          </p:stCondLst>
+                                        </p:cTn>
+                                        <p:tgtEl>
+                                          <p:spTgt spid="46"/>
+                                        </p:tgtEl>
+                                        <p:attrNameLst>
+                                          <p:attrName>style.visibility</p:attrName>
+                                        </p:attrNameLst>
+                                      </p:cBhvr>
+                                      <p:to>
+                                        <p:strVal val="visible"/>
+                                      </p:to>
+                                    </p:set>
+                                  </p:childTnLst>
+                                </p:cTn>
+                              </p:par>
+                            </p:childTnLst>
+                          </p:cTn>
+                        </p:par>
+                      </p:childTnLst>
+                    </p:cTn>
+                  </p:par>
+                </p:childTnLst>
+              </p:cTn>
+              <p:prevCondLst>
+                <p:cond evt="onPrev" delay="0">
+                  <p:tgtEl>
+                    <p:sldTgt/>
+                  </p:tgtEl>
+                </p:cond>
+              </p:prevCondLst>
+              <p:nextCondLst>
+                <p:cond evt="onNext" delay="0">
+                  <p:tgtEl>
+                    <p:sldTgt/>
+                  </p:tgtEl>
+                </p:cond>
+              </p:nextCondLst>
+            </p:seq>
+          </p:childTnLst>
+        </p:cTn>
+      </p:par>
+    </p:tnLst>
+    <p:bldLst>
+      <p:bldP spid="29" grpId="0"/>
+      <p:bldP spid="30" grpId="0"/>
+      <p:bldP spid="31" grpId="0"/>
+      <p:bldP spid="32" grpId="0"/>
+      <p:bldP spid="33" grpId="0"/>
+      <p:bldP spid="35" grpId="0"/>
+      <p:bldP spid="36" grpId="0"/>
+      <p:bldP spid="51" grpId="0"/>
+    </p:bldLst>
+  </p:timing>
 </p:sld>
 </file>
 
@@ -8606,6 +10026,333 @@
   <p:clrMapOvr>
     <a:masterClrMapping/>
   </p:clrMapOvr>
+  <p:timing>
+    <p:tnLst>
+      <p:par>
+        <p:cTn id="1" dur="indefinite" restart="never" nodeType="tmRoot">
+          <p:childTnLst>
+            <p:seq concurrent="1" nextAc="seek">
+              <p:cTn id="2" dur="indefinite" nodeType="mainSeq">
+                <p:childTnLst>
+                  <p:par>
+                    <p:cTn id="3" fill="hold">
+                      <p:stCondLst>
+                        <p:cond delay="indefinite"/>
+                      </p:stCondLst>
+                      <p:childTnLst>
+                        <p:par>
+                          <p:cTn id="4" fill="hold">
+                            <p:stCondLst>
+                              <p:cond delay="0"/>
+                            </p:stCondLst>
+                            <p:childTnLst>
+                              <p:par>
+                                <p:cTn id="5" presetID="1" presetClass="entr" presetSubtype="0" fill="hold" nodeType="clickEffect">
+                                  <p:stCondLst>
+                                    <p:cond delay="0"/>
+                                  </p:stCondLst>
+                                  <p:childTnLst>
+                                    <p:set>
+                                      <p:cBhvr>
+                                        <p:cTn id="6" dur="1" fill="hold">
+                                          <p:stCondLst>
+                                            <p:cond delay="0"/>
+                                          </p:stCondLst>
+                                        </p:cTn>
+                                        <p:tgtEl>
+                                          <p:spTgt spid="12"/>
+                                        </p:tgtEl>
+                                        <p:attrNameLst>
+                                          <p:attrName>style.visibility</p:attrName>
+                                        </p:attrNameLst>
+                                      </p:cBhvr>
+                                      <p:to>
+                                        <p:strVal val="visible"/>
+                                      </p:to>
+                                    </p:set>
+                                  </p:childTnLst>
+                                </p:cTn>
+                              </p:par>
+                            </p:childTnLst>
+                          </p:cTn>
+                        </p:par>
+                      </p:childTnLst>
+                    </p:cTn>
+                  </p:par>
+                  <p:par>
+                    <p:cTn id="7" fill="hold">
+                      <p:stCondLst>
+                        <p:cond delay="indefinite"/>
+                      </p:stCondLst>
+                      <p:childTnLst>
+                        <p:par>
+                          <p:cTn id="8" fill="hold">
+                            <p:stCondLst>
+                              <p:cond delay="0"/>
+                            </p:stCondLst>
+                            <p:childTnLst>
+                              <p:par>
+                                <p:cTn id="9" presetID="1" presetClass="entr" presetSubtype="0" fill="hold" nodeType="clickEffect">
+                                  <p:stCondLst>
+                                    <p:cond delay="0"/>
+                                  </p:stCondLst>
+                                  <p:childTnLst>
+                                    <p:set>
+                                      <p:cBhvr>
+                                        <p:cTn id="10" dur="1" fill="hold">
+                                          <p:stCondLst>
+                                            <p:cond delay="0"/>
+                                          </p:stCondLst>
+                                        </p:cTn>
+                                        <p:tgtEl>
+                                          <p:spTgt spid="9"/>
+                                        </p:tgtEl>
+                                        <p:attrNameLst>
+                                          <p:attrName>style.visibility</p:attrName>
+                                        </p:attrNameLst>
+                                      </p:cBhvr>
+                                      <p:to>
+                                        <p:strVal val="visible"/>
+                                      </p:to>
+                                    </p:set>
+                                  </p:childTnLst>
+                                </p:cTn>
+                              </p:par>
+                              <p:par>
+                                <p:cTn id="11" presetID="1" presetClass="entr" presetSubtype="0" fill="hold" nodeType="withEffect">
+                                  <p:stCondLst>
+                                    <p:cond delay="0"/>
+                                  </p:stCondLst>
+                                  <p:childTnLst>
+                                    <p:set>
+                                      <p:cBhvr>
+                                        <p:cTn id="12" dur="1" fill="hold">
+                                          <p:stCondLst>
+                                            <p:cond delay="0"/>
+                                          </p:stCondLst>
+                                        </p:cTn>
+                                        <p:tgtEl>
+                                          <p:spTgt spid="8"/>
+                                        </p:tgtEl>
+                                        <p:attrNameLst>
+                                          <p:attrName>style.visibility</p:attrName>
+                                        </p:attrNameLst>
+                                      </p:cBhvr>
+                                      <p:to>
+                                        <p:strVal val="visible"/>
+                                      </p:to>
+                                    </p:set>
+                                  </p:childTnLst>
+                                </p:cTn>
+                              </p:par>
+                            </p:childTnLst>
+                          </p:cTn>
+                        </p:par>
+                      </p:childTnLst>
+                    </p:cTn>
+                  </p:par>
+                  <p:par>
+                    <p:cTn id="13" fill="hold">
+                      <p:stCondLst>
+                        <p:cond delay="indefinite"/>
+                      </p:stCondLst>
+                      <p:childTnLst>
+                        <p:par>
+                          <p:cTn id="14" fill="hold">
+                            <p:stCondLst>
+                              <p:cond delay="0"/>
+                            </p:stCondLst>
+                            <p:childTnLst>
+                              <p:par>
+                                <p:cTn id="15" presetID="1" presetClass="entr" presetSubtype="0" fill="hold" nodeType="clickEffect">
+                                  <p:stCondLst>
+                                    <p:cond delay="0"/>
+                                  </p:stCondLst>
+                                  <p:childTnLst>
+                                    <p:set>
+                                      <p:cBhvr>
+                                        <p:cTn id="16" dur="1" fill="hold">
+                                          <p:stCondLst>
+                                            <p:cond delay="0"/>
+                                          </p:stCondLst>
+                                        </p:cTn>
+                                        <p:tgtEl>
+                                          <p:spTgt spid="10"/>
+                                        </p:tgtEl>
+                                        <p:attrNameLst>
+                                          <p:attrName>style.visibility</p:attrName>
+                                        </p:attrNameLst>
+                                      </p:cBhvr>
+                                      <p:to>
+                                        <p:strVal val="visible"/>
+                                      </p:to>
+                                    </p:set>
+                                  </p:childTnLst>
+                                </p:cTn>
+                              </p:par>
+                            </p:childTnLst>
+                          </p:cTn>
+                        </p:par>
+                      </p:childTnLst>
+                    </p:cTn>
+                  </p:par>
+                  <p:par>
+                    <p:cTn id="17" fill="hold">
+                      <p:stCondLst>
+                        <p:cond delay="indefinite"/>
+                      </p:stCondLst>
+                      <p:childTnLst>
+                        <p:par>
+                          <p:cTn id="18" fill="hold">
+                            <p:stCondLst>
+                              <p:cond delay="0"/>
+                            </p:stCondLst>
+                            <p:childTnLst>
+                              <p:par>
+                                <p:cTn id="19" presetID="1" presetClass="entr" presetSubtype="0" fill="hold" nodeType="clickEffect">
+                                  <p:stCondLst>
+                                    <p:cond delay="0"/>
+                                  </p:stCondLst>
+                                  <p:childTnLst>
+                                    <p:set>
+                                      <p:cBhvr>
+                                        <p:cTn id="20" dur="1" fill="hold">
+                                          <p:stCondLst>
+                                            <p:cond delay="0"/>
+                                          </p:stCondLst>
+                                        </p:cTn>
+                                        <p:tgtEl>
+                                          <p:spTgt spid="5"/>
+                                        </p:tgtEl>
+                                        <p:attrNameLst>
+                                          <p:attrName>style.visibility</p:attrName>
+                                        </p:attrNameLst>
+                                      </p:cBhvr>
+                                      <p:to>
+                                        <p:strVal val="visible"/>
+                                      </p:to>
+                                    </p:set>
+                                  </p:childTnLst>
+                                </p:cTn>
+                              </p:par>
+                            </p:childTnLst>
+                          </p:cTn>
+                        </p:par>
+                      </p:childTnLst>
+                    </p:cTn>
+                  </p:par>
+                  <p:par>
+                    <p:cTn id="21" fill="hold">
+                      <p:stCondLst>
+                        <p:cond delay="indefinite"/>
+                      </p:stCondLst>
+                      <p:childTnLst>
+                        <p:par>
+                          <p:cTn id="22" fill="hold">
+                            <p:stCondLst>
+                              <p:cond delay="0"/>
+                            </p:stCondLst>
+                            <p:childTnLst>
+                              <p:par>
+                                <p:cTn id="23" presetID="1" presetClass="entr" presetSubtype="0" fill="hold" nodeType="clickEffect">
+                                  <p:stCondLst>
+                                    <p:cond delay="0"/>
+                                  </p:stCondLst>
+                                  <p:childTnLst>
+                                    <p:set>
+                                      <p:cBhvr>
+                                        <p:cTn id="24" dur="1" fill="hold">
+                                          <p:stCondLst>
+                                            <p:cond delay="0"/>
+                                          </p:stCondLst>
+                                        </p:cTn>
+                                        <p:tgtEl>
+                                          <p:spTgt spid="6"/>
+                                        </p:tgtEl>
+                                        <p:attrNameLst>
+                                          <p:attrName>style.visibility</p:attrName>
+                                        </p:attrNameLst>
+                                      </p:cBhvr>
+                                      <p:to>
+                                        <p:strVal val="visible"/>
+                                      </p:to>
+                                    </p:set>
+                                  </p:childTnLst>
+                                </p:cTn>
+                              </p:par>
+                            </p:childTnLst>
+                          </p:cTn>
+                        </p:par>
+                      </p:childTnLst>
+                    </p:cTn>
+                  </p:par>
+                  <p:par>
+                    <p:cTn id="25" fill="hold">
+                      <p:stCondLst>
+                        <p:cond delay="indefinite"/>
+                      </p:stCondLst>
+                      <p:childTnLst>
+                        <p:par>
+                          <p:cTn id="26" fill="hold">
+                            <p:stCondLst>
+                              <p:cond delay="0"/>
+                            </p:stCondLst>
+                            <p:childTnLst>
+                              <p:par>
+                                <p:cTn id="27" presetID="1" presetClass="entr" presetSubtype="0" fill="hold" nodeType="clickEffect">
+                                  <p:stCondLst>
+                                    <p:cond delay="0"/>
+                                  </p:stCondLst>
+                                  <p:childTnLst>
+                                    <p:set>
+                                      <p:cBhvr>
+                                        <p:cTn id="28" dur="1" fill="hold">
+                                          <p:stCondLst>
+                                            <p:cond delay="0"/>
+                                          </p:stCondLst>
+                                        </p:cTn>
+                                        <p:tgtEl>
+                                          <p:spTgt spid="7"/>
+                                        </p:tgtEl>
+                                        <p:attrNameLst>
+                                          <p:attrName>style.visibility</p:attrName>
+                                        </p:attrNameLst>
+                                      </p:cBhvr>
+                                      <p:to>
+                                        <p:strVal val="visible"/>
+                                      </p:to>
+                                    </p:set>
+                                  </p:childTnLst>
+                                </p:cTn>
+                              </p:par>
+                            </p:childTnLst>
+                          </p:cTn>
+                        </p:par>
+                      </p:childTnLst>
+                    </p:cTn>
+                  </p:par>
+                </p:childTnLst>
+              </p:cTn>
+              <p:prevCondLst>
+                <p:cond evt="onPrev" delay="0">
+                  <p:tgtEl>
+                    <p:sldTgt/>
+                  </p:tgtEl>
+                </p:cond>
+              </p:prevCondLst>
+              <p:nextCondLst>
+                <p:cond evt="onNext" delay="0">
+                  <p:tgtEl>
+                    <p:sldTgt/>
+                  </p:tgtEl>
+                </p:cond>
+              </p:nextCondLst>
+            </p:seq>
+          </p:childTnLst>
+        </p:cTn>
+      </p:par>
+    </p:tnLst>
+  </p:timing>
 </p:sld>
 </file>
 
@@ -8970,6 +10717,171 @@
   <p:clrMapOvr>
     <a:masterClrMapping/>
   </p:clrMapOvr>
+  <p:timing>
+    <p:tnLst>
+      <p:par>
+        <p:cTn id="1" dur="indefinite" restart="never" nodeType="tmRoot">
+          <p:childTnLst>
+            <p:seq concurrent="1" nextAc="seek">
+              <p:cTn id="2" dur="indefinite" nodeType="mainSeq">
+                <p:childTnLst>
+                  <p:par>
+                    <p:cTn id="3" fill="hold">
+                      <p:stCondLst>
+                        <p:cond delay="indefinite"/>
+                      </p:stCondLst>
+                      <p:childTnLst>
+                        <p:par>
+                          <p:cTn id="4" fill="hold">
+                            <p:stCondLst>
+                              <p:cond delay="0"/>
+                            </p:stCondLst>
+                            <p:childTnLst>
+                              <p:par>
+                                <p:cTn id="5" presetID="1" presetClass="entr" presetSubtype="0" fill="hold" nodeType="clickEffect">
+                                  <p:stCondLst>
+                                    <p:cond delay="0"/>
+                                  </p:stCondLst>
+                                  <p:childTnLst>
+                                    <p:set>
+                                      <p:cBhvr>
+                                        <p:cTn id="6" dur="1" fill="hold">
+                                          <p:stCondLst>
+                                            <p:cond delay="0"/>
+                                          </p:stCondLst>
+                                        </p:cTn>
+                                        <p:tgtEl>
+                                          <p:spTgt spid="4"/>
+                                        </p:tgtEl>
+                                        <p:attrNameLst>
+                                          <p:attrName>style.visibility</p:attrName>
+                                        </p:attrNameLst>
+                                      </p:cBhvr>
+                                      <p:to>
+                                        <p:strVal val="visible"/>
+                                      </p:to>
+                                    </p:set>
+                                  </p:childTnLst>
+                                </p:cTn>
+                              </p:par>
+                            </p:childTnLst>
+                          </p:cTn>
+                        </p:par>
+                      </p:childTnLst>
+                    </p:cTn>
+                  </p:par>
+                  <p:par>
+                    <p:cTn id="7" fill="hold">
+                      <p:stCondLst>
+                        <p:cond delay="indefinite"/>
+                      </p:stCondLst>
+                      <p:childTnLst>
+                        <p:par>
+                          <p:cTn id="8" fill="hold">
+                            <p:stCondLst>
+                              <p:cond delay="0"/>
+                            </p:stCondLst>
+                            <p:childTnLst>
+                              <p:par>
+                                <p:cTn id="9" presetID="1" presetClass="entr" presetSubtype="0" fill="hold" nodeType="clickEffect">
+                                  <p:stCondLst>
+                                    <p:cond delay="0"/>
+                                  </p:stCondLst>
+                                  <p:childTnLst>
+                                    <p:set>
+                                      <p:cBhvr>
+                                        <p:cTn id="10" dur="1" fill="hold">
+                                          <p:stCondLst>
+                                            <p:cond delay="0"/>
+                                          </p:stCondLst>
+                                        </p:cTn>
+                                        <p:tgtEl>
+                                          <p:spTgt spid="5"/>
+                                        </p:tgtEl>
+                                        <p:attrNameLst>
+                                          <p:attrName>style.visibility</p:attrName>
+                                        </p:attrNameLst>
+                                      </p:cBhvr>
+                                      <p:to>
+                                        <p:strVal val="visible"/>
+                                      </p:to>
+                                    </p:set>
+                                  </p:childTnLst>
+                                </p:cTn>
+                              </p:par>
+                            </p:childTnLst>
+                          </p:cTn>
+                        </p:par>
+                      </p:childTnLst>
+                    </p:cTn>
+                  </p:par>
+                  <p:par>
+                    <p:cTn id="11" fill="hold">
+                      <p:stCondLst>
+                        <p:cond delay="indefinite"/>
+                      </p:stCondLst>
+                      <p:childTnLst>
+                        <p:par>
+                          <p:cTn id="12" fill="hold">
+                            <p:stCondLst>
+                              <p:cond delay="0"/>
+                            </p:stCondLst>
+                            <p:childTnLst>
+                              <p:par>
+                                <p:cTn id="13" presetID="1" presetClass="entr" presetSubtype="0" fill="hold" nodeType="clickEffect">
+                                  <p:stCondLst>
+                                    <p:cond delay="0"/>
+                                  </p:stCondLst>
+                                  <p:childTnLst>
+                                    <p:set>
+                                      <p:cBhvr>
+                                        <p:cTn id="14" dur="1" fill="hold">
+                                          <p:stCondLst>
+                                            <p:cond delay="0"/>
+                                          </p:stCondLst>
+                                        </p:cTn>
+                                        <p:tgtEl>
+                                          <p:spTgt spid="6"/>
+                                        </p:tgtEl>
+                                        <p:attrNameLst>
+                                          <p:attrName>style.visibility</p:attrName>
+                                        </p:attrNameLst>
+                                      </p:cBhvr>
+                                      <p:to>
+                                        <p:strVal val="visible"/>
+                                      </p:to>
+                                    </p:set>
+                                  </p:childTnLst>
+                                </p:cTn>
+                              </p:par>
+                            </p:childTnLst>
+                          </p:cTn>
+                        </p:par>
+                      </p:childTnLst>
+                    </p:cTn>
+                  </p:par>
+                </p:childTnLst>
+              </p:cTn>
+              <p:prevCondLst>
+                <p:cond evt="onPrev" delay="0">
+                  <p:tgtEl>
+                    <p:sldTgt/>
+                  </p:tgtEl>
+                </p:cond>
+              </p:prevCondLst>
+              <p:nextCondLst>
+                <p:cond evt="onNext" delay="0">
+                  <p:tgtEl>
+                    <p:sldTgt/>
+                  </p:tgtEl>
+                </p:cond>
+              </p:nextCondLst>
+            </p:seq>
+          </p:childTnLst>
+        </p:cTn>
+      </p:par>
+    </p:tnLst>
+  </p:timing>
 </p:sld>
 </file>
 

--- a/Documents/CollabTracker_Intro.pptx
+++ b/Documents/CollabTracker_Intro.pptx
@@ -213,7 +213,7 @@
           <a:p>
             <a:fld id="{FA97718F-89D6-460F-AB35-7901F2BF1BD4}" type="datetimeFigureOut">
               <a:rPr lang="en-US" smtClean="0"/>
-              <a:t>7/18/2020</a:t>
+              <a:t>7/19/2020</a:t>
             </a:fld>
             <a:endParaRPr lang="en-US"/>
           </a:p>
@@ -711,7 +711,7 @@
           <a:p>
             <a:fld id="{2C09F9E3-B427-4D6B-BB15-3B05BCFAB196}" type="datetimeFigureOut">
               <a:rPr lang="en-US" smtClean="0"/>
-              <a:t>7/18/2020</a:t>
+              <a:t>7/19/2020</a:t>
             </a:fld>
             <a:endParaRPr lang="en-US"/>
           </a:p>
@@ -909,7 +909,7 @@
           <a:p>
             <a:fld id="{2C09F9E3-B427-4D6B-BB15-3B05BCFAB196}" type="datetimeFigureOut">
               <a:rPr lang="en-US" smtClean="0"/>
-              <a:t>7/18/2020</a:t>
+              <a:t>7/19/2020</a:t>
             </a:fld>
             <a:endParaRPr lang="en-US"/>
           </a:p>
@@ -1117,7 +1117,7 @@
           <a:p>
             <a:fld id="{2C09F9E3-B427-4D6B-BB15-3B05BCFAB196}" type="datetimeFigureOut">
               <a:rPr lang="en-US" smtClean="0"/>
-              <a:t>7/18/2020</a:t>
+              <a:t>7/19/2020</a:t>
             </a:fld>
             <a:endParaRPr lang="en-US"/>
           </a:p>
@@ -1315,7 +1315,7 @@
           <a:p>
             <a:fld id="{2C09F9E3-B427-4D6B-BB15-3B05BCFAB196}" type="datetimeFigureOut">
               <a:rPr lang="en-US" smtClean="0"/>
-              <a:t>7/18/2020</a:t>
+              <a:t>7/19/2020</a:t>
             </a:fld>
             <a:endParaRPr lang="en-US"/>
           </a:p>
@@ -1590,7 +1590,7 @@
           <a:p>
             <a:fld id="{2C09F9E3-B427-4D6B-BB15-3B05BCFAB196}" type="datetimeFigureOut">
               <a:rPr lang="en-US" smtClean="0"/>
-              <a:t>7/18/2020</a:t>
+              <a:t>7/19/2020</a:t>
             </a:fld>
             <a:endParaRPr lang="en-US"/>
           </a:p>
@@ -1855,7 +1855,7 @@
           <a:p>
             <a:fld id="{2C09F9E3-B427-4D6B-BB15-3B05BCFAB196}" type="datetimeFigureOut">
               <a:rPr lang="en-US" smtClean="0"/>
-              <a:t>7/18/2020</a:t>
+              <a:t>7/19/2020</a:t>
             </a:fld>
             <a:endParaRPr lang="en-US"/>
           </a:p>
@@ -2267,7 +2267,7 @@
           <a:p>
             <a:fld id="{2C09F9E3-B427-4D6B-BB15-3B05BCFAB196}" type="datetimeFigureOut">
               <a:rPr lang="en-US" smtClean="0"/>
-              <a:t>7/18/2020</a:t>
+              <a:t>7/19/2020</a:t>
             </a:fld>
             <a:endParaRPr lang="en-US"/>
           </a:p>
@@ -2408,7 +2408,7 @@
           <a:p>
             <a:fld id="{2C09F9E3-B427-4D6B-BB15-3B05BCFAB196}" type="datetimeFigureOut">
               <a:rPr lang="en-US" smtClean="0"/>
-              <a:t>7/18/2020</a:t>
+              <a:t>7/19/2020</a:t>
             </a:fld>
             <a:endParaRPr lang="en-US"/>
           </a:p>
@@ -2521,7 +2521,7 @@
           <a:p>
             <a:fld id="{2C09F9E3-B427-4D6B-BB15-3B05BCFAB196}" type="datetimeFigureOut">
               <a:rPr lang="en-US" smtClean="0"/>
-              <a:t>7/18/2020</a:t>
+              <a:t>7/19/2020</a:t>
             </a:fld>
             <a:endParaRPr lang="en-US"/>
           </a:p>
@@ -2832,7 +2832,7 @@
           <a:p>
             <a:fld id="{2C09F9E3-B427-4D6B-BB15-3B05BCFAB196}" type="datetimeFigureOut">
               <a:rPr lang="en-US" smtClean="0"/>
-              <a:t>7/18/2020</a:t>
+              <a:t>7/19/2020</a:t>
             </a:fld>
             <a:endParaRPr lang="en-US"/>
           </a:p>
@@ -3120,7 +3120,7 @@
           <a:p>
             <a:fld id="{2C09F9E3-B427-4D6B-BB15-3B05BCFAB196}" type="datetimeFigureOut">
               <a:rPr lang="en-US" smtClean="0"/>
-              <a:t>7/18/2020</a:t>
+              <a:t>7/19/2020</a:t>
             </a:fld>
             <a:endParaRPr lang="en-US"/>
           </a:p>
@@ -3366,7 +3366,7 @@
           <a:p>
             <a:fld id="{2C09F9E3-B427-4D6B-BB15-3B05BCFAB196}" type="datetimeFigureOut">
               <a:rPr lang="en-US" smtClean="0"/>
-              <a:t>7/18/2020</a:t>
+              <a:t>7/19/2020</a:t>
             </a:fld>
             <a:endParaRPr lang="en-US"/>
           </a:p>
@@ -6893,19 +6893,19 @@
         </p:spPr>
         <p:txBody>
           <a:bodyPr>
-            <a:normAutofit fontScale="92500"/>
+            <a:normAutofit/>
           </a:bodyPr>
           <a:lstStyle/>
           <a:p>
             <a:r>
               <a:rPr lang="en-US" dirty="0"/>
-              <a:t>Provides a simple platform for requesting, authoring and publishing info.</a:t>
+              <a:t>It distributes the compute processes aptly amongst user’s desktop, Doc Centrals, catalog processors and extended processing servers.</a:t>
             </a:r>
           </a:p>
           <a:p>
             <a:r>
               <a:rPr lang="en-US" dirty="0"/>
-              <a:t>Based on the De-Clouding principle</a:t>
+              <a:t>Performs De-Clouding</a:t>
             </a:r>
           </a:p>
           <a:p>
@@ -6928,13 +6928,7 @@
             </a:r>
             <a:r>
               <a:rPr lang="en-US" dirty="0"/>
-              <a:t> brings cloud data closer to users.</a:t>
-            </a:r>
-          </a:p>
-          <a:p>
-            <a:r>
-              <a:rPr lang="en-US" dirty="0"/>
-              <a:t>Attempts to distribute workload amongst user’s desktop, Doc Centrals, catalog processors and extended processing servers.</a:t>
+              <a:t> brings the business data from cloud closer to users.</a:t>
             </a:r>
           </a:p>
           <a:p>
@@ -6962,13 +6956,7 @@
             </a:r>
             <a:r>
               <a:rPr lang="en-US" dirty="0"/>
-              <a:t> framework for defining information at enterprise level.</a:t>
-            </a:r>
-          </a:p>
-          <a:p>
-            <a:r>
-              <a:rPr lang="en-US" dirty="0"/>
-              <a:t>Any software engineer can easily add newer content-types.</a:t>
+              <a:t> framework which any software engineer can easily add newer content-types.</a:t>
             </a:r>
           </a:p>
         </p:txBody>
@@ -9588,7 +9576,15 @@
             </a:r>
             <a:r>
               <a:rPr lang="en-US" sz="1800" dirty="0"/>
-              <a:t> party content-repositories to host the published artifacts at Content Root and content-type specifications at Platform Root. Current version is designed to support Google Drive, Windows file system and WebDAV enabled storage services such as </a:t>
+              <a:t> </a:t>
+            </a:r>
+            <a:r>
+              <a:rPr lang="en-US" sz="1800"/>
+              <a:t>party content-repository </a:t>
+            </a:r>
+            <a:r>
+              <a:rPr lang="en-US" sz="1800" dirty="0"/>
+              <a:t>to host the published artifacts at Content Root and content-type specifications at Platform Root. Current version is designed to support Google Drive, Windows file system and WebDAV enabled storage services such as </a:t>
             </a:r>
             <a:r>
               <a:rPr lang="en-US" sz="1800" dirty="0" err="1"/>
